--- a/Assignments/Week_8/Poster.pptx
+++ b/Assignments/Week_8/Poster.pptx
@@ -8,13 +8,14 @@
     <p:sldMasterId id="2147483660" r:id="rId4"/>
   </p:sldMasterIdLst>
   <p:notesMasterIdLst>
-    <p:notesMasterId r:id="rId6"/>
+    <p:notesMasterId r:id="rId7"/>
   </p:notesMasterIdLst>
   <p:handoutMasterIdLst>
-    <p:handoutMasterId r:id="rId7"/>
+    <p:handoutMasterId r:id="rId8"/>
   </p:handoutMasterIdLst>
   <p:sldIdLst>
     <p:sldId id="256" r:id="rId5"/>
+    <p:sldId id="257" r:id="rId6"/>
   </p:sldIdLst>
   <p:sldSz cx="43891200" cy="32918400"/>
   <p:notesSz cx="6858000" cy="9144000"/>
@@ -115,7 +116,7 @@
   </p:defaultTextStyle>
   <p:extLst>
     <p:ext uri="{EFAFB233-063F-42B5-8137-9DF3F51BA10A}">
-      <p15:sldGuideLst xmlns="" xmlns:p15="http://schemas.microsoft.com/office/powerpoint/2012/main">
+      <p15:sldGuideLst xmlns:p15="http://schemas.microsoft.com/office/powerpoint/2012/main">
         <p15:guide id="1" orient="horz" pos="3318">
           <p15:clr>
             <a:srgbClr val="A4A3A4"/>
@@ -149,7 +150,7 @@
       </p15:sldGuideLst>
     </p:ext>
     <p:ext uri="{2D200454-40CA-4A62-9FC3-DE9A4176ACB9}">
-      <p15:notesGuideLst xmlns="" xmlns:p15="http://schemas.microsoft.com/office/powerpoint/2012/main">
+      <p15:notesGuideLst xmlns:p15="http://schemas.microsoft.com/office/powerpoint/2012/main">
         <p15:guide id="1" orient="horz" pos="2880">
           <p15:clr>
             <a:srgbClr val="A4A3A4"/>
@@ -258,7 +259,7 @@
             <a:fld id="{0158C5BC-9A70-462C-B28D-9600239EAC64}" type="datetimeFigureOut">
               <a:rPr lang="en-US" smtClean="0"/>
               <a:pPr/>
-              <a:t>7/30/2015</a:t>
+              <a:t>7/13/16</a:t>
             </a:fld>
             <a:endParaRPr lang="en-US" dirty="0"/>
           </a:p>
@@ -325,7 +326,7 @@
             <a:fld id="{79C131B7-05CA-4AEE-9267-6D0ED4DC84F3}" type="slidenum">
               <a:rPr lang="en-US" smtClean="0"/>
               <a:pPr/>
-              <a:t>‹Nº›</a:t>
+              <a:t>‹#›</a:t>
             </a:fld>
             <a:endParaRPr lang="en-US" dirty="0"/>
           </a:p>
@@ -425,7 +426,7 @@
             <a:fld id="{E6CC2317-6751-4CD4-9995-8782DD78E936}" type="datetimeFigureOut">
               <a:rPr lang="en-US" smtClean="0"/>
               <a:pPr/>
-              <a:t>7/30/2015</a:t>
+              <a:t>7/13/16</a:t>
             </a:fld>
             <a:endParaRPr lang="en-US" dirty="0"/>
           </a:p>
@@ -587,7 +588,7 @@
             <a:fld id="{26A1A87D-CAF7-4BDC-A0D3-C0DBEDE81619}" type="slidenum">
               <a:rPr lang="en-US" smtClean="0"/>
               <a:pPr/>
-              <a:t>‹Nº›</a:t>
+              <a:t>‹#›</a:t>
             </a:fld>
             <a:endParaRPr lang="en-US" dirty="0"/>
           </a:p>
@@ -774,6 +775,93 @@
     <p:extLst>
       <p:ext uri="{BB962C8B-B14F-4D97-AF65-F5344CB8AC3E}">
         <p14:creationId xmlns:p14="http://schemas.microsoft.com/office/powerpoint/2010/main" val="2410307044"/>
+      </p:ext>
+    </p:extLst>
+  </p:cSld>
+  <p:clrMapOvr>
+    <a:masterClrMapping/>
+  </p:clrMapOvr>
+</p:notes>
+</file>
+
+<file path=ppt/notesSlides/notesSlide2.xml><?xml version="1.0" encoding="utf-8"?>
+<p:notes xmlns:a="http://schemas.openxmlformats.org/drawingml/2006/main" xmlns:r="http://schemas.openxmlformats.org/officeDocument/2006/relationships" xmlns:p="http://schemas.openxmlformats.org/presentationml/2006/main">
+  <p:cSld>
+    <p:spTree>
+      <p:nvGrpSpPr>
+        <p:cNvPr id="1" name=""/>
+        <p:cNvGrpSpPr/>
+        <p:nvPr/>
+      </p:nvGrpSpPr>
+      <p:grpSpPr>
+        <a:xfrm>
+          <a:off x="0" y="0"/>
+          <a:ext cx="0" cy="0"/>
+          <a:chOff x="0" y="0"/>
+          <a:chExt cx="0" cy="0"/>
+        </a:xfrm>
+      </p:grpSpPr>
+      <p:sp>
+        <p:nvSpPr>
+          <p:cNvPr id="2" name="Slide Image Placeholder 1"/>
+          <p:cNvSpPr>
+            <a:spLocks noGrp="1" noRot="1" noChangeAspect="1"/>
+          </p:cNvSpPr>
+          <p:nvPr>
+            <p:ph type="sldImg"/>
+          </p:nvPr>
+        </p:nvSpPr>
+        <p:spPr/>
+      </p:sp>
+      <p:sp>
+        <p:nvSpPr>
+          <p:cNvPr id="3" name="Notes Placeholder 2"/>
+          <p:cNvSpPr>
+            <a:spLocks noGrp="1"/>
+          </p:cNvSpPr>
+          <p:nvPr>
+            <p:ph type="body" idx="1"/>
+          </p:nvPr>
+        </p:nvSpPr>
+        <p:spPr/>
+        <p:txBody>
+          <a:bodyPr>
+            <a:normAutofit/>
+          </a:bodyPr>
+          <a:lstStyle/>
+          <a:p>
+            <a:endParaRPr lang="en-US" dirty="0"/>
+          </a:p>
+        </p:txBody>
+      </p:sp>
+      <p:sp>
+        <p:nvSpPr>
+          <p:cNvPr id="4" name="Slide Number Placeholder 3"/>
+          <p:cNvSpPr>
+            <a:spLocks noGrp="1"/>
+          </p:cNvSpPr>
+          <p:nvPr>
+            <p:ph type="sldNum" sz="quarter" idx="10"/>
+          </p:nvPr>
+        </p:nvSpPr>
+        <p:spPr/>
+        <p:txBody>
+          <a:bodyPr/>
+          <a:lstStyle/>
+          <a:p>
+            <a:fld id="{26A1A87D-CAF7-4BDC-A0D3-C0DBEDE81619}" type="slidenum">
+              <a:rPr lang="en-US" smtClean="0"/>
+              <a:pPr/>
+              <a:t>2</a:t>
+            </a:fld>
+            <a:endParaRPr lang="en-US" dirty="0"/>
+          </a:p>
+        </p:txBody>
+      </p:sp>
+    </p:spTree>
+    <p:extLst>
+      <p:ext uri="{BB962C8B-B14F-4D97-AF65-F5344CB8AC3E}">
+        <p14:creationId xmlns:p14="http://schemas.microsoft.com/office/powerpoint/2010/main" val="34992331"/>
       </p:ext>
     </p:extLst>
   </p:cSld>
@@ -6492,7 +6580,7 @@
               <a:graphicData uri="http://schemas.openxmlformats.org/presentationml/2006/ole">
                 <mc:AlternateContent xmlns:mc="http://schemas.openxmlformats.org/markup-compatibility/2006">
                   <mc:Choice xmlns:v="urn:schemas-microsoft-com:vml" Requires="v">
-                    <p:oleObj spid="_x0000_s1162" name="Image" r:id="rId8" imgW="1828440" imgH="1117440" progId="Photoshop.Image.13">
+                    <p:oleObj spid="_x0000_s1279" name="Image" r:id="rId8" imgW="1828440" imgH="1117440" progId="Photoshop.Image.13">
                       <p:embed/>
                     </p:oleObj>
                   </mc:Choice>
@@ -6549,7 +6637,7 @@
               <a:graphicData uri="http://schemas.openxmlformats.org/presentationml/2006/ole">
                 <mc:AlternateContent xmlns:mc="http://schemas.openxmlformats.org/markup-compatibility/2006">
                   <mc:Choice xmlns:v="urn:schemas-microsoft-com:vml" Requires="v">
-                    <p:oleObj spid="_x0000_s1163" name="Image" r:id="rId10" imgW="1828440" imgH="1117440" progId="Photoshop.Image.13">
+                    <p:oleObj spid="_x0000_s1280" name="Image" r:id="rId10" imgW="1828440" imgH="1117440" progId="Photoshop.Image.13">
                       <p:embed/>
                     </p:oleObj>
                   </mc:Choice>
@@ -7677,7 +7765,7 @@
             <a:graphicData uri="http://schemas.openxmlformats.org/presentationml/2006/ole">
               <mc:AlternateContent xmlns:mc="http://schemas.openxmlformats.org/markup-compatibility/2006">
                 <mc:Choice xmlns:v="urn:schemas-microsoft-com:vml" Requires="v">
-                  <p:oleObj spid="_x0000_s1164" name="Image" r:id="rId12" imgW="4571280" imgH="1688760" progId="Photoshop.Image.13">
+                  <p:oleObj spid="_x0000_s1281" name="Image" r:id="rId12" imgW="4571280" imgH="1688760" progId="Photoshop.Image.13">
                     <p:embed/>
                   </p:oleObj>
                 </mc:Choice>
@@ -7761,7 +7849,7 @@
             <a:graphicData uri="http://schemas.openxmlformats.org/presentationml/2006/ole">
               <mc:AlternateContent xmlns:mc="http://schemas.openxmlformats.org/markup-compatibility/2006">
                 <mc:Choice xmlns:v="urn:schemas-microsoft-com:vml" Requires="v">
-                  <p:oleObj spid="_x0000_s1165" name="Image" r:id="rId15" imgW="1574280" imgH="1053720" progId="Photoshop.Image.13">
+                  <p:oleObj spid="_x0000_s1282" name="Image" r:id="rId15" imgW="1574280" imgH="1053720" progId="Photoshop.Image.13">
                     <p:embed/>
                   </p:oleObj>
                 </mc:Choice>
@@ -9846,7 +9934,7 @@
             <a:graphicData uri="http://schemas.openxmlformats.org/presentationml/2006/ole">
               <mc:AlternateContent xmlns:mc="http://schemas.openxmlformats.org/markup-compatibility/2006">
                 <mc:Choice xmlns:v="urn:schemas-microsoft-com:vml" Requires="v">
-                  <p:oleObj spid="_x0000_s2186" name="Image" r:id="rId4" imgW="4571280" imgH="1688760" progId="Photoshop.Image.13">
+                  <p:oleObj spid="_x0000_s2303" name="Image" r:id="rId4" imgW="4571280" imgH="1688760" progId="Photoshop.Image.13">
                     <p:embed/>
                   </p:oleObj>
                 </mc:Choice>
@@ -9930,7 +10018,7 @@
             <a:graphicData uri="http://schemas.openxmlformats.org/presentationml/2006/ole">
               <mc:AlternateContent xmlns:mc="http://schemas.openxmlformats.org/markup-compatibility/2006">
                 <mc:Choice xmlns:v="urn:schemas-microsoft-com:vml" Requires="v">
-                  <p:oleObj spid="_x0000_s2187" name="Image" r:id="rId7" imgW="1574280" imgH="1053720" progId="Photoshop.Image.13">
+                  <p:oleObj spid="_x0000_s2304" name="Image" r:id="rId7" imgW="1574280" imgH="1053720" progId="Photoshop.Image.13">
                     <p:embed/>
                   </p:oleObj>
                 </mc:Choice>
@@ -11452,7 +11540,7 @@
               <a:graphicData uri="http://schemas.openxmlformats.org/presentationml/2006/ole">
                 <mc:AlternateContent xmlns:mc="http://schemas.openxmlformats.org/markup-compatibility/2006">
                   <mc:Choice xmlns:v="urn:schemas-microsoft-com:vml" Requires="v">
-                    <p:oleObj spid="_x0000_s2188" name="Image" r:id="rId15" imgW="1828440" imgH="1117440" progId="Photoshop.Image.13">
+                    <p:oleObj spid="_x0000_s2305" name="Image" r:id="rId15" imgW="1828440" imgH="1117440" progId="Photoshop.Image.13">
                       <p:embed/>
                     </p:oleObj>
                   </mc:Choice>
@@ -11509,7 +11597,7 @@
               <a:graphicData uri="http://schemas.openxmlformats.org/presentationml/2006/ole">
                 <mc:AlternateContent xmlns:mc="http://schemas.openxmlformats.org/markup-compatibility/2006">
                   <mc:Choice xmlns:v="urn:schemas-microsoft-com:vml" Requires="v">
-                    <p:oleObj spid="_x0000_s2189" name="Image" r:id="rId17" imgW="1828440" imgH="1117440" progId="Photoshop.Image.13">
+                    <p:oleObj spid="_x0000_s2306" name="Image" r:id="rId17" imgW="1828440" imgH="1117440" progId="Photoshop.Image.13">
                       <p:embed/>
                     </p:oleObj>
                   </mc:Choice>
@@ -13337,7 +13425,7 @@
             <a:graphicData uri="http://schemas.openxmlformats.org/presentationml/2006/ole">
               <mc:AlternateContent xmlns:mc="http://schemas.openxmlformats.org/markup-compatibility/2006">
                 <mc:Choice xmlns:v="urn:schemas-microsoft-com:vml" Requires="v">
-                  <p:oleObj spid="_x0000_s3210" name="Image" r:id="rId4" imgW="4571280" imgH="1688760" progId="Photoshop.Image.13">
+                  <p:oleObj spid="_x0000_s3327" name="Image" r:id="rId4" imgW="4571280" imgH="1688760" progId="Photoshop.Image.13">
                     <p:embed/>
                   </p:oleObj>
                 </mc:Choice>
@@ -13421,7 +13509,7 @@
             <a:graphicData uri="http://schemas.openxmlformats.org/presentationml/2006/ole">
               <mc:AlternateContent xmlns:mc="http://schemas.openxmlformats.org/markup-compatibility/2006">
                 <mc:Choice xmlns:v="urn:schemas-microsoft-com:vml" Requires="v">
-                  <p:oleObj spid="_x0000_s3211" name="Image" r:id="rId7" imgW="1574280" imgH="1053720" progId="Photoshop.Image.13">
+                  <p:oleObj spid="_x0000_s3328" name="Image" r:id="rId7" imgW="1574280" imgH="1053720" progId="Photoshop.Image.13">
                     <p:embed/>
                   </p:oleObj>
                 </mc:Choice>
@@ -14943,7 +15031,7 @@
               <a:graphicData uri="http://schemas.openxmlformats.org/presentationml/2006/ole">
                 <mc:AlternateContent xmlns:mc="http://schemas.openxmlformats.org/markup-compatibility/2006">
                   <mc:Choice xmlns:v="urn:schemas-microsoft-com:vml" Requires="v">
-                    <p:oleObj spid="_x0000_s3212" name="Image" r:id="rId15" imgW="1828440" imgH="1117440" progId="Photoshop.Image.13">
+                    <p:oleObj spid="_x0000_s3329" name="Image" r:id="rId15" imgW="1828440" imgH="1117440" progId="Photoshop.Image.13">
                       <p:embed/>
                     </p:oleObj>
                   </mc:Choice>
@@ -15000,7 +15088,7 @@
               <a:graphicData uri="http://schemas.openxmlformats.org/presentationml/2006/ole">
                 <mc:AlternateContent xmlns:mc="http://schemas.openxmlformats.org/markup-compatibility/2006">
                   <mc:Choice xmlns:v="urn:schemas-microsoft-com:vml" Requires="v">
-                    <p:oleObj spid="_x0000_s3213" name="Image" r:id="rId17" imgW="1828440" imgH="1117440" progId="Photoshop.Image.13">
+                    <p:oleObj spid="_x0000_s3330" name="Image" r:id="rId17" imgW="1828440" imgH="1117440" progId="Photoshop.Image.13">
                       <p:embed/>
                     </p:oleObj>
                   </mc:Choice>
@@ -16541,7 +16629,7 @@
               <a:t>Tripathy</a:t>
             </a:r>
             <a:r>
-              <a:rPr lang="en-US" baseline="30000" smtClean="0">
+              <a:rPr lang="en-US" baseline="30000" dirty="0" smtClean="0">
                 <a:solidFill>
                   <a:schemeClr val="tx1"/>
                 </a:solidFill>
@@ -16551,14 +16639,24 @@
               <a:t>†</a:t>
             </a:r>
             <a:r>
-              <a:rPr lang="en-US" smtClean="0">
+              <a:rPr lang="en-US" dirty="0" smtClean="0">
                 <a:solidFill>
                   <a:schemeClr val="tx1"/>
                 </a:solidFill>
                 <a:latin typeface="Arial" panose="020B0604020202020204" pitchFamily="34" charset="0"/>
                 <a:cs typeface="Arial" panose="020B0604020202020204" pitchFamily="34" charset="0"/>
               </a:rPr>
-              <a:t>, Ilias</a:t>
+              <a:t>, </a:t>
+            </a:r>
+            <a:r>
+              <a:rPr lang="en-US" dirty="0" err="1" smtClean="0">
+                <a:solidFill>
+                  <a:schemeClr val="tx1"/>
+                </a:solidFill>
+                <a:latin typeface="Arial" panose="020B0604020202020204" pitchFamily="34" charset="0"/>
+                <a:cs typeface="Arial" panose="020B0604020202020204" pitchFamily="34" charset="0"/>
+              </a:rPr>
+              <a:t>Ilias</a:t>
             </a:r>
             <a:r>
               <a:rPr lang="en-US" dirty="0" smtClean="0">
@@ -19251,7 +19349,7 @@
                       <m:sSubPr>
                         <m:ctrlPr>
                           <a:rPr lang="en-US" sz="4800" i="1" smtClean="0">
-                            <a:latin typeface="Cambria Math"/>
+                            <a:latin typeface="Cambria Math" charset="0"/>
                           </a:rPr>
                         </m:ctrlPr>
                       </m:sSubPr>
@@ -19299,7 +19397,7 @@
                       <m:sSubPr>
                         <m:ctrlPr>
                           <a:rPr lang="en-US" sz="4800" i="1">
-                            <a:latin typeface="Cambria Math"/>
+                            <a:latin typeface="Cambria Math" charset="0"/>
                           </a:rPr>
                         </m:ctrlPr>
                       </m:sSubPr>
@@ -19344,7 +19442,7 @@
                       <m:sSubPr>
                         <m:ctrlPr>
                           <a:rPr lang="es-CO" sz="4800" b="0" i="1" smtClean="0">
-                            <a:latin typeface="Cambria Math"/>
+                            <a:latin typeface="Cambria Math" charset="0"/>
                             <a:ea typeface="Cambria Math"/>
                           </a:rPr>
                         </m:ctrlPr>
@@ -19355,7 +19453,7 @@
                             <m:chr m:val="̇"/>
                             <m:ctrlPr>
                               <a:rPr lang="es-CO" sz="4800" b="0" i="1" smtClean="0">
-                                <a:latin typeface="Cambria Math"/>
+                                <a:latin typeface="Cambria Math" charset="0"/>
                                 <a:ea typeface="Cambria Math"/>
                               </a:rPr>
                             </m:ctrlPr>
@@ -19392,7 +19490,7 @@
                       <m:fPr>
                         <m:ctrlPr>
                           <a:rPr lang="es-CO" sz="4800" b="0" i="1" smtClean="0">
-                            <a:latin typeface="Cambria Math"/>
+                            <a:latin typeface="Cambria Math" charset="0"/>
                             <a:ea typeface="Cambria Math"/>
                           </a:rPr>
                         </m:ctrlPr>
@@ -19409,7 +19507,7 @@
                           <m:sSupPr>
                             <m:ctrlPr>
                               <a:rPr lang="es-CO" sz="4800" i="1">
-                                <a:latin typeface="Cambria Math"/>
+                                <a:latin typeface="Cambria Math" charset="0"/>
                                 <a:ea typeface="Cambria Math"/>
                               </a:rPr>
                             </m:ctrlPr>
@@ -19469,7 +19567,7 @@
                       <m:sSubPr>
                         <m:ctrlPr>
                           <a:rPr lang="es-CO" sz="4800" b="0" i="1" smtClean="0">
-                            <a:latin typeface="Cambria Math"/>
+                            <a:latin typeface="Cambria Math" charset="0"/>
                             <a:ea typeface="Cambria Math"/>
                           </a:rPr>
                         </m:ctrlPr>
@@ -19519,7 +19617,7 @@
                         <m:sSubPr>
                           <m:ctrlPr>
                             <a:rPr lang="en-US" sz="4800" i="1">
-                              <a:latin typeface="Cambria Math"/>
+                              <a:latin typeface="Cambria Math" charset="0"/>
                             </a:rPr>
                           </m:ctrlPr>
                         </m:sSubPr>
@@ -19566,7 +19664,7 @@
                         <m:sSubPr>
                           <m:ctrlPr>
                             <a:rPr lang="es-CO" sz="4800" i="1">
-                              <a:latin typeface="Cambria Math"/>
+                              <a:latin typeface="Cambria Math" charset="0"/>
                               <a:ea typeface="Cambria Math"/>
                             </a:rPr>
                           </m:ctrlPr>
@@ -19577,7 +19675,7 @@
                               <m:chr m:val="̇"/>
                               <m:ctrlPr>
                                 <a:rPr lang="es-CO" sz="4800" i="1">
-                                  <a:latin typeface="Cambria Math"/>
+                                  <a:latin typeface="Cambria Math" charset="0"/>
                                   <a:ea typeface="Cambria Math"/>
                                 </a:rPr>
                               </m:ctrlPr>
@@ -19628,7 +19726,7 @@
                         <m:fPr>
                           <m:ctrlPr>
                             <a:rPr lang="es-CO" sz="4800" i="1">
-                              <a:latin typeface="Cambria Math"/>
+                              <a:latin typeface="Cambria Math" charset="0"/>
                               <a:ea typeface="Cambria Math"/>
                             </a:rPr>
                           </m:ctrlPr>
@@ -19645,7 +19743,7 @@
                             <m:dPr>
                               <m:ctrlPr>
                                 <a:rPr lang="es-CO" sz="4800" i="1">
-                                  <a:latin typeface="Cambria Math"/>
+                                  <a:latin typeface="Cambria Math" charset="0"/>
                                   <a:ea typeface="Cambria Math"/>
                                 </a:rPr>
                               </m:ctrlPr>
@@ -19655,7 +19753,7 @@
                                 <m:sSubPr>
                                   <m:ctrlPr>
                                     <a:rPr lang="es-CO" sz="4800" i="1">
-                                      <a:latin typeface="Cambria Math"/>
+                                      <a:latin typeface="Cambria Math" charset="0"/>
                                       <a:ea typeface="Cambria Math"/>
                                     </a:rPr>
                                   </m:ctrlPr>
@@ -19706,7 +19804,7 @@
                             <m:sSubPr>
                               <m:ctrlPr>
                                 <a:rPr lang="es-CO" sz="4800" i="1">
-                                  <a:latin typeface="Cambria Math"/>
+                                  <a:latin typeface="Cambria Math" charset="0"/>
                                   <a:ea typeface="Cambria Math"/>
                                 </a:rPr>
                               </m:ctrlPr>
@@ -22055,6 +22153,2684 @@
     <p:extLst>
       <p:ext uri="{BB962C8B-B14F-4D97-AF65-F5344CB8AC3E}">
         <p14:creationId xmlns:p14="http://schemas.microsoft.com/office/powerpoint/2010/main" val="3425218134"/>
+      </p:ext>
+    </p:extLst>
+  </p:cSld>
+  <p:clrMapOvr>
+    <a:masterClrMapping/>
+  </p:clrMapOvr>
+  <p:timing>
+    <p:tnLst>
+      <p:par>
+        <p:cTn id="1" dur="indefinite" restart="never" nodeType="tmRoot"/>
+      </p:par>
+    </p:tnLst>
+  </p:timing>
+</p:sld>
+</file>
+
+<file path=ppt/slides/slide2.xml><?xml version="1.0" encoding="utf-8"?>
+<p:sld xmlns:a="http://schemas.openxmlformats.org/drawingml/2006/main" xmlns:r="http://schemas.openxmlformats.org/officeDocument/2006/relationships" xmlns:p="http://schemas.openxmlformats.org/presentationml/2006/main">
+  <p:cSld>
+    <p:spTree>
+      <p:nvGrpSpPr>
+        <p:cNvPr id="1" name=""/>
+        <p:cNvGrpSpPr/>
+        <p:nvPr/>
+      </p:nvGrpSpPr>
+      <p:grpSpPr>
+        <a:xfrm>
+          <a:off x="0" y="0"/>
+          <a:ext cx="0" cy="0"/>
+          <a:chOff x="0" y="0"/>
+          <a:chExt cx="0" cy="0"/>
+        </a:xfrm>
+      </p:grpSpPr>
+      <p:sp>
+        <p:nvSpPr>
+          <p:cNvPr id="16" name="15 Marcador de texto"/>
+          <p:cNvSpPr>
+            <a:spLocks noGrp="1"/>
+          </p:cNvSpPr>
+          <p:nvPr>
+            <p:ph type="body" sz="quarter" idx="150"/>
+          </p:nvPr>
+        </p:nvSpPr>
+        <p:spPr>
+          <a:xfrm>
+            <a:off x="10577745" y="3383947"/>
+            <a:ext cx="30606831" cy="1280160"/>
+          </a:xfrm>
+        </p:spPr>
+        <p:txBody>
+          <a:bodyPr>
+            <a:normAutofit fontScale="40000" lnSpcReduction="20000"/>
+          </a:bodyPr>
+          <a:lstStyle/>
+          <a:p>
+            <a:pPr algn="r"/>
+            <a:r>
+              <a:rPr lang="en-US" baseline="30000" dirty="0" smtClean="0">
+                <a:solidFill>
+                  <a:schemeClr val="tx1"/>
+                </a:solidFill>
+                <a:latin typeface="Arial" panose="020B0604020202020204" pitchFamily="34" charset="0"/>
+                <a:cs typeface="Arial" panose="020B0604020202020204" pitchFamily="34" charset="0"/>
+              </a:rPr>
+              <a:t>*</a:t>
+            </a:r>
+            <a:r>
+              <a:rPr lang="en-US" dirty="0" smtClean="0">
+                <a:solidFill>
+                  <a:schemeClr val="tx1"/>
+                </a:solidFill>
+                <a:latin typeface="Arial" panose="020B0604020202020204" pitchFamily="34" charset="0"/>
+                <a:cs typeface="Arial" panose="020B0604020202020204" pitchFamily="34" charset="0"/>
+              </a:rPr>
+              <a:t>Department of Electric and Electronic Engineering, University of Los Andes, Bogota DC, Bogota, 111711, Colombia</a:t>
+            </a:r>
+          </a:p>
+          <a:p>
+            <a:pPr algn="r"/>
+            <a:r>
+              <a:rPr lang="en-US" baseline="30000" dirty="0" smtClean="0">
+                <a:solidFill>
+                  <a:schemeClr val="tx1"/>
+                </a:solidFill>
+                <a:latin typeface="Arial" panose="020B0604020202020204" pitchFamily="34" charset="0"/>
+                <a:cs typeface="Arial" panose="020B0604020202020204" pitchFamily="34" charset="0"/>
+              </a:rPr>
+              <a:t>†</a:t>
+            </a:r>
+            <a:r>
+              <a:rPr lang="en-US" dirty="0" smtClean="0">
+                <a:solidFill>
+                  <a:schemeClr val="tx1"/>
+                </a:solidFill>
+                <a:latin typeface="Arial" panose="020B0604020202020204" pitchFamily="34" charset="0"/>
+                <a:cs typeface="Arial" panose="020B0604020202020204" pitchFamily="34" charset="0"/>
+              </a:rPr>
+              <a:t>Department of Mechanical Engineering, Purdue University, West Lafayette, Indiana, IN 47907, USA</a:t>
+            </a:r>
+            <a:endParaRPr lang="en-US" dirty="0">
+              <a:solidFill>
+                <a:schemeClr val="tx1"/>
+              </a:solidFill>
+              <a:latin typeface="Arial" panose="020B0604020202020204" pitchFamily="34" charset="0"/>
+              <a:cs typeface="Arial" panose="020B0604020202020204" pitchFamily="34" charset="0"/>
+            </a:endParaRPr>
+          </a:p>
+        </p:txBody>
+      </p:sp>
+      <p:sp>
+        <p:nvSpPr>
+          <p:cNvPr id="17" name="16 Marcador de texto"/>
+          <p:cNvSpPr>
+            <a:spLocks noGrp="1"/>
+          </p:cNvSpPr>
+          <p:nvPr>
+            <p:ph type="body" sz="quarter" idx="151"/>
+          </p:nvPr>
+        </p:nvSpPr>
+        <p:spPr>
+          <a:xfrm>
+            <a:off x="20772919" y="2103787"/>
+            <a:ext cx="22679368" cy="1280160"/>
+          </a:xfrm>
+        </p:spPr>
+        <p:txBody>
+          <a:bodyPr>
+            <a:normAutofit/>
+          </a:bodyPr>
+          <a:lstStyle/>
+          <a:p>
+            <a:pPr algn="r"/>
+            <a:r>
+              <a:rPr lang="en-US" sz="4800" dirty="0" smtClean="0">
+                <a:solidFill>
+                  <a:schemeClr val="tx1"/>
+                </a:solidFill>
+                <a:latin typeface="Arial" panose="020B0604020202020204" pitchFamily="34" charset="0"/>
+                <a:cs typeface="Arial" panose="020B0604020202020204" pitchFamily="34" charset="0"/>
+              </a:rPr>
+              <a:t>Juan </a:t>
+            </a:r>
+            <a:r>
+              <a:rPr lang="en-US" sz="4800" dirty="0" smtClean="0">
+                <a:solidFill>
+                  <a:schemeClr val="tx1"/>
+                </a:solidFill>
+                <a:latin typeface="Arial" panose="020B0604020202020204" pitchFamily="34" charset="0"/>
+                <a:cs typeface="Arial" panose="020B0604020202020204" pitchFamily="34" charset="0"/>
+              </a:rPr>
+              <a:t>Sebastian Martinez</a:t>
+            </a:r>
+            <a:r>
+              <a:rPr lang="en-US" sz="4800" baseline="30000" dirty="0" smtClean="0">
+                <a:solidFill>
+                  <a:schemeClr val="tx1"/>
+                </a:solidFill>
+                <a:latin typeface="Arial" panose="020B0604020202020204" pitchFamily="34" charset="0"/>
+                <a:cs typeface="Arial" panose="020B0604020202020204" pitchFamily="34" charset="0"/>
+              </a:rPr>
+              <a:t>*</a:t>
+            </a:r>
+            <a:r>
+              <a:rPr lang="en-US" sz="4800" dirty="0">
+                <a:solidFill>
+                  <a:schemeClr val="tx1"/>
+                </a:solidFill>
+                <a:latin typeface="Arial" panose="020B0604020202020204" pitchFamily="34" charset="0"/>
+                <a:cs typeface="Arial" panose="020B0604020202020204" pitchFamily="34" charset="0"/>
+              </a:rPr>
+              <a:t>, </a:t>
+            </a:r>
+            <a:r>
+              <a:rPr lang="en-US" sz="4800" dirty="0" err="1" smtClean="0">
+                <a:solidFill>
+                  <a:schemeClr val="tx1"/>
+                </a:solidFill>
+                <a:latin typeface="Arial" panose="020B0604020202020204" pitchFamily="34" charset="0"/>
+                <a:cs typeface="Arial" panose="020B0604020202020204" pitchFamily="34" charset="0"/>
+              </a:rPr>
+              <a:t>Piyush</a:t>
+            </a:r>
+            <a:r>
+              <a:rPr lang="en-US" sz="4800" dirty="0" smtClean="0">
+                <a:solidFill>
+                  <a:schemeClr val="tx1"/>
+                </a:solidFill>
+                <a:latin typeface="Arial" panose="020B0604020202020204" pitchFamily="34" charset="0"/>
+                <a:cs typeface="Arial" panose="020B0604020202020204" pitchFamily="34" charset="0"/>
+              </a:rPr>
+              <a:t> </a:t>
+            </a:r>
+            <a:r>
+              <a:rPr lang="en-US" sz="4800" dirty="0" err="1" smtClean="0">
+                <a:solidFill>
+                  <a:schemeClr val="tx1"/>
+                </a:solidFill>
+                <a:latin typeface="Arial" panose="020B0604020202020204" pitchFamily="34" charset="0"/>
+                <a:cs typeface="Arial" panose="020B0604020202020204" pitchFamily="34" charset="0"/>
+              </a:rPr>
+              <a:t>Pandita</a:t>
+            </a:r>
+            <a:r>
+              <a:rPr lang="en-US" sz="4800" baseline="30000" dirty="0" smtClean="0">
+                <a:solidFill>
+                  <a:schemeClr val="tx1"/>
+                </a:solidFill>
+                <a:latin typeface="Arial" panose="020B0604020202020204" pitchFamily="34" charset="0"/>
+                <a:cs typeface="Arial" panose="020B0604020202020204" pitchFamily="34" charset="0"/>
+              </a:rPr>
+              <a:t>†</a:t>
+            </a:r>
+            <a:r>
+              <a:rPr lang="en-US" sz="4800" dirty="0" smtClean="0">
+                <a:solidFill>
+                  <a:schemeClr val="tx1"/>
+                </a:solidFill>
+                <a:latin typeface="Arial" panose="020B0604020202020204" pitchFamily="34" charset="0"/>
+                <a:cs typeface="Arial" panose="020B0604020202020204" pitchFamily="34" charset="0"/>
+              </a:rPr>
+              <a:t>,</a:t>
+            </a:r>
+            <a:r>
+              <a:rPr lang="en-US" sz="4800" dirty="0" err="1" smtClean="0">
+                <a:solidFill>
+                  <a:schemeClr val="tx1"/>
+                </a:solidFill>
+                <a:latin typeface="Arial" panose="020B0604020202020204" pitchFamily="34" charset="0"/>
+                <a:cs typeface="Arial" panose="020B0604020202020204" pitchFamily="34" charset="0"/>
+              </a:rPr>
+              <a:t>Rohit</a:t>
+            </a:r>
+            <a:r>
+              <a:rPr lang="en-US" sz="4800" dirty="0" smtClean="0">
+                <a:solidFill>
+                  <a:schemeClr val="tx1"/>
+                </a:solidFill>
+                <a:latin typeface="Arial" panose="020B0604020202020204" pitchFamily="34" charset="0"/>
+                <a:cs typeface="Arial" panose="020B0604020202020204" pitchFamily="34" charset="0"/>
+              </a:rPr>
+              <a:t> </a:t>
+            </a:r>
+            <a:r>
+              <a:rPr lang="en-US" sz="4800" dirty="0" err="1">
+                <a:solidFill>
+                  <a:schemeClr val="tx1"/>
+                </a:solidFill>
+                <a:latin typeface="Arial" panose="020B0604020202020204" pitchFamily="34" charset="0"/>
+                <a:cs typeface="Arial" panose="020B0604020202020204" pitchFamily="34" charset="0"/>
+              </a:rPr>
+              <a:t>Tripathy</a:t>
+            </a:r>
+            <a:r>
+              <a:rPr lang="en-US" sz="4800" baseline="30000" dirty="0" smtClean="0">
+                <a:solidFill>
+                  <a:schemeClr val="tx1"/>
+                </a:solidFill>
+                <a:latin typeface="Arial" panose="020B0604020202020204" pitchFamily="34" charset="0"/>
+                <a:cs typeface="Arial" panose="020B0604020202020204" pitchFamily="34" charset="0"/>
+              </a:rPr>
+              <a:t>†</a:t>
+            </a:r>
+            <a:r>
+              <a:rPr lang="en-US" sz="4800" dirty="0" smtClean="0">
+                <a:solidFill>
+                  <a:schemeClr val="tx1"/>
+                </a:solidFill>
+                <a:latin typeface="Arial" panose="020B0604020202020204" pitchFamily="34" charset="0"/>
+                <a:cs typeface="Arial" panose="020B0604020202020204" pitchFamily="34" charset="0"/>
+              </a:rPr>
+              <a:t>, </a:t>
+            </a:r>
+            <a:r>
+              <a:rPr lang="en-US" sz="4800" dirty="0" err="1" smtClean="0">
+                <a:solidFill>
+                  <a:schemeClr val="tx1"/>
+                </a:solidFill>
+                <a:latin typeface="Arial" panose="020B0604020202020204" pitchFamily="34" charset="0"/>
+                <a:cs typeface="Arial" panose="020B0604020202020204" pitchFamily="34" charset="0"/>
+              </a:rPr>
+              <a:t>Ilias</a:t>
+            </a:r>
+            <a:r>
+              <a:rPr lang="en-US" sz="4800" dirty="0" smtClean="0">
+                <a:solidFill>
+                  <a:schemeClr val="tx1"/>
+                </a:solidFill>
+                <a:latin typeface="Arial" panose="020B0604020202020204" pitchFamily="34" charset="0"/>
+                <a:cs typeface="Arial" panose="020B0604020202020204" pitchFamily="34" charset="0"/>
+              </a:rPr>
+              <a:t> </a:t>
+            </a:r>
+            <a:r>
+              <a:rPr lang="en-US" sz="4800" dirty="0" err="1" smtClean="0">
+                <a:solidFill>
+                  <a:schemeClr val="tx1"/>
+                </a:solidFill>
+                <a:latin typeface="Arial" panose="020B0604020202020204" pitchFamily="34" charset="0"/>
+                <a:cs typeface="Arial" panose="020B0604020202020204" pitchFamily="34" charset="0"/>
+              </a:rPr>
+              <a:t>Bilionis</a:t>
+            </a:r>
+            <a:r>
+              <a:rPr lang="en-US" sz="4800" baseline="30000" dirty="0" smtClean="0">
+                <a:solidFill>
+                  <a:schemeClr val="tx1"/>
+                </a:solidFill>
+                <a:latin typeface="Arial" panose="020B0604020202020204" pitchFamily="34" charset="0"/>
+                <a:cs typeface="Arial" panose="020B0604020202020204" pitchFamily="34" charset="0"/>
+              </a:rPr>
+              <a:t>†</a:t>
+            </a:r>
+            <a:endParaRPr lang="en-US" sz="4800" dirty="0">
+              <a:solidFill>
+                <a:schemeClr val="tx1"/>
+              </a:solidFill>
+              <a:latin typeface="Arial" panose="020B0604020202020204" pitchFamily="34" charset="0"/>
+              <a:cs typeface="Arial" panose="020B0604020202020204" pitchFamily="34" charset="0"/>
+            </a:endParaRPr>
+          </a:p>
+        </p:txBody>
+      </p:sp>
+      <p:sp>
+        <p:nvSpPr>
+          <p:cNvPr id="18" name="17 Marcador de texto"/>
+          <p:cNvSpPr>
+            <a:spLocks noGrp="1"/>
+          </p:cNvSpPr>
+          <p:nvPr>
+            <p:ph type="body" sz="quarter" idx="153"/>
+          </p:nvPr>
+        </p:nvSpPr>
+        <p:spPr>
+          <a:xfrm>
+            <a:off x="8403770" y="319509"/>
+            <a:ext cx="35048517" cy="1637973"/>
+          </a:xfrm>
+        </p:spPr>
+        <p:txBody>
+          <a:bodyPr>
+            <a:noAutofit/>
+          </a:bodyPr>
+          <a:lstStyle/>
+          <a:p>
+            <a:pPr algn="l"/>
+            <a:r>
+              <a:rPr lang="en-US" sz="6100" dirty="0" smtClean="0">
+                <a:solidFill>
+                  <a:schemeClr val="tx1"/>
+                </a:solidFill>
+                <a:latin typeface="Arial" panose="020B0604020202020204" pitchFamily="34" charset="0"/>
+                <a:cs typeface="Arial" panose="020B0604020202020204" pitchFamily="34" charset="0"/>
+              </a:rPr>
+              <a:t>Gaussian Process Regressions for Objective Surrogates in Stochastic Multi-objective Optimization</a:t>
+            </a:r>
+            <a:endParaRPr lang="en-US" sz="6100" dirty="0">
+              <a:solidFill>
+                <a:schemeClr val="tx1"/>
+              </a:solidFill>
+              <a:latin typeface="Arial" panose="020B0604020202020204" pitchFamily="34" charset="0"/>
+              <a:cs typeface="Arial" panose="020B0604020202020204" pitchFamily="34" charset="0"/>
+            </a:endParaRPr>
+          </a:p>
+        </p:txBody>
+      </p:sp>
+      <p:sp>
+        <p:nvSpPr>
+          <p:cNvPr id="28" name="5 Marcador de texto"/>
+          <p:cNvSpPr txBox="1">
+            <a:spLocks/>
+          </p:cNvSpPr>
+          <p:nvPr/>
+        </p:nvSpPr>
+        <p:spPr>
+          <a:xfrm>
+            <a:off x="1193740" y="4520012"/>
+            <a:ext cx="42258548" cy="3477853"/>
+          </a:xfrm>
+          <a:prstGeom prst="rect">
+            <a:avLst/>
+          </a:prstGeom>
+        </p:spPr>
+        <p:txBody>
+          <a:bodyPr vert="horz" wrap="square" lIns="228589" tIns="228589" rIns="228589" bIns="228589" rtlCol="0">
+            <a:spAutoFit/>
+          </a:bodyPr>
+          <a:lstStyle>
+            <a:lvl1pPr marL="0" indent="0" algn="l" defTabSz="4263487" rtl="0" eaLnBrk="1" latinLnBrk="0" hangingPunct="1">
+              <a:spcBef>
+                <a:spcPct val="20000"/>
+              </a:spcBef>
+              <a:buFont typeface="Arial" panose="020B0604020202020204" pitchFamily="34" charset="0"/>
+              <a:buNone/>
+              <a:defRPr sz="2500" kern="1200">
+                <a:solidFill>
+                  <a:schemeClr val="tx1"/>
+                </a:solidFill>
+                <a:latin typeface="Trebuchet MS" pitchFamily="34" charset="0"/>
+                <a:ea typeface="+mn-ea"/>
+                <a:cs typeface="+mn-cs"/>
+              </a:defRPr>
+            </a:lvl1pPr>
+            <a:lvl2pPr marL="1485825" indent="-571471" algn="l" defTabSz="4263487" rtl="0" eaLnBrk="1" latinLnBrk="0" hangingPunct="1">
+              <a:spcBef>
+                <a:spcPct val="20000"/>
+              </a:spcBef>
+              <a:buFont typeface="Arial" panose="020B0604020202020204" pitchFamily="34" charset="0"/>
+              <a:buChar char="–"/>
+              <a:defRPr sz="2500" kern="1200">
+                <a:solidFill>
+                  <a:schemeClr val="tx1"/>
+                </a:solidFill>
+                <a:latin typeface="Trebuchet MS" pitchFamily="34" charset="0"/>
+                <a:ea typeface="+mn-ea"/>
+                <a:cs typeface="+mn-cs"/>
+              </a:defRPr>
+            </a:lvl2pPr>
+            <a:lvl3pPr marL="2057297" indent="-571471" algn="l" defTabSz="4263487" rtl="0" eaLnBrk="1" latinLnBrk="0" hangingPunct="1">
+              <a:spcBef>
+                <a:spcPct val="20000"/>
+              </a:spcBef>
+              <a:buFont typeface="Arial" panose="020B0604020202020204" pitchFamily="34" charset="0"/>
+              <a:buChar char="•"/>
+              <a:defRPr sz="2500" kern="1200">
+                <a:solidFill>
+                  <a:schemeClr val="tx1"/>
+                </a:solidFill>
+                <a:latin typeface="Trebuchet MS" pitchFamily="34" charset="0"/>
+                <a:ea typeface="+mn-ea"/>
+                <a:cs typeface="+mn-cs"/>
+              </a:defRPr>
+            </a:lvl3pPr>
+            <a:lvl4pPr marL="2685916" indent="-628619" algn="l" defTabSz="4263487" rtl="0" eaLnBrk="1" latinLnBrk="0" hangingPunct="1">
+              <a:spcBef>
+                <a:spcPct val="20000"/>
+              </a:spcBef>
+              <a:buFont typeface="Arial" panose="020B0604020202020204" pitchFamily="34" charset="0"/>
+              <a:buChar char="–"/>
+              <a:defRPr sz="2500" kern="1200">
+                <a:solidFill>
+                  <a:schemeClr val="tx1"/>
+                </a:solidFill>
+                <a:latin typeface="Trebuchet MS" pitchFamily="34" charset="0"/>
+                <a:ea typeface="+mn-ea"/>
+                <a:cs typeface="+mn-cs"/>
+              </a:defRPr>
+            </a:lvl4pPr>
+            <a:lvl5pPr marL="3143093" indent="-457177" algn="l" defTabSz="4263487" rtl="0" eaLnBrk="1" latinLnBrk="0" hangingPunct="1">
+              <a:spcBef>
+                <a:spcPct val="20000"/>
+              </a:spcBef>
+              <a:buFont typeface="Arial" panose="020B0604020202020204" pitchFamily="34" charset="0"/>
+              <a:buChar char="»"/>
+              <a:defRPr sz="2500" kern="1200">
+                <a:solidFill>
+                  <a:schemeClr val="tx1"/>
+                </a:solidFill>
+                <a:latin typeface="Trebuchet MS" pitchFamily="34" charset="0"/>
+                <a:ea typeface="+mn-ea"/>
+                <a:cs typeface="+mn-cs"/>
+              </a:defRPr>
+            </a:lvl5pPr>
+            <a:lvl6pPr marL="11724591" indent="-1065872" algn="l" defTabSz="4263487" rtl="0" eaLnBrk="1" latinLnBrk="0" hangingPunct="1">
+              <a:spcBef>
+                <a:spcPct val="20000"/>
+              </a:spcBef>
+              <a:buFont typeface="Arial" panose="020B0604020202020204" pitchFamily="34" charset="0"/>
+              <a:buChar char="•"/>
+              <a:defRPr sz="9400" kern="1200">
+                <a:solidFill>
+                  <a:schemeClr val="tx1"/>
+                </a:solidFill>
+                <a:latin typeface="+mn-lt"/>
+                <a:ea typeface="+mn-ea"/>
+                <a:cs typeface="+mn-cs"/>
+              </a:defRPr>
+            </a:lvl6pPr>
+            <a:lvl7pPr marL="13856335" indent="-1065872" algn="l" defTabSz="4263487" rtl="0" eaLnBrk="1" latinLnBrk="0" hangingPunct="1">
+              <a:spcBef>
+                <a:spcPct val="20000"/>
+              </a:spcBef>
+              <a:buFont typeface="Arial" panose="020B0604020202020204" pitchFamily="34" charset="0"/>
+              <a:buChar char="•"/>
+              <a:defRPr sz="9400" kern="1200">
+                <a:solidFill>
+                  <a:schemeClr val="tx1"/>
+                </a:solidFill>
+                <a:latin typeface="+mn-lt"/>
+                <a:ea typeface="+mn-ea"/>
+                <a:cs typeface="+mn-cs"/>
+              </a:defRPr>
+            </a:lvl7pPr>
+            <a:lvl8pPr marL="15988078" indent="-1065872" algn="l" defTabSz="4263487" rtl="0" eaLnBrk="1" latinLnBrk="0" hangingPunct="1">
+              <a:spcBef>
+                <a:spcPct val="20000"/>
+              </a:spcBef>
+              <a:buFont typeface="Arial" panose="020B0604020202020204" pitchFamily="34" charset="0"/>
+              <a:buChar char="•"/>
+              <a:defRPr sz="9400" kern="1200">
+                <a:solidFill>
+                  <a:schemeClr val="tx1"/>
+                </a:solidFill>
+                <a:latin typeface="+mn-lt"/>
+                <a:ea typeface="+mn-ea"/>
+                <a:cs typeface="+mn-cs"/>
+              </a:defRPr>
+            </a:lvl8pPr>
+            <a:lvl9pPr marL="18119822" indent="-1065872" algn="l" defTabSz="4263487" rtl="0" eaLnBrk="1" latinLnBrk="0" hangingPunct="1">
+              <a:spcBef>
+                <a:spcPct val="20000"/>
+              </a:spcBef>
+              <a:buFont typeface="Arial" panose="020B0604020202020204" pitchFamily="34" charset="0"/>
+              <a:buChar char="•"/>
+              <a:defRPr sz="9400" kern="1200">
+                <a:solidFill>
+                  <a:schemeClr val="tx1"/>
+                </a:solidFill>
+                <a:latin typeface="+mn-lt"/>
+                <a:ea typeface="+mn-ea"/>
+                <a:cs typeface="+mn-cs"/>
+              </a:defRPr>
+            </a:lvl9pPr>
+          </a:lstStyle>
+          <a:p>
+            <a:r>
+              <a:rPr lang="en-US" sz="2800" b="1" dirty="0">
+                <a:latin typeface="Arial" panose="020B0604020202020204" pitchFamily="34" charset="0"/>
+                <a:cs typeface="Arial" panose="020B0604020202020204" pitchFamily="34" charset="0"/>
+              </a:rPr>
+              <a:t>Abstract: </a:t>
+            </a:r>
+            <a:r>
+              <a:rPr lang="en-US" sz="2800" dirty="0">
+                <a:latin typeface="Arial" panose="020B0604020202020204" pitchFamily="34" charset="0"/>
+                <a:cs typeface="Arial" panose="020B0604020202020204" pitchFamily="34" charset="0"/>
+              </a:rPr>
+              <a:t>Global optimization of expensive, multi-modal and noisy multi-objective functions is a common problem that comes up frequently in various areas of computational and experimental research. Along with being expensive to evaluate and noisy, we are also particularly interested in cases where the objective function under consideration is a black box and does not provide gradient information of the quantity of interest (</a:t>
+            </a:r>
+            <a:r>
+              <a:rPr lang="en-US" sz="2800" dirty="0" err="1">
+                <a:latin typeface="Arial" panose="020B0604020202020204" pitchFamily="34" charset="0"/>
+                <a:cs typeface="Arial" panose="020B0604020202020204" pitchFamily="34" charset="0"/>
+              </a:rPr>
+              <a:t>QoI</a:t>
+            </a:r>
+            <a:r>
+              <a:rPr lang="en-US" sz="2800" dirty="0">
+                <a:latin typeface="Arial" panose="020B0604020202020204" pitchFamily="34" charset="0"/>
+                <a:cs typeface="Arial" panose="020B0604020202020204" pitchFamily="34" charset="0"/>
+              </a:rPr>
+              <a:t>) with reference to the inputs. Because of the high cost of every single evaluation of such objective functions, we can only obtain a limited number of evaluations. This necessarily induces epistemic uncertainty (lack of knowledge due to limited data) on our problem. The Bayesian approach provides a natural framework to tackle this problem, building Gaussian process surrogates that model the objective functions and allow a sequential optimization process. The method applies the expected improvement (EI) information acquisition function in each iteration to perform an efficient global optimization (EGO) and discover the Pareto front of the problem, which contains the set of optimal solutions of the objectives. We implemented this method in a </a:t>
+            </a:r>
+            <a:r>
+              <a:rPr lang="en-US" sz="2800" dirty="0" err="1">
+                <a:latin typeface="Arial" panose="020B0604020202020204" pitchFamily="34" charset="0"/>
+                <a:cs typeface="Arial" panose="020B0604020202020204" pitchFamily="34" charset="0"/>
+              </a:rPr>
+              <a:t>NanoHUB</a:t>
+            </a:r>
+            <a:r>
+              <a:rPr lang="en-US" sz="2800" dirty="0">
+                <a:latin typeface="Arial" panose="020B0604020202020204" pitchFamily="34" charset="0"/>
+                <a:cs typeface="Arial" panose="020B0604020202020204" pitchFamily="34" charset="0"/>
+              </a:rPr>
+              <a:t> tool and tested it with synthetic examples and real observations of an expensive experiment, where it proved to be efficient in finding the corresponding set of optimal solutions for each problem. This methodology demonstrates how the efficiency of the Bayesian approach for handling epistemic uncertainty in multi-objective optimization problems, dealing with limited observations and avoiding a high amount of evaluations of time-consuming codes or expensive experiments.</a:t>
+            </a:r>
+            <a:endParaRPr lang="en-US" sz="2800" dirty="0">
+              <a:latin typeface="Arial" panose="020B0604020202020204" pitchFamily="34" charset="0"/>
+              <a:cs typeface="Arial" panose="020B0604020202020204" pitchFamily="34" charset="0"/>
+            </a:endParaRPr>
+          </a:p>
+        </p:txBody>
+      </p:sp>
+      <p:sp>
+        <p:nvSpPr>
+          <p:cNvPr id="43" name="TextBox 42"/>
+          <p:cNvSpPr txBox="1"/>
+          <p:nvPr/>
+        </p:nvSpPr>
+        <p:spPr>
+          <a:xfrm>
+            <a:off x="3676416" y="8121417"/>
+            <a:ext cx="3865802" cy="830997"/>
+          </a:xfrm>
+          <a:prstGeom prst="rect">
+            <a:avLst/>
+          </a:prstGeom>
+          <a:noFill/>
+        </p:spPr>
+        <p:txBody>
+          <a:bodyPr wrap="none" rtlCol="0">
+            <a:spAutoFit/>
+          </a:bodyPr>
+          <a:lstStyle/>
+          <a:p>
+            <a:r>
+              <a:rPr lang="en-US" sz="4800" b="1" dirty="0" smtClean="0">
+                <a:solidFill>
+                  <a:schemeClr val="accent5">
+                    <a:lumMod val="50000"/>
+                  </a:schemeClr>
+                </a:solidFill>
+              </a:rPr>
+              <a:t>The Problem</a:t>
+            </a:r>
+            <a:r>
+              <a:rPr lang="is-IS" sz="4800" b="1" dirty="0" smtClean="0">
+                <a:solidFill>
+                  <a:schemeClr val="accent5">
+                    <a:lumMod val="50000"/>
+                  </a:schemeClr>
+                </a:solidFill>
+              </a:rPr>
+              <a:t>…</a:t>
+            </a:r>
+            <a:endParaRPr lang="en-US" sz="4800" b="1" dirty="0">
+              <a:solidFill>
+                <a:schemeClr val="accent5">
+                  <a:lumMod val="50000"/>
+                </a:schemeClr>
+              </a:solidFill>
+            </a:endParaRPr>
+          </a:p>
+        </p:txBody>
+      </p:sp>
+      <p:sp>
+        <p:nvSpPr>
+          <p:cNvPr id="45" name="TextBox 44"/>
+          <p:cNvSpPr txBox="1"/>
+          <p:nvPr/>
+        </p:nvSpPr>
+        <p:spPr>
+          <a:xfrm>
+            <a:off x="1237995" y="9199244"/>
+            <a:ext cx="9384005" cy="8710077"/>
+          </a:xfrm>
+          <a:prstGeom prst="rect">
+            <a:avLst/>
+          </a:prstGeom>
+          <a:noFill/>
+        </p:spPr>
+        <p:txBody>
+          <a:bodyPr wrap="square" rtlCol="0">
+            <a:spAutoFit/>
+          </a:bodyPr>
+          <a:lstStyle/>
+          <a:p>
+            <a:pPr algn="just"/>
+            <a:r>
+              <a:rPr lang="en-US" sz="4000" dirty="0" smtClean="0"/>
+              <a:t>Optimization is a widely studied and applied area in science </a:t>
+            </a:r>
+            <a:r>
+              <a:rPr lang="en-US" sz="4000" dirty="0"/>
+              <a:t>and </a:t>
+            </a:r>
+            <a:r>
+              <a:rPr lang="en-US" sz="4000" dirty="0" smtClean="0"/>
+              <a:t>engineering (i.e. chemical vapor deposition for graphene manufacturing). Unfortunately, real life optimization problems in science and engineering share similar issues:</a:t>
+            </a:r>
+          </a:p>
+          <a:p>
+            <a:pPr algn="just"/>
+            <a:endParaRPr lang="en-US" sz="4000" dirty="0"/>
+          </a:p>
+          <a:p>
+            <a:pPr marL="571500" indent="-571500" algn="just">
+              <a:buFont typeface="Arial" charset="0"/>
+              <a:buChar char="•"/>
+            </a:pPr>
+            <a:r>
+              <a:rPr lang="en-US" sz="4000" dirty="0" smtClean="0"/>
+              <a:t>Multiple objectives</a:t>
+            </a:r>
+          </a:p>
+          <a:p>
+            <a:pPr marL="571500" indent="-571500" algn="just">
+              <a:buFont typeface="Arial" charset="0"/>
+              <a:buChar char="•"/>
+            </a:pPr>
+            <a:r>
+              <a:rPr lang="en-US" sz="4000" dirty="0" smtClean="0"/>
+              <a:t>Limited observations</a:t>
+            </a:r>
+          </a:p>
+          <a:p>
+            <a:pPr marL="571500" indent="-571500" algn="just">
+              <a:buFont typeface="Arial" charset="0"/>
+              <a:buChar char="•"/>
+            </a:pPr>
+            <a:r>
+              <a:rPr lang="en-US" sz="4000" dirty="0" smtClean="0"/>
+              <a:t>Expensive experiments or evaluation of computer code</a:t>
+            </a:r>
+          </a:p>
+          <a:p>
+            <a:pPr marL="571500" indent="-571500" algn="just">
+              <a:buFont typeface="Arial" charset="0"/>
+              <a:buChar char="•"/>
+            </a:pPr>
+            <a:r>
+              <a:rPr lang="en-US" sz="4000" dirty="0" smtClean="0"/>
+              <a:t>Black box systems</a:t>
+            </a:r>
+          </a:p>
+          <a:p>
+            <a:pPr marL="571500" indent="-571500" algn="just">
+              <a:buFont typeface="Arial" charset="0"/>
+              <a:buChar char="•"/>
+            </a:pPr>
+            <a:r>
+              <a:rPr lang="en-US" sz="4000" dirty="0" smtClean="0"/>
+              <a:t>Noise in observations</a:t>
+            </a:r>
+          </a:p>
+          <a:p>
+            <a:pPr marL="571500" indent="-571500" algn="just">
+              <a:buFont typeface="Arial" charset="0"/>
+              <a:buChar char="•"/>
+            </a:pPr>
+            <a:r>
+              <a:rPr lang="en-US" sz="4000" dirty="0" smtClean="0"/>
+              <a:t>Epistemic uncertainty</a:t>
+            </a:r>
+            <a:endParaRPr lang="en-US" sz="4000" dirty="0"/>
+          </a:p>
+        </p:txBody>
+      </p:sp>
+      <p:sp>
+        <p:nvSpPr>
+          <p:cNvPr id="46" name="Cube 45"/>
+          <p:cNvSpPr/>
+          <p:nvPr/>
+        </p:nvSpPr>
+        <p:spPr>
+          <a:xfrm>
+            <a:off x="4231587" y="18558835"/>
+            <a:ext cx="2841171" cy="2479894"/>
+          </a:xfrm>
+          <a:prstGeom prst="cube">
+            <a:avLst/>
+          </a:prstGeom>
+          <a:solidFill>
+            <a:schemeClr val="accent5">
+              <a:lumMod val="60000"/>
+              <a:lumOff val="40000"/>
+            </a:schemeClr>
+          </a:solidFill>
+        </p:spPr>
+        <p:style>
+          <a:lnRef idx="2">
+            <a:schemeClr val="accent5">
+              <a:shade val="50000"/>
+            </a:schemeClr>
+          </a:lnRef>
+          <a:fillRef idx="1">
+            <a:schemeClr val="accent5"/>
+          </a:fillRef>
+          <a:effectRef idx="0">
+            <a:schemeClr val="accent5"/>
+          </a:effectRef>
+          <a:fontRef idx="minor">
+            <a:schemeClr val="lt1"/>
+          </a:fontRef>
+        </p:style>
+        <p:txBody>
+          <a:bodyPr rtlCol="0" anchor="ctr"/>
+          <a:lstStyle/>
+          <a:p>
+            <a:pPr algn="ctr"/>
+            <a:r>
+              <a:rPr lang="en-US" dirty="0" smtClean="0">
+                <a:solidFill>
+                  <a:schemeClr val="tx1"/>
+                </a:solidFill>
+              </a:rPr>
+              <a:t>?</a:t>
+            </a:r>
+            <a:endParaRPr lang="en-US" dirty="0">
+              <a:solidFill>
+                <a:schemeClr val="tx1"/>
+              </a:solidFill>
+            </a:endParaRPr>
+          </a:p>
+        </p:txBody>
+      </p:sp>
+      <p:cxnSp>
+        <p:nvCxnSpPr>
+          <p:cNvPr id="53" name="Straight Arrow Connector 52"/>
+          <p:cNvCxnSpPr/>
+          <p:nvPr/>
+        </p:nvCxnSpPr>
+        <p:spPr>
+          <a:xfrm>
+            <a:off x="2062546" y="19529624"/>
+            <a:ext cx="2169041" cy="0"/>
+          </a:xfrm>
+          <a:prstGeom prst="straightConnector1">
+            <a:avLst/>
+          </a:prstGeom>
+          <a:ln w="34925">
+            <a:tailEnd type="triangle"/>
+          </a:ln>
+        </p:spPr>
+        <p:style>
+          <a:lnRef idx="1">
+            <a:schemeClr val="dk1"/>
+          </a:lnRef>
+          <a:fillRef idx="0">
+            <a:schemeClr val="dk1"/>
+          </a:fillRef>
+          <a:effectRef idx="0">
+            <a:schemeClr val="dk1"/>
+          </a:effectRef>
+          <a:fontRef idx="minor">
+            <a:schemeClr val="tx1"/>
+          </a:fontRef>
+        </p:style>
+      </p:cxnSp>
+      <p:cxnSp>
+        <p:nvCxnSpPr>
+          <p:cNvPr id="102" name="Straight Arrow Connector 101"/>
+          <p:cNvCxnSpPr/>
+          <p:nvPr/>
+        </p:nvCxnSpPr>
+        <p:spPr>
+          <a:xfrm>
+            <a:off x="2062546" y="20107326"/>
+            <a:ext cx="2169041" cy="0"/>
+          </a:xfrm>
+          <a:prstGeom prst="straightConnector1">
+            <a:avLst/>
+          </a:prstGeom>
+          <a:ln w="34925">
+            <a:tailEnd type="triangle"/>
+          </a:ln>
+        </p:spPr>
+        <p:style>
+          <a:lnRef idx="1">
+            <a:schemeClr val="dk1"/>
+          </a:lnRef>
+          <a:fillRef idx="0">
+            <a:schemeClr val="dk1"/>
+          </a:fillRef>
+          <a:effectRef idx="0">
+            <a:schemeClr val="dk1"/>
+          </a:effectRef>
+          <a:fontRef idx="minor">
+            <a:schemeClr val="tx1"/>
+          </a:fontRef>
+        </p:style>
+      </p:cxnSp>
+      <p:cxnSp>
+        <p:nvCxnSpPr>
+          <p:cNvPr id="103" name="Straight Arrow Connector 102"/>
+          <p:cNvCxnSpPr/>
+          <p:nvPr/>
+        </p:nvCxnSpPr>
+        <p:spPr>
+          <a:xfrm>
+            <a:off x="2062546" y="20748824"/>
+            <a:ext cx="2169041" cy="0"/>
+          </a:xfrm>
+          <a:prstGeom prst="straightConnector1">
+            <a:avLst/>
+          </a:prstGeom>
+          <a:ln w="34925">
+            <a:tailEnd type="triangle"/>
+          </a:ln>
+        </p:spPr>
+        <p:style>
+          <a:lnRef idx="1">
+            <a:schemeClr val="dk1"/>
+          </a:lnRef>
+          <a:fillRef idx="0">
+            <a:schemeClr val="dk1"/>
+          </a:fillRef>
+          <a:effectRef idx="0">
+            <a:schemeClr val="dk1"/>
+          </a:effectRef>
+          <a:fontRef idx="minor">
+            <a:schemeClr val="tx1"/>
+          </a:fontRef>
+        </p:style>
+      </p:cxnSp>
+      <p:cxnSp>
+        <p:nvCxnSpPr>
+          <p:cNvPr id="104" name="Straight Arrow Connector 103"/>
+          <p:cNvCxnSpPr/>
+          <p:nvPr/>
+        </p:nvCxnSpPr>
+        <p:spPr>
+          <a:xfrm>
+            <a:off x="6720986" y="19469373"/>
+            <a:ext cx="2169041" cy="0"/>
+          </a:xfrm>
+          <a:prstGeom prst="straightConnector1">
+            <a:avLst/>
+          </a:prstGeom>
+          <a:ln w="34925">
+            <a:tailEnd type="triangle"/>
+          </a:ln>
+        </p:spPr>
+        <p:style>
+          <a:lnRef idx="1">
+            <a:schemeClr val="dk1"/>
+          </a:lnRef>
+          <a:fillRef idx="0">
+            <a:schemeClr val="dk1"/>
+          </a:fillRef>
+          <a:effectRef idx="0">
+            <a:schemeClr val="dk1"/>
+          </a:effectRef>
+          <a:fontRef idx="minor">
+            <a:schemeClr val="tx1"/>
+          </a:fontRef>
+        </p:style>
+      </p:cxnSp>
+      <p:cxnSp>
+        <p:nvCxnSpPr>
+          <p:cNvPr id="105" name="Straight Arrow Connector 104"/>
+          <p:cNvCxnSpPr/>
+          <p:nvPr/>
+        </p:nvCxnSpPr>
+        <p:spPr>
+          <a:xfrm>
+            <a:off x="6720986" y="20047075"/>
+            <a:ext cx="2169041" cy="0"/>
+          </a:xfrm>
+          <a:prstGeom prst="straightConnector1">
+            <a:avLst/>
+          </a:prstGeom>
+          <a:ln w="34925">
+            <a:tailEnd type="triangle"/>
+          </a:ln>
+        </p:spPr>
+        <p:style>
+          <a:lnRef idx="1">
+            <a:schemeClr val="dk1"/>
+          </a:lnRef>
+          <a:fillRef idx="0">
+            <a:schemeClr val="dk1"/>
+          </a:fillRef>
+          <a:effectRef idx="0">
+            <a:schemeClr val="dk1"/>
+          </a:effectRef>
+          <a:fontRef idx="minor">
+            <a:schemeClr val="tx1"/>
+          </a:fontRef>
+        </p:style>
+      </p:cxnSp>
+      <p:cxnSp>
+        <p:nvCxnSpPr>
+          <p:cNvPr id="106" name="Straight Arrow Connector 105"/>
+          <p:cNvCxnSpPr/>
+          <p:nvPr/>
+        </p:nvCxnSpPr>
+        <p:spPr>
+          <a:xfrm>
+            <a:off x="6720986" y="20688573"/>
+            <a:ext cx="2169041" cy="0"/>
+          </a:xfrm>
+          <a:prstGeom prst="straightConnector1">
+            <a:avLst/>
+          </a:prstGeom>
+          <a:ln w="34925">
+            <a:tailEnd type="triangle"/>
+          </a:ln>
+        </p:spPr>
+        <p:style>
+          <a:lnRef idx="1">
+            <a:schemeClr val="dk1"/>
+          </a:lnRef>
+          <a:fillRef idx="0">
+            <a:schemeClr val="dk1"/>
+          </a:fillRef>
+          <a:effectRef idx="0">
+            <a:schemeClr val="dk1"/>
+          </a:effectRef>
+          <a:fontRef idx="minor">
+            <a:schemeClr val="tx1"/>
+          </a:fontRef>
+        </p:style>
+      </p:cxnSp>
+      <mc:AlternateContent xmlns:mc="http://schemas.openxmlformats.org/markup-compatibility/2006">
+        <mc:Choice xmlns:a14="http://schemas.microsoft.com/office/drawing/2010/main" Requires="a14">
+          <p:sp>
+            <p:nvSpPr>
+              <p:cNvPr id="62" name="TextBox 61"/>
+              <p:cNvSpPr txBox="1"/>
+              <p:nvPr/>
+            </p:nvSpPr>
+            <p:spPr>
+              <a:xfrm>
+                <a:off x="551853" y="19739362"/>
+                <a:ext cx="1007417" cy="707886"/>
+              </a:xfrm>
+              <a:prstGeom prst="rect">
+                <a:avLst/>
+              </a:prstGeom>
+              <a:noFill/>
+            </p:spPr>
+            <p:txBody>
+              <a:bodyPr wrap="square" rtlCol="0">
+                <a:spAutoFit/>
+              </a:bodyPr>
+              <a:lstStyle/>
+              <a:p>
+                <a14:m>
+                  <m:oMathPara xmlns:m="http://schemas.openxmlformats.org/officeDocument/2006/math">
+                    <m:oMathParaPr>
+                      <m:jc m:val="centerGroup"/>
+                    </m:oMathParaPr>
+                    <m:oMath xmlns:m="http://schemas.openxmlformats.org/officeDocument/2006/math">
+                      <m:acc>
+                        <m:accPr>
+                          <m:chr m:val="⃗"/>
+                          <m:ctrlPr>
+                            <a:rPr lang="en-US" sz="4000" i="1" smtClean="0">
+                              <a:latin typeface="Cambria Math" charset="0"/>
+                            </a:rPr>
+                          </m:ctrlPr>
+                        </m:accPr>
+                        <m:e>
+                          <m:r>
+                            <a:rPr lang="es-ES" sz="4000" b="0" i="1" smtClean="0">
+                              <a:latin typeface="Cambria Math" charset="0"/>
+                            </a:rPr>
+                            <m:t>𝑥</m:t>
+                          </m:r>
+                        </m:e>
+                      </m:acc>
+                    </m:oMath>
+                  </m:oMathPara>
+                </a14:m>
+                <a:endParaRPr lang="en-US" sz="4000" dirty="0"/>
+              </a:p>
+            </p:txBody>
+          </p:sp>
+        </mc:Choice>
+        <mc:Fallback>
+          <p:sp>
+            <p:nvSpPr>
+              <p:cNvPr id="62" name="TextBox 61"/>
+              <p:cNvSpPr txBox="1">
+                <a:spLocks noRot="1" noChangeAspect="1" noMove="1" noResize="1" noEditPoints="1" noAdjustHandles="1" noChangeArrowheads="1" noChangeShapeType="1" noTextEdit="1"/>
+              </p:cNvSpPr>
+              <p:nvPr/>
+            </p:nvSpPr>
+            <p:spPr>
+              <a:xfrm>
+                <a:off x="551853" y="19739362"/>
+                <a:ext cx="1007417" cy="707886"/>
+              </a:xfrm>
+              <a:prstGeom prst="rect">
+                <a:avLst/>
+              </a:prstGeom>
+              <a:blipFill rotWithShape="0">
+                <a:blip r:embed="rId3"/>
+                <a:stretch>
+                  <a:fillRect/>
+                </a:stretch>
+              </a:blipFill>
+            </p:spPr>
+            <p:txBody>
+              <a:bodyPr/>
+              <a:lstStyle/>
+              <a:p>
+                <a:r>
+                  <a:rPr lang="en-US">
+                    <a:noFill/>
+                  </a:rPr>
+                  <a:t> </a:t>
+                </a:r>
+              </a:p>
+            </p:txBody>
+          </p:sp>
+        </mc:Fallback>
+      </mc:AlternateContent>
+      <mc:AlternateContent xmlns:mc="http://schemas.openxmlformats.org/markup-compatibility/2006">
+        <mc:Choice xmlns:a14="http://schemas.microsoft.com/office/drawing/2010/main" Requires="a14">
+          <p:sp>
+            <p:nvSpPr>
+              <p:cNvPr id="107" name="TextBox 106"/>
+              <p:cNvSpPr txBox="1"/>
+              <p:nvPr/>
+            </p:nvSpPr>
+            <p:spPr>
+              <a:xfrm>
+                <a:off x="9424856" y="19646901"/>
+                <a:ext cx="1643489" cy="800347"/>
+              </a:xfrm>
+              <a:prstGeom prst="rect">
+                <a:avLst/>
+              </a:prstGeom>
+              <a:noFill/>
+            </p:spPr>
+            <p:txBody>
+              <a:bodyPr wrap="square" rtlCol="0">
+                <a:spAutoFit/>
+              </a:bodyPr>
+              <a:lstStyle/>
+              <a:p>
+                <a14:m>
+                  <m:oMathPara xmlns:m="http://schemas.openxmlformats.org/officeDocument/2006/math">
+                    <m:oMathParaPr>
+                      <m:jc m:val="centerGroup"/>
+                    </m:oMathParaPr>
+                    <m:oMath xmlns:m="http://schemas.openxmlformats.org/officeDocument/2006/math">
+                      <m:acc>
+                        <m:accPr>
+                          <m:chr m:val="⃗"/>
+                          <m:ctrlPr>
+                            <a:rPr lang="es-ES" sz="4000" b="0" i="1" smtClean="0">
+                              <a:latin typeface="Cambria Math" charset="0"/>
+                            </a:rPr>
+                          </m:ctrlPr>
+                        </m:accPr>
+                        <m:e>
+                          <m:r>
+                            <a:rPr lang="es-ES" sz="4000" b="0" i="1" smtClean="0">
+                              <a:latin typeface="Cambria Math" charset="0"/>
+                            </a:rPr>
+                            <m:t>𝑓</m:t>
+                          </m:r>
+                        </m:e>
+                      </m:acc>
+                      <m:r>
+                        <a:rPr lang="es-ES" sz="4000" b="0" i="1" smtClean="0">
+                          <a:latin typeface="Cambria Math" charset="0"/>
+                        </a:rPr>
+                        <m:t>(</m:t>
+                      </m:r>
+                      <m:acc>
+                        <m:accPr>
+                          <m:chr m:val="⃗"/>
+                          <m:ctrlPr>
+                            <a:rPr lang="en-US" sz="4000" i="1" smtClean="0">
+                              <a:latin typeface="Cambria Math" charset="0"/>
+                            </a:rPr>
+                          </m:ctrlPr>
+                        </m:accPr>
+                        <m:e>
+                          <m:r>
+                            <a:rPr lang="es-ES" sz="4000" b="0" i="1" smtClean="0">
+                              <a:latin typeface="Cambria Math" charset="0"/>
+                            </a:rPr>
+                            <m:t>𝑥</m:t>
+                          </m:r>
+                        </m:e>
+                      </m:acc>
+                      <m:r>
+                        <a:rPr lang="es-ES" sz="4000" b="0" i="1" smtClean="0">
+                          <a:latin typeface="Cambria Math" charset="0"/>
+                        </a:rPr>
+                        <m:t>)</m:t>
+                      </m:r>
+                    </m:oMath>
+                  </m:oMathPara>
+                </a14:m>
+                <a:endParaRPr lang="en-US" sz="4000" dirty="0"/>
+              </a:p>
+            </p:txBody>
+          </p:sp>
+        </mc:Choice>
+        <mc:Fallback>
+          <p:sp>
+            <p:nvSpPr>
+              <p:cNvPr id="107" name="TextBox 106"/>
+              <p:cNvSpPr txBox="1">
+                <a:spLocks noRot="1" noChangeAspect="1" noMove="1" noResize="1" noEditPoints="1" noAdjustHandles="1" noChangeArrowheads="1" noChangeShapeType="1" noTextEdit="1"/>
+              </p:cNvSpPr>
+              <p:nvPr/>
+            </p:nvSpPr>
+            <p:spPr>
+              <a:xfrm>
+                <a:off x="9424856" y="19646901"/>
+                <a:ext cx="1643489" cy="800347"/>
+              </a:xfrm>
+              <a:prstGeom prst="rect">
+                <a:avLst/>
+              </a:prstGeom>
+              <a:blipFill rotWithShape="0">
+                <a:blip r:embed="rId4"/>
+                <a:stretch>
+                  <a:fillRect/>
+                </a:stretch>
+              </a:blipFill>
+            </p:spPr>
+            <p:txBody>
+              <a:bodyPr/>
+              <a:lstStyle/>
+              <a:p>
+                <a:r>
+                  <a:rPr lang="en-US">
+                    <a:noFill/>
+                  </a:rPr>
+                  <a:t> </a:t>
+                </a:r>
+              </a:p>
+            </p:txBody>
+          </p:sp>
+        </mc:Fallback>
+      </mc:AlternateContent>
+      <p:sp>
+        <p:nvSpPr>
+          <p:cNvPr id="63" name="Left Brace 62"/>
+          <p:cNvSpPr/>
+          <p:nvPr/>
+        </p:nvSpPr>
+        <p:spPr>
+          <a:xfrm>
+            <a:off x="1370707" y="19512534"/>
+            <a:ext cx="545877" cy="1279451"/>
+          </a:xfrm>
+          <a:prstGeom prst="leftBrace">
+            <a:avLst/>
+          </a:prstGeom>
+          <a:ln w="34925"/>
+        </p:spPr>
+        <p:style>
+          <a:lnRef idx="1">
+            <a:schemeClr val="dk1"/>
+          </a:lnRef>
+          <a:fillRef idx="0">
+            <a:schemeClr val="dk1"/>
+          </a:fillRef>
+          <a:effectRef idx="0">
+            <a:schemeClr val="dk1"/>
+          </a:effectRef>
+          <a:fontRef idx="minor">
+            <a:schemeClr val="tx1"/>
+          </a:fontRef>
+        </p:style>
+        <p:txBody>
+          <a:bodyPr rtlCol="0" anchor="ctr"/>
+          <a:lstStyle/>
+          <a:p>
+            <a:pPr algn="ctr"/>
+            <a:endParaRPr lang="en-US"/>
+          </a:p>
+        </p:txBody>
+      </p:sp>
+      <p:sp>
+        <p:nvSpPr>
+          <p:cNvPr id="108" name="Left Brace 107"/>
+          <p:cNvSpPr/>
+          <p:nvPr/>
+        </p:nvSpPr>
+        <p:spPr>
+          <a:xfrm rot="10800000">
+            <a:off x="9016280" y="19425701"/>
+            <a:ext cx="545877" cy="1279451"/>
+          </a:xfrm>
+          <a:prstGeom prst="leftBrace">
+            <a:avLst>
+              <a:gd name="adj1" fmla="val 8333"/>
+              <a:gd name="adj2" fmla="val 46676"/>
+            </a:avLst>
+          </a:prstGeom>
+          <a:ln w="34925"/>
+        </p:spPr>
+        <p:style>
+          <a:lnRef idx="1">
+            <a:schemeClr val="dk1"/>
+          </a:lnRef>
+          <a:fillRef idx="0">
+            <a:schemeClr val="dk1"/>
+          </a:fillRef>
+          <a:effectRef idx="0">
+            <a:schemeClr val="dk1"/>
+          </a:effectRef>
+          <a:fontRef idx="minor">
+            <a:schemeClr val="tx1"/>
+          </a:fontRef>
+        </p:style>
+        <p:txBody>
+          <a:bodyPr rtlCol="0" anchor="ctr"/>
+          <a:lstStyle/>
+          <a:p>
+            <a:pPr algn="ctr"/>
+            <a:endParaRPr lang="en-US"/>
+          </a:p>
+        </p:txBody>
+      </p:sp>
+      <p:sp>
+        <p:nvSpPr>
+          <p:cNvPr id="109" name="TextBox 108"/>
+          <p:cNvSpPr txBox="1"/>
+          <p:nvPr/>
+        </p:nvSpPr>
+        <p:spPr>
+          <a:xfrm>
+            <a:off x="961456" y="21688243"/>
+            <a:ext cx="9384005" cy="5016758"/>
+          </a:xfrm>
+          <a:prstGeom prst="rect">
+            <a:avLst/>
+          </a:prstGeom>
+          <a:noFill/>
+        </p:spPr>
+        <p:txBody>
+          <a:bodyPr wrap="square" rtlCol="0">
+            <a:spAutoFit/>
+          </a:bodyPr>
+          <a:lstStyle/>
+          <a:p>
+            <a:pPr algn="just"/>
+            <a:r>
+              <a:rPr lang="en-US" sz="4000" dirty="0" smtClean="0"/>
+              <a:t>Different approaches have been taken through evolutionary algorithms:</a:t>
+            </a:r>
+          </a:p>
+          <a:p>
+            <a:pPr algn="just"/>
+            <a:endParaRPr lang="en-US" sz="4000" dirty="0" smtClean="0"/>
+          </a:p>
+          <a:p>
+            <a:pPr marL="571500" indent="-571500" algn="just">
+              <a:buFont typeface="Arial" charset="0"/>
+              <a:buChar char="•"/>
+            </a:pPr>
+            <a:r>
+              <a:rPr lang="en-US" sz="4000" dirty="0" smtClean="0"/>
+              <a:t>Large amount of observations required</a:t>
+            </a:r>
+          </a:p>
+          <a:p>
+            <a:pPr marL="571500" indent="-571500" algn="just">
+              <a:buFont typeface="Arial" charset="0"/>
+              <a:buChar char="•"/>
+            </a:pPr>
+            <a:r>
+              <a:rPr lang="en-US" sz="4000" dirty="0" smtClean="0"/>
+              <a:t>Uncertainty is not considered</a:t>
+            </a:r>
+          </a:p>
+          <a:p>
+            <a:pPr marL="571500" indent="-571500" algn="just">
+              <a:buFont typeface="Arial" charset="0"/>
+              <a:buChar char="•"/>
+            </a:pPr>
+            <a:endParaRPr lang="en-US" sz="4000" dirty="0"/>
+          </a:p>
+          <a:p>
+            <a:pPr algn="just"/>
+            <a:r>
+              <a:rPr lang="en-US" sz="4000" dirty="0" smtClean="0"/>
+              <a:t>Under the circumstances of a limited budget, this solutions are not feasible.</a:t>
+            </a:r>
+            <a:endParaRPr lang="en-US" sz="4000" dirty="0"/>
+          </a:p>
+        </p:txBody>
+      </p:sp>
+      <p:sp>
+        <p:nvSpPr>
+          <p:cNvPr id="111" name="TextBox 110"/>
+          <p:cNvSpPr txBox="1"/>
+          <p:nvPr/>
+        </p:nvSpPr>
+        <p:spPr>
+          <a:xfrm>
+            <a:off x="20390113" y="8121417"/>
+            <a:ext cx="3999300" cy="830997"/>
+          </a:xfrm>
+          <a:prstGeom prst="rect">
+            <a:avLst/>
+          </a:prstGeom>
+          <a:noFill/>
+        </p:spPr>
+        <p:txBody>
+          <a:bodyPr wrap="none" rtlCol="0">
+            <a:spAutoFit/>
+          </a:bodyPr>
+          <a:lstStyle/>
+          <a:p>
+            <a:r>
+              <a:rPr lang="en-US" sz="4800" b="1" dirty="0" smtClean="0">
+                <a:solidFill>
+                  <a:schemeClr val="accent5">
+                    <a:lumMod val="50000"/>
+                  </a:schemeClr>
+                </a:solidFill>
+              </a:rPr>
+              <a:t>The Methods</a:t>
+            </a:r>
+            <a:r>
+              <a:rPr lang="is-IS" sz="4800" b="1" dirty="0" smtClean="0">
+                <a:solidFill>
+                  <a:schemeClr val="accent5">
+                    <a:lumMod val="50000"/>
+                  </a:schemeClr>
+                </a:solidFill>
+              </a:rPr>
+              <a:t>…</a:t>
+            </a:r>
+            <a:endParaRPr lang="en-US" sz="4800" b="1" dirty="0">
+              <a:solidFill>
+                <a:schemeClr val="accent5">
+                  <a:lumMod val="50000"/>
+                </a:schemeClr>
+              </a:solidFill>
+            </a:endParaRPr>
+          </a:p>
+        </p:txBody>
+      </p:sp>
+      <p:pic>
+        <p:nvPicPr>
+          <p:cNvPr id="4097" name="Picture 4096"/>
+          <p:cNvPicPr>
+            <a:picLocks noChangeAspect="1"/>
+          </p:cNvPicPr>
+          <p:nvPr/>
+        </p:nvPicPr>
+        <p:blipFill>
+          <a:blip r:embed="rId5">
+            <a:extLst>
+              <a:ext uri="{28A0092B-C50C-407E-A947-70E740481C1C}">
+                <a14:useLocalDpi xmlns:a14="http://schemas.microsoft.com/office/drawing/2010/main" val="0"/>
+              </a:ext>
+            </a:extLst>
+          </a:blip>
+          <a:stretch>
+            <a:fillRect/>
+          </a:stretch>
+        </p:blipFill>
+        <p:spPr>
+          <a:xfrm>
+            <a:off x="13630546" y="22233927"/>
+            <a:ext cx="6029823" cy="4085782"/>
+          </a:xfrm>
+          <a:prstGeom prst="rect">
+            <a:avLst/>
+          </a:prstGeom>
+        </p:spPr>
+      </p:pic>
+      <p:pic>
+        <p:nvPicPr>
+          <p:cNvPr id="4099" name="Picture 4098"/>
+          <p:cNvPicPr>
+            <a:picLocks noChangeAspect="1"/>
+          </p:cNvPicPr>
+          <p:nvPr/>
+        </p:nvPicPr>
+        <p:blipFill>
+          <a:blip r:embed="rId6">
+            <a:extLst>
+              <a:ext uri="{28A0092B-C50C-407E-A947-70E740481C1C}">
+                <a14:useLocalDpi xmlns:a14="http://schemas.microsoft.com/office/drawing/2010/main" val="0"/>
+              </a:ext>
+            </a:extLst>
+          </a:blip>
+          <a:stretch>
+            <a:fillRect/>
+          </a:stretch>
+        </p:blipFill>
+        <p:spPr>
+          <a:xfrm>
+            <a:off x="24389413" y="22227236"/>
+            <a:ext cx="5927336" cy="4029961"/>
+          </a:xfrm>
+          <a:prstGeom prst="rect">
+            <a:avLst/>
+          </a:prstGeom>
+        </p:spPr>
+      </p:pic>
+      <p:sp>
+        <p:nvSpPr>
+          <p:cNvPr id="4107" name="Rounded Rectangle 4106"/>
+          <p:cNvSpPr/>
+          <p:nvPr/>
+        </p:nvSpPr>
+        <p:spPr>
+          <a:xfrm>
+            <a:off x="17240682" y="9328051"/>
+            <a:ext cx="3532237" cy="1749837"/>
+          </a:xfrm>
+          <a:prstGeom prst="roundRect">
+            <a:avLst/>
+          </a:prstGeom>
+          <a:solidFill>
+            <a:schemeClr val="accent5">
+              <a:lumMod val="40000"/>
+              <a:lumOff val="60000"/>
+            </a:schemeClr>
+          </a:solidFill>
+          <a:ln w="63500">
+            <a:solidFill>
+              <a:schemeClr val="accent5">
+                <a:lumMod val="75000"/>
+              </a:schemeClr>
+            </a:solidFill>
+          </a:ln>
+        </p:spPr>
+        <p:style>
+          <a:lnRef idx="2">
+            <a:schemeClr val="accent1">
+              <a:shade val="50000"/>
+            </a:schemeClr>
+          </a:lnRef>
+          <a:fillRef idx="1">
+            <a:schemeClr val="accent1"/>
+          </a:fillRef>
+          <a:effectRef idx="0">
+            <a:schemeClr val="accent1"/>
+          </a:effectRef>
+          <a:fontRef idx="minor">
+            <a:schemeClr val="lt1"/>
+          </a:fontRef>
+        </p:style>
+        <p:txBody>
+          <a:bodyPr rtlCol="0" anchor="ctr"/>
+          <a:lstStyle/>
+          <a:p>
+            <a:pPr algn="ctr"/>
+            <a:r>
+              <a:rPr lang="en-US" sz="3800" dirty="0" smtClean="0">
+                <a:solidFill>
+                  <a:schemeClr val="tx1"/>
+                </a:solidFill>
+                <a:latin typeface="Arial" charset="0"/>
+                <a:ea typeface="Arial" charset="0"/>
+                <a:cs typeface="Arial" charset="0"/>
+              </a:rPr>
+              <a:t>Train </a:t>
+            </a:r>
+            <a:r>
+              <a:rPr lang="en-US" sz="3800" smtClean="0">
+                <a:solidFill>
+                  <a:schemeClr val="tx1"/>
+                </a:solidFill>
+                <a:latin typeface="Arial" charset="0"/>
+                <a:ea typeface="Arial" charset="0"/>
+                <a:cs typeface="Arial" charset="0"/>
+              </a:rPr>
+              <a:t>GP surrogates</a:t>
+            </a:r>
+            <a:endParaRPr lang="en-US" sz="3800" dirty="0">
+              <a:solidFill>
+                <a:schemeClr val="tx1"/>
+              </a:solidFill>
+              <a:latin typeface="Arial" charset="0"/>
+              <a:ea typeface="Arial" charset="0"/>
+              <a:cs typeface="Arial" charset="0"/>
+            </a:endParaRPr>
+          </a:p>
+        </p:txBody>
+      </p:sp>
+      <p:sp>
+        <p:nvSpPr>
+          <p:cNvPr id="116" name="Rounded Rectangle 115"/>
+          <p:cNvSpPr/>
+          <p:nvPr/>
+        </p:nvSpPr>
+        <p:spPr>
+          <a:xfrm>
+            <a:off x="22183033" y="9328051"/>
+            <a:ext cx="3532237" cy="1749837"/>
+          </a:xfrm>
+          <a:prstGeom prst="roundRect">
+            <a:avLst/>
+          </a:prstGeom>
+          <a:noFill/>
+          <a:ln w="63500">
+            <a:solidFill>
+              <a:schemeClr val="accent5">
+                <a:lumMod val="75000"/>
+              </a:schemeClr>
+            </a:solidFill>
+          </a:ln>
+        </p:spPr>
+        <p:style>
+          <a:lnRef idx="2">
+            <a:schemeClr val="accent1">
+              <a:shade val="50000"/>
+            </a:schemeClr>
+          </a:lnRef>
+          <a:fillRef idx="1">
+            <a:schemeClr val="accent1"/>
+          </a:fillRef>
+          <a:effectRef idx="0">
+            <a:schemeClr val="accent1"/>
+          </a:effectRef>
+          <a:fontRef idx="minor">
+            <a:schemeClr val="lt1"/>
+          </a:fontRef>
+        </p:style>
+        <p:txBody>
+          <a:bodyPr rtlCol="0" anchor="ctr"/>
+          <a:lstStyle/>
+          <a:p>
+            <a:pPr algn="ctr"/>
+            <a:r>
+              <a:rPr lang="en-US" sz="3800" dirty="0" smtClean="0">
+                <a:solidFill>
+                  <a:schemeClr val="tx1"/>
+                </a:solidFill>
+                <a:latin typeface="Arial" charset="0"/>
+                <a:ea typeface="Arial" charset="0"/>
+                <a:cs typeface="Arial" charset="0"/>
+              </a:rPr>
+              <a:t>Project observations</a:t>
+            </a:r>
+            <a:endParaRPr lang="en-US" sz="3800" dirty="0">
+              <a:solidFill>
+                <a:schemeClr val="tx1"/>
+              </a:solidFill>
+              <a:latin typeface="Arial" charset="0"/>
+              <a:ea typeface="Arial" charset="0"/>
+              <a:cs typeface="Arial" charset="0"/>
+            </a:endParaRPr>
+          </a:p>
+        </p:txBody>
+      </p:sp>
+      <p:sp>
+        <p:nvSpPr>
+          <p:cNvPr id="118" name="Rounded Rectangle 117"/>
+          <p:cNvSpPr/>
+          <p:nvPr/>
+        </p:nvSpPr>
+        <p:spPr>
+          <a:xfrm>
+            <a:off x="12517997" y="9328052"/>
+            <a:ext cx="3532237" cy="1749836"/>
+          </a:xfrm>
+          <a:prstGeom prst="roundRect">
+            <a:avLst/>
+          </a:prstGeom>
+          <a:noFill/>
+          <a:ln w="63500">
+            <a:solidFill>
+              <a:schemeClr val="accent5">
+                <a:lumMod val="75000"/>
+              </a:schemeClr>
+            </a:solidFill>
+          </a:ln>
+        </p:spPr>
+        <p:style>
+          <a:lnRef idx="2">
+            <a:schemeClr val="accent1">
+              <a:shade val="50000"/>
+            </a:schemeClr>
+          </a:lnRef>
+          <a:fillRef idx="1">
+            <a:schemeClr val="accent1"/>
+          </a:fillRef>
+          <a:effectRef idx="0">
+            <a:schemeClr val="accent1"/>
+          </a:effectRef>
+          <a:fontRef idx="minor">
+            <a:schemeClr val="lt1"/>
+          </a:fontRef>
+        </p:style>
+        <p:txBody>
+          <a:bodyPr rtlCol="0" anchor="ctr"/>
+          <a:lstStyle/>
+          <a:p>
+            <a:pPr algn="ctr"/>
+            <a:r>
+              <a:rPr lang="en-US" sz="3800" smtClean="0">
+                <a:solidFill>
+                  <a:schemeClr val="tx1"/>
+                </a:solidFill>
+                <a:latin typeface="Arial" charset="0"/>
+                <a:ea typeface="Arial" charset="0"/>
+                <a:cs typeface="Arial" charset="0"/>
+              </a:rPr>
+              <a:t>Initial observations</a:t>
+            </a:r>
+            <a:endParaRPr lang="en-US" sz="3800" dirty="0">
+              <a:solidFill>
+                <a:schemeClr val="tx1"/>
+              </a:solidFill>
+              <a:latin typeface="Arial" charset="0"/>
+              <a:ea typeface="Arial" charset="0"/>
+              <a:cs typeface="Arial" charset="0"/>
+            </a:endParaRPr>
+          </a:p>
+        </p:txBody>
+      </p:sp>
+      <p:sp>
+        <p:nvSpPr>
+          <p:cNvPr id="119" name="Rounded Rectangle 118"/>
+          <p:cNvSpPr/>
+          <p:nvPr/>
+        </p:nvSpPr>
+        <p:spPr>
+          <a:xfrm>
+            <a:off x="27125384" y="9328050"/>
+            <a:ext cx="4049276" cy="1749838"/>
+          </a:xfrm>
+          <a:prstGeom prst="roundRect">
+            <a:avLst/>
+          </a:prstGeom>
+          <a:solidFill>
+            <a:schemeClr val="bg2">
+              <a:lumMod val="75000"/>
+            </a:schemeClr>
+          </a:solidFill>
+          <a:ln w="63500">
+            <a:solidFill>
+              <a:schemeClr val="accent5">
+                <a:lumMod val="75000"/>
+              </a:schemeClr>
+            </a:solidFill>
+          </a:ln>
+        </p:spPr>
+        <p:style>
+          <a:lnRef idx="2">
+            <a:schemeClr val="accent1">
+              <a:shade val="50000"/>
+            </a:schemeClr>
+          </a:lnRef>
+          <a:fillRef idx="1">
+            <a:schemeClr val="accent1"/>
+          </a:fillRef>
+          <a:effectRef idx="0">
+            <a:schemeClr val="accent1"/>
+          </a:effectRef>
+          <a:fontRef idx="minor">
+            <a:schemeClr val="lt1"/>
+          </a:fontRef>
+        </p:style>
+        <p:txBody>
+          <a:bodyPr rtlCol="0" anchor="ctr"/>
+          <a:lstStyle/>
+          <a:p>
+            <a:pPr algn="ctr"/>
+            <a:r>
+              <a:rPr lang="en-US" sz="3800" dirty="0" smtClean="0">
+                <a:solidFill>
+                  <a:schemeClr val="tx1"/>
+                </a:solidFill>
+                <a:latin typeface="Arial" charset="0"/>
+                <a:ea typeface="Arial" charset="0"/>
+                <a:cs typeface="Arial" charset="0"/>
+              </a:rPr>
+              <a:t>Compute expected improvement</a:t>
+            </a:r>
+            <a:endParaRPr lang="en-US" sz="3800" dirty="0">
+              <a:solidFill>
+                <a:schemeClr val="tx1"/>
+              </a:solidFill>
+              <a:latin typeface="Arial" charset="0"/>
+              <a:ea typeface="Arial" charset="0"/>
+              <a:cs typeface="Arial" charset="0"/>
+            </a:endParaRPr>
+          </a:p>
+        </p:txBody>
+      </p:sp>
+      <p:sp>
+        <p:nvSpPr>
+          <p:cNvPr id="120" name="Rounded Rectangle 119"/>
+          <p:cNvSpPr/>
+          <p:nvPr/>
+        </p:nvSpPr>
+        <p:spPr>
+          <a:xfrm>
+            <a:off x="27383903" y="12404045"/>
+            <a:ext cx="3532237" cy="1749836"/>
+          </a:xfrm>
+          <a:prstGeom prst="roundRect">
+            <a:avLst/>
+          </a:prstGeom>
+          <a:noFill/>
+          <a:ln w="63500">
+            <a:solidFill>
+              <a:schemeClr val="accent5">
+                <a:lumMod val="75000"/>
+              </a:schemeClr>
+            </a:solidFill>
+          </a:ln>
+        </p:spPr>
+        <p:style>
+          <a:lnRef idx="2">
+            <a:schemeClr val="accent1">
+              <a:shade val="50000"/>
+            </a:schemeClr>
+          </a:lnRef>
+          <a:fillRef idx="1">
+            <a:schemeClr val="accent1"/>
+          </a:fillRef>
+          <a:effectRef idx="0">
+            <a:schemeClr val="accent1"/>
+          </a:effectRef>
+          <a:fontRef idx="minor">
+            <a:schemeClr val="lt1"/>
+          </a:fontRef>
+        </p:style>
+        <p:txBody>
+          <a:bodyPr rtlCol="0" anchor="ctr"/>
+          <a:lstStyle/>
+          <a:p>
+            <a:pPr algn="ctr"/>
+            <a:r>
+              <a:rPr lang="en-US" sz="3800" smtClean="0">
+                <a:solidFill>
+                  <a:schemeClr val="tx1"/>
+                </a:solidFill>
+                <a:latin typeface="Arial" charset="0"/>
+                <a:ea typeface="Arial" charset="0"/>
+                <a:cs typeface="Arial" charset="0"/>
+              </a:rPr>
+              <a:t>Propose a design</a:t>
+            </a:r>
+            <a:endParaRPr lang="en-US" sz="3800" dirty="0">
+              <a:solidFill>
+                <a:schemeClr val="tx1"/>
+              </a:solidFill>
+              <a:latin typeface="Arial" charset="0"/>
+              <a:ea typeface="Arial" charset="0"/>
+              <a:cs typeface="Arial" charset="0"/>
+            </a:endParaRPr>
+          </a:p>
+        </p:txBody>
+      </p:sp>
+      <p:sp>
+        <p:nvSpPr>
+          <p:cNvPr id="121" name="Rounded Rectangle 120"/>
+          <p:cNvSpPr/>
+          <p:nvPr/>
+        </p:nvSpPr>
+        <p:spPr>
+          <a:xfrm>
+            <a:off x="22183033" y="12404045"/>
+            <a:ext cx="3532237" cy="1749836"/>
+          </a:xfrm>
+          <a:prstGeom prst="roundRect">
+            <a:avLst/>
+          </a:prstGeom>
+          <a:noFill/>
+          <a:ln w="63500">
+            <a:solidFill>
+              <a:schemeClr val="accent5">
+                <a:lumMod val="75000"/>
+              </a:schemeClr>
+            </a:solidFill>
+          </a:ln>
+        </p:spPr>
+        <p:style>
+          <a:lnRef idx="2">
+            <a:schemeClr val="accent1">
+              <a:shade val="50000"/>
+            </a:schemeClr>
+          </a:lnRef>
+          <a:fillRef idx="1">
+            <a:schemeClr val="accent1"/>
+          </a:fillRef>
+          <a:effectRef idx="0">
+            <a:schemeClr val="accent1"/>
+          </a:effectRef>
+          <a:fontRef idx="minor">
+            <a:schemeClr val="lt1"/>
+          </a:fontRef>
+        </p:style>
+        <p:txBody>
+          <a:bodyPr rtlCol="0" anchor="ctr"/>
+          <a:lstStyle/>
+          <a:p>
+            <a:pPr algn="ctr"/>
+            <a:r>
+              <a:rPr lang="en-US" sz="3800" dirty="0" smtClean="0">
+                <a:solidFill>
+                  <a:schemeClr val="tx1"/>
+                </a:solidFill>
+                <a:latin typeface="Arial" charset="0"/>
+                <a:ea typeface="Arial" charset="0"/>
+                <a:cs typeface="Arial" charset="0"/>
+              </a:rPr>
+              <a:t>Add new observation</a:t>
+            </a:r>
+            <a:endParaRPr lang="en-US" sz="3800" dirty="0">
+              <a:solidFill>
+                <a:schemeClr val="tx1"/>
+              </a:solidFill>
+              <a:latin typeface="Arial" charset="0"/>
+              <a:ea typeface="Arial" charset="0"/>
+              <a:cs typeface="Arial" charset="0"/>
+            </a:endParaRPr>
+          </a:p>
+        </p:txBody>
+      </p:sp>
+      <p:cxnSp>
+        <p:nvCxnSpPr>
+          <p:cNvPr id="4109" name="Elbow Connector 4108"/>
+          <p:cNvCxnSpPr>
+            <a:stCxn id="121" idx="1"/>
+            <a:endCxn id="4107" idx="2"/>
+          </p:cNvCxnSpPr>
+          <p:nvPr/>
+        </p:nvCxnSpPr>
+        <p:spPr>
+          <a:xfrm rot="10800000">
+            <a:off x="19006801" y="11077889"/>
+            <a:ext cx="3176232" cy="2201075"/>
+          </a:xfrm>
+          <a:prstGeom prst="bentConnector2">
+            <a:avLst/>
+          </a:prstGeom>
+          <a:ln w="63500">
+            <a:solidFill>
+              <a:schemeClr val="accent5">
+                <a:lumMod val="75000"/>
+              </a:schemeClr>
+            </a:solidFill>
+            <a:tailEnd type="triangle"/>
+          </a:ln>
+        </p:spPr>
+        <p:style>
+          <a:lnRef idx="1">
+            <a:schemeClr val="accent1"/>
+          </a:lnRef>
+          <a:fillRef idx="0">
+            <a:schemeClr val="accent1"/>
+          </a:fillRef>
+          <a:effectRef idx="0">
+            <a:schemeClr val="accent1"/>
+          </a:effectRef>
+          <a:fontRef idx="minor">
+            <a:schemeClr val="tx1"/>
+          </a:fontRef>
+        </p:style>
+      </p:cxnSp>
+      <p:cxnSp>
+        <p:nvCxnSpPr>
+          <p:cNvPr id="4111" name="Straight Arrow Connector 4110"/>
+          <p:cNvCxnSpPr>
+            <a:stCxn id="118" idx="3"/>
+            <a:endCxn id="4107" idx="1"/>
+          </p:cNvCxnSpPr>
+          <p:nvPr/>
+        </p:nvCxnSpPr>
+        <p:spPr>
+          <a:xfrm>
+            <a:off x="16050234" y="10202970"/>
+            <a:ext cx="1190448" cy="0"/>
+          </a:xfrm>
+          <a:prstGeom prst="straightConnector1">
+            <a:avLst/>
+          </a:prstGeom>
+          <a:ln w="63500">
+            <a:solidFill>
+              <a:schemeClr val="accent5">
+                <a:lumMod val="75000"/>
+              </a:schemeClr>
+            </a:solidFill>
+            <a:tailEnd type="triangle"/>
+          </a:ln>
+        </p:spPr>
+        <p:style>
+          <a:lnRef idx="1">
+            <a:schemeClr val="accent1"/>
+          </a:lnRef>
+          <a:fillRef idx="0">
+            <a:schemeClr val="accent1"/>
+          </a:fillRef>
+          <a:effectRef idx="0">
+            <a:schemeClr val="accent1"/>
+          </a:effectRef>
+          <a:fontRef idx="minor">
+            <a:schemeClr val="tx1"/>
+          </a:fontRef>
+        </p:style>
+      </p:cxnSp>
+      <p:cxnSp>
+        <p:nvCxnSpPr>
+          <p:cNvPr id="126" name="Straight Arrow Connector 125"/>
+          <p:cNvCxnSpPr>
+            <a:stCxn id="4107" idx="3"/>
+            <a:endCxn id="116" idx="1"/>
+          </p:cNvCxnSpPr>
+          <p:nvPr/>
+        </p:nvCxnSpPr>
+        <p:spPr>
+          <a:xfrm>
+            <a:off x="20772919" y="10202970"/>
+            <a:ext cx="1410114" cy="0"/>
+          </a:xfrm>
+          <a:prstGeom prst="straightConnector1">
+            <a:avLst/>
+          </a:prstGeom>
+          <a:ln w="63500">
+            <a:solidFill>
+              <a:schemeClr val="accent5">
+                <a:lumMod val="75000"/>
+              </a:schemeClr>
+            </a:solidFill>
+            <a:tailEnd type="triangle"/>
+          </a:ln>
+        </p:spPr>
+        <p:style>
+          <a:lnRef idx="1">
+            <a:schemeClr val="accent1"/>
+          </a:lnRef>
+          <a:fillRef idx="0">
+            <a:schemeClr val="accent1"/>
+          </a:fillRef>
+          <a:effectRef idx="0">
+            <a:schemeClr val="accent1"/>
+          </a:effectRef>
+          <a:fontRef idx="minor">
+            <a:schemeClr val="tx1"/>
+          </a:fontRef>
+        </p:style>
+      </p:cxnSp>
+      <p:cxnSp>
+        <p:nvCxnSpPr>
+          <p:cNvPr id="129" name="Straight Arrow Connector 128"/>
+          <p:cNvCxnSpPr>
+            <a:stCxn id="116" idx="3"/>
+            <a:endCxn id="119" idx="1"/>
+          </p:cNvCxnSpPr>
+          <p:nvPr/>
+        </p:nvCxnSpPr>
+        <p:spPr>
+          <a:xfrm flipV="1">
+            <a:off x="25715270" y="10202969"/>
+            <a:ext cx="1410114" cy="1"/>
+          </a:xfrm>
+          <a:prstGeom prst="straightConnector1">
+            <a:avLst/>
+          </a:prstGeom>
+          <a:ln w="63500">
+            <a:solidFill>
+              <a:schemeClr val="accent5">
+                <a:lumMod val="75000"/>
+              </a:schemeClr>
+            </a:solidFill>
+            <a:tailEnd type="triangle"/>
+          </a:ln>
+        </p:spPr>
+        <p:style>
+          <a:lnRef idx="1">
+            <a:schemeClr val="accent1"/>
+          </a:lnRef>
+          <a:fillRef idx="0">
+            <a:schemeClr val="accent1"/>
+          </a:fillRef>
+          <a:effectRef idx="0">
+            <a:schemeClr val="accent1"/>
+          </a:effectRef>
+          <a:fontRef idx="minor">
+            <a:schemeClr val="tx1"/>
+          </a:fontRef>
+        </p:style>
+      </p:cxnSp>
+      <p:cxnSp>
+        <p:nvCxnSpPr>
+          <p:cNvPr id="133" name="Straight Arrow Connector 132"/>
+          <p:cNvCxnSpPr>
+            <a:stCxn id="119" idx="2"/>
+            <a:endCxn id="120" idx="0"/>
+          </p:cNvCxnSpPr>
+          <p:nvPr/>
+        </p:nvCxnSpPr>
+        <p:spPr>
+          <a:xfrm>
+            <a:off x="29150022" y="11077888"/>
+            <a:ext cx="0" cy="1326157"/>
+          </a:xfrm>
+          <a:prstGeom prst="straightConnector1">
+            <a:avLst/>
+          </a:prstGeom>
+          <a:ln w="63500">
+            <a:solidFill>
+              <a:schemeClr val="accent5">
+                <a:lumMod val="75000"/>
+              </a:schemeClr>
+            </a:solidFill>
+            <a:tailEnd type="triangle"/>
+          </a:ln>
+        </p:spPr>
+        <p:style>
+          <a:lnRef idx="1">
+            <a:schemeClr val="accent1"/>
+          </a:lnRef>
+          <a:fillRef idx="0">
+            <a:schemeClr val="accent1"/>
+          </a:fillRef>
+          <a:effectRef idx="0">
+            <a:schemeClr val="accent1"/>
+          </a:effectRef>
+          <a:fontRef idx="minor">
+            <a:schemeClr val="tx1"/>
+          </a:fontRef>
+        </p:style>
+      </p:cxnSp>
+      <p:cxnSp>
+        <p:nvCxnSpPr>
+          <p:cNvPr id="136" name="Straight Arrow Connector 135"/>
+          <p:cNvCxnSpPr/>
+          <p:nvPr/>
+        </p:nvCxnSpPr>
+        <p:spPr>
+          <a:xfrm flipH="1">
+            <a:off x="25715270" y="13278963"/>
+            <a:ext cx="1668633" cy="0"/>
+          </a:xfrm>
+          <a:prstGeom prst="straightConnector1">
+            <a:avLst/>
+          </a:prstGeom>
+          <a:ln w="63500">
+            <a:solidFill>
+              <a:schemeClr val="accent5">
+                <a:lumMod val="75000"/>
+              </a:schemeClr>
+            </a:solidFill>
+            <a:tailEnd type="triangle"/>
+          </a:ln>
+        </p:spPr>
+        <p:style>
+          <a:lnRef idx="1">
+            <a:schemeClr val="accent1"/>
+          </a:lnRef>
+          <a:fillRef idx="0">
+            <a:schemeClr val="accent1"/>
+          </a:fillRef>
+          <a:effectRef idx="0">
+            <a:schemeClr val="accent1"/>
+          </a:effectRef>
+          <a:fontRef idx="minor">
+            <a:schemeClr val="tx1"/>
+          </a:fontRef>
+        </p:style>
+      </p:cxnSp>
+      <p:sp>
+        <p:nvSpPr>
+          <p:cNvPr id="4121" name="TextBox 4120"/>
+          <p:cNvSpPr txBox="1"/>
+          <p:nvPr/>
+        </p:nvSpPr>
+        <p:spPr>
+          <a:xfrm>
+            <a:off x="19861827" y="14479071"/>
+            <a:ext cx="6996224" cy="677108"/>
+          </a:xfrm>
+          <a:prstGeom prst="rect">
+            <a:avLst/>
+          </a:prstGeom>
+          <a:noFill/>
+        </p:spPr>
+        <p:txBody>
+          <a:bodyPr wrap="square" rtlCol="0">
+            <a:spAutoFit/>
+          </a:bodyPr>
+          <a:lstStyle/>
+          <a:p>
+            <a:r>
+              <a:rPr lang="en-US" sz="3800" i="1" dirty="0" smtClean="0">
+                <a:latin typeface="Arial" charset="0"/>
+                <a:ea typeface="Arial" charset="0"/>
+                <a:cs typeface="Arial" charset="0"/>
+              </a:rPr>
+              <a:t>General methodology</a:t>
+            </a:r>
+            <a:endParaRPr lang="en-US" sz="3800" i="1" dirty="0">
+              <a:latin typeface="Arial" charset="0"/>
+              <a:ea typeface="Arial" charset="0"/>
+              <a:cs typeface="Arial" charset="0"/>
+            </a:endParaRPr>
+          </a:p>
+        </p:txBody>
+      </p:sp>
+      <p:sp>
+        <p:nvSpPr>
+          <p:cNvPr id="140" name="TextBox 139"/>
+          <p:cNvSpPr txBox="1"/>
+          <p:nvPr/>
+        </p:nvSpPr>
+        <p:spPr>
+          <a:xfrm>
+            <a:off x="11594948" y="15767618"/>
+            <a:ext cx="12794465" cy="707886"/>
+          </a:xfrm>
+          <a:prstGeom prst="rect">
+            <a:avLst/>
+          </a:prstGeom>
+          <a:noFill/>
+        </p:spPr>
+        <p:txBody>
+          <a:bodyPr wrap="none" rtlCol="0">
+            <a:spAutoFit/>
+          </a:bodyPr>
+          <a:lstStyle/>
+          <a:p>
+            <a:r>
+              <a:rPr lang="en-US" sz="4000" b="1" u="sng" dirty="0" smtClean="0">
+                <a:solidFill>
+                  <a:schemeClr val="accent5">
+                    <a:lumMod val="50000"/>
+                  </a:schemeClr>
+                </a:solidFill>
+              </a:rPr>
+              <a:t>Gaussian process regressions to build objective surrogates: </a:t>
+            </a:r>
+            <a:endParaRPr lang="en-US" sz="4000" b="1" u="sng" dirty="0">
+              <a:solidFill>
+                <a:schemeClr val="accent5">
+                  <a:lumMod val="50000"/>
+                </a:schemeClr>
+              </a:solidFill>
+            </a:endParaRPr>
+          </a:p>
+        </p:txBody>
+      </p:sp>
+      <p:sp>
+        <p:nvSpPr>
+          <p:cNvPr id="4122" name="TextBox 4121"/>
+          <p:cNvSpPr txBox="1"/>
+          <p:nvPr/>
+        </p:nvSpPr>
+        <p:spPr>
+          <a:xfrm>
+            <a:off x="11594948" y="16475504"/>
+            <a:ext cx="20790052" cy="1323439"/>
+          </a:xfrm>
+          <a:prstGeom prst="rect">
+            <a:avLst/>
+          </a:prstGeom>
+          <a:noFill/>
+        </p:spPr>
+        <p:txBody>
+          <a:bodyPr wrap="square" rtlCol="0">
+            <a:spAutoFit/>
+          </a:bodyPr>
+          <a:lstStyle/>
+          <a:p>
+            <a:r>
+              <a:rPr lang="en-US" sz="4000" dirty="0"/>
+              <a:t>A Gaussian process (GP) is a collection of random variables, any finite number of which have a joint Gaussian </a:t>
+            </a:r>
+            <a:r>
+              <a:rPr lang="en-US" sz="4000" dirty="0" smtClean="0"/>
+              <a:t>distribution (Seeger-2004)</a:t>
+            </a:r>
+            <a:endParaRPr lang="en-US" sz="4000" dirty="0"/>
+          </a:p>
+        </p:txBody>
+      </p:sp>
+      <p:sp>
+        <p:nvSpPr>
+          <p:cNvPr id="4123" name="TextBox 4122"/>
+          <p:cNvSpPr txBox="1"/>
+          <p:nvPr/>
+        </p:nvSpPr>
+        <p:spPr>
+          <a:xfrm>
+            <a:off x="34361683" y="25348872"/>
+            <a:ext cx="6822893" cy="369332"/>
+          </a:xfrm>
+          <a:prstGeom prst="rect">
+            <a:avLst/>
+          </a:prstGeom>
+          <a:noFill/>
+        </p:spPr>
+        <p:txBody>
+          <a:bodyPr wrap="none" rtlCol="0">
+            <a:spAutoFit/>
+          </a:bodyPr>
+          <a:lstStyle/>
+          <a:p>
+            <a:r>
+              <a:rPr lang="en-US" sz="1800" dirty="0"/>
+              <a:t> </a:t>
+            </a:r>
+            <a:r>
+              <a:rPr lang="en-US" sz="1800" dirty="0" smtClean="0"/>
+              <a:t>[1] M</a:t>
+            </a:r>
+            <a:r>
+              <a:rPr lang="en-US" sz="1800" dirty="0"/>
+              <a:t>. Seeger, Gaussian processes for machine learning. , vol. 14. 2004.</a:t>
+            </a:r>
+            <a:endParaRPr lang="en-US" sz="1800" dirty="0"/>
+          </a:p>
+        </p:txBody>
+      </p:sp>
+      <p:sp>
+        <p:nvSpPr>
+          <p:cNvPr id="143" name="11 Marcador de texto"/>
+          <p:cNvSpPr txBox="1">
+            <a:spLocks/>
+          </p:cNvSpPr>
+          <p:nvPr/>
+        </p:nvSpPr>
+        <p:spPr>
+          <a:xfrm>
+            <a:off x="32881152" y="24337940"/>
+            <a:ext cx="10047018" cy="923322"/>
+          </a:xfrm>
+          <a:prstGeom prst="rect">
+            <a:avLst/>
+          </a:prstGeom>
+          <a:noFill/>
+        </p:spPr>
+        <p:txBody>
+          <a:bodyPr vert="horz" wrap="square" lIns="91436" tIns="91436" rIns="91436" bIns="91436" rtlCol="0" anchor="ctr" anchorCtr="0">
+            <a:spAutoFit/>
+          </a:bodyPr>
+          <a:lstStyle>
+            <a:lvl1pPr marL="0" indent="0" algn="ctr" defTabSz="4263487" rtl="0" eaLnBrk="1" latinLnBrk="0" hangingPunct="1">
+              <a:spcBef>
+                <a:spcPct val="20000"/>
+              </a:spcBef>
+              <a:buFont typeface="Arial" panose="020B0604020202020204" pitchFamily="34" charset="0"/>
+              <a:buNone/>
+              <a:defRPr sz="3700" b="1" u="sng" kern="1200" baseline="0">
+                <a:solidFill>
+                  <a:schemeClr val="accent5">
+                    <a:lumMod val="50000"/>
+                  </a:schemeClr>
+                </a:solidFill>
+                <a:latin typeface="+mn-lt"/>
+                <a:ea typeface="+mn-ea"/>
+                <a:cs typeface="+mn-cs"/>
+              </a:defRPr>
+            </a:lvl1pPr>
+            <a:lvl2pPr marL="3464084" indent="-1332341" algn="l" defTabSz="4263487" rtl="0" eaLnBrk="1" latinLnBrk="0" hangingPunct="1">
+              <a:spcBef>
+                <a:spcPct val="20000"/>
+              </a:spcBef>
+              <a:buFont typeface="Arial" panose="020B0604020202020204" pitchFamily="34" charset="0"/>
+              <a:buChar char="–"/>
+              <a:defRPr sz="13100" kern="1200">
+                <a:solidFill>
+                  <a:schemeClr val="tx1"/>
+                </a:solidFill>
+                <a:latin typeface="+mn-lt"/>
+                <a:ea typeface="+mn-ea"/>
+                <a:cs typeface="+mn-cs"/>
+              </a:defRPr>
+            </a:lvl2pPr>
+            <a:lvl3pPr marL="5329359" indent="-1065872" algn="l" defTabSz="4263487" rtl="0" eaLnBrk="1" latinLnBrk="0" hangingPunct="1">
+              <a:spcBef>
+                <a:spcPct val="20000"/>
+              </a:spcBef>
+              <a:buFont typeface="Arial" panose="020B0604020202020204" pitchFamily="34" charset="0"/>
+              <a:buChar char="•"/>
+              <a:defRPr sz="11200" kern="1200">
+                <a:solidFill>
+                  <a:schemeClr val="tx1"/>
+                </a:solidFill>
+                <a:latin typeface="+mn-lt"/>
+                <a:ea typeface="+mn-ea"/>
+                <a:cs typeface="+mn-cs"/>
+              </a:defRPr>
+            </a:lvl3pPr>
+            <a:lvl4pPr marL="7461104" indent="-1065872" algn="l" defTabSz="4263487" rtl="0" eaLnBrk="1" latinLnBrk="0" hangingPunct="1">
+              <a:spcBef>
+                <a:spcPct val="20000"/>
+              </a:spcBef>
+              <a:buFont typeface="Arial" panose="020B0604020202020204" pitchFamily="34" charset="0"/>
+              <a:buChar char="–"/>
+              <a:defRPr sz="9400" kern="1200">
+                <a:solidFill>
+                  <a:schemeClr val="tx1"/>
+                </a:solidFill>
+                <a:latin typeface="+mn-lt"/>
+                <a:ea typeface="+mn-ea"/>
+                <a:cs typeface="+mn-cs"/>
+              </a:defRPr>
+            </a:lvl4pPr>
+            <a:lvl5pPr marL="9592848" indent="-1065872" algn="l" defTabSz="4263487" rtl="0" eaLnBrk="1" latinLnBrk="0" hangingPunct="1">
+              <a:spcBef>
+                <a:spcPct val="20000"/>
+              </a:spcBef>
+              <a:buFont typeface="Arial" panose="020B0604020202020204" pitchFamily="34" charset="0"/>
+              <a:buChar char="»"/>
+              <a:defRPr sz="9400" kern="1200">
+                <a:solidFill>
+                  <a:schemeClr val="tx1"/>
+                </a:solidFill>
+                <a:latin typeface="+mn-lt"/>
+                <a:ea typeface="+mn-ea"/>
+                <a:cs typeface="+mn-cs"/>
+              </a:defRPr>
+            </a:lvl5pPr>
+            <a:lvl6pPr marL="11724591" indent="-1065872" algn="l" defTabSz="4263487" rtl="0" eaLnBrk="1" latinLnBrk="0" hangingPunct="1">
+              <a:spcBef>
+                <a:spcPct val="20000"/>
+              </a:spcBef>
+              <a:buFont typeface="Arial" panose="020B0604020202020204" pitchFamily="34" charset="0"/>
+              <a:buChar char="•"/>
+              <a:defRPr sz="9400" kern="1200">
+                <a:solidFill>
+                  <a:schemeClr val="tx1"/>
+                </a:solidFill>
+                <a:latin typeface="+mn-lt"/>
+                <a:ea typeface="+mn-ea"/>
+                <a:cs typeface="+mn-cs"/>
+              </a:defRPr>
+            </a:lvl6pPr>
+            <a:lvl7pPr marL="13856335" indent="-1065872" algn="l" defTabSz="4263487" rtl="0" eaLnBrk="1" latinLnBrk="0" hangingPunct="1">
+              <a:spcBef>
+                <a:spcPct val="20000"/>
+              </a:spcBef>
+              <a:buFont typeface="Arial" panose="020B0604020202020204" pitchFamily="34" charset="0"/>
+              <a:buChar char="•"/>
+              <a:defRPr sz="9400" kern="1200">
+                <a:solidFill>
+                  <a:schemeClr val="tx1"/>
+                </a:solidFill>
+                <a:latin typeface="+mn-lt"/>
+                <a:ea typeface="+mn-ea"/>
+                <a:cs typeface="+mn-cs"/>
+              </a:defRPr>
+            </a:lvl7pPr>
+            <a:lvl8pPr marL="15988078" indent="-1065872" algn="l" defTabSz="4263487" rtl="0" eaLnBrk="1" latinLnBrk="0" hangingPunct="1">
+              <a:spcBef>
+                <a:spcPct val="20000"/>
+              </a:spcBef>
+              <a:buFont typeface="Arial" panose="020B0604020202020204" pitchFamily="34" charset="0"/>
+              <a:buChar char="•"/>
+              <a:defRPr sz="9400" kern="1200">
+                <a:solidFill>
+                  <a:schemeClr val="tx1"/>
+                </a:solidFill>
+                <a:latin typeface="+mn-lt"/>
+                <a:ea typeface="+mn-ea"/>
+                <a:cs typeface="+mn-cs"/>
+              </a:defRPr>
+            </a:lvl8pPr>
+            <a:lvl9pPr marL="18119822" indent="-1065872" algn="l" defTabSz="4263487" rtl="0" eaLnBrk="1" latinLnBrk="0" hangingPunct="1">
+              <a:spcBef>
+                <a:spcPct val="20000"/>
+              </a:spcBef>
+              <a:buFont typeface="Arial" panose="020B0604020202020204" pitchFamily="34" charset="0"/>
+              <a:buChar char="•"/>
+              <a:defRPr sz="9400" kern="1200">
+                <a:solidFill>
+                  <a:schemeClr val="tx1"/>
+                </a:solidFill>
+                <a:latin typeface="+mn-lt"/>
+                <a:ea typeface="+mn-ea"/>
+                <a:cs typeface="+mn-cs"/>
+              </a:defRPr>
+            </a:lvl9pPr>
+          </a:lstStyle>
+          <a:p>
+            <a:r>
+              <a:rPr lang="en-US" sz="4800" u="none" dirty="0" smtClean="0">
+                <a:latin typeface="Arial" panose="020B0604020202020204" pitchFamily="34" charset="0"/>
+                <a:cs typeface="Arial" panose="020B0604020202020204" pitchFamily="34" charset="0"/>
+              </a:rPr>
+              <a:t>References</a:t>
+            </a:r>
+            <a:endParaRPr lang="en-US" sz="4800" u="none" dirty="0">
+              <a:latin typeface="Arial" panose="020B0604020202020204" pitchFamily="34" charset="0"/>
+              <a:cs typeface="Arial" panose="020B0604020202020204" pitchFamily="34" charset="0"/>
+            </a:endParaRPr>
+          </a:p>
+        </p:txBody>
+      </p:sp>
+      <mc:AlternateContent xmlns:mc="http://schemas.openxmlformats.org/markup-compatibility/2006">
+        <mc:Choice xmlns:a14="http://schemas.microsoft.com/office/drawing/2010/main" Requires="a14">
+          <p:sp>
+            <p:nvSpPr>
+              <p:cNvPr id="144" name="TextBox 143"/>
+              <p:cNvSpPr txBox="1"/>
+              <p:nvPr/>
+            </p:nvSpPr>
+            <p:spPr>
+              <a:xfrm>
+                <a:off x="11788007" y="18086201"/>
+                <a:ext cx="20790052" cy="841256"/>
+              </a:xfrm>
+              <a:prstGeom prst="rect">
+                <a:avLst/>
+              </a:prstGeom>
+              <a:noFill/>
+            </p:spPr>
+            <p:txBody>
+              <a:bodyPr wrap="square" rtlCol="0">
+                <a:spAutoFit/>
+              </a:bodyPr>
+              <a:lstStyle/>
+              <a:p>
+                <a:pPr algn="ctr"/>
+                <a14:m>
+                  <m:oMathPara xmlns:m="http://schemas.openxmlformats.org/officeDocument/2006/math">
+                    <m:oMathParaPr>
+                      <m:jc m:val="centerGroup"/>
+                    </m:oMathParaPr>
+                    <m:oMath xmlns:m="http://schemas.openxmlformats.org/officeDocument/2006/math">
+                      <m:r>
+                        <a:rPr lang="es-ES" sz="4000" b="0" i="1" smtClean="0">
+                          <a:latin typeface="Cambria Math" charset="0"/>
+                        </a:rPr>
+                        <m:t>𝑓</m:t>
+                      </m:r>
+                      <m:r>
+                        <a:rPr lang="es-ES" sz="4000" b="0" i="1" smtClean="0">
+                          <a:latin typeface="Cambria Math" charset="0"/>
+                        </a:rPr>
+                        <m:t>(⋅)|</m:t>
+                      </m:r>
+                      <m:acc>
+                        <m:accPr>
+                          <m:chr m:val="⃗"/>
+                          <m:ctrlPr>
+                            <a:rPr lang="es-ES" sz="4000" b="0" i="1" smtClean="0">
+                              <a:latin typeface="Cambria Math" charset="0"/>
+                            </a:rPr>
+                          </m:ctrlPr>
+                        </m:accPr>
+                        <m:e>
+                          <m:r>
+                            <a:rPr lang="es-ES" sz="4000" b="0" i="1" smtClean="0">
+                              <a:latin typeface="Cambria Math" charset="0"/>
+                            </a:rPr>
+                            <m:t>𝜃</m:t>
+                          </m:r>
+                        </m:e>
+                      </m:acc>
+                      <m:r>
+                        <a:rPr lang="es-ES" sz="4000" b="0" i="1" smtClean="0">
+                          <a:latin typeface="Cambria Math" charset="0"/>
+                        </a:rPr>
+                        <m:t>∼</m:t>
+                      </m:r>
+                      <m:r>
+                        <a:rPr lang="es-ES" sz="4000" b="0" i="1" smtClean="0">
+                          <a:latin typeface="Cambria Math" charset="0"/>
+                        </a:rPr>
+                        <m:t>𝐺𝑃</m:t>
+                      </m:r>
+                      <m:r>
+                        <a:rPr lang="es-ES" sz="4000" b="0" i="1" smtClean="0">
+                          <a:latin typeface="Cambria Math" charset="0"/>
+                        </a:rPr>
+                        <m:t>(</m:t>
+                      </m:r>
+                      <m:r>
+                        <a:rPr lang="es-ES" sz="4000" b="0" i="1" smtClean="0">
+                          <a:latin typeface="Cambria Math" charset="0"/>
+                        </a:rPr>
+                        <m:t>𝑓</m:t>
+                      </m:r>
+                      <m:r>
+                        <a:rPr lang="es-ES" sz="4000" b="0" i="1" smtClean="0">
+                          <a:latin typeface="Cambria Math" charset="0"/>
+                        </a:rPr>
+                        <m:t>(⋅)|</m:t>
+                      </m:r>
+                      <m:r>
+                        <a:rPr lang="es-ES" sz="4000" b="0" i="1" smtClean="0">
+                          <a:latin typeface="Cambria Math" charset="0"/>
+                        </a:rPr>
+                        <m:t>𝑚</m:t>
+                      </m:r>
+                      <m:d>
+                        <m:dPr>
+                          <m:ctrlPr>
+                            <a:rPr lang="es-ES" sz="4000" b="0" i="1" smtClean="0">
+                              <a:latin typeface="Cambria Math" charset="0"/>
+                            </a:rPr>
+                          </m:ctrlPr>
+                        </m:dPr>
+                        <m:e>
+                          <m:r>
+                            <a:rPr lang="es-ES" sz="4000" b="0" i="1" smtClean="0">
+                              <a:latin typeface="Cambria Math" charset="0"/>
+                            </a:rPr>
+                            <m:t>⋅ ;</m:t>
+                          </m:r>
+                          <m:acc>
+                            <m:accPr>
+                              <m:chr m:val="⃗"/>
+                              <m:ctrlPr>
+                                <a:rPr lang="es-ES" sz="4000" i="1">
+                                  <a:latin typeface="Cambria Math" charset="0"/>
+                                </a:rPr>
+                              </m:ctrlPr>
+                            </m:accPr>
+                            <m:e>
+                              <m:r>
+                                <a:rPr lang="es-ES" sz="4000" i="1">
+                                  <a:latin typeface="Cambria Math" charset="0"/>
+                                </a:rPr>
+                                <m:t>𝜃</m:t>
+                              </m:r>
+                            </m:e>
+                          </m:acc>
+                        </m:e>
+                      </m:d>
+                      <m:r>
+                        <a:rPr lang="es-ES" sz="4000" b="0" i="1" smtClean="0">
+                          <a:latin typeface="Cambria Math" charset="0"/>
+                        </a:rPr>
+                        <m:t> , </m:t>
+                      </m:r>
+                      <m:r>
+                        <a:rPr lang="es-ES" sz="4000" b="0" i="1" smtClean="0">
+                          <a:latin typeface="Cambria Math" charset="0"/>
+                        </a:rPr>
+                        <m:t>𝑘</m:t>
+                      </m:r>
+                      <m:r>
+                        <a:rPr lang="es-ES" sz="4000" b="0" i="1" smtClean="0">
+                          <a:latin typeface="Cambria Math" charset="0"/>
+                        </a:rPr>
+                        <m:t>(⋅ ; ⋅ ;</m:t>
+                      </m:r>
+                      <m:acc>
+                        <m:accPr>
+                          <m:chr m:val="⃗"/>
+                          <m:ctrlPr>
+                            <a:rPr lang="es-ES" sz="4000" i="1">
+                              <a:latin typeface="Cambria Math" charset="0"/>
+                            </a:rPr>
+                          </m:ctrlPr>
+                        </m:accPr>
+                        <m:e>
+                          <m:r>
+                            <a:rPr lang="es-ES" sz="4000" i="1">
+                              <a:latin typeface="Cambria Math" charset="0"/>
+                            </a:rPr>
+                            <m:t>𝜃</m:t>
+                          </m:r>
+                        </m:e>
+                      </m:acc>
+                      <m:r>
+                        <a:rPr lang="es-ES" sz="4000" b="0" i="1" smtClean="0">
+                          <a:latin typeface="Cambria Math" charset="0"/>
+                        </a:rPr>
+                        <m:t>))</m:t>
+                      </m:r>
+                    </m:oMath>
+                  </m:oMathPara>
+                </a14:m>
+                <a:endParaRPr lang="en-US" sz="4000" dirty="0"/>
+              </a:p>
+            </p:txBody>
+          </p:sp>
+        </mc:Choice>
+        <mc:Fallback>
+          <p:sp>
+            <p:nvSpPr>
+              <p:cNvPr id="144" name="TextBox 143"/>
+              <p:cNvSpPr txBox="1">
+                <a:spLocks noRot="1" noChangeAspect="1" noMove="1" noResize="1" noEditPoints="1" noAdjustHandles="1" noChangeArrowheads="1" noChangeShapeType="1" noTextEdit="1"/>
+              </p:cNvSpPr>
+              <p:nvPr/>
+            </p:nvSpPr>
+            <p:spPr>
+              <a:xfrm>
+                <a:off x="11788007" y="18086201"/>
+                <a:ext cx="20790052" cy="841256"/>
+              </a:xfrm>
+              <a:prstGeom prst="rect">
+                <a:avLst/>
+              </a:prstGeom>
+              <a:blipFill rotWithShape="0">
+                <a:blip r:embed="rId7"/>
+                <a:stretch>
+                  <a:fillRect/>
+                </a:stretch>
+              </a:blipFill>
+            </p:spPr>
+            <p:txBody>
+              <a:bodyPr/>
+              <a:lstStyle/>
+              <a:p>
+                <a:r>
+                  <a:rPr lang="en-US">
+                    <a:noFill/>
+                  </a:rPr>
+                  <a:t> </a:t>
+                </a:r>
+              </a:p>
+            </p:txBody>
+          </p:sp>
+        </mc:Fallback>
+      </mc:AlternateContent>
+    </p:spTree>
+    <p:extLst>
+      <p:ext uri="{BB962C8B-B14F-4D97-AF65-F5344CB8AC3E}">
+        <p14:creationId xmlns:p14="http://schemas.microsoft.com/office/powerpoint/2010/main" val="1961959088"/>
       </p:ext>
     </p:extLst>
   </p:cSld>

--- a/Assignments/Week_8/Poster.pptx
+++ b/Assignments/Week_8/Poster.pptx
@@ -259,7 +259,7 @@
             <a:fld id="{0158C5BC-9A70-462C-B28D-9600239EAC64}" type="datetimeFigureOut">
               <a:rPr lang="en-US" smtClean="0"/>
               <a:pPr/>
-              <a:t>7/13/16</a:t>
+              <a:t>7/14/16</a:t>
             </a:fld>
             <a:endParaRPr lang="en-US" dirty="0"/>
           </a:p>
@@ -426,7 +426,7 @@
             <a:fld id="{E6CC2317-6751-4CD4-9995-8782DD78E936}" type="datetimeFigureOut">
               <a:rPr lang="en-US" smtClean="0"/>
               <a:pPr/>
-              <a:t>7/13/16</a:t>
+              <a:t>7/14/16</a:t>
             </a:fld>
             <a:endParaRPr lang="en-US" dirty="0"/>
           </a:p>
@@ -6580,7 +6580,7 @@
               <a:graphicData uri="http://schemas.openxmlformats.org/presentationml/2006/ole">
                 <mc:AlternateContent xmlns:mc="http://schemas.openxmlformats.org/markup-compatibility/2006">
                   <mc:Choice xmlns:v="urn:schemas-microsoft-com:vml" Requires="v">
-                    <p:oleObj spid="_x0000_s1279" name="Image" r:id="rId8" imgW="1828440" imgH="1117440" progId="Photoshop.Image.13">
+                    <p:oleObj spid="_x0000_s1324" name="Image" r:id="rId8" imgW="1828440" imgH="1117440" progId="Photoshop.Image.13">
                       <p:embed/>
                     </p:oleObj>
                   </mc:Choice>
@@ -6637,7 +6637,7 @@
               <a:graphicData uri="http://schemas.openxmlformats.org/presentationml/2006/ole">
                 <mc:AlternateContent xmlns:mc="http://schemas.openxmlformats.org/markup-compatibility/2006">
                   <mc:Choice xmlns:v="urn:schemas-microsoft-com:vml" Requires="v">
-                    <p:oleObj spid="_x0000_s1280" name="Image" r:id="rId10" imgW="1828440" imgH="1117440" progId="Photoshop.Image.13">
+                    <p:oleObj spid="_x0000_s1325" name="Image" r:id="rId10" imgW="1828440" imgH="1117440" progId="Photoshop.Image.13">
                       <p:embed/>
                     </p:oleObj>
                   </mc:Choice>
@@ -7765,7 +7765,7 @@
             <a:graphicData uri="http://schemas.openxmlformats.org/presentationml/2006/ole">
               <mc:AlternateContent xmlns:mc="http://schemas.openxmlformats.org/markup-compatibility/2006">
                 <mc:Choice xmlns:v="urn:schemas-microsoft-com:vml" Requires="v">
-                  <p:oleObj spid="_x0000_s1281" name="Image" r:id="rId12" imgW="4571280" imgH="1688760" progId="Photoshop.Image.13">
+                  <p:oleObj spid="_x0000_s1326" name="Image" r:id="rId12" imgW="4571280" imgH="1688760" progId="Photoshop.Image.13">
                     <p:embed/>
                   </p:oleObj>
                 </mc:Choice>
@@ -7849,7 +7849,7 @@
             <a:graphicData uri="http://schemas.openxmlformats.org/presentationml/2006/ole">
               <mc:AlternateContent xmlns:mc="http://schemas.openxmlformats.org/markup-compatibility/2006">
                 <mc:Choice xmlns:v="urn:schemas-microsoft-com:vml" Requires="v">
-                  <p:oleObj spid="_x0000_s1282" name="Image" r:id="rId15" imgW="1574280" imgH="1053720" progId="Photoshop.Image.13">
+                  <p:oleObj spid="_x0000_s1327" name="Image" r:id="rId15" imgW="1574280" imgH="1053720" progId="Photoshop.Image.13">
                     <p:embed/>
                   </p:oleObj>
                 </mc:Choice>
@@ -9934,7 +9934,7 @@
             <a:graphicData uri="http://schemas.openxmlformats.org/presentationml/2006/ole">
               <mc:AlternateContent xmlns:mc="http://schemas.openxmlformats.org/markup-compatibility/2006">
                 <mc:Choice xmlns:v="urn:schemas-microsoft-com:vml" Requires="v">
-                  <p:oleObj spid="_x0000_s2303" name="Image" r:id="rId4" imgW="4571280" imgH="1688760" progId="Photoshop.Image.13">
+                  <p:oleObj spid="_x0000_s2348" name="Image" r:id="rId4" imgW="4571280" imgH="1688760" progId="Photoshop.Image.13">
                     <p:embed/>
                   </p:oleObj>
                 </mc:Choice>
@@ -10018,7 +10018,7 @@
             <a:graphicData uri="http://schemas.openxmlformats.org/presentationml/2006/ole">
               <mc:AlternateContent xmlns:mc="http://schemas.openxmlformats.org/markup-compatibility/2006">
                 <mc:Choice xmlns:v="urn:schemas-microsoft-com:vml" Requires="v">
-                  <p:oleObj spid="_x0000_s2304" name="Image" r:id="rId7" imgW="1574280" imgH="1053720" progId="Photoshop.Image.13">
+                  <p:oleObj spid="_x0000_s2349" name="Image" r:id="rId7" imgW="1574280" imgH="1053720" progId="Photoshop.Image.13">
                     <p:embed/>
                   </p:oleObj>
                 </mc:Choice>
@@ -11540,7 +11540,7 @@
               <a:graphicData uri="http://schemas.openxmlformats.org/presentationml/2006/ole">
                 <mc:AlternateContent xmlns:mc="http://schemas.openxmlformats.org/markup-compatibility/2006">
                   <mc:Choice xmlns:v="urn:schemas-microsoft-com:vml" Requires="v">
-                    <p:oleObj spid="_x0000_s2305" name="Image" r:id="rId15" imgW="1828440" imgH="1117440" progId="Photoshop.Image.13">
+                    <p:oleObj spid="_x0000_s2350" name="Image" r:id="rId15" imgW="1828440" imgH="1117440" progId="Photoshop.Image.13">
                       <p:embed/>
                     </p:oleObj>
                   </mc:Choice>
@@ -11597,7 +11597,7 @@
               <a:graphicData uri="http://schemas.openxmlformats.org/presentationml/2006/ole">
                 <mc:AlternateContent xmlns:mc="http://schemas.openxmlformats.org/markup-compatibility/2006">
                   <mc:Choice xmlns:v="urn:schemas-microsoft-com:vml" Requires="v">
-                    <p:oleObj spid="_x0000_s2306" name="Image" r:id="rId17" imgW="1828440" imgH="1117440" progId="Photoshop.Image.13">
+                    <p:oleObj spid="_x0000_s2351" name="Image" r:id="rId17" imgW="1828440" imgH="1117440" progId="Photoshop.Image.13">
                       <p:embed/>
                     </p:oleObj>
                   </mc:Choice>
@@ -13425,7 +13425,7 @@
             <a:graphicData uri="http://schemas.openxmlformats.org/presentationml/2006/ole">
               <mc:AlternateContent xmlns:mc="http://schemas.openxmlformats.org/markup-compatibility/2006">
                 <mc:Choice xmlns:v="urn:schemas-microsoft-com:vml" Requires="v">
-                  <p:oleObj spid="_x0000_s3327" name="Image" r:id="rId4" imgW="4571280" imgH="1688760" progId="Photoshop.Image.13">
+                  <p:oleObj spid="_x0000_s3372" name="Image" r:id="rId4" imgW="4571280" imgH="1688760" progId="Photoshop.Image.13">
                     <p:embed/>
                   </p:oleObj>
                 </mc:Choice>
@@ -13509,7 +13509,7 @@
             <a:graphicData uri="http://schemas.openxmlformats.org/presentationml/2006/ole">
               <mc:AlternateContent xmlns:mc="http://schemas.openxmlformats.org/markup-compatibility/2006">
                 <mc:Choice xmlns:v="urn:schemas-microsoft-com:vml" Requires="v">
-                  <p:oleObj spid="_x0000_s3328" name="Image" r:id="rId7" imgW="1574280" imgH="1053720" progId="Photoshop.Image.13">
+                  <p:oleObj spid="_x0000_s3373" name="Image" r:id="rId7" imgW="1574280" imgH="1053720" progId="Photoshop.Image.13">
                     <p:embed/>
                   </p:oleObj>
                 </mc:Choice>
@@ -15031,7 +15031,7 @@
               <a:graphicData uri="http://schemas.openxmlformats.org/presentationml/2006/ole">
                 <mc:AlternateContent xmlns:mc="http://schemas.openxmlformats.org/markup-compatibility/2006">
                   <mc:Choice xmlns:v="urn:schemas-microsoft-com:vml" Requires="v">
-                    <p:oleObj spid="_x0000_s3329" name="Image" r:id="rId15" imgW="1828440" imgH="1117440" progId="Photoshop.Image.13">
+                    <p:oleObj spid="_x0000_s3374" name="Image" r:id="rId15" imgW="1828440" imgH="1117440" progId="Photoshop.Image.13">
                       <p:embed/>
                     </p:oleObj>
                   </mc:Choice>
@@ -15088,7 +15088,7 @@
               <a:graphicData uri="http://schemas.openxmlformats.org/presentationml/2006/ole">
                 <mc:AlternateContent xmlns:mc="http://schemas.openxmlformats.org/markup-compatibility/2006">
                   <mc:Choice xmlns:v="urn:schemas-microsoft-com:vml" Requires="v">
-                    <p:oleObj spid="_x0000_s3330" name="Image" r:id="rId17" imgW="1828440" imgH="1117440" progId="Photoshop.Image.13">
+                    <p:oleObj spid="_x0000_s3375" name="Image" r:id="rId17" imgW="1828440" imgH="1117440" progId="Photoshop.Image.13">
                       <p:embed/>
                     </p:oleObj>
                   </mc:Choice>
@@ -22293,17 +22293,7 @@
                 <a:latin typeface="Arial" panose="020B0604020202020204" pitchFamily="34" charset="0"/>
                 <a:cs typeface="Arial" panose="020B0604020202020204" pitchFamily="34" charset="0"/>
               </a:rPr>
-              <a:t>Juan </a:t>
-            </a:r>
-            <a:r>
-              <a:rPr lang="en-US" sz="4800" dirty="0" smtClean="0">
-                <a:solidFill>
-                  <a:schemeClr val="tx1"/>
-                </a:solidFill>
-                <a:latin typeface="Arial" panose="020B0604020202020204" pitchFamily="34" charset="0"/>
-                <a:cs typeface="Arial" panose="020B0604020202020204" pitchFamily="34" charset="0"/>
-              </a:rPr>
-              <a:t>Sebastian Martinez</a:t>
+              <a:t>Juan Sebastian Martinez</a:t>
             </a:r>
             <a:r>
               <a:rPr lang="en-US" sz="4800" baseline="30000" dirty="0" smtClean="0">
@@ -22528,7 +22518,7 @@
         </p:nvSpPr>
         <p:spPr>
           <a:xfrm>
-            <a:off x="1193740" y="4520012"/>
+            <a:off x="1193739" y="4325926"/>
             <a:ext cx="42258548" cy="3477853"/>
           </a:xfrm>
           <a:prstGeom prst="rect">
@@ -22719,10 +22709,6 @@
               </a:rPr>
               <a:t> tool and tested it with synthetic examples and real observations of an expensive experiment, where it proved to be efficient in finding the corresponding set of optimal solutions for each problem. This methodology demonstrates how the efficiency of the Bayesian approach for handling epistemic uncertainty in multi-objective optimization problems, dealing with limited observations and avoiding a high amount of evaluations of time-consuming codes or expensive experiments.</a:t>
             </a:r>
-            <a:endParaRPr lang="en-US" sz="2800" dirty="0">
-              <a:latin typeface="Arial" panose="020B0604020202020204" pitchFamily="34" charset="0"/>
-              <a:cs typeface="Arial" panose="020B0604020202020204" pitchFamily="34" charset="0"/>
-            </a:endParaRPr>
           </a:p>
         </p:txBody>
       </p:sp>
@@ -22734,7 +22720,7 @@
         </p:nvSpPr>
         <p:spPr>
           <a:xfrm>
-            <a:off x="3676416" y="8121417"/>
+            <a:off x="3676416" y="7759437"/>
             <a:ext cx="3865802" cy="830997"/>
           </a:xfrm>
           <a:prstGeom prst="rect">
@@ -22786,8 +22772,8 @@
         </p:nvSpPr>
         <p:spPr>
           <a:xfrm>
-            <a:off x="1237995" y="9199244"/>
-            <a:ext cx="9384005" cy="8710077"/>
+            <a:off x="1193739" y="8511589"/>
+            <a:ext cx="9384005" cy="7478970"/>
           </a:xfrm>
           <a:prstGeom prst="rect">
             <a:avLst/>
@@ -22811,11 +22797,16 @@
             </a:r>
             <a:r>
               <a:rPr lang="en-US" sz="4000" dirty="0" smtClean="0"/>
-              <a:t>engineering (i.e. chemical vapor deposition for graphene manufacturing). Unfortunately, real life optimization problems in science and engineering share similar issues:</a:t>
+              <a:t>engineering. Unfortunately</a:t>
             </a:r>
-          </a:p>
-          <a:p>
-            <a:pPr algn="just"/>
+            <a:r>
+              <a:rPr lang="en-US" sz="4000" dirty="0" smtClean="0"/>
+              <a:t>, real life optimization problems in science and engineering share similar issues</a:t>
+            </a:r>
+            <a:r>
+              <a:rPr lang="en-US" sz="4000" dirty="0" smtClean="0"/>
+              <a:t>:</a:t>
+            </a:r>
             <a:endParaRPr lang="en-US" sz="4000" dirty="0"/>
           </a:p>
           <a:p>
@@ -22845,7 +22836,15 @@
             </a:pPr>
             <a:r>
               <a:rPr lang="en-US" sz="4000" dirty="0" smtClean="0"/>
-              <a:t>Expensive experiments or evaluation of computer code</a:t>
+              <a:t>Expensive experiments or </a:t>
+            </a:r>
+            <a:r>
+              <a:rPr lang="en-US" sz="4000" dirty="0" smtClean="0"/>
+              <a:t>evaluations </a:t>
+            </a:r>
+            <a:r>
+              <a:rPr lang="en-US" sz="4000" dirty="0" smtClean="0"/>
+              <a:t>of computer code</a:t>
             </a:r>
           </a:p>
           <a:p>
@@ -22881,563 +22880,580 @@
           </a:p>
         </p:txBody>
       </p:sp>
-      <p:sp>
-        <p:nvSpPr>
-          <p:cNvPr id="46" name="Cube 45"/>
-          <p:cNvSpPr/>
+      <p:grpSp>
+        <p:nvGrpSpPr>
+          <p:cNvPr id="22" name="Group 21"/>
+          <p:cNvGrpSpPr/>
           <p:nvPr/>
-        </p:nvSpPr>
-        <p:spPr>
+        </p:nvGrpSpPr>
+        <p:grpSpPr>
           <a:xfrm>
-            <a:off x="4231587" y="18558835"/>
-            <a:ext cx="2841171" cy="2479894"/>
+            <a:off x="677102" y="16036954"/>
+            <a:ext cx="10516492" cy="2479894"/>
+            <a:chOff x="551853" y="18558835"/>
+            <a:chExt cx="10516492" cy="2479894"/>
           </a:xfrm>
-          <a:prstGeom prst="cube">
-            <a:avLst/>
-          </a:prstGeom>
-          <a:solidFill>
-            <a:schemeClr val="accent5">
-              <a:lumMod val="60000"/>
-              <a:lumOff val="40000"/>
-            </a:schemeClr>
-          </a:solidFill>
-        </p:spPr>
-        <p:style>
-          <a:lnRef idx="2">
-            <a:schemeClr val="accent5">
-              <a:shade val="50000"/>
-            </a:schemeClr>
-          </a:lnRef>
-          <a:fillRef idx="1">
-            <a:schemeClr val="accent5"/>
-          </a:fillRef>
-          <a:effectRef idx="0">
-            <a:schemeClr val="accent5"/>
-          </a:effectRef>
-          <a:fontRef idx="minor">
-            <a:schemeClr val="lt1"/>
-          </a:fontRef>
-        </p:style>
-        <p:txBody>
-          <a:bodyPr rtlCol="0" anchor="ctr"/>
-          <a:lstStyle/>
-          <a:p>
-            <a:pPr algn="ctr"/>
-            <a:r>
-              <a:rPr lang="en-US" dirty="0" smtClean="0">
+        </p:grpSpPr>
+        <p:sp>
+          <p:nvSpPr>
+            <p:cNvPr id="46" name="Cube 45"/>
+            <p:cNvSpPr/>
+            <p:nvPr/>
+          </p:nvSpPr>
+          <p:spPr>
+            <a:xfrm>
+              <a:off x="4231587" y="18558835"/>
+              <a:ext cx="2841171" cy="2479894"/>
+            </a:xfrm>
+            <a:prstGeom prst="cube">
+              <a:avLst/>
+            </a:prstGeom>
+            <a:solidFill>
+              <a:schemeClr val="accent5">
+                <a:lumMod val="60000"/>
+                <a:lumOff val="40000"/>
+              </a:schemeClr>
+            </a:solidFill>
+          </p:spPr>
+          <p:style>
+            <a:lnRef idx="2">
+              <a:schemeClr val="accent5">
+                <a:shade val="50000"/>
+              </a:schemeClr>
+            </a:lnRef>
+            <a:fillRef idx="1">
+              <a:schemeClr val="accent5"/>
+            </a:fillRef>
+            <a:effectRef idx="0">
+              <a:schemeClr val="accent5"/>
+            </a:effectRef>
+            <a:fontRef idx="minor">
+              <a:schemeClr val="lt1"/>
+            </a:fontRef>
+          </p:style>
+          <p:txBody>
+            <a:bodyPr rtlCol="0" anchor="ctr"/>
+            <a:lstStyle/>
+            <a:p>
+              <a:pPr algn="ctr"/>
+              <a:r>
+                <a:rPr lang="en-US" dirty="0" smtClean="0">
+                  <a:solidFill>
+                    <a:schemeClr val="tx1"/>
+                  </a:solidFill>
+                </a:rPr>
+                <a:t>?</a:t>
+              </a:r>
+              <a:endParaRPr lang="en-US" dirty="0">
                 <a:solidFill>
                   <a:schemeClr val="tx1"/>
                 </a:solidFill>
-              </a:rPr>
-              <a:t>?</a:t>
-            </a:r>
-            <a:endParaRPr lang="en-US" dirty="0">
-              <a:solidFill>
-                <a:schemeClr val="tx1"/>
-              </a:solidFill>
-            </a:endParaRPr>
-          </a:p>
-        </p:txBody>
-      </p:sp>
-      <p:cxnSp>
-        <p:nvCxnSpPr>
-          <p:cNvPr id="53" name="Straight Arrow Connector 52"/>
-          <p:cNvCxnSpPr/>
-          <p:nvPr/>
-        </p:nvCxnSpPr>
-        <p:spPr>
-          <a:xfrm>
-            <a:off x="2062546" y="19529624"/>
-            <a:ext cx="2169041" cy="0"/>
-          </a:xfrm>
-          <a:prstGeom prst="straightConnector1">
-            <a:avLst/>
-          </a:prstGeom>
-          <a:ln w="34925">
-            <a:tailEnd type="triangle"/>
-          </a:ln>
-        </p:spPr>
-        <p:style>
-          <a:lnRef idx="1">
-            <a:schemeClr val="dk1"/>
-          </a:lnRef>
-          <a:fillRef idx="0">
-            <a:schemeClr val="dk1"/>
-          </a:fillRef>
-          <a:effectRef idx="0">
-            <a:schemeClr val="dk1"/>
-          </a:effectRef>
-          <a:fontRef idx="minor">
-            <a:schemeClr val="tx1"/>
-          </a:fontRef>
-        </p:style>
-      </p:cxnSp>
-      <p:cxnSp>
-        <p:nvCxnSpPr>
-          <p:cNvPr id="102" name="Straight Arrow Connector 101"/>
-          <p:cNvCxnSpPr/>
-          <p:nvPr/>
-        </p:nvCxnSpPr>
-        <p:spPr>
-          <a:xfrm>
-            <a:off x="2062546" y="20107326"/>
-            <a:ext cx="2169041" cy="0"/>
-          </a:xfrm>
-          <a:prstGeom prst="straightConnector1">
-            <a:avLst/>
-          </a:prstGeom>
-          <a:ln w="34925">
-            <a:tailEnd type="triangle"/>
-          </a:ln>
-        </p:spPr>
-        <p:style>
-          <a:lnRef idx="1">
-            <a:schemeClr val="dk1"/>
-          </a:lnRef>
-          <a:fillRef idx="0">
-            <a:schemeClr val="dk1"/>
-          </a:fillRef>
-          <a:effectRef idx="0">
-            <a:schemeClr val="dk1"/>
-          </a:effectRef>
-          <a:fontRef idx="minor">
-            <a:schemeClr val="tx1"/>
-          </a:fontRef>
-        </p:style>
-      </p:cxnSp>
-      <p:cxnSp>
-        <p:nvCxnSpPr>
-          <p:cNvPr id="103" name="Straight Arrow Connector 102"/>
-          <p:cNvCxnSpPr/>
-          <p:nvPr/>
-        </p:nvCxnSpPr>
-        <p:spPr>
-          <a:xfrm>
-            <a:off x="2062546" y="20748824"/>
-            <a:ext cx="2169041" cy="0"/>
-          </a:xfrm>
-          <a:prstGeom prst="straightConnector1">
-            <a:avLst/>
-          </a:prstGeom>
-          <a:ln w="34925">
-            <a:tailEnd type="triangle"/>
-          </a:ln>
-        </p:spPr>
-        <p:style>
-          <a:lnRef idx="1">
-            <a:schemeClr val="dk1"/>
-          </a:lnRef>
-          <a:fillRef idx="0">
-            <a:schemeClr val="dk1"/>
-          </a:fillRef>
-          <a:effectRef idx="0">
-            <a:schemeClr val="dk1"/>
-          </a:effectRef>
-          <a:fontRef idx="minor">
-            <a:schemeClr val="tx1"/>
-          </a:fontRef>
-        </p:style>
-      </p:cxnSp>
-      <p:cxnSp>
-        <p:nvCxnSpPr>
-          <p:cNvPr id="104" name="Straight Arrow Connector 103"/>
-          <p:cNvCxnSpPr/>
-          <p:nvPr/>
-        </p:nvCxnSpPr>
-        <p:spPr>
-          <a:xfrm>
-            <a:off x="6720986" y="19469373"/>
-            <a:ext cx="2169041" cy="0"/>
-          </a:xfrm>
-          <a:prstGeom prst="straightConnector1">
-            <a:avLst/>
-          </a:prstGeom>
-          <a:ln w="34925">
-            <a:tailEnd type="triangle"/>
-          </a:ln>
-        </p:spPr>
-        <p:style>
-          <a:lnRef idx="1">
-            <a:schemeClr val="dk1"/>
-          </a:lnRef>
-          <a:fillRef idx="0">
-            <a:schemeClr val="dk1"/>
-          </a:fillRef>
-          <a:effectRef idx="0">
-            <a:schemeClr val="dk1"/>
-          </a:effectRef>
-          <a:fontRef idx="minor">
-            <a:schemeClr val="tx1"/>
-          </a:fontRef>
-        </p:style>
-      </p:cxnSp>
-      <p:cxnSp>
-        <p:nvCxnSpPr>
-          <p:cNvPr id="105" name="Straight Arrow Connector 104"/>
-          <p:cNvCxnSpPr/>
-          <p:nvPr/>
-        </p:nvCxnSpPr>
-        <p:spPr>
-          <a:xfrm>
-            <a:off x="6720986" y="20047075"/>
-            <a:ext cx="2169041" cy="0"/>
-          </a:xfrm>
-          <a:prstGeom prst="straightConnector1">
-            <a:avLst/>
-          </a:prstGeom>
-          <a:ln w="34925">
-            <a:tailEnd type="triangle"/>
-          </a:ln>
-        </p:spPr>
-        <p:style>
-          <a:lnRef idx="1">
-            <a:schemeClr val="dk1"/>
-          </a:lnRef>
-          <a:fillRef idx="0">
-            <a:schemeClr val="dk1"/>
-          </a:fillRef>
-          <a:effectRef idx="0">
-            <a:schemeClr val="dk1"/>
-          </a:effectRef>
-          <a:fontRef idx="minor">
-            <a:schemeClr val="tx1"/>
-          </a:fontRef>
-        </p:style>
-      </p:cxnSp>
-      <p:cxnSp>
-        <p:nvCxnSpPr>
-          <p:cNvPr id="106" name="Straight Arrow Connector 105"/>
-          <p:cNvCxnSpPr/>
-          <p:nvPr/>
-        </p:nvCxnSpPr>
-        <p:spPr>
-          <a:xfrm>
-            <a:off x="6720986" y="20688573"/>
-            <a:ext cx="2169041" cy="0"/>
-          </a:xfrm>
-          <a:prstGeom prst="straightConnector1">
-            <a:avLst/>
-          </a:prstGeom>
-          <a:ln w="34925">
-            <a:tailEnd type="triangle"/>
-          </a:ln>
-        </p:spPr>
-        <p:style>
-          <a:lnRef idx="1">
-            <a:schemeClr val="dk1"/>
-          </a:lnRef>
-          <a:fillRef idx="0">
-            <a:schemeClr val="dk1"/>
-          </a:fillRef>
-          <a:effectRef idx="0">
-            <a:schemeClr val="dk1"/>
-          </a:effectRef>
-          <a:fontRef idx="minor">
-            <a:schemeClr val="tx1"/>
-          </a:fontRef>
-        </p:style>
-      </p:cxnSp>
-      <mc:AlternateContent xmlns:mc="http://schemas.openxmlformats.org/markup-compatibility/2006">
-        <mc:Choice xmlns:a14="http://schemas.microsoft.com/office/drawing/2010/main" Requires="a14">
-          <p:sp>
-            <p:nvSpPr>
-              <p:cNvPr id="62" name="TextBox 61"/>
-              <p:cNvSpPr txBox="1"/>
-              <p:nvPr/>
-            </p:nvSpPr>
-            <p:spPr>
-              <a:xfrm>
-                <a:off x="551853" y="19739362"/>
-                <a:ext cx="1007417" cy="707886"/>
-              </a:xfrm>
-              <a:prstGeom prst="rect">
-                <a:avLst/>
-              </a:prstGeom>
-              <a:noFill/>
-            </p:spPr>
-            <p:txBody>
-              <a:bodyPr wrap="square" rtlCol="0">
-                <a:spAutoFit/>
-              </a:bodyPr>
-              <a:lstStyle/>
-              <a:p>
-                <a14:m>
-                  <m:oMathPara xmlns:m="http://schemas.openxmlformats.org/officeDocument/2006/math">
-                    <m:oMathParaPr>
-                      <m:jc m:val="centerGroup"/>
-                    </m:oMathParaPr>
-                    <m:oMath xmlns:m="http://schemas.openxmlformats.org/officeDocument/2006/math">
-                      <m:acc>
-                        <m:accPr>
-                          <m:chr m:val="⃗"/>
-                          <m:ctrlPr>
-                            <a:rPr lang="en-US" sz="4000" i="1" smtClean="0">
-                              <a:latin typeface="Cambria Math" charset="0"/>
-                            </a:rPr>
-                          </m:ctrlPr>
-                        </m:accPr>
-                        <m:e>
-                          <m:r>
-                            <a:rPr lang="es-ES" sz="4000" b="0" i="1" smtClean="0">
-                              <a:latin typeface="Cambria Math" charset="0"/>
-                            </a:rPr>
-                            <m:t>𝑥</m:t>
-                          </m:r>
-                        </m:e>
-                      </m:acc>
-                    </m:oMath>
-                  </m:oMathPara>
-                </a14:m>
-                <a:endParaRPr lang="en-US" sz="4000" dirty="0"/>
-              </a:p>
-            </p:txBody>
-          </p:sp>
-        </mc:Choice>
-        <mc:Fallback>
-          <p:sp>
-            <p:nvSpPr>
-              <p:cNvPr id="62" name="TextBox 61"/>
-              <p:cNvSpPr txBox="1">
-                <a:spLocks noRot="1" noChangeAspect="1" noMove="1" noResize="1" noEditPoints="1" noAdjustHandles="1" noChangeArrowheads="1" noChangeShapeType="1" noTextEdit="1"/>
-              </p:cNvSpPr>
-              <p:nvPr/>
-            </p:nvSpPr>
-            <p:spPr>
-              <a:xfrm>
-                <a:off x="551853" y="19739362"/>
-                <a:ext cx="1007417" cy="707886"/>
-              </a:xfrm>
-              <a:prstGeom prst="rect">
-                <a:avLst/>
-              </a:prstGeom>
-              <a:blipFill rotWithShape="0">
-                <a:blip r:embed="rId3"/>
-                <a:stretch>
-                  <a:fillRect/>
-                </a:stretch>
-              </a:blipFill>
-            </p:spPr>
-            <p:txBody>
-              <a:bodyPr/>
-              <a:lstStyle/>
-              <a:p>
-                <a:r>
-                  <a:rPr lang="en-US">
-                    <a:noFill/>
-                  </a:rPr>
-                  <a:t> </a:t>
-                </a:r>
-              </a:p>
-            </p:txBody>
-          </p:sp>
-        </mc:Fallback>
-      </mc:AlternateContent>
-      <mc:AlternateContent xmlns:mc="http://schemas.openxmlformats.org/markup-compatibility/2006">
-        <mc:Choice xmlns:a14="http://schemas.microsoft.com/office/drawing/2010/main" Requires="a14">
-          <p:sp>
-            <p:nvSpPr>
-              <p:cNvPr id="107" name="TextBox 106"/>
-              <p:cNvSpPr txBox="1"/>
-              <p:nvPr/>
-            </p:nvSpPr>
-            <p:spPr>
-              <a:xfrm>
-                <a:off x="9424856" y="19646901"/>
-                <a:ext cx="1643489" cy="800347"/>
-              </a:xfrm>
-              <a:prstGeom prst="rect">
-                <a:avLst/>
-              </a:prstGeom>
-              <a:noFill/>
-            </p:spPr>
-            <p:txBody>
-              <a:bodyPr wrap="square" rtlCol="0">
-                <a:spAutoFit/>
-              </a:bodyPr>
-              <a:lstStyle/>
-              <a:p>
-                <a14:m>
-                  <m:oMathPara xmlns:m="http://schemas.openxmlformats.org/officeDocument/2006/math">
-                    <m:oMathParaPr>
-                      <m:jc m:val="centerGroup"/>
-                    </m:oMathParaPr>
-                    <m:oMath xmlns:m="http://schemas.openxmlformats.org/officeDocument/2006/math">
-                      <m:acc>
-                        <m:accPr>
-                          <m:chr m:val="⃗"/>
-                          <m:ctrlPr>
-                            <a:rPr lang="es-ES" sz="4000" b="0" i="1" smtClean="0">
-                              <a:latin typeface="Cambria Math" charset="0"/>
-                            </a:rPr>
-                          </m:ctrlPr>
-                        </m:accPr>
-                        <m:e>
-                          <m:r>
-                            <a:rPr lang="es-ES" sz="4000" b="0" i="1" smtClean="0">
-                              <a:latin typeface="Cambria Math" charset="0"/>
-                            </a:rPr>
-                            <m:t>𝑓</m:t>
-                          </m:r>
-                        </m:e>
-                      </m:acc>
-                      <m:r>
-                        <a:rPr lang="es-ES" sz="4000" b="0" i="1" smtClean="0">
-                          <a:latin typeface="Cambria Math" charset="0"/>
-                        </a:rPr>
-                        <m:t>(</m:t>
-                      </m:r>
-                      <m:acc>
-                        <m:accPr>
-                          <m:chr m:val="⃗"/>
-                          <m:ctrlPr>
-                            <a:rPr lang="en-US" sz="4000" i="1" smtClean="0">
-                              <a:latin typeface="Cambria Math" charset="0"/>
-                            </a:rPr>
-                          </m:ctrlPr>
-                        </m:accPr>
-                        <m:e>
-                          <m:r>
-                            <a:rPr lang="es-ES" sz="4000" b="0" i="1" smtClean="0">
-                              <a:latin typeface="Cambria Math" charset="0"/>
-                            </a:rPr>
-                            <m:t>𝑥</m:t>
-                          </m:r>
-                        </m:e>
-                      </m:acc>
-                      <m:r>
-                        <a:rPr lang="es-ES" sz="4000" b="0" i="1" smtClean="0">
-                          <a:latin typeface="Cambria Math" charset="0"/>
-                        </a:rPr>
-                        <m:t>)</m:t>
-                      </m:r>
-                    </m:oMath>
-                  </m:oMathPara>
-                </a14:m>
-                <a:endParaRPr lang="en-US" sz="4000" dirty="0"/>
-              </a:p>
-            </p:txBody>
-          </p:sp>
-        </mc:Choice>
-        <mc:Fallback>
-          <p:sp>
-            <p:nvSpPr>
-              <p:cNvPr id="107" name="TextBox 106"/>
-              <p:cNvSpPr txBox="1">
-                <a:spLocks noRot="1" noChangeAspect="1" noMove="1" noResize="1" noEditPoints="1" noAdjustHandles="1" noChangeArrowheads="1" noChangeShapeType="1" noTextEdit="1"/>
-              </p:cNvSpPr>
-              <p:nvPr/>
-            </p:nvSpPr>
-            <p:spPr>
-              <a:xfrm>
-                <a:off x="9424856" y="19646901"/>
-                <a:ext cx="1643489" cy="800347"/>
-              </a:xfrm>
-              <a:prstGeom prst="rect">
-                <a:avLst/>
-              </a:prstGeom>
-              <a:blipFill rotWithShape="0">
-                <a:blip r:embed="rId4"/>
-                <a:stretch>
-                  <a:fillRect/>
-                </a:stretch>
-              </a:blipFill>
-            </p:spPr>
-            <p:txBody>
-              <a:bodyPr/>
-              <a:lstStyle/>
-              <a:p>
-                <a:r>
-                  <a:rPr lang="en-US">
-                    <a:noFill/>
-                  </a:rPr>
-                  <a:t> </a:t>
-                </a:r>
-              </a:p>
-            </p:txBody>
-          </p:sp>
-        </mc:Fallback>
-      </mc:AlternateContent>
-      <p:sp>
-        <p:nvSpPr>
-          <p:cNvPr id="63" name="Left Brace 62"/>
-          <p:cNvSpPr/>
-          <p:nvPr/>
-        </p:nvSpPr>
-        <p:spPr>
-          <a:xfrm>
-            <a:off x="1370707" y="19512534"/>
-            <a:ext cx="545877" cy="1279451"/>
-          </a:xfrm>
-          <a:prstGeom prst="leftBrace">
-            <a:avLst/>
-          </a:prstGeom>
-          <a:ln w="34925"/>
-        </p:spPr>
-        <p:style>
-          <a:lnRef idx="1">
-            <a:schemeClr val="dk1"/>
-          </a:lnRef>
-          <a:fillRef idx="0">
-            <a:schemeClr val="dk1"/>
-          </a:fillRef>
-          <a:effectRef idx="0">
-            <a:schemeClr val="dk1"/>
-          </a:effectRef>
-          <a:fontRef idx="minor">
-            <a:schemeClr val="tx1"/>
-          </a:fontRef>
-        </p:style>
-        <p:txBody>
-          <a:bodyPr rtlCol="0" anchor="ctr"/>
-          <a:lstStyle/>
-          <a:p>
-            <a:pPr algn="ctr"/>
-            <a:endParaRPr lang="en-US"/>
-          </a:p>
-        </p:txBody>
-      </p:sp>
-      <p:sp>
-        <p:nvSpPr>
-          <p:cNvPr id="108" name="Left Brace 107"/>
-          <p:cNvSpPr/>
-          <p:nvPr/>
-        </p:nvSpPr>
-        <p:spPr>
-          <a:xfrm rot="10800000">
-            <a:off x="9016280" y="19425701"/>
-            <a:ext cx="545877" cy="1279451"/>
-          </a:xfrm>
-          <a:prstGeom prst="leftBrace">
-            <a:avLst>
-              <a:gd name="adj1" fmla="val 8333"/>
-              <a:gd name="adj2" fmla="val 46676"/>
-            </a:avLst>
-          </a:prstGeom>
-          <a:ln w="34925"/>
-        </p:spPr>
-        <p:style>
-          <a:lnRef idx="1">
-            <a:schemeClr val="dk1"/>
-          </a:lnRef>
-          <a:fillRef idx="0">
-            <a:schemeClr val="dk1"/>
-          </a:fillRef>
-          <a:effectRef idx="0">
-            <a:schemeClr val="dk1"/>
-          </a:effectRef>
-          <a:fontRef idx="minor">
-            <a:schemeClr val="tx1"/>
-          </a:fontRef>
-        </p:style>
-        <p:txBody>
-          <a:bodyPr rtlCol="0" anchor="ctr"/>
-          <a:lstStyle/>
-          <a:p>
-            <a:pPr algn="ctr"/>
-            <a:endParaRPr lang="en-US"/>
-          </a:p>
-        </p:txBody>
-      </p:sp>
+              </a:endParaRPr>
+            </a:p>
+          </p:txBody>
+        </p:sp>
+        <p:cxnSp>
+          <p:nvCxnSpPr>
+            <p:cNvPr id="53" name="Straight Arrow Connector 52"/>
+            <p:cNvCxnSpPr/>
+            <p:nvPr/>
+          </p:nvCxnSpPr>
+          <p:spPr>
+            <a:xfrm>
+              <a:off x="2062546" y="19529624"/>
+              <a:ext cx="2169041" cy="0"/>
+            </a:xfrm>
+            <a:prstGeom prst="straightConnector1">
+              <a:avLst/>
+            </a:prstGeom>
+            <a:ln w="34925">
+              <a:tailEnd type="triangle"/>
+            </a:ln>
+          </p:spPr>
+          <p:style>
+            <a:lnRef idx="1">
+              <a:schemeClr val="dk1"/>
+            </a:lnRef>
+            <a:fillRef idx="0">
+              <a:schemeClr val="dk1"/>
+            </a:fillRef>
+            <a:effectRef idx="0">
+              <a:schemeClr val="dk1"/>
+            </a:effectRef>
+            <a:fontRef idx="minor">
+              <a:schemeClr val="tx1"/>
+            </a:fontRef>
+          </p:style>
+        </p:cxnSp>
+        <p:cxnSp>
+          <p:nvCxnSpPr>
+            <p:cNvPr id="102" name="Straight Arrow Connector 101"/>
+            <p:cNvCxnSpPr/>
+            <p:nvPr/>
+          </p:nvCxnSpPr>
+          <p:spPr>
+            <a:xfrm>
+              <a:off x="2062546" y="20107326"/>
+              <a:ext cx="2169041" cy="0"/>
+            </a:xfrm>
+            <a:prstGeom prst="straightConnector1">
+              <a:avLst/>
+            </a:prstGeom>
+            <a:ln w="34925">
+              <a:tailEnd type="triangle"/>
+            </a:ln>
+          </p:spPr>
+          <p:style>
+            <a:lnRef idx="1">
+              <a:schemeClr val="dk1"/>
+            </a:lnRef>
+            <a:fillRef idx="0">
+              <a:schemeClr val="dk1"/>
+            </a:fillRef>
+            <a:effectRef idx="0">
+              <a:schemeClr val="dk1"/>
+            </a:effectRef>
+            <a:fontRef idx="minor">
+              <a:schemeClr val="tx1"/>
+            </a:fontRef>
+          </p:style>
+        </p:cxnSp>
+        <p:cxnSp>
+          <p:nvCxnSpPr>
+            <p:cNvPr id="103" name="Straight Arrow Connector 102"/>
+            <p:cNvCxnSpPr/>
+            <p:nvPr/>
+          </p:nvCxnSpPr>
+          <p:spPr>
+            <a:xfrm>
+              <a:off x="2062546" y="20748824"/>
+              <a:ext cx="2169041" cy="0"/>
+            </a:xfrm>
+            <a:prstGeom prst="straightConnector1">
+              <a:avLst/>
+            </a:prstGeom>
+            <a:ln w="34925">
+              <a:tailEnd type="triangle"/>
+            </a:ln>
+          </p:spPr>
+          <p:style>
+            <a:lnRef idx="1">
+              <a:schemeClr val="dk1"/>
+            </a:lnRef>
+            <a:fillRef idx="0">
+              <a:schemeClr val="dk1"/>
+            </a:fillRef>
+            <a:effectRef idx="0">
+              <a:schemeClr val="dk1"/>
+            </a:effectRef>
+            <a:fontRef idx="minor">
+              <a:schemeClr val="tx1"/>
+            </a:fontRef>
+          </p:style>
+        </p:cxnSp>
+        <p:cxnSp>
+          <p:nvCxnSpPr>
+            <p:cNvPr id="104" name="Straight Arrow Connector 103"/>
+            <p:cNvCxnSpPr/>
+            <p:nvPr/>
+          </p:nvCxnSpPr>
+          <p:spPr>
+            <a:xfrm>
+              <a:off x="6720986" y="19469373"/>
+              <a:ext cx="2169041" cy="0"/>
+            </a:xfrm>
+            <a:prstGeom prst="straightConnector1">
+              <a:avLst/>
+            </a:prstGeom>
+            <a:ln w="34925">
+              <a:tailEnd type="triangle"/>
+            </a:ln>
+          </p:spPr>
+          <p:style>
+            <a:lnRef idx="1">
+              <a:schemeClr val="dk1"/>
+            </a:lnRef>
+            <a:fillRef idx="0">
+              <a:schemeClr val="dk1"/>
+            </a:fillRef>
+            <a:effectRef idx="0">
+              <a:schemeClr val="dk1"/>
+            </a:effectRef>
+            <a:fontRef idx="minor">
+              <a:schemeClr val="tx1"/>
+            </a:fontRef>
+          </p:style>
+        </p:cxnSp>
+        <p:cxnSp>
+          <p:nvCxnSpPr>
+            <p:cNvPr id="105" name="Straight Arrow Connector 104"/>
+            <p:cNvCxnSpPr/>
+            <p:nvPr/>
+          </p:nvCxnSpPr>
+          <p:spPr>
+            <a:xfrm>
+              <a:off x="6720986" y="20047075"/>
+              <a:ext cx="2169041" cy="0"/>
+            </a:xfrm>
+            <a:prstGeom prst="straightConnector1">
+              <a:avLst/>
+            </a:prstGeom>
+            <a:ln w="34925">
+              <a:tailEnd type="triangle"/>
+            </a:ln>
+          </p:spPr>
+          <p:style>
+            <a:lnRef idx="1">
+              <a:schemeClr val="dk1"/>
+            </a:lnRef>
+            <a:fillRef idx="0">
+              <a:schemeClr val="dk1"/>
+            </a:fillRef>
+            <a:effectRef idx="0">
+              <a:schemeClr val="dk1"/>
+            </a:effectRef>
+            <a:fontRef idx="minor">
+              <a:schemeClr val="tx1"/>
+            </a:fontRef>
+          </p:style>
+        </p:cxnSp>
+        <p:cxnSp>
+          <p:nvCxnSpPr>
+            <p:cNvPr id="106" name="Straight Arrow Connector 105"/>
+            <p:cNvCxnSpPr/>
+            <p:nvPr/>
+          </p:nvCxnSpPr>
+          <p:spPr>
+            <a:xfrm>
+              <a:off x="6720986" y="20688573"/>
+              <a:ext cx="2169041" cy="0"/>
+            </a:xfrm>
+            <a:prstGeom prst="straightConnector1">
+              <a:avLst/>
+            </a:prstGeom>
+            <a:ln w="34925">
+              <a:tailEnd type="triangle"/>
+            </a:ln>
+          </p:spPr>
+          <p:style>
+            <a:lnRef idx="1">
+              <a:schemeClr val="dk1"/>
+            </a:lnRef>
+            <a:fillRef idx="0">
+              <a:schemeClr val="dk1"/>
+            </a:fillRef>
+            <a:effectRef idx="0">
+              <a:schemeClr val="dk1"/>
+            </a:effectRef>
+            <a:fontRef idx="minor">
+              <a:schemeClr val="tx1"/>
+            </a:fontRef>
+          </p:style>
+        </p:cxnSp>
+        <mc:AlternateContent xmlns:mc="http://schemas.openxmlformats.org/markup-compatibility/2006">
+          <mc:Choice xmlns:a14="http://schemas.microsoft.com/office/drawing/2010/main" Requires="a14">
+            <p:sp>
+              <p:nvSpPr>
+                <p:cNvPr id="62" name="TextBox 61"/>
+                <p:cNvSpPr txBox="1"/>
+                <p:nvPr/>
+              </p:nvSpPr>
+              <p:spPr>
+                <a:xfrm>
+                  <a:off x="551853" y="19739362"/>
+                  <a:ext cx="1007417" cy="707886"/>
+                </a:xfrm>
+                <a:prstGeom prst="rect">
+                  <a:avLst/>
+                </a:prstGeom>
+                <a:noFill/>
+              </p:spPr>
+              <p:txBody>
+                <a:bodyPr wrap="square" rtlCol="0">
+                  <a:spAutoFit/>
+                </a:bodyPr>
+                <a:lstStyle/>
+                <a:p>
+                  <a:pPr/>
+                  <a14:m>
+                    <m:oMathPara xmlns:m="http://schemas.openxmlformats.org/officeDocument/2006/math">
+                      <m:oMathParaPr>
+                        <m:jc m:val="centerGroup"/>
+                      </m:oMathParaPr>
+                      <m:oMath xmlns:m="http://schemas.openxmlformats.org/officeDocument/2006/math">
+                        <m:acc>
+                          <m:accPr>
+                            <m:chr m:val="⃗"/>
+                            <m:ctrlPr>
+                              <a:rPr lang="en-US" sz="4000" i="1" smtClean="0">
+                                <a:latin typeface="Cambria Math" charset="0"/>
+                              </a:rPr>
+                            </m:ctrlPr>
+                          </m:accPr>
+                          <m:e>
+                            <m:r>
+                              <a:rPr lang="es-ES" sz="4000" b="0" i="1" smtClean="0">
+                                <a:latin typeface="Cambria Math" charset="0"/>
+                              </a:rPr>
+                              <m:t>𝑥</m:t>
+                            </m:r>
+                          </m:e>
+                        </m:acc>
+                      </m:oMath>
+                    </m:oMathPara>
+                  </a14:m>
+                  <a:endParaRPr lang="en-US" sz="4000" dirty="0"/>
+                </a:p>
+              </p:txBody>
+            </p:sp>
+          </mc:Choice>
+          <mc:Fallback>
+            <p:sp>
+              <p:nvSpPr>
+                <p:cNvPr id="62" name="TextBox 61"/>
+                <p:cNvSpPr txBox="1">
+                  <a:spLocks noRot="1" noChangeAspect="1" noMove="1" noResize="1" noEditPoints="1" noAdjustHandles="1" noChangeArrowheads="1" noChangeShapeType="1" noTextEdit="1"/>
+                </p:cNvSpPr>
+                <p:nvPr/>
+              </p:nvSpPr>
+              <p:spPr>
+                <a:xfrm>
+                  <a:off x="551853" y="19739362"/>
+                  <a:ext cx="1007417" cy="707886"/>
+                </a:xfrm>
+                <a:prstGeom prst="rect">
+                  <a:avLst/>
+                </a:prstGeom>
+                <a:blipFill rotWithShape="0">
+                  <a:blip r:embed="rId3"/>
+                  <a:stretch>
+                    <a:fillRect/>
+                  </a:stretch>
+                </a:blipFill>
+              </p:spPr>
+              <p:txBody>
+                <a:bodyPr/>
+                <a:lstStyle/>
+                <a:p>
+                  <a:r>
+                    <a:rPr lang="en-US">
+                      <a:noFill/>
+                    </a:rPr>
+                    <a:t> </a:t>
+                  </a:r>
+                </a:p>
+              </p:txBody>
+            </p:sp>
+          </mc:Fallback>
+        </mc:AlternateContent>
+        <mc:AlternateContent xmlns:mc="http://schemas.openxmlformats.org/markup-compatibility/2006">
+          <mc:Choice xmlns:a14="http://schemas.microsoft.com/office/drawing/2010/main" Requires="a14">
+            <p:sp>
+              <p:nvSpPr>
+                <p:cNvPr id="107" name="TextBox 106"/>
+                <p:cNvSpPr txBox="1"/>
+                <p:nvPr/>
+              </p:nvSpPr>
+              <p:spPr>
+                <a:xfrm>
+                  <a:off x="9424856" y="19646901"/>
+                  <a:ext cx="1643489" cy="800347"/>
+                </a:xfrm>
+                <a:prstGeom prst="rect">
+                  <a:avLst/>
+                </a:prstGeom>
+                <a:noFill/>
+              </p:spPr>
+              <p:txBody>
+                <a:bodyPr wrap="square" rtlCol="0">
+                  <a:spAutoFit/>
+                </a:bodyPr>
+                <a:lstStyle/>
+                <a:p>
+                  <a:pPr/>
+                  <a14:m>
+                    <m:oMathPara xmlns:m="http://schemas.openxmlformats.org/officeDocument/2006/math">
+                      <m:oMathParaPr>
+                        <m:jc m:val="centerGroup"/>
+                      </m:oMathParaPr>
+                      <m:oMath xmlns:m="http://schemas.openxmlformats.org/officeDocument/2006/math">
+                        <m:acc>
+                          <m:accPr>
+                            <m:chr m:val="⃗"/>
+                            <m:ctrlPr>
+                              <a:rPr lang="es-ES" sz="4000" b="0" i="1" smtClean="0">
+                                <a:latin typeface="Cambria Math" charset="0"/>
+                              </a:rPr>
+                            </m:ctrlPr>
+                          </m:accPr>
+                          <m:e>
+                            <m:r>
+                              <a:rPr lang="es-ES" sz="4000" b="0" i="1" smtClean="0">
+                                <a:latin typeface="Cambria Math" charset="0"/>
+                              </a:rPr>
+                              <m:t>𝑓</m:t>
+                            </m:r>
+                          </m:e>
+                        </m:acc>
+                        <m:r>
+                          <a:rPr lang="es-ES" sz="4000" b="0" i="1" smtClean="0">
+                            <a:latin typeface="Cambria Math" charset="0"/>
+                          </a:rPr>
+                          <m:t>(</m:t>
+                        </m:r>
+                        <m:acc>
+                          <m:accPr>
+                            <m:chr m:val="⃗"/>
+                            <m:ctrlPr>
+                              <a:rPr lang="en-US" sz="4000" i="1" smtClean="0">
+                                <a:latin typeface="Cambria Math" charset="0"/>
+                              </a:rPr>
+                            </m:ctrlPr>
+                          </m:accPr>
+                          <m:e>
+                            <m:r>
+                              <a:rPr lang="es-ES" sz="4000" b="0" i="1" smtClean="0">
+                                <a:latin typeface="Cambria Math" charset="0"/>
+                              </a:rPr>
+                              <m:t>𝑥</m:t>
+                            </m:r>
+                          </m:e>
+                        </m:acc>
+                        <m:r>
+                          <a:rPr lang="es-ES" sz="4000" b="0" i="1" smtClean="0">
+                            <a:latin typeface="Cambria Math" charset="0"/>
+                          </a:rPr>
+                          <m:t>)</m:t>
+                        </m:r>
+                      </m:oMath>
+                    </m:oMathPara>
+                  </a14:m>
+                  <a:endParaRPr lang="en-US" sz="4000" dirty="0"/>
+                </a:p>
+              </p:txBody>
+            </p:sp>
+          </mc:Choice>
+          <mc:Fallback>
+            <p:sp>
+              <p:nvSpPr>
+                <p:cNvPr id="107" name="TextBox 106"/>
+                <p:cNvSpPr txBox="1">
+                  <a:spLocks noRot="1" noChangeAspect="1" noMove="1" noResize="1" noEditPoints="1" noAdjustHandles="1" noChangeArrowheads="1" noChangeShapeType="1" noTextEdit="1"/>
+                </p:cNvSpPr>
+                <p:nvPr/>
+              </p:nvSpPr>
+              <p:spPr>
+                <a:xfrm>
+                  <a:off x="9424856" y="19646901"/>
+                  <a:ext cx="1643489" cy="800347"/>
+                </a:xfrm>
+                <a:prstGeom prst="rect">
+                  <a:avLst/>
+                </a:prstGeom>
+                <a:blipFill rotWithShape="0">
+                  <a:blip r:embed="rId4"/>
+                  <a:stretch>
+                    <a:fillRect/>
+                  </a:stretch>
+                </a:blipFill>
+              </p:spPr>
+              <p:txBody>
+                <a:bodyPr/>
+                <a:lstStyle/>
+                <a:p>
+                  <a:r>
+                    <a:rPr lang="en-US">
+                      <a:noFill/>
+                    </a:rPr>
+                    <a:t> </a:t>
+                  </a:r>
+                </a:p>
+              </p:txBody>
+            </p:sp>
+          </mc:Fallback>
+        </mc:AlternateContent>
+        <p:sp>
+          <p:nvSpPr>
+            <p:cNvPr id="63" name="Left Brace 62"/>
+            <p:cNvSpPr/>
+            <p:nvPr/>
+          </p:nvSpPr>
+          <p:spPr>
+            <a:xfrm>
+              <a:off x="1370707" y="19512534"/>
+              <a:ext cx="545877" cy="1279451"/>
+            </a:xfrm>
+            <a:prstGeom prst="leftBrace">
+              <a:avLst/>
+            </a:prstGeom>
+            <a:ln w="34925"/>
+          </p:spPr>
+          <p:style>
+            <a:lnRef idx="1">
+              <a:schemeClr val="dk1"/>
+            </a:lnRef>
+            <a:fillRef idx="0">
+              <a:schemeClr val="dk1"/>
+            </a:fillRef>
+            <a:effectRef idx="0">
+              <a:schemeClr val="dk1"/>
+            </a:effectRef>
+            <a:fontRef idx="minor">
+              <a:schemeClr val="tx1"/>
+            </a:fontRef>
+          </p:style>
+          <p:txBody>
+            <a:bodyPr rtlCol="0" anchor="ctr"/>
+            <a:lstStyle/>
+            <a:p>
+              <a:pPr algn="ctr"/>
+              <a:endParaRPr lang="en-US"/>
+            </a:p>
+          </p:txBody>
+        </p:sp>
+        <p:sp>
+          <p:nvSpPr>
+            <p:cNvPr id="108" name="Left Brace 107"/>
+            <p:cNvSpPr/>
+            <p:nvPr/>
+          </p:nvSpPr>
+          <p:spPr>
+            <a:xfrm rot="10800000">
+              <a:off x="9016280" y="19425701"/>
+              <a:ext cx="545877" cy="1279451"/>
+            </a:xfrm>
+            <a:prstGeom prst="leftBrace">
+              <a:avLst>
+                <a:gd name="adj1" fmla="val 8333"/>
+                <a:gd name="adj2" fmla="val 46676"/>
+              </a:avLst>
+            </a:prstGeom>
+            <a:ln w="34925"/>
+          </p:spPr>
+          <p:style>
+            <a:lnRef idx="1">
+              <a:schemeClr val="dk1"/>
+            </a:lnRef>
+            <a:fillRef idx="0">
+              <a:schemeClr val="dk1"/>
+            </a:fillRef>
+            <a:effectRef idx="0">
+              <a:schemeClr val="dk1"/>
+            </a:effectRef>
+            <a:fontRef idx="minor">
+              <a:schemeClr val="tx1"/>
+            </a:fontRef>
+          </p:style>
+          <p:txBody>
+            <a:bodyPr rtlCol="0" anchor="ctr"/>
+            <a:lstStyle/>
+            <a:p>
+              <a:pPr algn="ctr"/>
+              <a:endParaRPr lang="en-US"/>
+            </a:p>
+          </p:txBody>
+        </p:sp>
+      </p:grpSp>
       <p:sp>
         <p:nvSpPr>
           <p:cNvPr id="109" name="TextBox 108"/>
@@ -23446,8 +23462,8 @@
         </p:nvSpPr>
         <p:spPr>
           <a:xfrm>
-            <a:off x="961456" y="21688243"/>
-            <a:ext cx="9384005" cy="5016758"/>
+            <a:off x="1224451" y="19113481"/>
+            <a:ext cx="9384005" cy="2554545"/>
           </a:xfrm>
           <a:prstGeom prst="rect">
             <a:avLst/>
@@ -23463,11 +23479,12 @@
             <a:pPr algn="just"/>
             <a:r>
               <a:rPr lang="en-US" sz="4000" dirty="0" smtClean="0"/>
-              <a:t>Different approaches have been taken through evolutionary algorithms:</a:t>
+              <a:t>Different approaches have been taken through evolutionary algorithms</a:t>
             </a:r>
-          </a:p>
-          <a:p>
-            <a:pPr algn="just"/>
+            <a:r>
+              <a:rPr lang="en-US" sz="4000" dirty="0" smtClean="0"/>
+              <a:t>:</a:t>
+            </a:r>
             <a:endParaRPr lang="en-US" sz="4000" dirty="0" smtClean="0"/>
           </a:p>
           <a:p>
@@ -23487,23 +23504,13 @@
             </a:pPr>
             <a:r>
               <a:rPr lang="en-US" sz="4000" dirty="0" smtClean="0"/>
-              <a:t>Uncertainty is not considered</a:t>
+              <a:t>Uncertainty is not </a:t>
             </a:r>
-          </a:p>
-          <a:p>
-            <a:pPr marL="571500" indent="-571500" algn="just">
-              <a:buFont typeface="Arial" charset="0"/>
-              <a:buChar char="•"/>
-            </a:pPr>
-            <a:endParaRPr lang="en-US" sz="4000" dirty="0"/>
-          </a:p>
-          <a:p>
-            <a:pPr algn="just"/>
             <a:r>
               <a:rPr lang="en-US" sz="4000" dirty="0" smtClean="0"/>
-              <a:t>Under the circumstances of a limited budget, this solutions are not feasible.</a:t>
+              <a:t>considered</a:t>
             </a:r>
-            <a:endParaRPr lang="en-US" sz="4000" dirty="0"/>
+            <a:endParaRPr lang="en-US" sz="4000" dirty="0" smtClean="0"/>
           </a:p>
         </p:txBody>
       </p:sp>
@@ -23515,7 +23522,7 @@
         </p:nvSpPr>
         <p:spPr>
           <a:xfrm>
-            <a:off x="20390113" y="8121417"/>
+            <a:off x="20380183" y="7762337"/>
             <a:ext cx="3999300" cy="830997"/>
           </a:xfrm>
           <a:prstGeom prst="rect">
@@ -23581,8 +23588,8 @@
         </p:blipFill>
         <p:spPr>
           <a:xfrm>
-            <a:off x="13630546" y="22233927"/>
-            <a:ext cx="6029823" cy="4085782"/>
+            <a:off x="12423117" y="18762760"/>
+            <a:ext cx="5782952" cy="3918503"/>
           </a:xfrm>
           <a:prstGeom prst="rect">
             <a:avLst/>
@@ -23611,711 +23618,715 @@
         </p:blipFill>
         <p:spPr>
           <a:xfrm>
-            <a:off x="24389413" y="22227236"/>
-            <a:ext cx="5927336" cy="4029961"/>
+            <a:off x="23899929" y="19404938"/>
+            <a:ext cx="5091027" cy="3461360"/>
           </a:xfrm>
           <a:prstGeom prst="rect">
             <a:avLst/>
           </a:prstGeom>
         </p:spPr>
       </p:pic>
-      <p:sp>
-        <p:nvSpPr>
-          <p:cNvPr id="4107" name="Rounded Rectangle 4106"/>
-          <p:cNvSpPr/>
+      <p:grpSp>
+        <p:nvGrpSpPr>
+          <p:cNvPr id="8" name="Group 7"/>
+          <p:cNvGrpSpPr/>
           <p:nvPr/>
-        </p:nvSpPr>
-        <p:spPr>
+        </p:nvGrpSpPr>
+        <p:grpSpPr>
           <a:xfrm>
-            <a:off x="17240682" y="9328051"/>
-            <a:ext cx="3532237" cy="1749837"/>
+            <a:off x="12643511" y="8802729"/>
+            <a:ext cx="19359003" cy="4074178"/>
+            <a:chOff x="12517997" y="9328050"/>
+            <a:chExt cx="18656663" cy="5735796"/>
           </a:xfrm>
-          <a:prstGeom prst="roundRect">
-            <a:avLst/>
-          </a:prstGeom>
-          <a:solidFill>
-            <a:schemeClr val="accent5">
-              <a:lumMod val="40000"/>
-              <a:lumOff val="60000"/>
-            </a:schemeClr>
-          </a:solidFill>
-          <a:ln w="63500">
+        </p:grpSpPr>
+        <p:sp>
+          <p:nvSpPr>
+            <p:cNvPr id="4107" name="Rounded Rectangle 4106"/>
+            <p:cNvSpPr/>
+            <p:nvPr/>
+          </p:nvSpPr>
+          <p:spPr>
+            <a:xfrm>
+              <a:off x="17240682" y="9328051"/>
+              <a:ext cx="3532237" cy="1749837"/>
+            </a:xfrm>
+            <a:prstGeom prst="roundRect">
+              <a:avLst/>
+            </a:prstGeom>
             <a:solidFill>
               <a:schemeClr val="accent5">
+                <a:lumMod val="40000"/>
+                <a:lumOff val="60000"/>
+              </a:schemeClr>
+            </a:solidFill>
+            <a:ln w="63500">
+              <a:solidFill>
+                <a:schemeClr val="accent5">
+                  <a:lumMod val="75000"/>
+                </a:schemeClr>
+              </a:solidFill>
+            </a:ln>
+          </p:spPr>
+          <p:style>
+            <a:lnRef idx="2">
+              <a:schemeClr val="accent1">
+                <a:shade val="50000"/>
+              </a:schemeClr>
+            </a:lnRef>
+            <a:fillRef idx="1">
+              <a:schemeClr val="accent1"/>
+            </a:fillRef>
+            <a:effectRef idx="0">
+              <a:schemeClr val="accent1"/>
+            </a:effectRef>
+            <a:fontRef idx="minor">
+              <a:schemeClr val="lt1"/>
+            </a:fontRef>
+          </p:style>
+          <p:txBody>
+            <a:bodyPr rtlCol="0" anchor="ctr"/>
+            <a:lstStyle/>
+            <a:p>
+              <a:pPr algn="ctr"/>
+              <a:r>
+                <a:rPr lang="en-US" sz="3200" dirty="0" smtClean="0">
+                  <a:solidFill>
+                    <a:schemeClr val="tx1"/>
+                  </a:solidFill>
+                  <a:latin typeface="Arial" charset="0"/>
+                  <a:ea typeface="Arial" charset="0"/>
+                  <a:cs typeface="Arial" charset="0"/>
+                </a:rPr>
+                <a:t>Train GP surrogates</a:t>
+              </a:r>
+              <a:endParaRPr lang="en-US" sz="3200" dirty="0">
+                <a:solidFill>
+                  <a:schemeClr val="tx1"/>
+                </a:solidFill>
+                <a:latin typeface="Arial" charset="0"/>
+                <a:ea typeface="Arial" charset="0"/>
+                <a:cs typeface="Arial" charset="0"/>
+              </a:endParaRPr>
+            </a:p>
+          </p:txBody>
+        </p:sp>
+        <p:sp>
+          <p:nvSpPr>
+            <p:cNvPr id="116" name="Rounded Rectangle 115"/>
+            <p:cNvSpPr/>
+            <p:nvPr/>
+          </p:nvSpPr>
+          <p:spPr>
+            <a:xfrm>
+              <a:off x="22183033" y="9328051"/>
+              <a:ext cx="3532237" cy="1749837"/>
+            </a:xfrm>
+            <a:prstGeom prst="roundRect">
+              <a:avLst/>
+            </a:prstGeom>
+            <a:noFill/>
+            <a:ln w="63500">
+              <a:solidFill>
+                <a:schemeClr val="accent5">
+                  <a:lumMod val="75000"/>
+                </a:schemeClr>
+              </a:solidFill>
+            </a:ln>
+          </p:spPr>
+          <p:style>
+            <a:lnRef idx="2">
+              <a:schemeClr val="accent1">
+                <a:shade val="50000"/>
+              </a:schemeClr>
+            </a:lnRef>
+            <a:fillRef idx="1">
+              <a:schemeClr val="accent1"/>
+            </a:fillRef>
+            <a:effectRef idx="0">
+              <a:schemeClr val="accent1"/>
+            </a:effectRef>
+            <a:fontRef idx="minor">
+              <a:schemeClr val="lt1"/>
+            </a:fontRef>
+          </p:style>
+          <p:txBody>
+            <a:bodyPr rtlCol="0" anchor="ctr"/>
+            <a:lstStyle/>
+            <a:p>
+              <a:pPr algn="ctr"/>
+              <a:r>
+                <a:rPr lang="en-US" sz="3200" dirty="0" smtClean="0">
+                  <a:solidFill>
+                    <a:schemeClr val="tx1"/>
+                  </a:solidFill>
+                  <a:latin typeface="Arial" charset="0"/>
+                  <a:ea typeface="Arial" charset="0"/>
+                  <a:cs typeface="Arial" charset="0"/>
+                </a:rPr>
+                <a:t>Project observations</a:t>
+              </a:r>
+              <a:endParaRPr lang="en-US" sz="3200" dirty="0">
+                <a:solidFill>
+                  <a:schemeClr val="tx1"/>
+                </a:solidFill>
+                <a:latin typeface="Arial" charset="0"/>
+                <a:ea typeface="Arial" charset="0"/>
+                <a:cs typeface="Arial" charset="0"/>
+              </a:endParaRPr>
+            </a:p>
+          </p:txBody>
+        </p:sp>
+        <p:sp>
+          <p:nvSpPr>
+            <p:cNvPr id="118" name="Rounded Rectangle 117"/>
+            <p:cNvSpPr/>
+            <p:nvPr/>
+          </p:nvSpPr>
+          <p:spPr>
+            <a:xfrm>
+              <a:off x="12517997" y="9328052"/>
+              <a:ext cx="3532237" cy="1749836"/>
+            </a:xfrm>
+            <a:prstGeom prst="roundRect">
+              <a:avLst/>
+            </a:prstGeom>
+            <a:noFill/>
+            <a:ln w="63500">
+              <a:solidFill>
+                <a:schemeClr val="accent5">
+                  <a:lumMod val="75000"/>
+                </a:schemeClr>
+              </a:solidFill>
+            </a:ln>
+          </p:spPr>
+          <p:style>
+            <a:lnRef idx="2">
+              <a:schemeClr val="accent1">
+                <a:shade val="50000"/>
+              </a:schemeClr>
+            </a:lnRef>
+            <a:fillRef idx="1">
+              <a:schemeClr val="accent1"/>
+            </a:fillRef>
+            <a:effectRef idx="0">
+              <a:schemeClr val="accent1"/>
+            </a:effectRef>
+            <a:fontRef idx="minor">
+              <a:schemeClr val="lt1"/>
+            </a:fontRef>
+          </p:style>
+          <p:txBody>
+            <a:bodyPr rtlCol="0" anchor="ctr"/>
+            <a:lstStyle/>
+            <a:p>
+              <a:pPr algn="ctr"/>
+              <a:r>
+                <a:rPr lang="en-US" sz="3200" dirty="0" smtClean="0">
+                  <a:solidFill>
+                    <a:schemeClr val="tx1"/>
+                  </a:solidFill>
+                  <a:latin typeface="Arial" charset="0"/>
+                  <a:ea typeface="Arial" charset="0"/>
+                  <a:cs typeface="Arial" charset="0"/>
+                </a:rPr>
+                <a:t>Initial observations</a:t>
+              </a:r>
+              <a:endParaRPr lang="en-US" sz="3200" dirty="0">
+                <a:solidFill>
+                  <a:schemeClr val="tx1"/>
+                </a:solidFill>
+                <a:latin typeface="Arial" charset="0"/>
+                <a:ea typeface="Arial" charset="0"/>
+                <a:cs typeface="Arial" charset="0"/>
+              </a:endParaRPr>
+            </a:p>
+          </p:txBody>
+        </p:sp>
+        <p:sp>
+          <p:nvSpPr>
+            <p:cNvPr id="119" name="Rounded Rectangle 118"/>
+            <p:cNvSpPr/>
+            <p:nvPr/>
+          </p:nvSpPr>
+          <p:spPr>
+            <a:xfrm>
+              <a:off x="27125384" y="9328050"/>
+              <a:ext cx="4049276" cy="1749838"/>
+            </a:xfrm>
+            <a:prstGeom prst="roundRect">
+              <a:avLst/>
+            </a:prstGeom>
+            <a:solidFill>
+              <a:schemeClr val="bg2">
                 <a:lumMod val="75000"/>
               </a:schemeClr>
             </a:solidFill>
-          </a:ln>
-        </p:spPr>
-        <p:style>
-          <a:lnRef idx="2">
-            <a:schemeClr val="accent1">
-              <a:shade val="50000"/>
-            </a:schemeClr>
-          </a:lnRef>
-          <a:fillRef idx="1">
-            <a:schemeClr val="accent1"/>
-          </a:fillRef>
-          <a:effectRef idx="0">
-            <a:schemeClr val="accent1"/>
-          </a:effectRef>
-          <a:fontRef idx="minor">
-            <a:schemeClr val="lt1"/>
-          </a:fontRef>
-        </p:style>
-        <p:txBody>
-          <a:bodyPr rtlCol="0" anchor="ctr"/>
-          <a:lstStyle/>
-          <a:p>
-            <a:pPr algn="ctr"/>
-            <a:r>
-              <a:rPr lang="en-US" sz="3800" dirty="0" smtClean="0">
+            <a:ln w="63500">
+              <a:solidFill>
+                <a:schemeClr val="accent5">
+                  <a:lumMod val="75000"/>
+                </a:schemeClr>
+              </a:solidFill>
+            </a:ln>
+          </p:spPr>
+          <p:style>
+            <a:lnRef idx="2">
+              <a:schemeClr val="accent1">
+                <a:shade val="50000"/>
+              </a:schemeClr>
+            </a:lnRef>
+            <a:fillRef idx="1">
+              <a:schemeClr val="accent1"/>
+            </a:fillRef>
+            <a:effectRef idx="0">
+              <a:schemeClr val="accent1"/>
+            </a:effectRef>
+            <a:fontRef idx="minor">
+              <a:schemeClr val="lt1"/>
+            </a:fontRef>
+          </p:style>
+          <p:txBody>
+            <a:bodyPr rtlCol="0" anchor="ctr"/>
+            <a:lstStyle/>
+            <a:p>
+              <a:pPr algn="ctr"/>
+              <a:r>
+                <a:rPr lang="en-US" sz="3200" dirty="0" smtClean="0">
+                  <a:solidFill>
+                    <a:schemeClr val="tx1"/>
+                  </a:solidFill>
+                  <a:latin typeface="Arial" charset="0"/>
+                  <a:ea typeface="Arial" charset="0"/>
+                  <a:cs typeface="Arial" charset="0"/>
+                </a:rPr>
+                <a:t>Compute expected improvement</a:t>
+              </a:r>
+              <a:endParaRPr lang="en-US" sz="3200" dirty="0">
                 <a:solidFill>
                   <a:schemeClr val="tx1"/>
                 </a:solidFill>
                 <a:latin typeface="Arial" charset="0"/>
                 <a:ea typeface="Arial" charset="0"/>
                 <a:cs typeface="Arial" charset="0"/>
-              </a:rPr>
-              <a:t>Train </a:t>
-            </a:r>
-            <a:r>
-              <a:rPr lang="en-US" sz="3800" smtClean="0">
+              </a:endParaRPr>
+            </a:p>
+          </p:txBody>
+        </p:sp>
+        <p:sp>
+          <p:nvSpPr>
+            <p:cNvPr id="120" name="Rounded Rectangle 119"/>
+            <p:cNvSpPr/>
+            <p:nvPr/>
+          </p:nvSpPr>
+          <p:spPr>
+            <a:xfrm>
+              <a:off x="27383903" y="12404045"/>
+              <a:ext cx="3532237" cy="1749836"/>
+            </a:xfrm>
+            <a:prstGeom prst="roundRect">
+              <a:avLst/>
+            </a:prstGeom>
+            <a:noFill/>
+            <a:ln w="63500">
+              <a:solidFill>
+                <a:schemeClr val="accent5">
+                  <a:lumMod val="75000"/>
+                </a:schemeClr>
+              </a:solidFill>
+            </a:ln>
+          </p:spPr>
+          <p:style>
+            <a:lnRef idx="2">
+              <a:schemeClr val="accent1">
+                <a:shade val="50000"/>
+              </a:schemeClr>
+            </a:lnRef>
+            <a:fillRef idx="1">
+              <a:schemeClr val="accent1"/>
+            </a:fillRef>
+            <a:effectRef idx="0">
+              <a:schemeClr val="accent1"/>
+            </a:effectRef>
+            <a:fontRef idx="minor">
+              <a:schemeClr val="lt1"/>
+            </a:fontRef>
+          </p:style>
+          <p:txBody>
+            <a:bodyPr rtlCol="0" anchor="ctr"/>
+            <a:lstStyle/>
+            <a:p>
+              <a:pPr algn="ctr"/>
+              <a:r>
+                <a:rPr lang="en-US" sz="3200" smtClean="0">
+                  <a:solidFill>
+                    <a:schemeClr val="tx1"/>
+                  </a:solidFill>
+                  <a:latin typeface="Arial" charset="0"/>
+                  <a:ea typeface="Arial" charset="0"/>
+                  <a:cs typeface="Arial" charset="0"/>
+                </a:rPr>
+                <a:t>Propose a design</a:t>
+              </a:r>
+              <a:endParaRPr lang="en-US" sz="3200" dirty="0">
                 <a:solidFill>
                   <a:schemeClr val="tx1"/>
                 </a:solidFill>
                 <a:latin typeface="Arial" charset="0"/>
                 <a:ea typeface="Arial" charset="0"/>
                 <a:cs typeface="Arial" charset="0"/>
-              </a:rPr>
-              <a:t>GP surrogates</a:t>
-            </a:r>
-            <a:endParaRPr lang="en-US" sz="3800" dirty="0">
+              </a:endParaRPr>
+            </a:p>
+          </p:txBody>
+        </p:sp>
+        <p:sp>
+          <p:nvSpPr>
+            <p:cNvPr id="121" name="Rounded Rectangle 120"/>
+            <p:cNvSpPr/>
+            <p:nvPr/>
+          </p:nvSpPr>
+          <p:spPr>
+            <a:xfrm>
+              <a:off x="22183033" y="12404045"/>
+              <a:ext cx="3532237" cy="1749836"/>
+            </a:xfrm>
+            <a:prstGeom prst="roundRect">
+              <a:avLst/>
+            </a:prstGeom>
+            <a:noFill/>
+            <a:ln w="63500">
               <a:solidFill>
-                <a:schemeClr val="tx1"/>
+                <a:schemeClr val="accent5">
+                  <a:lumMod val="75000"/>
+                </a:schemeClr>
               </a:solidFill>
-              <a:latin typeface="Arial" charset="0"/>
-              <a:ea typeface="Arial" charset="0"/>
-              <a:cs typeface="Arial" charset="0"/>
-            </a:endParaRPr>
-          </a:p>
-        </p:txBody>
-      </p:sp>
-      <p:sp>
-        <p:nvSpPr>
-          <p:cNvPr id="116" name="Rounded Rectangle 115"/>
-          <p:cNvSpPr/>
-          <p:nvPr/>
-        </p:nvSpPr>
-        <p:spPr>
-          <a:xfrm>
-            <a:off x="22183033" y="9328051"/>
-            <a:ext cx="3532237" cy="1749837"/>
-          </a:xfrm>
-          <a:prstGeom prst="roundRect">
-            <a:avLst/>
-          </a:prstGeom>
-          <a:noFill/>
-          <a:ln w="63500">
-            <a:solidFill>
-              <a:schemeClr val="accent5">
-                <a:lumMod val="75000"/>
+            </a:ln>
+          </p:spPr>
+          <p:style>
+            <a:lnRef idx="2">
+              <a:schemeClr val="accent1">
+                <a:shade val="50000"/>
               </a:schemeClr>
-            </a:solidFill>
-          </a:ln>
-        </p:spPr>
-        <p:style>
-          <a:lnRef idx="2">
-            <a:schemeClr val="accent1">
-              <a:shade val="50000"/>
-            </a:schemeClr>
-          </a:lnRef>
-          <a:fillRef idx="1">
-            <a:schemeClr val="accent1"/>
-          </a:fillRef>
-          <a:effectRef idx="0">
-            <a:schemeClr val="accent1"/>
-          </a:effectRef>
-          <a:fontRef idx="minor">
-            <a:schemeClr val="lt1"/>
-          </a:fontRef>
-        </p:style>
-        <p:txBody>
-          <a:bodyPr rtlCol="0" anchor="ctr"/>
-          <a:lstStyle/>
-          <a:p>
-            <a:pPr algn="ctr"/>
-            <a:r>
-              <a:rPr lang="en-US" sz="3800" dirty="0" smtClean="0">
+            </a:lnRef>
+            <a:fillRef idx="1">
+              <a:schemeClr val="accent1"/>
+            </a:fillRef>
+            <a:effectRef idx="0">
+              <a:schemeClr val="accent1"/>
+            </a:effectRef>
+            <a:fontRef idx="minor">
+              <a:schemeClr val="lt1"/>
+            </a:fontRef>
+          </p:style>
+          <p:txBody>
+            <a:bodyPr rtlCol="0" anchor="ctr"/>
+            <a:lstStyle/>
+            <a:p>
+              <a:pPr algn="ctr"/>
+              <a:r>
+                <a:rPr lang="en-US" sz="3200" dirty="0" smtClean="0">
+                  <a:solidFill>
+                    <a:schemeClr val="tx1"/>
+                  </a:solidFill>
+                  <a:latin typeface="Arial" charset="0"/>
+                  <a:ea typeface="Arial" charset="0"/>
+                  <a:cs typeface="Arial" charset="0"/>
+                </a:rPr>
+                <a:t>Add new observation</a:t>
+              </a:r>
+              <a:endParaRPr lang="en-US" sz="3200" dirty="0">
                 <a:solidFill>
                   <a:schemeClr val="tx1"/>
                 </a:solidFill>
                 <a:latin typeface="Arial" charset="0"/>
                 <a:ea typeface="Arial" charset="0"/>
                 <a:cs typeface="Arial" charset="0"/>
-              </a:rPr>
-              <a:t>Project observations</a:t>
-            </a:r>
-            <a:endParaRPr lang="en-US" sz="3800" dirty="0">
+              </a:endParaRPr>
+            </a:p>
+          </p:txBody>
+        </p:sp>
+        <p:cxnSp>
+          <p:nvCxnSpPr>
+            <p:cNvPr id="4109" name="Elbow Connector 4108"/>
+            <p:cNvCxnSpPr>
+              <a:stCxn id="121" idx="1"/>
+              <a:endCxn id="4107" idx="2"/>
+            </p:cNvCxnSpPr>
+            <p:nvPr/>
+          </p:nvCxnSpPr>
+          <p:spPr>
+            <a:xfrm rot="10800000">
+              <a:off x="19006801" y="11077889"/>
+              <a:ext cx="3176232" cy="2201075"/>
+            </a:xfrm>
+            <a:prstGeom prst="bentConnector2">
+              <a:avLst/>
+            </a:prstGeom>
+            <a:ln w="63500">
               <a:solidFill>
-                <a:schemeClr val="tx1"/>
+                <a:schemeClr val="accent5">
+                  <a:lumMod val="75000"/>
+                </a:schemeClr>
               </a:solidFill>
-              <a:latin typeface="Arial" charset="0"/>
-              <a:ea typeface="Arial" charset="0"/>
-              <a:cs typeface="Arial" charset="0"/>
-            </a:endParaRPr>
-          </a:p>
-        </p:txBody>
-      </p:sp>
-      <p:sp>
-        <p:nvSpPr>
-          <p:cNvPr id="118" name="Rounded Rectangle 117"/>
-          <p:cNvSpPr/>
-          <p:nvPr/>
-        </p:nvSpPr>
-        <p:spPr>
-          <a:xfrm>
-            <a:off x="12517997" y="9328052"/>
-            <a:ext cx="3532237" cy="1749836"/>
-          </a:xfrm>
-          <a:prstGeom prst="roundRect">
-            <a:avLst/>
-          </a:prstGeom>
-          <a:noFill/>
-          <a:ln w="63500">
-            <a:solidFill>
-              <a:schemeClr val="accent5">
-                <a:lumMod val="75000"/>
-              </a:schemeClr>
-            </a:solidFill>
-          </a:ln>
-        </p:spPr>
-        <p:style>
-          <a:lnRef idx="2">
-            <a:schemeClr val="accent1">
-              <a:shade val="50000"/>
-            </a:schemeClr>
-          </a:lnRef>
-          <a:fillRef idx="1">
-            <a:schemeClr val="accent1"/>
-          </a:fillRef>
-          <a:effectRef idx="0">
-            <a:schemeClr val="accent1"/>
-          </a:effectRef>
-          <a:fontRef idx="minor">
-            <a:schemeClr val="lt1"/>
-          </a:fontRef>
-        </p:style>
-        <p:txBody>
-          <a:bodyPr rtlCol="0" anchor="ctr"/>
-          <a:lstStyle/>
-          <a:p>
-            <a:pPr algn="ctr"/>
-            <a:r>
-              <a:rPr lang="en-US" sz="3800" smtClean="0">
-                <a:solidFill>
-                  <a:schemeClr val="tx1"/>
-                </a:solidFill>
+              <a:tailEnd type="triangle"/>
+            </a:ln>
+          </p:spPr>
+          <p:style>
+            <a:lnRef idx="1">
+              <a:schemeClr val="accent1"/>
+            </a:lnRef>
+            <a:fillRef idx="0">
+              <a:schemeClr val="accent1"/>
+            </a:fillRef>
+            <a:effectRef idx="0">
+              <a:schemeClr val="accent1"/>
+            </a:effectRef>
+            <a:fontRef idx="minor">
+              <a:schemeClr val="tx1"/>
+            </a:fontRef>
+          </p:style>
+        </p:cxnSp>
+        <p:cxnSp>
+          <p:nvCxnSpPr>
+            <p:cNvPr id="4111" name="Straight Arrow Connector 4110"/>
+            <p:cNvCxnSpPr>
+              <a:stCxn id="118" idx="3"/>
+              <a:endCxn id="4107" idx="1"/>
+            </p:cNvCxnSpPr>
+            <p:nvPr/>
+          </p:nvCxnSpPr>
+          <p:spPr>
+            <a:xfrm>
+              <a:off x="16050234" y="10202970"/>
+              <a:ext cx="1190448" cy="0"/>
+            </a:xfrm>
+            <a:prstGeom prst="straightConnector1">
+              <a:avLst/>
+            </a:prstGeom>
+            <a:ln w="63500">
+              <a:solidFill>
+                <a:schemeClr val="accent5">
+                  <a:lumMod val="75000"/>
+                </a:schemeClr>
+              </a:solidFill>
+              <a:tailEnd type="triangle"/>
+            </a:ln>
+          </p:spPr>
+          <p:style>
+            <a:lnRef idx="1">
+              <a:schemeClr val="accent1"/>
+            </a:lnRef>
+            <a:fillRef idx="0">
+              <a:schemeClr val="accent1"/>
+            </a:fillRef>
+            <a:effectRef idx="0">
+              <a:schemeClr val="accent1"/>
+            </a:effectRef>
+            <a:fontRef idx="minor">
+              <a:schemeClr val="tx1"/>
+            </a:fontRef>
+          </p:style>
+        </p:cxnSp>
+        <p:cxnSp>
+          <p:nvCxnSpPr>
+            <p:cNvPr id="126" name="Straight Arrow Connector 125"/>
+            <p:cNvCxnSpPr>
+              <a:stCxn id="4107" idx="3"/>
+              <a:endCxn id="116" idx="1"/>
+            </p:cNvCxnSpPr>
+            <p:nvPr/>
+          </p:nvCxnSpPr>
+          <p:spPr>
+            <a:xfrm>
+              <a:off x="20772919" y="10202970"/>
+              <a:ext cx="1410114" cy="0"/>
+            </a:xfrm>
+            <a:prstGeom prst="straightConnector1">
+              <a:avLst/>
+            </a:prstGeom>
+            <a:ln w="63500">
+              <a:solidFill>
+                <a:schemeClr val="accent5">
+                  <a:lumMod val="75000"/>
+                </a:schemeClr>
+              </a:solidFill>
+              <a:tailEnd type="triangle"/>
+            </a:ln>
+          </p:spPr>
+          <p:style>
+            <a:lnRef idx="1">
+              <a:schemeClr val="accent1"/>
+            </a:lnRef>
+            <a:fillRef idx="0">
+              <a:schemeClr val="accent1"/>
+            </a:fillRef>
+            <a:effectRef idx="0">
+              <a:schemeClr val="accent1"/>
+            </a:effectRef>
+            <a:fontRef idx="minor">
+              <a:schemeClr val="tx1"/>
+            </a:fontRef>
+          </p:style>
+        </p:cxnSp>
+        <p:cxnSp>
+          <p:nvCxnSpPr>
+            <p:cNvPr id="129" name="Straight Arrow Connector 128"/>
+            <p:cNvCxnSpPr>
+              <a:stCxn id="116" idx="3"/>
+              <a:endCxn id="119" idx="1"/>
+            </p:cNvCxnSpPr>
+            <p:nvPr/>
+          </p:nvCxnSpPr>
+          <p:spPr>
+            <a:xfrm flipV="1">
+              <a:off x="25715270" y="10202969"/>
+              <a:ext cx="1410114" cy="1"/>
+            </a:xfrm>
+            <a:prstGeom prst="straightConnector1">
+              <a:avLst/>
+            </a:prstGeom>
+            <a:ln w="63500">
+              <a:solidFill>
+                <a:schemeClr val="accent5">
+                  <a:lumMod val="75000"/>
+                </a:schemeClr>
+              </a:solidFill>
+              <a:tailEnd type="triangle"/>
+            </a:ln>
+          </p:spPr>
+          <p:style>
+            <a:lnRef idx="1">
+              <a:schemeClr val="accent1"/>
+            </a:lnRef>
+            <a:fillRef idx="0">
+              <a:schemeClr val="accent1"/>
+            </a:fillRef>
+            <a:effectRef idx="0">
+              <a:schemeClr val="accent1"/>
+            </a:effectRef>
+            <a:fontRef idx="minor">
+              <a:schemeClr val="tx1"/>
+            </a:fontRef>
+          </p:style>
+        </p:cxnSp>
+        <p:cxnSp>
+          <p:nvCxnSpPr>
+            <p:cNvPr id="133" name="Straight Arrow Connector 132"/>
+            <p:cNvCxnSpPr>
+              <a:stCxn id="119" idx="2"/>
+              <a:endCxn id="120" idx="0"/>
+            </p:cNvCxnSpPr>
+            <p:nvPr/>
+          </p:nvCxnSpPr>
+          <p:spPr>
+            <a:xfrm>
+              <a:off x="29150022" y="11077888"/>
+              <a:ext cx="0" cy="1326157"/>
+            </a:xfrm>
+            <a:prstGeom prst="straightConnector1">
+              <a:avLst/>
+            </a:prstGeom>
+            <a:ln w="63500">
+              <a:solidFill>
+                <a:schemeClr val="accent5">
+                  <a:lumMod val="75000"/>
+                </a:schemeClr>
+              </a:solidFill>
+              <a:tailEnd type="triangle"/>
+            </a:ln>
+          </p:spPr>
+          <p:style>
+            <a:lnRef idx="1">
+              <a:schemeClr val="accent1"/>
+            </a:lnRef>
+            <a:fillRef idx="0">
+              <a:schemeClr val="accent1"/>
+            </a:fillRef>
+            <a:effectRef idx="0">
+              <a:schemeClr val="accent1"/>
+            </a:effectRef>
+            <a:fontRef idx="minor">
+              <a:schemeClr val="tx1"/>
+            </a:fontRef>
+          </p:style>
+        </p:cxnSp>
+        <p:cxnSp>
+          <p:nvCxnSpPr>
+            <p:cNvPr id="136" name="Straight Arrow Connector 135"/>
+            <p:cNvCxnSpPr/>
+            <p:nvPr/>
+          </p:nvCxnSpPr>
+          <p:spPr>
+            <a:xfrm flipH="1">
+              <a:off x="25715270" y="13278963"/>
+              <a:ext cx="1668633" cy="0"/>
+            </a:xfrm>
+            <a:prstGeom prst="straightConnector1">
+              <a:avLst/>
+            </a:prstGeom>
+            <a:ln w="63500">
+              <a:solidFill>
+                <a:schemeClr val="accent5">
+                  <a:lumMod val="75000"/>
+                </a:schemeClr>
+              </a:solidFill>
+              <a:tailEnd type="triangle"/>
+            </a:ln>
+          </p:spPr>
+          <p:style>
+            <a:lnRef idx="1">
+              <a:schemeClr val="accent1"/>
+            </a:lnRef>
+            <a:fillRef idx="0">
+              <a:schemeClr val="accent1"/>
+            </a:fillRef>
+            <a:effectRef idx="0">
+              <a:schemeClr val="accent1"/>
+            </a:effectRef>
+            <a:fontRef idx="minor">
+              <a:schemeClr val="tx1"/>
+            </a:fontRef>
+          </p:style>
+        </p:cxnSp>
+        <p:sp>
+          <p:nvSpPr>
+            <p:cNvPr id="4121" name="TextBox 4120"/>
+            <p:cNvSpPr txBox="1"/>
+            <p:nvPr/>
+          </p:nvSpPr>
+          <p:spPr>
+            <a:xfrm>
+              <a:off x="19861827" y="14479071"/>
+              <a:ext cx="6996224" cy="584775"/>
+            </a:xfrm>
+            <a:prstGeom prst="rect">
+              <a:avLst/>
+            </a:prstGeom>
+            <a:noFill/>
+          </p:spPr>
+          <p:txBody>
+            <a:bodyPr wrap="square" rtlCol="0">
+              <a:spAutoFit/>
+            </a:bodyPr>
+            <a:lstStyle/>
+            <a:p>
+              <a:r>
+                <a:rPr lang="en-US" sz="3200" i="1" dirty="0" smtClean="0">
+                  <a:latin typeface="Arial" charset="0"/>
+                  <a:ea typeface="Arial" charset="0"/>
+                  <a:cs typeface="Arial" charset="0"/>
+                </a:rPr>
+                <a:t>General methodology</a:t>
+              </a:r>
+              <a:endParaRPr lang="en-US" sz="3200" i="1" dirty="0">
                 <a:latin typeface="Arial" charset="0"/>
                 <a:ea typeface="Arial" charset="0"/>
                 <a:cs typeface="Arial" charset="0"/>
-              </a:rPr>
-              <a:t>Initial observations</a:t>
-            </a:r>
-            <a:endParaRPr lang="en-US" sz="3800" dirty="0">
-              <a:solidFill>
-                <a:schemeClr val="tx1"/>
-              </a:solidFill>
-              <a:latin typeface="Arial" charset="0"/>
-              <a:ea typeface="Arial" charset="0"/>
-              <a:cs typeface="Arial" charset="0"/>
-            </a:endParaRPr>
-          </a:p>
-        </p:txBody>
-      </p:sp>
-      <p:sp>
-        <p:nvSpPr>
-          <p:cNvPr id="119" name="Rounded Rectangle 118"/>
-          <p:cNvSpPr/>
-          <p:nvPr/>
-        </p:nvSpPr>
-        <p:spPr>
-          <a:xfrm>
-            <a:off x="27125384" y="9328050"/>
-            <a:ext cx="4049276" cy="1749838"/>
-          </a:xfrm>
-          <a:prstGeom prst="roundRect">
-            <a:avLst/>
-          </a:prstGeom>
-          <a:solidFill>
-            <a:schemeClr val="bg2">
-              <a:lumMod val="75000"/>
-            </a:schemeClr>
-          </a:solidFill>
-          <a:ln w="63500">
-            <a:solidFill>
-              <a:schemeClr val="accent5">
-                <a:lumMod val="75000"/>
-              </a:schemeClr>
-            </a:solidFill>
-          </a:ln>
-        </p:spPr>
-        <p:style>
-          <a:lnRef idx="2">
-            <a:schemeClr val="accent1">
-              <a:shade val="50000"/>
-            </a:schemeClr>
-          </a:lnRef>
-          <a:fillRef idx="1">
-            <a:schemeClr val="accent1"/>
-          </a:fillRef>
-          <a:effectRef idx="0">
-            <a:schemeClr val="accent1"/>
-          </a:effectRef>
-          <a:fontRef idx="minor">
-            <a:schemeClr val="lt1"/>
-          </a:fontRef>
-        </p:style>
-        <p:txBody>
-          <a:bodyPr rtlCol="0" anchor="ctr"/>
-          <a:lstStyle/>
-          <a:p>
-            <a:pPr algn="ctr"/>
-            <a:r>
-              <a:rPr lang="en-US" sz="3800" dirty="0" smtClean="0">
-                <a:solidFill>
-                  <a:schemeClr val="tx1"/>
-                </a:solidFill>
-                <a:latin typeface="Arial" charset="0"/>
-                <a:ea typeface="Arial" charset="0"/>
-                <a:cs typeface="Arial" charset="0"/>
-              </a:rPr>
-              <a:t>Compute expected improvement</a:t>
-            </a:r>
-            <a:endParaRPr lang="en-US" sz="3800" dirty="0">
-              <a:solidFill>
-                <a:schemeClr val="tx1"/>
-              </a:solidFill>
-              <a:latin typeface="Arial" charset="0"/>
-              <a:ea typeface="Arial" charset="0"/>
-              <a:cs typeface="Arial" charset="0"/>
-            </a:endParaRPr>
-          </a:p>
-        </p:txBody>
-      </p:sp>
-      <p:sp>
-        <p:nvSpPr>
-          <p:cNvPr id="120" name="Rounded Rectangle 119"/>
-          <p:cNvSpPr/>
-          <p:nvPr/>
-        </p:nvSpPr>
-        <p:spPr>
-          <a:xfrm>
-            <a:off x="27383903" y="12404045"/>
-            <a:ext cx="3532237" cy="1749836"/>
-          </a:xfrm>
-          <a:prstGeom prst="roundRect">
-            <a:avLst/>
-          </a:prstGeom>
-          <a:noFill/>
-          <a:ln w="63500">
-            <a:solidFill>
-              <a:schemeClr val="accent5">
-                <a:lumMod val="75000"/>
-              </a:schemeClr>
-            </a:solidFill>
-          </a:ln>
-        </p:spPr>
-        <p:style>
-          <a:lnRef idx="2">
-            <a:schemeClr val="accent1">
-              <a:shade val="50000"/>
-            </a:schemeClr>
-          </a:lnRef>
-          <a:fillRef idx="1">
-            <a:schemeClr val="accent1"/>
-          </a:fillRef>
-          <a:effectRef idx="0">
-            <a:schemeClr val="accent1"/>
-          </a:effectRef>
-          <a:fontRef idx="minor">
-            <a:schemeClr val="lt1"/>
-          </a:fontRef>
-        </p:style>
-        <p:txBody>
-          <a:bodyPr rtlCol="0" anchor="ctr"/>
-          <a:lstStyle/>
-          <a:p>
-            <a:pPr algn="ctr"/>
-            <a:r>
-              <a:rPr lang="en-US" sz="3800" smtClean="0">
-                <a:solidFill>
-                  <a:schemeClr val="tx1"/>
-                </a:solidFill>
-                <a:latin typeface="Arial" charset="0"/>
-                <a:ea typeface="Arial" charset="0"/>
-                <a:cs typeface="Arial" charset="0"/>
-              </a:rPr>
-              <a:t>Propose a design</a:t>
-            </a:r>
-            <a:endParaRPr lang="en-US" sz="3800" dirty="0">
-              <a:solidFill>
-                <a:schemeClr val="tx1"/>
-              </a:solidFill>
-              <a:latin typeface="Arial" charset="0"/>
-              <a:ea typeface="Arial" charset="0"/>
-              <a:cs typeface="Arial" charset="0"/>
-            </a:endParaRPr>
-          </a:p>
-        </p:txBody>
-      </p:sp>
-      <p:sp>
-        <p:nvSpPr>
-          <p:cNvPr id="121" name="Rounded Rectangle 120"/>
-          <p:cNvSpPr/>
-          <p:nvPr/>
-        </p:nvSpPr>
-        <p:spPr>
-          <a:xfrm>
-            <a:off x="22183033" y="12404045"/>
-            <a:ext cx="3532237" cy="1749836"/>
-          </a:xfrm>
-          <a:prstGeom prst="roundRect">
-            <a:avLst/>
-          </a:prstGeom>
-          <a:noFill/>
-          <a:ln w="63500">
-            <a:solidFill>
-              <a:schemeClr val="accent5">
-                <a:lumMod val="75000"/>
-              </a:schemeClr>
-            </a:solidFill>
-          </a:ln>
-        </p:spPr>
-        <p:style>
-          <a:lnRef idx="2">
-            <a:schemeClr val="accent1">
-              <a:shade val="50000"/>
-            </a:schemeClr>
-          </a:lnRef>
-          <a:fillRef idx="1">
-            <a:schemeClr val="accent1"/>
-          </a:fillRef>
-          <a:effectRef idx="0">
-            <a:schemeClr val="accent1"/>
-          </a:effectRef>
-          <a:fontRef idx="minor">
-            <a:schemeClr val="lt1"/>
-          </a:fontRef>
-        </p:style>
-        <p:txBody>
-          <a:bodyPr rtlCol="0" anchor="ctr"/>
-          <a:lstStyle/>
-          <a:p>
-            <a:pPr algn="ctr"/>
-            <a:r>
-              <a:rPr lang="en-US" sz="3800" dirty="0" smtClean="0">
-                <a:solidFill>
-                  <a:schemeClr val="tx1"/>
-                </a:solidFill>
-                <a:latin typeface="Arial" charset="0"/>
-                <a:ea typeface="Arial" charset="0"/>
-                <a:cs typeface="Arial" charset="0"/>
-              </a:rPr>
-              <a:t>Add new observation</a:t>
-            </a:r>
-            <a:endParaRPr lang="en-US" sz="3800" dirty="0">
-              <a:solidFill>
-                <a:schemeClr val="tx1"/>
-              </a:solidFill>
-              <a:latin typeface="Arial" charset="0"/>
-              <a:ea typeface="Arial" charset="0"/>
-              <a:cs typeface="Arial" charset="0"/>
-            </a:endParaRPr>
-          </a:p>
-        </p:txBody>
-      </p:sp>
-      <p:cxnSp>
-        <p:nvCxnSpPr>
-          <p:cNvPr id="4109" name="Elbow Connector 4108"/>
-          <p:cNvCxnSpPr>
-            <a:stCxn id="121" idx="1"/>
-            <a:endCxn id="4107" idx="2"/>
-          </p:cNvCxnSpPr>
-          <p:nvPr/>
-        </p:nvCxnSpPr>
-        <p:spPr>
-          <a:xfrm rot="10800000">
-            <a:off x="19006801" y="11077889"/>
-            <a:ext cx="3176232" cy="2201075"/>
-          </a:xfrm>
-          <a:prstGeom prst="bentConnector2">
-            <a:avLst/>
-          </a:prstGeom>
-          <a:ln w="63500">
-            <a:solidFill>
-              <a:schemeClr val="accent5">
-                <a:lumMod val="75000"/>
-              </a:schemeClr>
-            </a:solidFill>
-            <a:tailEnd type="triangle"/>
-          </a:ln>
-        </p:spPr>
-        <p:style>
-          <a:lnRef idx="1">
-            <a:schemeClr val="accent1"/>
-          </a:lnRef>
-          <a:fillRef idx="0">
-            <a:schemeClr val="accent1"/>
-          </a:fillRef>
-          <a:effectRef idx="0">
-            <a:schemeClr val="accent1"/>
-          </a:effectRef>
-          <a:fontRef idx="minor">
-            <a:schemeClr val="tx1"/>
-          </a:fontRef>
-        </p:style>
-      </p:cxnSp>
-      <p:cxnSp>
-        <p:nvCxnSpPr>
-          <p:cNvPr id="4111" name="Straight Arrow Connector 4110"/>
-          <p:cNvCxnSpPr>
-            <a:stCxn id="118" idx="3"/>
-            <a:endCxn id="4107" idx="1"/>
-          </p:cNvCxnSpPr>
-          <p:nvPr/>
-        </p:nvCxnSpPr>
-        <p:spPr>
-          <a:xfrm>
-            <a:off x="16050234" y="10202970"/>
-            <a:ext cx="1190448" cy="0"/>
-          </a:xfrm>
-          <a:prstGeom prst="straightConnector1">
-            <a:avLst/>
-          </a:prstGeom>
-          <a:ln w="63500">
-            <a:solidFill>
-              <a:schemeClr val="accent5">
-                <a:lumMod val="75000"/>
-              </a:schemeClr>
-            </a:solidFill>
-            <a:tailEnd type="triangle"/>
-          </a:ln>
-        </p:spPr>
-        <p:style>
-          <a:lnRef idx="1">
-            <a:schemeClr val="accent1"/>
-          </a:lnRef>
-          <a:fillRef idx="0">
-            <a:schemeClr val="accent1"/>
-          </a:fillRef>
-          <a:effectRef idx="0">
-            <a:schemeClr val="accent1"/>
-          </a:effectRef>
-          <a:fontRef idx="minor">
-            <a:schemeClr val="tx1"/>
-          </a:fontRef>
-        </p:style>
-      </p:cxnSp>
-      <p:cxnSp>
-        <p:nvCxnSpPr>
-          <p:cNvPr id="126" name="Straight Arrow Connector 125"/>
-          <p:cNvCxnSpPr>
-            <a:stCxn id="4107" idx="3"/>
-            <a:endCxn id="116" idx="1"/>
-          </p:cNvCxnSpPr>
-          <p:nvPr/>
-        </p:nvCxnSpPr>
-        <p:spPr>
-          <a:xfrm>
-            <a:off x="20772919" y="10202970"/>
-            <a:ext cx="1410114" cy="0"/>
-          </a:xfrm>
-          <a:prstGeom prst="straightConnector1">
-            <a:avLst/>
-          </a:prstGeom>
-          <a:ln w="63500">
-            <a:solidFill>
-              <a:schemeClr val="accent5">
-                <a:lumMod val="75000"/>
-              </a:schemeClr>
-            </a:solidFill>
-            <a:tailEnd type="triangle"/>
-          </a:ln>
-        </p:spPr>
-        <p:style>
-          <a:lnRef idx="1">
-            <a:schemeClr val="accent1"/>
-          </a:lnRef>
-          <a:fillRef idx="0">
-            <a:schemeClr val="accent1"/>
-          </a:fillRef>
-          <a:effectRef idx="0">
-            <a:schemeClr val="accent1"/>
-          </a:effectRef>
-          <a:fontRef idx="minor">
-            <a:schemeClr val="tx1"/>
-          </a:fontRef>
-        </p:style>
-      </p:cxnSp>
-      <p:cxnSp>
-        <p:nvCxnSpPr>
-          <p:cNvPr id="129" name="Straight Arrow Connector 128"/>
-          <p:cNvCxnSpPr>
-            <a:stCxn id="116" idx="3"/>
-            <a:endCxn id="119" idx="1"/>
-          </p:cNvCxnSpPr>
-          <p:nvPr/>
-        </p:nvCxnSpPr>
-        <p:spPr>
-          <a:xfrm flipV="1">
-            <a:off x="25715270" y="10202969"/>
-            <a:ext cx="1410114" cy="1"/>
-          </a:xfrm>
-          <a:prstGeom prst="straightConnector1">
-            <a:avLst/>
-          </a:prstGeom>
-          <a:ln w="63500">
-            <a:solidFill>
-              <a:schemeClr val="accent5">
-                <a:lumMod val="75000"/>
-              </a:schemeClr>
-            </a:solidFill>
-            <a:tailEnd type="triangle"/>
-          </a:ln>
-        </p:spPr>
-        <p:style>
-          <a:lnRef idx="1">
-            <a:schemeClr val="accent1"/>
-          </a:lnRef>
-          <a:fillRef idx="0">
-            <a:schemeClr val="accent1"/>
-          </a:fillRef>
-          <a:effectRef idx="0">
-            <a:schemeClr val="accent1"/>
-          </a:effectRef>
-          <a:fontRef idx="minor">
-            <a:schemeClr val="tx1"/>
-          </a:fontRef>
-        </p:style>
-      </p:cxnSp>
-      <p:cxnSp>
-        <p:nvCxnSpPr>
-          <p:cNvPr id="133" name="Straight Arrow Connector 132"/>
-          <p:cNvCxnSpPr>
-            <a:stCxn id="119" idx="2"/>
-            <a:endCxn id="120" idx="0"/>
-          </p:cNvCxnSpPr>
-          <p:nvPr/>
-        </p:nvCxnSpPr>
-        <p:spPr>
-          <a:xfrm>
-            <a:off x="29150022" y="11077888"/>
-            <a:ext cx="0" cy="1326157"/>
-          </a:xfrm>
-          <a:prstGeom prst="straightConnector1">
-            <a:avLst/>
-          </a:prstGeom>
-          <a:ln w="63500">
-            <a:solidFill>
-              <a:schemeClr val="accent5">
-                <a:lumMod val="75000"/>
-              </a:schemeClr>
-            </a:solidFill>
-            <a:tailEnd type="triangle"/>
-          </a:ln>
-        </p:spPr>
-        <p:style>
-          <a:lnRef idx="1">
-            <a:schemeClr val="accent1"/>
-          </a:lnRef>
-          <a:fillRef idx="0">
-            <a:schemeClr val="accent1"/>
-          </a:fillRef>
-          <a:effectRef idx="0">
-            <a:schemeClr val="accent1"/>
-          </a:effectRef>
-          <a:fontRef idx="minor">
-            <a:schemeClr val="tx1"/>
-          </a:fontRef>
-        </p:style>
-      </p:cxnSp>
-      <p:cxnSp>
-        <p:nvCxnSpPr>
-          <p:cNvPr id="136" name="Straight Arrow Connector 135"/>
-          <p:cNvCxnSpPr/>
-          <p:nvPr/>
-        </p:nvCxnSpPr>
-        <p:spPr>
-          <a:xfrm flipH="1">
-            <a:off x="25715270" y="13278963"/>
-            <a:ext cx="1668633" cy="0"/>
-          </a:xfrm>
-          <a:prstGeom prst="straightConnector1">
-            <a:avLst/>
-          </a:prstGeom>
-          <a:ln w="63500">
-            <a:solidFill>
-              <a:schemeClr val="accent5">
-                <a:lumMod val="75000"/>
-              </a:schemeClr>
-            </a:solidFill>
-            <a:tailEnd type="triangle"/>
-          </a:ln>
-        </p:spPr>
-        <p:style>
-          <a:lnRef idx="1">
-            <a:schemeClr val="accent1"/>
-          </a:lnRef>
-          <a:fillRef idx="0">
-            <a:schemeClr val="accent1"/>
-          </a:fillRef>
-          <a:effectRef idx="0">
-            <a:schemeClr val="accent1"/>
-          </a:effectRef>
-          <a:fontRef idx="minor">
-            <a:schemeClr val="tx1"/>
-          </a:fontRef>
-        </p:style>
-      </p:cxnSp>
-      <p:sp>
-        <p:nvSpPr>
-          <p:cNvPr id="4121" name="TextBox 4120"/>
-          <p:cNvSpPr txBox="1"/>
-          <p:nvPr/>
-        </p:nvSpPr>
-        <p:spPr>
-          <a:xfrm>
-            <a:off x="19861827" y="14479071"/>
-            <a:ext cx="6996224" cy="677108"/>
-          </a:xfrm>
-          <a:prstGeom prst="rect">
-            <a:avLst/>
-          </a:prstGeom>
-          <a:noFill/>
-        </p:spPr>
-        <p:txBody>
-          <a:bodyPr wrap="square" rtlCol="0">
-            <a:spAutoFit/>
-          </a:bodyPr>
-          <a:lstStyle/>
-          <a:p>
-            <a:r>
-              <a:rPr lang="en-US" sz="3800" i="1" dirty="0" smtClean="0">
-                <a:latin typeface="Arial" charset="0"/>
-                <a:ea typeface="Arial" charset="0"/>
-                <a:cs typeface="Arial" charset="0"/>
-              </a:rPr>
-              <a:t>General methodology</a:t>
-            </a:r>
-            <a:endParaRPr lang="en-US" sz="3800" i="1" dirty="0">
-              <a:latin typeface="Arial" charset="0"/>
-              <a:ea typeface="Arial" charset="0"/>
-              <a:cs typeface="Arial" charset="0"/>
-            </a:endParaRPr>
-          </a:p>
-        </p:txBody>
-      </p:sp>
+              </a:endParaRPr>
+            </a:p>
+          </p:txBody>
+        </p:sp>
+      </p:grpSp>
       <p:sp>
         <p:nvSpPr>
           <p:cNvPr id="140" name="TextBox 139"/>
@@ -24324,7 +24335,7 @@
         </p:nvSpPr>
         <p:spPr>
           <a:xfrm>
-            <a:off x="11594948" y="15767618"/>
+            <a:off x="11567061" y="13048918"/>
             <a:ext cx="12794465" cy="707886"/>
           </a:xfrm>
           <a:prstGeom prst="rect">
@@ -24366,7 +24377,7 @@
         </p:nvSpPr>
         <p:spPr>
           <a:xfrm>
-            <a:off x="11594948" y="16475504"/>
+            <a:off x="11581534" y="13844640"/>
             <a:ext cx="20790052" cy="1323439"/>
           </a:xfrm>
           <a:prstGeom prst="rect">
@@ -24400,8 +24411,8 @@
         </p:nvSpPr>
         <p:spPr>
           <a:xfrm>
-            <a:off x="34361683" y="25348872"/>
-            <a:ext cx="6822893" cy="369332"/>
+            <a:off x="32806451" y="26897759"/>
+            <a:ext cx="10891320" cy="923330"/>
           </a:xfrm>
           <a:prstGeom prst="rect">
             <a:avLst/>
@@ -24409,24 +24420,155 @@
           <a:noFill/>
         </p:spPr>
         <p:txBody>
-          <a:bodyPr wrap="none" rtlCol="0">
+          <a:bodyPr wrap="square" rtlCol="0">
             <a:spAutoFit/>
           </a:bodyPr>
           <a:lstStyle/>
           <a:p>
             <a:r>
+              <a:rPr lang="en-US" sz="1800" dirty="0" smtClean="0"/>
+              <a:t>[</a:t>
+            </a:r>
+            <a:r>
+              <a:rPr lang="en-US" sz="1800" dirty="0" smtClean="0"/>
+              <a:t>1] M</a:t>
+            </a:r>
+            <a:r>
               <a:rPr lang="en-US" sz="1800" dirty="0"/>
+              <a:t>. Seeger, Gaussian processes for machine learning. , vol. 14. 2004</a:t>
+            </a:r>
+            <a:r>
+              <a:rPr lang="en-US" sz="1800" dirty="0" smtClean="0"/>
+              <a:t>.</a:t>
+            </a:r>
+            <a:endParaRPr lang="es-ES" sz="1800" dirty="0"/>
+          </a:p>
+          <a:p>
+            <a:r>
+              <a:rPr lang="es-ES" sz="1800" dirty="0" smtClean="0"/>
+              <a:t>[2] </a:t>
+            </a:r>
+            <a:r>
+              <a:rPr lang="es-ES" sz="1800" dirty="0" err="1"/>
+              <a:t>Emmerich</a:t>
+            </a:r>
+            <a:r>
+              <a:rPr lang="es-ES" sz="1800" dirty="0"/>
+              <a:t>, Michael, and </a:t>
+            </a:r>
+            <a:r>
+              <a:rPr lang="es-ES" sz="1800" dirty="0" err="1"/>
+              <a:t>Jan-willem</a:t>
+            </a:r>
+            <a:r>
+              <a:rPr lang="es-ES" sz="1800" dirty="0"/>
               <a:t> </a:t>
             </a:r>
             <a:r>
-              <a:rPr lang="en-US" sz="1800" dirty="0" smtClean="0"/>
-              <a:t>[1] M</a:t>
+              <a:rPr lang="es-ES" sz="1800" dirty="0" err="1"/>
+              <a:t>Klinkenberg</a:t>
             </a:r>
             <a:r>
-              <a:rPr lang="en-US" sz="1800" dirty="0"/>
-              <a:t>. Seeger, Gaussian processes for machine learning. , vol. 14. 2004.</a:t>
+              <a:rPr lang="es-ES" sz="1800" dirty="0"/>
+              <a:t>. "</a:t>
             </a:r>
-            <a:endParaRPr lang="en-US" sz="1800" dirty="0"/>
+            <a:r>
+              <a:rPr lang="es-ES" sz="1800" dirty="0" err="1"/>
+              <a:t>The</a:t>
+            </a:r>
+            <a:r>
+              <a:rPr lang="es-ES" sz="1800" dirty="0"/>
+              <a:t> </a:t>
+            </a:r>
+            <a:r>
+              <a:rPr lang="es-ES" sz="1800" dirty="0" err="1"/>
+              <a:t>computation</a:t>
+            </a:r>
+            <a:r>
+              <a:rPr lang="es-ES" sz="1800" dirty="0"/>
+              <a:t> of </a:t>
+            </a:r>
+            <a:r>
+              <a:rPr lang="es-ES" sz="1800" dirty="0" err="1"/>
+              <a:t>the</a:t>
+            </a:r>
+            <a:r>
+              <a:rPr lang="es-ES" sz="1800" dirty="0"/>
+              <a:t> </a:t>
+            </a:r>
+            <a:r>
+              <a:rPr lang="es-ES" sz="1800" dirty="0" err="1"/>
+              <a:t>expected</a:t>
+            </a:r>
+            <a:r>
+              <a:rPr lang="es-ES" sz="1800" dirty="0"/>
+              <a:t> </a:t>
+            </a:r>
+            <a:r>
+              <a:rPr lang="es-ES" sz="1800" dirty="0" err="1"/>
+              <a:t>improvement</a:t>
+            </a:r>
+            <a:r>
+              <a:rPr lang="es-ES" sz="1800" dirty="0"/>
+              <a:t> in </a:t>
+            </a:r>
+            <a:r>
+              <a:rPr lang="es-ES" sz="1800" dirty="0" err="1"/>
+              <a:t>dominated</a:t>
+            </a:r>
+            <a:r>
+              <a:rPr lang="es-ES" sz="1800" dirty="0"/>
+              <a:t> </a:t>
+            </a:r>
+            <a:r>
+              <a:rPr lang="es-ES" sz="1800" dirty="0" err="1"/>
+              <a:t>hypervolume</a:t>
+            </a:r>
+            <a:r>
+              <a:rPr lang="es-ES" sz="1800" dirty="0"/>
+              <a:t> of Pareto </a:t>
+            </a:r>
+            <a:r>
+              <a:rPr lang="es-ES" sz="1800" dirty="0" err="1"/>
+              <a:t>front</a:t>
+            </a:r>
+            <a:r>
+              <a:rPr lang="es-ES" sz="1800" dirty="0"/>
+              <a:t> </a:t>
+            </a:r>
+            <a:r>
+              <a:rPr lang="es-ES" sz="1800" dirty="0" err="1"/>
+              <a:t>approximations</a:t>
+            </a:r>
+            <a:r>
+              <a:rPr lang="es-ES" sz="1800" dirty="0"/>
+              <a:t>." </a:t>
+            </a:r>
+            <a:r>
+              <a:rPr lang="es-ES" sz="1800" i="1" dirty="0" err="1"/>
+              <a:t>Rapport</a:t>
+            </a:r>
+            <a:r>
+              <a:rPr lang="es-ES" sz="1800" i="1" dirty="0"/>
+              <a:t> </a:t>
+            </a:r>
+            <a:r>
+              <a:rPr lang="es-ES" sz="1800" i="1" dirty="0" err="1"/>
+              <a:t>technique</a:t>
+            </a:r>
+            <a:r>
+              <a:rPr lang="es-ES" sz="1800" i="1" dirty="0"/>
+              <a:t>, Leiden </a:t>
+            </a:r>
+            <a:r>
+              <a:rPr lang="es-ES" sz="1800" i="1" dirty="0" err="1"/>
+              <a:t>University</a:t>
+            </a:r>
+            <a:r>
+              <a:rPr lang="es-ES" sz="1800" dirty="0"/>
+              <a:t> (2008).</a:t>
+            </a:r>
+            <a:endParaRPr lang="en-US" sz="1800" dirty="0" smtClean="0"/>
           </a:p>
         </p:txBody>
       </p:sp>
@@ -24440,7 +24582,7 @@
         </p:nvSpPr>
         <p:spPr>
           <a:xfrm>
-            <a:off x="32881152" y="24337940"/>
+            <a:off x="33391950" y="25927435"/>
             <a:ext cx="10047018" cy="923322"/>
           </a:xfrm>
           <a:prstGeom prst="rect">
@@ -24610,25 +24752,60 @@
         <mc:Choice xmlns:a14="http://schemas.microsoft.com/office/drawing/2010/main" Requires="a14">
           <p:sp>
             <p:nvSpPr>
-              <p:cNvPr id="144" name="TextBox 143"/>
-              <p:cNvSpPr txBox="1"/>
+              <p:cNvPr id="41" name="Rounded Rectangle 40"/>
+              <p:cNvSpPr/>
               <p:nvPr/>
             </p:nvSpPr>
             <p:spPr>
               <a:xfrm>
-                <a:off x="11788007" y="18086201"/>
-                <a:ext cx="20790052" cy="841256"/>
+                <a:off x="11576971" y="15359451"/>
+                <a:ext cx="7567109" cy="1366525"/>
               </a:xfrm>
-              <a:prstGeom prst="rect">
+              <a:prstGeom prst="roundRect">
                 <a:avLst/>
               </a:prstGeom>
               <a:noFill/>
+              <a:ln w="63500">
+                <a:solidFill>
+                  <a:schemeClr val="accent5">
+                    <a:lumMod val="75000"/>
+                  </a:schemeClr>
+                </a:solidFill>
+              </a:ln>
             </p:spPr>
+            <p:style>
+              <a:lnRef idx="2">
+                <a:schemeClr val="accent1">
+                  <a:shade val="50000"/>
+                </a:schemeClr>
+              </a:lnRef>
+              <a:fillRef idx="1">
+                <a:schemeClr val="accent1"/>
+              </a:fillRef>
+              <a:effectRef idx="0">
+                <a:schemeClr val="accent1"/>
+              </a:effectRef>
+              <a:fontRef idx="minor">
+                <a:schemeClr val="lt1"/>
+              </a:fontRef>
+            </p:style>
             <p:txBody>
-              <a:bodyPr wrap="square" rtlCol="0">
-                <a:spAutoFit/>
-              </a:bodyPr>
+              <a:bodyPr rtlCol="0" anchor="ctr"/>
               <a:lstStyle/>
+              <a:p>
+                <a:pPr algn="ctr"/>
+                <a:r>
+                  <a:rPr lang="en-US" sz="3600" dirty="0" smtClean="0">
+                    <a:solidFill>
+                      <a:schemeClr val="tx1"/>
+                    </a:solidFill>
+                    <a:latin typeface="Arial" charset="0"/>
+                    <a:ea typeface="Arial" charset="0"/>
+                    <a:cs typeface="Arial" charset="0"/>
+                  </a:rPr>
+                  <a:t>Prior Information</a:t>
+                </a:r>
+              </a:p>
               <a:p>
                 <a:pPr algn="ctr"/>
                 <a14:m>
@@ -24638,13 +24815,19 @@
                     </m:oMathParaPr>
                     <m:oMath xmlns:m="http://schemas.openxmlformats.org/officeDocument/2006/math">
                       <m:r>
-                        <a:rPr lang="es-ES" sz="4000" b="0" i="1" smtClean="0">
+                        <a:rPr lang="es-ES" sz="3600" i="1">
+                          <a:solidFill>
+                            <a:schemeClr val="tx1"/>
+                          </a:solidFill>
                           <a:latin typeface="Cambria Math" charset="0"/>
                         </a:rPr>
                         <m:t>𝑓</m:t>
                       </m:r>
                       <m:r>
-                        <a:rPr lang="es-ES" sz="4000" b="0" i="1" smtClean="0">
+                        <a:rPr lang="es-ES" sz="3600" i="1">
+                          <a:solidFill>
+                            <a:schemeClr val="tx1"/>
+                          </a:solidFill>
                           <a:latin typeface="Cambria Math" charset="0"/>
                         </a:rPr>
                         <m:t>(⋅)|</m:t>
@@ -24653,14 +24836,20 @@
                         <m:accPr>
                           <m:chr m:val="⃗"/>
                           <m:ctrlPr>
-                            <a:rPr lang="es-ES" sz="4000" b="0" i="1" smtClean="0">
+                            <a:rPr lang="es-ES" sz="3600" i="1">
+                              <a:solidFill>
+                                <a:schemeClr val="tx1"/>
+                              </a:solidFill>
                               <a:latin typeface="Cambria Math" charset="0"/>
                             </a:rPr>
                           </m:ctrlPr>
                         </m:accPr>
                         <m:e>
                           <m:r>
-                            <a:rPr lang="es-ES" sz="4000" b="0" i="1" smtClean="0">
+                            <a:rPr lang="es-ES" sz="3600" i="1">
+                              <a:solidFill>
+                                <a:schemeClr val="tx1"/>
+                              </a:solidFill>
                               <a:latin typeface="Cambria Math" charset="0"/>
                             </a:rPr>
                             <m:t>𝜃</m:t>
@@ -24668,37 +24857,55 @@
                         </m:e>
                       </m:acc>
                       <m:r>
-                        <a:rPr lang="es-ES" sz="4000" b="0" i="1" smtClean="0">
+                        <a:rPr lang="es-ES" sz="3600" i="1">
+                          <a:solidFill>
+                            <a:schemeClr val="tx1"/>
+                          </a:solidFill>
                           <a:latin typeface="Cambria Math" charset="0"/>
                         </a:rPr>
                         <m:t>∼</m:t>
                       </m:r>
                       <m:r>
-                        <a:rPr lang="es-ES" sz="4000" b="0" i="1" smtClean="0">
+                        <a:rPr lang="es-ES" sz="3600" i="1">
+                          <a:solidFill>
+                            <a:schemeClr val="tx1"/>
+                          </a:solidFill>
                           <a:latin typeface="Cambria Math" charset="0"/>
                         </a:rPr>
                         <m:t>𝐺𝑃</m:t>
                       </m:r>
                       <m:r>
-                        <a:rPr lang="es-ES" sz="4000" b="0" i="1" smtClean="0">
+                        <a:rPr lang="es-ES" sz="3600" i="1">
+                          <a:solidFill>
+                            <a:schemeClr val="tx1"/>
+                          </a:solidFill>
                           <a:latin typeface="Cambria Math" charset="0"/>
                         </a:rPr>
                         <m:t>(</m:t>
                       </m:r>
                       <m:r>
-                        <a:rPr lang="es-ES" sz="4000" b="0" i="1" smtClean="0">
+                        <a:rPr lang="es-ES" sz="3600" i="1">
+                          <a:solidFill>
+                            <a:schemeClr val="tx1"/>
+                          </a:solidFill>
                           <a:latin typeface="Cambria Math" charset="0"/>
                         </a:rPr>
                         <m:t>𝑓</m:t>
                       </m:r>
                       <m:r>
-                        <a:rPr lang="es-ES" sz="4000" b="0" i="1" smtClean="0">
+                        <a:rPr lang="es-ES" sz="3600" i="1">
+                          <a:solidFill>
+                            <a:schemeClr val="tx1"/>
+                          </a:solidFill>
                           <a:latin typeface="Cambria Math" charset="0"/>
                         </a:rPr>
                         <m:t>(⋅)|</m:t>
                       </m:r>
                       <m:r>
-                        <a:rPr lang="es-ES" sz="4000" b="0" i="1" smtClean="0">
+                        <a:rPr lang="es-ES" sz="3600" i="1">
+                          <a:solidFill>
+                            <a:schemeClr val="tx1"/>
+                          </a:solidFill>
                           <a:latin typeface="Cambria Math" charset="0"/>
                         </a:rPr>
                         <m:t>𝑚</m:t>
@@ -24706,14 +24913,20 @@
                       <m:d>
                         <m:dPr>
                           <m:ctrlPr>
-                            <a:rPr lang="es-ES" sz="4000" b="0" i="1" smtClean="0">
+                            <a:rPr lang="es-ES" sz="3600" i="1">
+                              <a:solidFill>
+                                <a:schemeClr val="tx1"/>
+                              </a:solidFill>
                               <a:latin typeface="Cambria Math" charset="0"/>
                             </a:rPr>
                           </m:ctrlPr>
                         </m:dPr>
                         <m:e>
                           <m:r>
-                            <a:rPr lang="es-ES" sz="4000" b="0" i="1" smtClean="0">
+                            <a:rPr lang="es-ES" sz="3600" i="1">
+                              <a:solidFill>
+                                <a:schemeClr val="tx1"/>
+                              </a:solidFill>
                               <a:latin typeface="Cambria Math" charset="0"/>
                             </a:rPr>
                             <m:t>⋅ ;</m:t>
@@ -24722,14 +24935,20 @@
                             <m:accPr>
                               <m:chr m:val="⃗"/>
                               <m:ctrlPr>
-                                <a:rPr lang="es-ES" sz="4000" i="1">
+                                <a:rPr lang="es-ES" sz="3600" i="1">
+                                  <a:solidFill>
+                                    <a:schemeClr val="tx1"/>
+                                  </a:solidFill>
                                   <a:latin typeface="Cambria Math" charset="0"/>
                                 </a:rPr>
                               </m:ctrlPr>
                             </m:accPr>
                             <m:e>
                               <m:r>
-                                <a:rPr lang="es-ES" sz="4000" i="1">
+                                <a:rPr lang="es-ES" sz="3600" i="1">
+                                  <a:solidFill>
+                                    <a:schemeClr val="tx1"/>
+                                  </a:solidFill>
                                   <a:latin typeface="Cambria Math" charset="0"/>
                                 </a:rPr>
                                 <m:t>𝜃</m:t>
@@ -24739,19 +24958,28 @@
                         </m:e>
                       </m:d>
                       <m:r>
-                        <a:rPr lang="es-ES" sz="4000" b="0" i="1" smtClean="0">
+                        <a:rPr lang="es-ES" sz="3600" i="1">
+                          <a:solidFill>
+                            <a:schemeClr val="tx1"/>
+                          </a:solidFill>
                           <a:latin typeface="Cambria Math" charset="0"/>
                         </a:rPr>
                         <m:t> , </m:t>
                       </m:r>
                       <m:r>
-                        <a:rPr lang="es-ES" sz="4000" b="0" i="1" smtClean="0">
+                        <a:rPr lang="es-ES" sz="3600" i="1">
+                          <a:solidFill>
+                            <a:schemeClr val="tx1"/>
+                          </a:solidFill>
                           <a:latin typeface="Cambria Math" charset="0"/>
                         </a:rPr>
                         <m:t>𝑘</m:t>
                       </m:r>
                       <m:r>
-                        <a:rPr lang="es-ES" sz="4000" b="0" i="1" smtClean="0">
+                        <a:rPr lang="es-ES" sz="3600" i="1">
+                          <a:solidFill>
+                            <a:schemeClr val="tx1"/>
+                          </a:solidFill>
                           <a:latin typeface="Cambria Math" charset="0"/>
                         </a:rPr>
                         <m:t>(⋅ ; ⋅ ;</m:t>
@@ -24760,14 +24988,20 @@
                         <m:accPr>
                           <m:chr m:val="⃗"/>
                           <m:ctrlPr>
-                            <a:rPr lang="es-ES" sz="4000" i="1">
+                            <a:rPr lang="es-ES" sz="3600" i="1">
+                              <a:solidFill>
+                                <a:schemeClr val="tx1"/>
+                              </a:solidFill>
                               <a:latin typeface="Cambria Math" charset="0"/>
                             </a:rPr>
                           </m:ctrlPr>
                         </m:accPr>
                         <m:e>
                           <m:r>
-                            <a:rPr lang="es-ES" sz="4000" i="1">
+                            <a:rPr lang="es-ES" sz="3600" i="1">
+                              <a:solidFill>
+                                <a:schemeClr val="tx1"/>
+                              </a:solidFill>
                               <a:latin typeface="Cambria Math" charset="0"/>
                             </a:rPr>
                             <m:t>𝜃</m:t>
@@ -24775,7 +25009,10 @@
                         </m:e>
                       </m:acc>
                       <m:r>
-                        <a:rPr lang="es-ES" sz="4000" b="0" i="1" smtClean="0">
+                        <a:rPr lang="es-ES" sz="3600" i="1">
+                          <a:solidFill>
+                            <a:schemeClr val="tx1"/>
+                          </a:solidFill>
                           <a:latin typeface="Cambria Math" charset="0"/>
                         </a:rPr>
                         <m:t>))</m:t>
@@ -24783,7 +25020,11 @@
                     </m:oMath>
                   </m:oMathPara>
                 </a14:m>
-                <a:endParaRPr lang="en-US" sz="4000" dirty="0"/>
+                <a:endParaRPr lang="en-US" sz="3600" dirty="0">
+                  <a:solidFill>
+                    <a:schemeClr val="tx1"/>
+                  </a:solidFill>
+                </a:endParaRPr>
               </a:p>
             </p:txBody>
           </p:sp>
@@ -24791,26 +25032,33 @@
         <mc:Fallback>
           <p:sp>
             <p:nvSpPr>
-              <p:cNvPr id="144" name="TextBox 143"/>
-              <p:cNvSpPr txBox="1">
+              <p:cNvPr id="41" name="Rounded Rectangle 40"/>
+              <p:cNvSpPr>
                 <a:spLocks noRot="1" noChangeAspect="1" noMove="1" noResize="1" noEditPoints="1" noAdjustHandles="1" noChangeArrowheads="1" noChangeShapeType="1" noTextEdit="1"/>
               </p:cNvSpPr>
               <p:nvPr/>
             </p:nvSpPr>
             <p:spPr>
               <a:xfrm>
-                <a:off x="11788007" y="18086201"/>
-                <a:ext cx="20790052" cy="841256"/>
+                <a:off x="11576971" y="15359451"/>
+                <a:ext cx="7567109" cy="1366525"/>
               </a:xfrm>
-              <a:prstGeom prst="rect">
+              <a:prstGeom prst="roundRect">
                 <a:avLst/>
               </a:prstGeom>
               <a:blipFill rotWithShape="0">
                 <a:blip r:embed="rId7"/>
                 <a:stretch>
-                  <a:fillRect/>
+                  <a:fillRect t="-2564"/>
                 </a:stretch>
               </a:blipFill>
+              <a:ln w="63500">
+                <a:solidFill>
+                  <a:schemeClr val="accent5">
+                    <a:lumMod val="75000"/>
+                  </a:schemeClr>
+                </a:solidFill>
+              </a:ln>
             </p:spPr>
             <p:txBody>
               <a:bodyPr/>
@@ -24827,6 +25075,2272 @@
           </p:sp>
         </mc:Fallback>
       </mc:AlternateContent>
+      <mc:AlternateContent xmlns:mc="http://schemas.openxmlformats.org/markup-compatibility/2006">
+        <mc:Choice xmlns:a14="http://schemas.microsoft.com/office/drawing/2010/main" Requires="a14">
+          <p:sp>
+            <p:nvSpPr>
+              <p:cNvPr id="48" name="Rounded Rectangle 47"/>
+              <p:cNvSpPr/>
+              <p:nvPr/>
+            </p:nvSpPr>
+            <p:spPr>
+              <a:xfrm>
+                <a:off x="12928958" y="17207975"/>
+                <a:ext cx="4484949" cy="1308873"/>
+              </a:xfrm>
+              <a:prstGeom prst="roundRect">
+                <a:avLst/>
+              </a:prstGeom>
+              <a:noFill/>
+              <a:ln w="63500">
+                <a:solidFill>
+                  <a:schemeClr val="accent5">
+                    <a:lumMod val="75000"/>
+                  </a:schemeClr>
+                </a:solidFill>
+              </a:ln>
+            </p:spPr>
+            <p:style>
+              <a:lnRef idx="2">
+                <a:schemeClr val="accent1">
+                  <a:shade val="50000"/>
+                </a:schemeClr>
+              </a:lnRef>
+              <a:fillRef idx="1">
+                <a:schemeClr val="accent1"/>
+              </a:fillRef>
+              <a:effectRef idx="0">
+                <a:schemeClr val="accent1"/>
+              </a:effectRef>
+              <a:fontRef idx="minor">
+                <a:schemeClr val="lt1"/>
+              </a:fontRef>
+            </p:style>
+            <p:txBody>
+              <a:bodyPr rtlCol="0" anchor="ctr"/>
+              <a:lstStyle/>
+              <a:p>
+                <a:pPr algn="ctr"/>
+                <a:r>
+                  <a:rPr lang="en-US" sz="3600" dirty="0" smtClean="0">
+                    <a:solidFill>
+                      <a:schemeClr val="tx1"/>
+                    </a:solidFill>
+                    <a:latin typeface="Arial" charset="0"/>
+                    <a:ea typeface="Arial" charset="0"/>
+                    <a:cs typeface="Arial" charset="0"/>
+                  </a:rPr>
+                  <a:t>Data Observations</a:t>
+                </a:r>
+              </a:p>
+              <a:p>
+                <a:pPr algn="ctr"/>
+                <a14:m>
+                  <m:oMathPara xmlns:m="http://schemas.openxmlformats.org/officeDocument/2006/math">
+                    <m:oMathParaPr>
+                      <m:jc m:val="centerGroup"/>
+                    </m:oMathParaPr>
+                    <m:oMath xmlns:m="http://schemas.openxmlformats.org/officeDocument/2006/math">
+                      <m:sSub>
+                        <m:sSubPr>
+                          <m:ctrlPr>
+                            <a:rPr lang="es-ES" sz="3600" b="0" i="1" smtClean="0">
+                              <a:solidFill>
+                                <a:schemeClr val="tx1"/>
+                              </a:solidFill>
+                              <a:latin typeface="Cambria Math" charset="0"/>
+                            </a:rPr>
+                          </m:ctrlPr>
+                        </m:sSubPr>
+                        <m:e>
+                          <m:acc>
+                            <m:accPr>
+                              <m:chr m:val="⃗"/>
+                              <m:ctrlPr>
+                                <a:rPr lang="en-US" sz="3600" i="1" smtClean="0">
+                                  <a:solidFill>
+                                    <a:schemeClr val="tx1"/>
+                                  </a:solidFill>
+                                  <a:latin typeface="Cambria Math" charset="0"/>
+                                </a:rPr>
+                              </m:ctrlPr>
+                            </m:accPr>
+                            <m:e>
+                              <m:r>
+                                <a:rPr lang="es-ES" sz="3600" b="0" i="1" smtClean="0">
+                                  <a:solidFill>
+                                    <a:schemeClr val="tx1"/>
+                                  </a:solidFill>
+                                  <a:latin typeface="Cambria Math" charset="0"/>
+                                </a:rPr>
+                                <m:t>𝑥</m:t>
+                              </m:r>
+                            </m:e>
+                          </m:acc>
+                        </m:e>
+                        <m:sub>
+                          <m:r>
+                            <a:rPr lang="es-ES" sz="3600" b="0" i="1" smtClean="0">
+                              <a:solidFill>
+                                <a:schemeClr val="tx1"/>
+                              </a:solidFill>
+                              <a:latin typeface="Cambria Math" charset="0"/>
+                            </a:rPr>
+                            <m:t>1:</m:t>
+                          </m:r>
+                          <m:r>
+                            <a:rPr lang="es-ES" sz="3600" b="0" i="1" smtClean="0">
+                              <a:solidFill>
+                                <a:schemeClr val="tx1"/>
+                              </a:solidFill>
+                              <a:latin typeface="Cambria Math" charset="0"/>
+                            </a:rPr>
+                            <m:t>𝑛</m:t>
+                          </m:r>
+                        </m:sub>
+                      </m:sSub>
+                      <m:r>
+                        <a:rPr lang="es-ES" sz="3600" b="0" i="1" smtClean="0">
+                          <a:solidFill>
+                            <a:schemeClr val="tx1"/>
+                          </a:solidFill>
+                          <a:latin typeface="Cambria Math" charset="0"/>
+                        </a:rPr>
+                        <m:t> ; </m:t>
+                      </m:r>
+                      <m:sSub>
+                        <m:sSubPr>
+                          <m:ctrlPr>
+                            <a:rPr lang="es-ES" sz="3600" b="0" i="1" smtClean="0">
+                              <a:solidFill>
+                                <a:schemeClr val="tx1"/>
+                              </a:solidFill>
+                              <a:latin typeface="Cambria Math" charset="0"/>
+                            </a:rPr>
+                          </m:ctrlPr>
+                        </m:sSubPr>
+                        <m:e>
+                          <m:acc>
+                            <m:accPr>
+                              <m:chr m:val="⃗"/>
+                              <m:ctrlPr>
+                                <a:rPr lang="es-ES" sz="3600" b="0" i="1" smtClean="0">
+                                  <a:solidFill>
+                                    <a:schemeClr val="tx1"/>
+                                  </a:solidFill>
+                                  <a:latin typeface="Cambria Math" charset="0"/>
+                                </a:rPr>
+                              </m:ctrlPr>
+                            </m:accPr>
+                            <m:e>
+                              <m:r>
+                                <a:rPr lang="es-ES" sz="3600" b="0" i="1" smtClean="0">
+                                  <a:solidFill>
+                                    <a:schemeClr val="tx1"/>
+                                  </a:solidFill>
+                                  <a:latin typeface="Cambria Math" charset="0"/>
+                                </a:rPr>
+                                <m:t>𝑦</m:t>
+                              </m:r>
+                            </m:e>
+                          </m:acc>
+                        </m:e>
+                        <m:sub>
+                          <m:r>
+                            <a:rPr lang="es-ES" sz="3600" b="0" i="1" smtClean="0">
+                              <a:solidFill>
+                                <a:schemeClr val="tx1"/>
+                              </a:solidFill>
+                              <a:latin typeface="Cambria Math" charset="0"/>
+                            </a:rPr>
+                            <m:t>1:</m:t>
+                          </m:r>
+                          <m:r>
+                            <a:rPr lang="es-ES" sz="3600" b="0" i="1" smtClean="0">
+                              <a:solidFill>
+                                <a:schemeClr val="tx1"/>
+                              </a:solidFill>
+                              <a:latin typeface="Cambria Math" charset="0"/>
+                            </a:rPr>
+                            <m:t>𝑛</m:t>
+                          </m:r>
+                        </m:sub>
+                      </m:sSub>
+                    </m:oMath>
+                  </m:oMathPara>
+                </a14:m>
+                <a:endParaRPr lang="en-US" sz="3600" dirty="0">
+                  <a:solidFill>
+                    <a:schemeClr val="tx1"/>
+                  </a:solidFill>
+                </a:endParaRPr>
+              </a:p>
+            </p:txBody>
+          </p:sp>
+        </mc:Choice>
+        <mc:Fallback>
+          <p:sp>
+            <p:nvSpPr>
+              <p:cNvPr id="48" name="Rounded Rectangle 47"/>
+              <p:cNvSpPr>
+                <a:spLocks noRot="1" noChangeAspect="1" noMove="1" noResize="1" noEditPoints="1" noAdjustHandles="1" noChangeArrowheads="1" noChangeShapeType="1" noTextEdit="1"/>
+              </p:cNvSpPr>
+              <p:nvPr/>
+            </p:nvSpPr>
+            <p:spPr>
+              <a:xfrm>
+                <a:off x="12928958" y="17207975"/>
+                <a:ext cx="4484949" cy="1308873"/>
+              </a:xfrm>
+              <a:prstGeom prst="roundRect">
+                <a:avLst/>
+              </a:prstGeom>
+              <a:blipFill rotWithShape="0">
+                <a:blip r:embed="rId8"/>
+                <a:stretch>
+                  <a:fillRect t="-444"/>
+                </a:stretch>
+              </a:blipFill>
+              <a:ln w="63500">
+                <a:solidFill>
+                  <a:schemeClr val="accent5">
+                    <a:lumMod val="75000"/>
+                  </a:schemeClr>
+                </a:solidFill>
+              </a:ln>
+            </p:spPr>
+            <p:txBody>
+              <a:bodyPr/>
+              <a:lstStyle/>
+              <a:p>
+                <a:r>
+                  <a:rPr lang="en-US">
+                    <a:noFill/>
+                  </a:rPr>
+                  <a:t> </a:t>
+                </a:r>
+              </a:p>
+            </p:txBody>
+          </p:sp>
+        </mc:Fallback>
+      </mc:AlternateContent>
+      <mc:AlternateContent xmlns:mc="http://schemas.openxmlformats.org/markup-compatibility/2006">
+        <mc:Choice xmlns:a14="http://schemas.microsoft.com/office/drawing/2010/main" Requires="a14">
+          <p:sp>
+            <p:nvSpPr>
+              <p:cNvPr id="50" name="Rounded Rectangle 49"/>
+              <p:cNvSpPr/>
+              <p:nvPr/>
+            </p:nvSpPr>
+            <p:spPr>
+              <a:xfrm>
+                <a:off x="21810716" y="15482675"/>
+                <a:ext cx="9269455" cy="1372804"/>
+              </a:xfrm>
+              <a:prstGeom prst="roundRect">
+                <a:avLst/>
+              </a:prstGeom>
+              <a:noFill/>
+              <a:ln w="63500">
+                <a:solidFill>
+                  <a:schemeClr val="accent5">
+                    <a:lumMod val="75000"/>
+                  </a:schemeClr>
+                </a:solidFill>
+              </a:ln>
+            </p:spPr>
+            <p:style>
+              <a:lnRef idx="2">
+                <a:schemeClr val="accent1">
+                  <a:shade val="50000"/>
+                </a:schemeClr>
+              </a:lnRef>
+              <a:fillRef idx="1">
+                <a:schemeClr val="accent1"/>
+              </a:fillRef>
+              <a:effectRef idx="0">
+                <a:schemeClr val="accent1"/>
+              </a:effectRef>
+              <a:fontRef idx="minor">
+                <a:schemeClr val="lt1"/>
+              </a:fontRef>
+            </p:style>
+            <p:txBody>
+              <a:bodyPr rtlCol="0" anchor="ctr"/>
+              <a:lstStyle/>
+              <a:p>
+                <a:pPr algn="ctr"/>
+                <a:r>
+                  <a:rPr lang="en-US" sz="3600" dirty="0" smtClean="0">
+                    <a:solidFill>
+                      <a:schemeClr val="tx1"/>
+                    </a:solidFill>
+                    <a:latin typeface="Arial" charset="0"/>
+                    <a:ea typeface="Arial" charset="0"/>
+                    <a:cs typeface="Arial" charset="0"/>
+                  </a:rPr>
+                  <a:t>Likelihood and Bayes rule</a:t>
+                </a:r>
+                <a:endParaRPr lang="en-US" sz="3600" dirty="0" smtClean="0">
+                  <a:solidFill>
+                    <a:schemeClr val="tx1"/>
+                  </a:solidFill>
+                  <a:latin typeface="Arial" charset="0"/>
+                  <a:ea typeface="Arial" charset="0"/>
+                  <a:cs typeface="Arial" charset="0"/>
+                </a:endParaRPr>
+              </a:p>
+              <a:p>
+                <a:pPr algn="ctr"/>
+                <a14:m>
+                  <m:oMathPara xmlns:m="http://schemas.openxmlformats.org/officeDocument/2006/math">
+                    <m:oMathParaPr>
+                      <m:jc m:val="centerGroup"/>
+                    </m:oMathParaPr>
+                    <m:oMath xmlns:m="http://schemas.openxmlformats.org/officeDocument/2006/math">
+                      <m:r>
+                        <a:rPr lang="es-ES" sz="3600" b="0" i="1" smtClean="0">
+                          <a:solidFill>
+                            <a:schemeClr val="tx1"/>
+                          </a:solidFill>
+                          <a:latin typeface="Cambria Math" charset="0"/>
+                        </a:rPr>
+                        <m:t>𝑝</m:t>
+                      </m:r>
+                      <m:d>
+                        <m:dPr>
+                          <m:ctrlPr>
+                            <a:rPr lang="es-ES" sz="3600" b="0" i="1" smtClean="0">
+                              <a:solidFill>
+                                <a:schemeClr val="tx1"/>
+                              </a:solidFill>
+                              <a:latin typeface="Cambria Math" charset="0"/>
+                            </a:rPr>
+                          </m:ctrlPr>
+                        </m:dPr>
+                        <m:e>
+                          <m:sSub>
+                            <m:sSubPr>
+                              <m:ctrlPr>
+                                <a:rPr lang="es-ES" sz="3600" b="0" i="1" smtClean="0">
+                                  <a:solidFill>
+                                    <a:schemeClr val="tx1"/>
+                                  </a:solidFill>
+                                  <a:latin typeface="Cambria Math" charset="0"/>
+                                </a:rPr>
+                              </m:ctrlPr>
+                            </m:sSubPr>
+                            <m:e>
+                              <m:acc>
+                                <m:accPr>
+                                  <m:chr m:val="⃗"/>
+                                  <m:ctrlPr>
+                                    <a:rPr lang="es-ES" sz="3600" b="0" i="1" smtClean="0">
+                                      <a:solidFill>
+                                        <a:schemeClr val="tx1"/>
+                                      </a:solidFill>
+                                      <a:latin typeface="Cambria Math" charset="0"/>
+                                    </a:rPr>
+                                  </m:ctrlPr>
+                                </m:accPr>
+                                <m:e>
+                                  <m:r>
+                                    <a:rPr lang="es-ES" sz="3600" b="0" i="1" smtClean="0">
+                                      <a:solidFill>
+                                        <a:schemeClr val="tx1"/>
+                                      </a:solidFill>
+                                      <a:latin typeface="Cambria Math" charset="0"/>
+                                    </a:rPr>
+                                    <m:t>𝑦</m:t>
+                                  </m:r>
+                                </m:e>
+                              </m:acc>
+                            </m:e>
+                            <m:sub>
+                              <m:r>
+                                <a:rPr lang="es-ES" sz="3600" b="0" i="1" smtClean="0">
+                                  <a:solidFill>
+                                    <a:schemeClr val="tx1"/>
+                                  </a:solidFill>
+                                  <a:latin typeface="Cambria Math" charset="0"/>
+                                </a:rPr>
+                                <m:t>1:</m:t>
+                              </m:r>
+                              <m:r>
+                                <a:rPr lang="es-ES" sz="3600" b="0" i="1" smtClean="0">
+                                  <a:solidFill>
+                                    <a:schemeClr val="tx1"/>
+                                  </a:solidFill>
+                                  <a:latin typeface="Cambria Math" charset="0"/>
+                                </a:rPr>
+                                <m:t>𝑛</m:t>
+                              </m:r>
+                            </m:sub>
+                          </m:sSub>
+                        </m:e>
+                        <m:e>
+                          <m:sSub>
+                            <m:sSubPr>
+                              <m:ctrlPr>
+                                <a:rPr lang="es-ES" sz="3600" i="1">
+                                  <a:solidFill>
+                                    <a:schemeClr val="tx1"/>
+                                  </a:solidFill>
+                                  <a:latin typeface="Cambria Math" charset="0"/>
+                                </a:rPr>
+                              </m:ctrlPr>
+                            </m:sSubPr>
+                            <m:e>
+                              <m:acc>
+                                <m:accPr>
+                                  <m:chr m:val="⃗"/>
+                                  <m:ctrlPr>
+                                    <a:rPr lang="es-ES" sz="3600" i="1" smtClean="0">
+                                      <a:solidFill>
+                                        <a:schemeClr val="tx1"/>
+                                      </a:solidFill>
+                                      <a:latin typeface="Cambria Math" charset="0"/>
+                                    </a:rPr>
+                                  </m:ctrlPr>
+                                </m:accPr>
+                                <m:e>
+                                  <m:r>
+                                    <a:rPr lang="es-ES" sz="3600" b="0" i="1" smtClean="0">
+                                      <a:solidFill>
+                                        <a:schemeClr val="tx1"/>
+                                      </a:solidFill>
+                                      <a:latin typeface="Cambria Math" charset="0"/>
+                                    </a:rPr>
+                                    <m:t>𝑥</m:t>
+                                  </m:r>
+                                </m:e>
+                              </m:acc>
+                            </m:e>
+                            <m:sub>
+                              <m:r>
+                                <a:rPr lang="es-ES" sz="3600" i="1">
+                                  <a:solidFill>
+                                    <a:schemeClr val="tx1"/>
+                                  </a:solidFill>
+                                  <a:latin typeface="Cambria Math" charset="0"/>
+                                </a:rPr>
+                                <m:t>1:</m:t>
+                              </m:r>
+                              <m:r>
+                                <a:rPr lang="es-ES" sz="3600" i="1">
+                                  <a:solidFill>
+                                    <a:schemeClr val="tx1"/>
+                                  </a:solidFill>
+                                  <a:latin typeface="Cambria Math" charset="0"/>
+                                </a:rPr>
+                                <m:t>𝑛</m:t>
+                              </m:r>
+                            </m:sub>
+                          </m:sSub>
+                          <m:r>
+                            <a:rPr lang="es-ES" sz="3600" b="0" i="1" smtClean="0">
+                              <a:solidFill>
+                                <a:schemeClr val="tx1"/>
+                              </a:solidFill>
+                              <a:latin typeface="Cambria Math" charset="0"/>
+                            </a:rPr>
+                            <m:t>,</m:t>
+                          </m:r>
+                          <m:acc>
+                            <m:accPr>
+                              <m:chr m:val="⃗"/>
+                              <m:ctrlPr>
+                                <a:rPr lang="es-ES" sz="3600" b="0" i="1" smtClean="0">
+                                  <a:solidFill>
+                                    <a:schemeClr val="tx1"/>
+                                  </a:solidFill>
+                                  <a:latin typeface="Cambria Math" charset="0"/>
+                                </a:rPr>
+                              </m:ctrlPr>
+                            </m:accPr>
+                            <m:e>
+                              <m:r>
+                                <a:rPr lang="es-ES" sz="3600" b="0" i="1" smtClean="0">
+                                  <a:solidFill>
+                                    <a:schemeClr val="tx1"/>
+                                  </a:solidFill>
+                                  <a:latin typeface="Cambria Math" charset="0"/>
+                                </a:rPr>
+                                <m:t>𝜓</m:t>
+                              </m:r>
+                            </m:e>
+                          </m:acc>
+                        </m:e>
+                      </m:d>
+                      <m:r>
+                        <a:rPr lang="es-ES" sz="3600" b="0" i="1" smtClean="0">
+                          <a:solidFill>
+                            <a:schemeClr val="tx1"/>
+                          </a:solidFill>
+                          <a:latin typeface="Cambria Math" charset="0"/>
+                        </a:rPr>
+                        <m:t>=</m:t>
+                      </m:r>
+                      <m:r>
+                        <a:rPr lang="es-ES" sz="3600" b="0" i="1" smtClean="0">
+                          <a:solidFill>
+                            <a:schemeClr val="tx1"/>
+                          </a:solidFill>
+                          <a:latin typeface="Cambria Math" charset="0"/>
+                          <a:ea typeface="Cambria Math" charset="0"/>
+                          <a:cs typeface="Cambria Math" charset="0"/>
+                        </a:rPr>
+                        <m:t>𝒩</m:t>
+                      </m:r>
+                      <m:r>
+                        <a:rPr lang="es-ES" sz="3600" b="0" i="1" smtClean="0">
+                          <a:solidFill>
+                            <a:schemeClr val="tx1"/>
+                          </a:solidFill>
+                          <a:latin typeface="Cambria Math" charset="0"/>
+                          <a:ea typeface="Cambria Math" charset="0"/>
+                          <a:cs typeface="Cambria Math" charset="0"/>
+                        </a:rPr>
+                        <m:t>(</m:t>
+                      </m:r>
+                      <m:sSub>
+                        <m:sSubPr>
+                          <m:ctrlPr>
+                            <a:rPr lang="es-ES" sz="3600" i="1">
+                              <a:solidFill>
+                                <a:schemeClr val="tx1"/>
+                              </a:solidFill>
+                              <a:latin typeface="Cambria Math" charset="0"/>
+                            </a:rPr>
+                          </m:ctrlPr>
+                        </m:sSubPr>
+                        <m:e>
+                          <m:acc>
+                            <m:accPr>
+                              <m:chr m:val="⃗"/>
+                              <m:ctrlPr>
+                                <a:rPr lang="es-ES" sz="3600" i="1">
+                                  <a:solidFill>
+                                    <a:schemeClr val="tx1"/>
+                                  </a:solidFill>
+                                  <a:latin typeface="Cambria Math" charset="0"/>
+                                </a:rPr>
+                              </m:ctrlPr>
+                            </m:accPr>
+                            <m:e>
+                              <m:r>
+                                <a:rPr lang="es-ES" sz="3600" i="1">
+                                  <a:solidFill>
+                                    <a:schemeClr val="tx1"/>
+                                  </a:solidFill>
+                                  <a:latin typeface="Cambria Math" charset="0"/>
+                                </a:rPr>
+                                <m:t>𝑦</m:t>
+                              </m:r>
+                            </m:e>
+                          </m:acc>
+                        </m:e>
+                        <m:sub>
+                          <m:r>
+                            <a:rPr lang="es-ES" sz="3600" i="1">
+                              <a:solidFill>
+                                <a:schemeClr val="tx1"/>
+                              </a:solidFill>
+                              <a:latin typeface="Cambria Math" charset="0"/>
+                            </a:rPr>
+                            <m:t>1:</m:t>
+                          </m:r>
+                          <m:r>
+                            <a:rPr lang="es-ES" sz="3600" i="1">
+                              <a:solidFill>
+                                <a:schemeClr val="tx1"/>
+                              </a:solidFill>
+                              <a:latin typeface="Cambria Math" charset="0"/>
+                            </a:rPr>
+                            <m:t>𝑛</m:t>
+                          </m:r>
+                        </m:sub>
+                      </m:sSub>
+                      <m:r>
+                        <a:rPr lang="es-ES" sz="3600" b="0" i="1" smtClean="0">
+                          <a:solidFill>
+                            <a:schemeClr val="tx1"/>
+                          </a:solidFill>
+                          <a:latin typeface="Cambria Math" charset="0"/>
+                        </a:rPr>
+                        <m:t>|</m:t>
+                      </m:r>
+                      <m:sSub>
+                        <m:sSubPr>
+                          <m:ctrlPr>
+                            <a:rPr lang="es-ES" sz="3600" i="1">
+                              <a:solidFill>
+                                <a:schemeClr val="tx1"/>
+                              </a:solidFill>
+                              <a:latin typeface="Cambria Math" charset="0"/>
+                            </a:rPr>
+                          </m:ctrlPr>
+                        </m:sSubPr>
+                        <m:e>
+                          <m:acc>
+                            <m:accPr>
+                              <m:chr m:val="⃗"/>
+                              <m:ctrlPr>
+                                <a:rPr lang="es-ES" sz="3600" i="1" smtClean="0">
+                                  <a:solidFill>
+                                    <a:schemeClr val="tx1"/>
+                                  </a:solidFill>
+                                  <a:latin typeface="Cambria Math" charset="0"/>
+                                </a:rPr>
+                              </m:ctrlPr>
+                            </m:accPr>
+                            <m:e>
+                              <m:r>
+                                <a:rPr lang="es-ES" sz="3600" b="0" i="1" smtClean="0">
+                                  <a:solidFill>
+                                    <a:schemeClr val="tx1"/>
+                                  </a:solidFill>
+                                  <a:latin typeface="Cambria Math" charset="0"/>
+                                </a:rPr>
+                                <m:t>𝑓</m:t>
+                              </m:r>
+                            </m:e>
+                          </m:acc>
+                        </m:e>
+                        <m:sub>
+                          <m:r>
+                            <a:rPr lang="es-ES" sz="3600" i="1">
+                              <a:solidFill>
+                                <a:schemeClr val="tx1"/>
+                              </a:solidFill>
+                              <a:latin typeface="Cambria Math" charset="0"/>
+                            </a:rPr>
+                            <m:t>1:</m:t>
+                          </m:r>
+                          <m:r>
+                            <a:rPr lang="es-ES" sz="3600" i="1">
+                              <a:solidFill>
+                                <a:schemeClr val="tx1"/>
+                              </a:solidFill>
+                              <a:latin typeface="Cambria Math" charset="0"/>
+                            </a:rPr>
+                            <m:t>𝑛</m:t>
+                          </m:r>
+                        </m:sub>
+                      </m:sSub>
+                      <m:r>
+                        <a:rPr lang="es-ES" sz="3600" b="0" i="1" smtClean="0">
+                          <a:solidFill>
+                            <a:schemeClr val="tx1"/>
+                          </a:solidFill>
+                          <a:latin typeface="Cambria Math" charset="0"/>
+                        </a:rPr>
+                        <m:t> , </m:t>
+                      </m:r>
+                      <m:sSub>
+                        <m:sSubPr>
+                          <m:ctrlPr>
+                            <a:rPr lang="es-ES" sz="3600" b="1" i="0" smtClean="0">
+                              <a:solidFill>
+                                <a:schemeClr val="tx1"/>
+                              </a:solidFill>
+                              <a:latin typeface="Cambria Math" charset="0"/>
+                            </a:rPr>
+                          </m:ctrlPr>
+                        </m:sSubPr>
+                        <m:e>
+                          <m:r>
+                            <a:rPr lang="es-ES" sz="3600" b="1" i="0" smtClean="0">
+                              <a:solidFill>
+                                <a:schemeClr val="tx1"/>
+                              </a:solidFill>
+                              <a:latin typeface="Cambria Math" charset="0"/>
+                            </a:rPr>
+                            <m:t>𝐊</m:t>
+                          </m:r>
+                        </m:e>
+                        <m:sub>
+                          <m:r>
+                            <a:rPr lang="es-ES" sz="3600" b="0" i="1" smtClean="0">
+                              <a:solidFill>
+                                <a:schemeClr val="tx1"/>
+                              </a:solidFill>
+                              <a:latin typeface="Cambria Math" charset="0"/>
+                            </a:rPr>
+                            <m:t>𝑛</m:t>
+                          </m:r>
+                        </m:sub>
+                      </m:sSub>
+                      <m:d>
+                        <m:dPr>
+                          <m:ctrlPr>
+                            <a:rPr lang="es-ES" sz="3600" b="1" i="0" smtClean="0">
+                              <a:solidFill>
+                                <a:schemeClr val="tx1"/>
+                              </a:solidFill>
+                              <a:latin typeface="Cambria Math" charset="0"/>
+                            </a:rPr>
+                          </m:ctrlPr>
+                        </m:dPr>
+                        <m:e>
+                          <m:acc>
+                            <m:accPr>
+                              <m:chr m:val="⃗"/>
+                              <m:ctrlPr>
+                                <a:rPr lang="es-ES" sz="3600" b="1" i="1" smtClean="0">
+                                  <a:solidFill>
+                                    <a:schemeClr val="tx1"/>
+                                  </a:solidFill>
+                                  <a:latin typeface="Cambria Math" charset="0"/>
+                                </a:rPr>
+                              </m:ctrlPr>
+                            </m:accPr>
+                            <m:e>
+                              <m:r>
+                                <a:rPr lang="es-ES" sz="3600" b="0" i="1" smtClean="0">
+                                  <a:solidFill>
+                                    <a:schemeClr val="tx1"/>
+                                  </a:solidFill>
+                                  <a:latin typeface="Cambria Math" charset="0"/>
+                                </a:rPr>
+                                <m:t>𝜃</m:t>
+                              </m:r>
+                            </m:e>
+                          </m:acc>
+                        </m:e>
+                      </m:d>
+                      <m:r>
+                        <a:rPr lang="es-ES" sz="3600" b="1" i="0" smtClean="0">
+                          <a:solidFill>
+                            <a:schemeClr val="tx1"/>
+                          </a:solidFill>
+                          <a:latin typeface="Cambria Math" charset="0"/>
+                        </a:rPr>
+                        <m:t>+</m:t>
+                      </m:r>
+                      <m:sSup>
+                        <m:sSupPr>
+                          <m:ctrlPr>
+                            <a:rPr lang="es-ES" sz="3600" i="1" smtClean="0">
+                              <a:solidFill>
+                                <a:schemeClr val="tx1"/>
+                              </a:solidFill>
+                              <a:latin typeface="Cambria Math" charset="0"/>
+                            </a:rPr>
+                          </m:ctrlPr>
+                        </m:sSupPr>
+                        <m:e>
+                          <m:r>
+                            <a:rPr lang="es-ES" sz="3600" b="0" i="1" smtClean="0">
+                              <a:solidFill>
+                                <a:schemeClr val="tx1"/>
+                              </a:solidFill>
+                              <a:latin typeface="Cambria Math" charset="0"/>
+                            </a:rPr>
+                            <m:t>𝜎</m:t>
+                          </m:r>
+                        </m:e>
+                        <m:sup>
+                          <m:r>
+                            <a:rPr lang="es-ES" sz="3600" b="0" i="1" smtClean="0">
+                              <a:solidFill>
+                                <a:schemeClr val="tx1"/>
+                              </a:solidFill>
+                              <a:latin typeface="Cambria Math" charset="0"/>
+                            </a:rPr>
+                            <m:t>2</m:t>
+                          </m:r>
+                        </m:sup>
+                      </m:sSup>
+                      <m:sSub>
+                        <m:sSubPr>
+                          <m:ctrlPr>
+                            <a:rPr lang="es-ES" sz="3600" b="0" i="1" smtClean="0">
+                              <a:solidFill>
+                                <a:schemeClr val="tx1"/>
+                              </a:solidFill>
+                              <a:latin typeface="Cambria Math" charset="0"/>
+                            </a:rPr>
+                          </m:ctrlPr>
+                        </m:sSubPr>
+                        <m:e>
+                          <m:r>
+                            <a:rPr lang="es-ES" sz="3600" b="1" i="0" smtClean="0">
+                              <a:solidFill>
+                                <a:schemeClr val="tx1"/>
+                              </a:solidFill>
+                              <a:latin typeface="Cambria Math" charset="0"/>
+                            </a:rPr>
+                            <m:t>𝐈</m:t>
+                          </m:r>
+                        </m:e>
+                        <m:sub>
+                          <m:r>
+                            <a:rPr lang="es-ES" sz="3600" b="0" i="1" smtClean="0">
+                              <a:solidFill>
+                                <a:schemeClr val="tx1"/>
+                              </a:solidFill>
+                              <a:latin typeface="Cambria Math" charset="0"/>
+                            </a:rPr>
+                            <m:t>𝑛</m:t>
+                          </m:r>
+                        </m:sub>
+                      </m:sSub>
+                      <m:r>
+                        <a:rPr lang="es-ES" sz="3600" b="0" i="1" smtClean="0">
+                          <a:solidFill>
+                            <a:schemeClr val="tx1"/>
+                          </a:solidFill>
+                          <a:latin typeface="Cambria Math" charset="0"/>
+                          <a:ea typeface="Cambria Math" charset="0"/>
+                          <a:cs typeface="Cambria Math" charset="0"/>
+                        </a:rPr>
+                        <m:t>)</m:t>
+                      </m:r>
+                      <m:r>
+                        <a:rPr lang="es-ES" sz="3600" b="0" i="1" smtClean="0">
+                          <a:solidFill>
+                            <a:schemeClr val="tx1"/>
+                          </a:solidFill>
+                          <a:latin typeface="Cambria Math" charset="0"/>
+                        </a:rPr>
+                        <m:t> </m:t>
+                      </m:r>
+                    </m:oMath>
+                  </m:oMathPara>
+                </a14:m>
+                <a:endParaRPr lang="en-US" sz="3600" dirty="0">
+                  <a:solidFill>
+                    <a:schemeClr val="tx1"/>
+                  </a:solidFill>
+                </a:endParaRPr>
+              </a:p>
+            </p:txBody>
+          </p:sp>
+        </mc:Choice>
+        <mc:Fallback>
+          <p:sp>
+            <p:nvSpPr>
+              <p:cNvPr id="50" name="Rounded Rectangle 49"/>
+              <p:cNvSpPr>
+                <a:spLocks noRot="1" noChangeAspect="1" noMove="1" noResize="1" noEditPoints="1" noAdjustHandles="1" noChangeArrowheads="1" noChangeShapeType="1" noTextEdit="1"/>
+              </p:cNvSpPr>
+              <p:nvPr/>
+            </p:nvSpPr>
+            <p:spPr>
+              <a:xfrm>
+                <a:off x="21810716" y="15482675"/>
+                <a:ext cx="9269455" cy="1372804"/>
+              </a:xfrm>
+              <a:prstGeom prst="roundRect">
+                <a:avLst/>
+              </a:prstGeom>
+              <a:blipFill rotWithShape="0">
+                <a:blip r:embed="rId9"/>
+                <a:stretch>
+                  <a:fillRect t="-2553"/>
+                </a:stretch>
+              </a:blipFill>
+              <a:ln w="63500">
+                <a:solidFill>
+                  <a:schemeClr val="accent5">
+                    <a:lumMod val="75000"/>
+                  </a:schemeClr>
+                </a:solidFill>
+              </a:ln>
+            </p:spPr>
+            <p:txBody>
+              <a:bodyPr/>
+              <a:lstStyle/>
+              <a:p>
+                <a:r>
+                  <a:rPr lang="en-US">
+                    <a:noFill/>
+                  </a:rPr>
+                  <a:t> </a:t>
+                </a:r>
+              </a:p>
+            </p:txBody>
+          </p:sp>
+        </mc:Fallback>
+      </mc:AlternateContent>
+      <mc:AlternateContent xmlns:mc="http://schemas.openxmlformats.org/markup-compatibility/2006">
+        <mc:Choice xmlns:a14="http://schemas.microsoft.com/office/drawing/2010/main" Requires="a14">
+          <p:sp>
+            <p:nvSpPr>
+              <p:cNvPr id="51" name="Rounded Rectangle 50"/>
+              <p:cNvSpPr/>
+              <p:nvPr/>
+            </p:nvSpPr>
+            <p:spPr>
+              <a:xfrm>
+                <a:off x="20933724" y="17668189"/>
+                <a:ext cx="11023438" cy="1556090"/>
+              </a:xfrm>
+              <a:prstGeom prst="roundRect">
+                <a:avLst/>
+              </a:prstGeom>
+              <a:noFill/>
+              <a:ln w="63500">
+                <a:solidFill>
+                  <a:schemeClr val="accent5">
+                    <a:lumMod val="75000"/>
+                  </a:schemeClr>
+                </a:solidFill>
+              </a:ln>
+            </p:spPr>
+            <p:style>
+              <a:lnRef idx="2">
+                <a:schemeClr val="accent1">
+                  <a:shade val="50000"/>
+                </a:schemeClr>
+              </a:lnRef>
+              <a:fillRef idx="1">
+                <a:schemeClr val="accent1"/>
+              </a:fillRef>
+              <a:effectRef idx="0">
+                <a:schemeClr val="accent1"/>
+              </a:effectRef>
+              <a:fontRef idx="minor">
+                <a:schemeClr val="lt1"/>
+              </a:fontRef>
+            </p:style>
+            <p:txBody>
+              <a:bodyPr rtlCol="0" anchor="ctr"/>
+              <a:lstStyle/>
+              <a:p>
+                <a:pPr algn="ctr"/>
+                <a:r>
+                  <a:rPr lang="en-US" sz="3600" dirty="0" smtClean="0">
+                    <a:solidFill>
+                      <a:schemeClr val="tx1"/>
+                    </a:solidFill>
+                    <a:latin typeface="Arial" charset="0"/>
+                    <a:ea typeface="Arial" charset="0"/>
+                    <a:cs typeface="Arial" charset="0"/>
+                  </a:rPr>
+                  <a:t>Posterior</a:t>
+                </a:r>
+              </a:p>
+              <a:p>
+                <a:pPr algn="ctr"/>
+                <a14:m>
+                  <m:oMathPara xmlns:m="http://schemas.openxmlformats.org/officeDocument/2006/math">
+                    <m:oMathParaPr>
+                      <m:jc m:val="centerGroup"/>
+                    </m:oMathParaPr>
+                    <m:oMath xmlns:m="http://schemas.openxmlformats.org/officeDocument/2006/math">
+                      <m:r>
+                        <a:rPr lang="es-ES" sz="3600" b="0" i="1" smtClean="0">
+                          <a:solidFill>
+                            <a:schemeClr val="tx1"/>
+                          </a:solidFill>
+                          <a:latin typeface="Cambria Math" charset="0"/>
+                        </a:rPr>
+                        <m:t>𝑝</m:t>
+                      </m:r>
+                      <m:d>
+                        <m:dPr>
+                          <m:ctrlPr>
+                            <a:rPr lang="es-ES" sz="3600" b="0" i="1" smtClean="0">
+                              <a:solidFill>
+                                <a:schemeClr val="tx1"/>
+                              </a:solidFill>
+                              <a:latin typeface="Cambria Math" charset="0"/>
+                            </a:rPr>
+                          </m:ctrlPr>
+                        </m:dPr>
+                        <m:e>
+                          <m:r>
+                            <a:rPr lang="es-ES" sz="3600" i="1">
+                              <a:solidFill>
+                                <a:schemeClr val="tx1"/>
+                              </a:solidFill>
+                              <a:latin typeface="Cambria Math" charset="0"/>
+                            </a:rPr>
+                            <m:t>𝑓</m:t>
+                          </m:r>
+                          <m:d>
+                            <m:dPr>
+                              <m:ctrlPr>
+                                <a:rPr lang="es-ES" sz="3600" i="1">
+                                  <a:solidFill>
+                                    <a:schemeClr val="tx1"/>
+                                  </a:solidFill>
+                                  <a:latin typeface="Cambria Math" charset="0"/>
+                                </a:rPr>
+                              </m:ctrlPr>
+                            </m:dPr>
+                            <m:e>
+                              <m:r>
+                                <a:rPr lang="es-ES" sz="3600" i="1">
+                                  <a:solidFill>
+                                    <a:schemeClr val="tx1"/>
+                                  </a:solidFill>
+                                  <a:latin typeface="Cambria Math" charset="0"/>
+                                </a:rPr>
+                                <m:t>⋅</m:t>
+                              </m:r>
+                            </m:e>
+                          </m:d>
+                        </m:e>
+                        <m:e>
+                          <m:sSub>
+                            <m:sSubPr>
+                              <m:ctrlPr>
+                                <a:rPr lang="es-ES" sz="3600" i="1">
+                                  <a:solidFill>
+                                    <a:schemeClr val="tx1"/>
+                                  </a:solidFill>
+                                  <a:latin typeface="Cambria Math" charset="0"/>
+                                </a:rPr>
+                              </m:ctrlPr>
+                            </m:sSubPr>
+                            <m:e>
+                              <m:acc>
+                                <m:accPr>
+                                  <m:chr m:val="⃗"/>
+                                  <m:ctrlPr>
+                                    <a:rPr lang="es-ES" sz="3600" i="1">
+                                      <a:solidFill>
+                                        <a:schemeClr val="tx1"/>
+                                      </a:solidFill>
+                                      <a:latin typeface="Cambria Math" charset="0"/>
+                                    </a:rPr>
+                                  </m:ctrlPr>
+                                </m:accPr>
+                                <m:e>
+                                  <m:r>
+                                    <a:rPr lang="es-ES" sz="3600" i="1">
+                                      <a:solidFill>
+                                        <a:schemeClr val="tx1"/>
+                                      </a:solidFill>
+                                      <a:latin typeface="Cambria Math" charset="0"/>
+                                    </a:rPr>
+                                    <m:t>𝑥</m:t>
+                                  </m:r>
+                                </m:e>
+                              </m:acc>
+                            </m:e>
+                            <m:sub>
+                              <m:r>
+                                <a:rPr lang="es-ES" sz="3600" i="1">
+                                  <a:solidFill>
+                                    <a:schemeClr val="tx1"/>
+                                  </a:solidFill>
+                                  <a:latin typeface="Cambria Math" charset="0"/>
+                                </a:rPr>
+                                <m:t>1:</m:t>
+                              </m:r>
+                              <m:r>
+                                <a:rPr lang="es-ES" sz="3600" i="1">
+                                  <a:solidFill>
+                                    <a:schemeClr val="tx1"/>
+                                  </a:solidFill>
+                                  <a:latin typeface="Cambria Math" charset="0"/>
+                                </a:rPr>
+                                <m:t>𝑛</m:t>
+                              </m:r>
+                            </m:sub>
+                          </m:sSub>
+                          <m:r>
+                            <a:rPr lang="es-ES" sz="3600" i="1">
+                              <a:solidFill>
+                                <a:schemeClr val="tx1"/>
+                              </a:solidFill>
+                              <a:latin typeface="Cambria Math" charset="0"/>
+                            </a:rPr>
+                            <m:t>,</m:t>
+                          </m:r>
+                          <m:sSub>
+                            <m:sSubPr>
+                              <m:ctrlPr>
+                                <a:rPr lang="es-ES" sz="3600" i="1">
+                                  <a:solidFill>
+                                    <a:schemeClr val="tx1"/>
+                                  </a:solidFill>
+                                  <a:latin typeface="Cambria Math" charset="0"/>
+                                </a:rPr>
+                              </m:ctrlPr>
+                            </m:sSubPr>
+                            <m:e>
+                              <m:acc>
+                                <m:accPr>
+                                  <m:chr m:val="⃗"/>
+                                  <m:ctrlPr>
+                                    <a:rPr lang="es-ES" sz="3600" i="1">
+                                      <a:solidFill>
+                                        <a:schemeClr val="tx1"/>
+                                      </a:solidFill>
+                                      <a:latin typeface="Cambria Math" charset="0"/>
+                                    </a:rPr>
+                                  </m:ctrlPr>
+                                </m:accPr>
+                                <m:e>
+                                  <m:r>
+                                    <a:rPr lang="es-ES" sz="3600" i="1">
+                                      <a:solidFill>
+                                        <a:schemeClr val="tx1"/>
+                                      </a:solidFill>
+                                      <a:latin typeface="Cambria Math" charset="0"/>
+                                    </a:rPr>
+                                    <m:t>𝑦</m:t>
+                                  </m:r>
+                                </m:e>
+                              </m:acc>
+                            </m:e>
+                            <m:sub>
+                              <m:r>
+                                <a:rPr lang="es-ES" sz="3600" i="1">
+                                  <a:solidFill>
+                                    <a:schemeClr val="tx1"/>
+                                  </a:solidFill>
+                                  <a:latin typeface="Cambria Math" charset="0"/>
+                                </a:rPr>
+                                <m:t>1:</m:t>
+                              </m:r>
+                              <m:r>
+                                <a:rPr lang="es-ES" sz="3600" i="1">
+                                  <a:solidFill>
+                                    <a:schemeClr val="tx1"/>
+                                  </a:solidFill>
+                                  <a:latin typeface="Cambria Math" charset="0"/>
+                                </a:rPr>
+                                <m:t>𝑛</m:t>
+                              </m:r>
+                            </m:sub>
+                          </m:sSub>
+                          <m:r>
+                            <a:rPr lang="es-ES" sz="3600" b="0" i="1" smtClean="0">
+                              <a:solidFill>
+                                <a:schemeClr val="tx1"/>
+                              </a:solidFill>
+                              <a:latin typeface="Cambria Math" charset="0"/>
+                            </a:rPr>
+                            <m:t>,</m:t>
+                          </m:r>
+                          <m:acc>
+                            <m:accPr>
+                              <m:chr m:val="⃗"/>
+                              <m:ctrlPr>
+                                <a:rPr lang="es-ES" sz="3600" i="1">
+                                  <a:solidFill>
+                                    <a:schemeClr val="tx1"/>
+                                  </a:solidFill>
+                                  <a:latin typeface="Cambria Math" charset="0"/>
+                                </a:rPr>
+                              </m:ctrlPr>
+                            </m:accPr>
+                            <m:e>
+                              <m:r>
+                                <a:rPr lang="es-ES" sz="3600" i="1">
+                                  <a:solidFill>
+                                    <a:schemeClr val="tx1"/>
+                                  </a:solidFill>
+                                  <a:latin typeface="Cambria Math" charset="0"/>
+                                </a:rPr>
+                                <m:t>𝜓</m:t>
+                              </m:r>
+                            </m:e>
+                          </m:acc>
+                        </m:e>
+                      </m:d>
+                      <m:r>
+                        <a:rPr lang="es-ES" sz="3600" b="0" i="1" smtClean="0">
+                          <a:solidFill>
+                            <a:schemeClr val="tx1"/>
+                          </a:solidFill>
+                          <a:latin typeface="Cambria Math" charset="0"/>
+                        </a:rPr>
+                        <m:t>=</m:t>
+                      </m:r>
+                      <m:r>
+                        <a:rPr lang="es-ES" sz="3600" i="1">
+                          <a:solidFill>
+                            <a:schemeClr val="tx1"/>
+                          </a:solidFill>
+                          <a:latin typeface="Cambria Math" charset="0"/>
+                        </a:rPr>
+                        <m:t>𝐺𝑃</m:t>
+                      </m:r>
+                      <m:r>
+                        <a:rPr lang="es-ES" sz="3600" i="1">
+                          <a:solidFill>
+                            <a:schemeClr val="tx1"/>
+                          </a:solidFill>
+                          <a:latin typeface="Cambria Math" charset="0"/>
+                        </a:rPr>
+                        <m:t>(</m:t>
+                      </m:r>
+                      <m:r>
+                        <a:rPr lang="es-ES" sz="3600" i="1">
+                          <a:solidFill>
+                            <a:schemeClr val="tx1"/>
+                          </a:solidFill>
+                          <a:latin typeface="Cambria Math" charset="0"/>
+                        </a:rPr>
+                        <m:t>𝑓</m:t>
+                      </m:r>
+                      <m:r>
+                        <a:rPr lang="es-ES" sz="3600" i="1">
+                          <a:solidFill>
+                            <a:schemeClr val="tx1"/>
+                          </a:solidFill>
+                          <a:latin typeface="Cambria Math" charset="0"/>
+                        </a:rPr>
+                        <m:t>(⋅)|</m:t>
+                      </m:r>
+                      <m:sSub>
+                        <m:sSubPr>
+                          <m:ctrlPr>
+                            <a:rPr lang="es-ES" sz="3600" b="0" i="1" smtClean="0">
+                              <a:solidFill>
+                                <a:schemeClr val="tx1"/>
+                              </a:solidFill>
+                              <a:latin typeface="Cambria Math" charset="0"/>
+                            </a:rPr>
+                          </m:ctrlPr>
+                        </m:sSubPr>
+                        <m:e>
+                          <m:r>
+                            <a:rPr lang="es-ES" sz="3600" i="1">
+                              <a:solidFill>
+                                <a:schemeClr val="tx1"/>
+                              </a:solidFill>
+                              <a:latin typeface="Cambria Math" charset="0"/>
+                            </a:rPr>
+                            <m:t>𝑚</m:t>
+                          </m:r>
+                        </m:e>
+                        <m:sub>
+                          <m:r>
+                            <a:rPr lang="es-ES" sz="3600" b="0" i="1" smtClean="0">
+                              <a:solidFill>
+                                <a:schemeClr val="tx1"/>
+                              </a:solidFill>
+                              <a:latin typeface="Cambria Math" charset="0"/>
+                            </a:rPr>
+                            <m:t>𝑛</m:t>
+                          </m:r>
+                        </m:sub>
+                      </m:sSub>
+                      <m:d>
+                        <m:dPr>
+                          <m:ctrlPr>
+                            <a:rPr lang="es-ES" sz="3600" i="1">
+                              <a:solidFill>
+                                <a:schemeClr val="tx1"/>
+                              </a:solidFill>
+                              <a:latin typeface="Cambria Math" charset="0"/>
+                            </a:rPr>
+                          </m:ctrlPr>
+                        </m:dPr>
+                        <m:e>
+                          <m:acc>
+                            <m:accPr>
+                              <m:chr m:val="⃗"/>
+                              <m:ctrlPr>
+                                <a:rPr lang="es-ES" sz="3600" b="0" i="1" smtClean="0">
+                                  <a:solidFill>
+                                    <a:schemeClr val="tx1"/>
+                                  </a:solidFill>
+                                  <a:latin typeface="Cambria Math" charset="0"/>
+                                </a:rPr>
+                              </m:ctrlPr>
+                            </m:accPr>
+                            <m:e>
+                              <m:r>
+                                <a:rPr lang="es-ES" sz="3600" b="0" i="1" smtClean="0">
+                                  <a:solidFill>
+                                    <a:schemeClr val="tx1"/>
+                                  </a:solidFill>
+                                  <a:latin typeface="Cambria Math" charset="0"/>
+                                </a:rPr>
+                                <m:t>𝑥</m:t>
+                              </m:r>
+                            </m:e>
+                          </m:acc>
+                          <m:r>
+                            <a:rPr lang="es-ES" sz="3600" i="1">
+                              <a:solidFill>
+                                <a:schemeClr val="tx1"/>
+                              </a:solidFill>
+                              <a:latin typeface="Cambria Math" charset="0"/>
+                            </a:rPr>
+                            <m:t> ;</m:t>
+                          </m:r>
+                          <m:acc>
+                            <m:accPr>
+                              <m:chr m:val="⃗"/>
+                              <m:ctrlPr>
+                                <a:rPr lang="es-ES" sz="3600" i="1">
+                                  <a:solidFill>
+                                    <a:schemeClr val="tx1"/>
+                                  </a:solidFill>
+                                  <a:latin typeface="Cambria Math" charset="0"/>
+                                </a:rPr>
+                              </m:ctrlPr>
+                            </m:accPr>
+                            <m:e>
+                              <m:r>
+                                <a:rPr lang="es-ES" sz="3600" b="0" i="1" smtClean="0">
+                                  <a:solidFill>
+                                    <a:schemeClr val="tx1"/>
+                                  </a:solidFill>
+                                  <a:latin typeface="Cambria Math" charset="0"/>
+                                </a:rPr>
+                                <m:t>𝜓</m:t>
+                              </m:r>
+                            </m:e>
+                          </m:acc>
+                        </m:e>
+                      </m:d>
+                      <m:r>
+                        <a:rPr lang="es-ES" sz="3600" i="1">
+                          <a:solidFill>
+                            <a:schemeClr val="tx1"/>
+                          </a:solidFill>
+                          <a:latin typeface="Cambria Math" charset="0"/>
+                        </a:rPr>
+                        <m:t> , </m:t>
+                      </m:r>
+                      <m:sSub>
+                        <m:sSubPr>
+                          <m:ctrlPr>
+                            <a:rPr lang="es-ES" sz="3600" b="0" i="1" smtClean="0">
+                              <a:solidFill>
+                                <a:schemeClr val="tx1"/>
+                              </a:solidFill>
+                              <a:latin typeface="Cambria Math" charset="0"/>
+                            </a:rPr>
+                          </m:ctrlPr>
+                        </m:sSubPr>
+                        <m:e>
+                          <m:r>
+                            <a:rPr lang="es-ES" sz="3600" i="1">
+                              <a:solidFill>
+                                <a:schemeClr val="tx1"/>
+                              </a:solidFill>
+                              <a:latin typeface="Cambria Math" charset="0"/>
+                            </a:rPr>
+                            <m:t>𝑘</m:t>
+                          </m:r>
+                        </m:e>
+                        <m:sub>
+                          <m:r>
+                            <a:rPr lang="es-ES" sz="3600" b="0" i="1" smtClean="0">
+                              <a:solidFill>
+                                <a:schemeClr val="tx1"/>
+                              </a:solidFill>
+                              <a:latin typeface="Cambria Math" charset="0"/>
+                            </a:rPr>
+                            <m:t>𝑛</m:t>
+                          </m:r>
+                        </m:sub>
+                      </m:sSub>
+                      <m:r>
+                        <a:rPr lang="es-ES" sz="3600" i="1">
+                          <a:solidFill>
+                            <a:schemeClr val="tx1"/>
+                          </a:solidFill>
+                          <a:latin typeface="Cambria Math" charset="0"/>
+                        </a:rPr>
+                        <m:t>(</m:t>
+                      </m:r>
+                      <m:acc>
+                        <m:accPr>
+                          <m:chr m:val="⃗"/>
+                          <m:ctrlPr>
+                            <a:rPr lang="es-ES" sz="3600" i="1">
+                              <a:solidFill>
+                                <a:schemeClr val="tx1"/>
+                              </a:solidFill>
+                              <a:latin typeface="Cambria Math" charset="0"/>
+                            </a:rPr>
+                          </m:ctrlPr>
+                        </m:accPr>
+                        <m:e>
+                          <m:r>
+                            <a:rPr lang="es-ES" sz="3600" i="1">
+                              <a:solidFill>
+                                <a:schemeClr val="tx1"/>
+                              </a:solidFill>
+                              <a:latin typeface="Cambria Math" charset="0"/>
+                            </a:rPr>
+                            <m:t>𝑥</m:t>
+                          </m:r>
+                        </m:e>
+                      </m:acc>
+                      <m:r>
+                        <a:rPr lang="es-ES" sz="3600" b="0" i="1" smtClean="0">
+                          <a:solidFill>
+                            <a:schemeClr val="tx1"/>
+                          </a:solidFill>
+                          <a:latin typeface="Cambria Math" charset="0"/>
+                        </a:rPr>
+                        <m:t>,</m:t>
+                      </m:r>
+                      <m:acc>
+                        <m:accPr>
+                          <m:chr m:val="⃗"/>
+                          <m:ctrlPr>
+                            <a:rPr lang="es-ES" sz="3600" i="1">
+                              <a:solidFill>
+                                <a:schemeClr val="tx1"/>
+                              </a:solidFill>
+                              <a:latin typeface="Cambria Math" charset="0"/>
+                            </a:rPr>
+                          </m:ctrlPr>
+                        </m:accPr>
+                        <m:e>
+                          <m:r>
+                            <a:rPr lang="es-ES" sz="3600" i="1">
+                              <a:solidFill>
+                                <a:schemeClr val="tx1"/>
+                              </a:solidFill>
+                              <a:latin typeface="Cambria Math" charset="0"/>
+                            </a:rPr>
+                            <m:t>𝑥</m:t>
+                          </m:r>
+                        </m:e>
+                      </m:acc>
+                      <m:r>
+                        <a:rPr lang="es-ES" sz="3600" b="0" i="1" smtClean="0">
+                          <a:solidFill>
+                            <a:schemeClr val="tx1"/>
+                          </a:solidFill>
+                          <a:latin typeface="Cambria Math" charset="0"/>
+                        </a:rPr>
+                        <m:t>′</m:t>
+                      </m:r>
+                      <m:r>
+                        <a:rPr lang="es-ES" sz="3600" i="1">
+                          <a:solidFill>
+                            <a:schemeClr val="tx1"/>
+                          </a:solidFill>
+                          <a:latin typeface="Cambria Math" charset="0"/>
+                        </a:rPr>
+                        <m:t>;</m:t>
+                      </m:r>
+                      <m:acc>
+                        <m:accPr>
+                          <m:chr m:val="⃗"/>
+                          <m:ctrlPr>
+                            <a:rPr lang="es-ES" sz="3600" i="1">
+                              <a:solidFill>
+                                <a:schemeClr val="tx1"/>
+                              </a:solidFill>
+                              <a:latin typeface="Cambria Math" charset="0"/>
+                            </a:rPr>
+                          </m:ctrlPr>
+                        </m:accPr>
+                        <m:e>
+                          <m:r>
+                            <a:rPr lang="es-ES" sz="3600" b="0" i="1" smtClean="0">
+                              <a:solidFill>
+                                <a:schemeClr val="tx1"/>
+                              </a:solidFill>
+                              <a:latin typeface="Cambria Math" charset="0"/>
+                            </a:rPr>
+                            <m:t>𝜓</m:t>
+                          </m:r>
+                        </m:e>
+                      </m:acc>
+                      <m:r>
+                        <a:rPr lang="es-ES" sz="3600" i="1">
+                          <a:solidFill>
+                            <a:schemeClr val="tx1"/>
+                          </a:solidFill>
+                          <a:latin typeface="Cambria Math" charset="0"/>
+                        </a:rPr>
+                        <m:t>))</m:t>
+                      </m:r>
+                    </m:oMath>
+                  </m:oMathPara>
+                </a14:m>
+                <a:endParaRPr lang="en-US" sz="3600" dirty="0">
+                  <a:solidFill>
+                    <a:schemeClr val="tx1"/>
+                  </a:solidFill>
+                </a:endParaRPr>
+              </a:p>
+            </p:txBody>
+          </p:sp>
+        </mc:Choice>
+        <mc:Fallback>
+          <p:sp>
+            <p:nvSpPr>
+              <p:cNvPr id="51" name="Rounded Rectangle 50"/>
+              <p:cNvSpPr>
+                <a:spLocks noRot="1" noChangeAspect="1" noMove="1" noResize="1" noEditPoints="1" noAdjustHandles="1" noChangeArrowheads="1" noChangeShapeType="1" noTextEdit="1"/>
+              </p:cNvSpPr>
+              <p:nvPr/>
+            </p:nvSpPr>
+            <p:spPr>
+              <a:xfrm>
+                <a:off x="20933724" y="17668189"/>
+                <a:ext cx="11023438" cy="1556090"/>
+              </a:xfrm>
+              <a:prstGeom prst="roundRect">
+                <a:avLst/>
+              </a:prstGeom>
+              <a:blipFill rotWithShape="0">
+                <a:blip r:embed="rId10"/>
+                <a:stretch>
+                  <a:fillRect/>
+                </a:stretch>
+              </a:blipFill>
+              <a:ln w="63500">
+                <a:solidFill>
+                  <a:schemeClr val="accent5">
+                    <a:lumMod val="75000"/>
+                  </a:schemeClr>
+                </a:solidFill>
+              </a:ln>
+            </p:spPr>
+            <p:txBody>
+              <a:bodyPr/>
+              <a:lstStyle/>
+              <a:p>
+                <a:r>
+                  <a:rPr lang="en-US">
+                    <a:noFill/>
+                  </a:rPr>
+                  <a:t> </a:t>
+                </a:r>
+              </a:p>
+            </p:txBody>
+          </p:sp>
+        </mc:Fallback>
+      </mc:AlternateContent>
+      <p:cxnSp>
+        <p:nvCxnSpPr>
+          <p:cNvPr id="60" name="Straight Arrow Connector 59"/>
+          <p:cNvCxnSpPr>
+            <a:stCxn id="50" idx="2"/>
+            <a:endCxn id="51" idx="0"/>
+          </p:cNvCxnSpPr>
+          <p:nvPr/>
+        </p:nvCxnSpPr>
+        <p:spPr>
+          <a:xfrm flipH="1">
+            <a:off x="26445443" y="16855479"/>
+            <a:ext cx="1" cy="812710"/>
+          </a:xfrm>
+          <a:prstGeom prst="straightConnector1">
+            <a:avLst/>
+          </a:prstGeom>
+          <a:ln w="63500">
+            <a:solidFill>
+              <a:schemeClr val="accent5">
+                <a:lumMod val="75000"/>
+              </a:schemeClr>
+            </a:solidFill>
+            <a:tailEnd type="triangle"/>
+          </a:ln>
+        </p:spPr>
+        <p:style>
+          <a:lnRef idx="1">
+            <a:schemeClr val="accent1"/>
+          </a:lnRef>
+          <a:fillRef idx="0">
+            <a:schemeClr val="accent1"/>
+          </a:fillRef>
+          <a:effectRef idx="0">
+            <a:schemeClr val="accent1"/>
+          </a:effectRef>
+          <a:fontRef idx="minor">
+            <a:schemeClr val="tx1"/>
+          </a:fontRef>
+        </p:style>
+      </p:cxnSp>
+      <p:sp>
+        <p:nvSpPr>
+          <p:cNvPr id="81" name="TextBox 80"/>
+          <p:cNvSpPr txBox="1"/>
+          <p:nvPr/>
+        </p:nvSpPr>
+        <p:spPr>
+          <a:xfrm>
+            <a:off x="4209286" y="21735178"/>
+            <a:ext cx="2800062" cy="830997"/>
+          </a:xfrm>
+          <a:prstGeom prst="rect">
+            <a:avLst/>
+          </a:prstGeom>
+          <a:noFill/>
+        </p:spPr>
+        <p:txBody>
+          <a:bodyPr wrap="none" rtlCol="0">
+            <a:spAutoFit/>
+          </a:bodyPr>
+          <a:lstStyle/>
+          <a:p>
+            <a:r>
+              <a:rPr lang="en-US" sz="4800" b="1" dirty="0" smtClean="0">
+                <a:solidFill>
+                  <a:schemeClr val="accent5">
+                    <a:lumMod val="50000"/>
+                  </a:schemeClr>
+                </a:solidFill>
+              </a:rPr>
+              <a:t>Our goal</a:t>
+            </a:r>
+            <a:r>
+              <a:rPr lang="is-IS" sz="4800" b="1" dirty="0" smtClean="0">
+                <a:solidFill>
+                  <a:schemeClr val="accent5">
+                    <a:lumMod val="50000"/>
+                  </a:schemeClr>
+                </a:solidFill>
+              </a:rPr>
+              <a:t>…</a:t>
+            </a:r>
+            <a:endParaRPr lang="en-US" sz="4800" b="1" dirty="0">
+              <a:solidFill>
+                <a:schemeClr val="accent5">
+                  <a:lumMod val="50000"/>
+                </a:schemeClr>
+              </a:solidFill>
+            </a:endParaRPr>
+          </a:p>
+        </p:txBody>
+      </p:sp>
+      <p:pic>
+        <p:nvPicPr>
+          <p:cNvPr id="24" name="Picture 23"/>
+          <p:cNvPicPr>
+            <a:picLocks noChangeAspect="1"/>
+          </p:cNvPicPr>
+          <p:nvPr/>
+        </p:nvPicPr>
+        <p:blipFill rotWithShape="1">
+          <a:blip r:embed="rId11">
+            <a:extLst>
+              <a:ext uri="{28A0092B-C50C-407E-A947-70E740481C1C}">
+                <a14:useLocalDpi xmlns:a14="http://schemas.microsoft.com/office/drawing/2010/main" val="0"/>
+              </a:ext>
+            </a:extLst>
+          </a:blip>
+          <a:srcRect l="3940" t="6441" r="5403"/>
+          <a:stretch/>
+        </p:blipFill>
+        <p:spPr>
+          <a:xfrm>
+            <a:off x="665644" y="22550849"/>
+            <a:ext cx="9613874" cy="6821092"/>
+          </a:xfrm>
+          <a:prstGeom prst="rect">
+            <a:avLst/>
+          </a:prstGeom>
+        </p:spPr>
+      </p:pic>
+      <p:sp>
+        <p:nvSpPr>
+          <p:cNvPr id="85" name="TextBox 84"/>
+          <p:cNvSpPr txBox="1"/>
+          <p:nvPr/>
+        </p:nvSpPr>
+        <p:spPr>
+          <a:xfrm>
+            <a:off x="17817651" y="22781903"/>
+            <a:ext cx="7259601" cy="584775"/>
+          </a:xfrm>
+          <a:prstGeom prst="rect">
+            <a:avLst/>
+          </a:prstGeom>
+          <a:noFill/>
+        </p:spPr>
+        <p:txBody>
+          <a:bodyPr wrap="square" rtlCol="0">
+            <a:spAutoFit/>
+          </a:bodyPr>
+          <a:lstStyle/>
+          <a:p>
+            <a:r>
+              <a:rPr lang="en-US" sz="3200" i="1" dirty="0" smtClean="0">
+                <a:latin typeface="Arial" charset="0"/>
+                <a:ea typeface="Arial" charset="0"/>
+                <a:cs typeface="Arial" charset="0"/>
+              </a:rPr>
+              <a:t>A Gaussian process regression</a:t>
+            </a:r>
+            <a:endParaRPr lang="en-US" sz="3200" i="1" dirty="0">
+              <a:latin typeface="Arial" charset="0"/>
+              <a:ea typeface="Arial" charset="0"/>
+              <a:cs typeface="Arial" charset="0"/>
+            </a:endParaRPr>
+          </a:p>
+        </p:txBody>
+      </p:sp>
+      <p:sp>
+        <p:nvSpPr>
+          <p:cNvPr id="90" name="TextBox 89"/>
+          <p:cNvSpPr txBox="1"/>
+          <p:nvPr/>
+        </p:nvSpPr>
+        <p:spPr>
+          <a:xfrm>
+            <a:off x="37217448" y="7567924"/>
+            <a:ext cx="3617722" cy="830997"/>
+          </a:xfrm>
+          <a:prstGeom prst="rect">
+            <a:avLst/>
+          </a:prstGeom>
+          <a:noFill/>
+        </p:spPr>
+        <p:txBody>
+          <a:bodyPr wrap="none" rtlCol="0">
+            <a:spAutoFit/>
+          </a:bodyPr>
+          <a:lstStyle/>
+          <a:p>
+            <a:r>
+              <a:rPr lang="en-US" sz="4800" b="1" dirty="0" smtClean="0">
+                <a:solidFill>
+                  <a:schemeClr val="accent5">
+                    <a:lumMod val="50000"/>
+                  </a:schemeClr>
+                </a:solidFill>
+              </a:rPr>
+              <a:t>Our Results...</a:t>
+            </a:r>
+            <a:endParaRPr lang="en-US" sz="4800" b="1" dirty="0">
+              <a:solidFill>
+                <a:schemeClr val="accent5">
+                  <a:lumMod val="50000"/>
+                </a:schemeClr>
+              </a:solidFill>
+            </a:endParaRPr>
+          </a:p>
+        </p:txBody>
+      </p:sp>
+      <p:sp>
+        <p:nvSpPr>
+          <p:cNvPr id="92" name="TextBox 91"/>
+          <p:cNvSpPr txBox="1"/>
+          <p:nvPr/>
+        </p:nvSpPr>
+        <p:spPr>
+          <a:xfrm>
+            <a:off x="12687440" y="28391953"/>
+            <a:ext cx="8246284" cy="584775"/>
+          </a:xfrm>
+          <a:prstGeom prst="rect">
+            <a:avLst/>
+          </a:prstGeom>
+          <a:noFill/>
+        </p:spPr>
+        <p:txBody>
+          <a:bodyPr wrap="square" rtlCol="0">
+            <a:spAutoFit/>
+          </a:bodyPr>
+          <a:lstStyle/>
+          <a:p>
+            <a:r>
+              <a:rPr lang="en-US" sz="3200" i="1" dirty="0" smtClean="0">
+                <a:latin typeface="Arial" charset="0"/>
+                <a:ea typeface="Arial" charset="0"/>
+                <a:cs typeface="Arial" charset="0"/>
+              </a:rPr>
+              <a:t>Computing the expected improvement [2]</a:t>
+            </a:r>
+            <a:endParaRPr lang="en-US" sz="3200" i="1" dirty="0">
+              <a:latin typeface="Arial" charset="0"/>
+              <a:ea typeface="Arial" charset="0"/>
+              <a:cs typeface="Arial" charset="0"/>
+            </a:endParaRPr>
+          </a:p>
+        </p:txBody>
+      </p:sp>
+      <p:pic>
+        <p:nvPicPr>
+          <p:cNvPr id="30" name="Picture 29"/>
+          <p:cNvPicPr>
+            <a:picLocks noChangeAspect="1"/>
+          </p:cNvPicPr>
+          <p:nvPr/>
+        </p:nvPicPr>
+        <p:blipFill>
+          <a:blip r:embed="rId12"/>
+          <a:stretch>
+            <a:fillRect/>
+          </a:stretch>
+        </p:blipFill>
+        <p:spPr>
+          <a:xfrm>
+            <a:off x="13445174" y="23344523"/>
+            <a:ext cx="6684499" cy="5109860"/>
+          </a:xfrm>
+          <a:prstGeom prst="rect">
+            <a:avLst/>
+          </a:prstGeom>
+        </p:spPr>
+      </p:pic>
+      <p:pic>
+        <p:nvPicPr>
+          <p:cNvPr id="37" name="Picture 36"/>
+          <p:cNvPicPr>
+            <a:picLocks noChangeAspect="1"/>
+          </p:cNvPicPr>
+          <p:nvPr/>
+        </p:nvPicPr>
+        <p:blipFill>
+          <a:blip r:embed="rId13"/>
+          <a:stretch>
+            <a:fillRect/>
+          </a:stretch>
+        </p:blipFill>
+        <p:spPr>
+          <a:xfrm>
+            <a:off x="33023777" y="16394834"/>
+            <a:ext cx="5218848" cy="4146869"/>
+          </a:xfrm>
+          <a:prstGeom prst="rect">
+            <a:avLst/>
+          </a:prstGeom>
+        </p:spPr>
+      </p:pic>
+      <p:pic>
+        <p:nvPicPr>
+          <p:cNvPr id="38" name="Picture 37"/>
+          <p:cNvPicPr>
+            <a:picLocks noChangeAspect="1"/>
+          </p:cNvPicPr>
+          <p:nvPr/>
+        </p:nvPicPr>
+        <p:blipFill>
+          <a:blip r:embed="rId14"/>
+          <a:stretch>
+            <a:fillRect/>
+          </a:stretch>
+        </p:blipFill>
+        <p:spPr>
+          <a:xfrm>
+            <a:off x="38432250" y="16404397"/>
+            <a:ext cx="5181623" cy="4050069"/>
+          </a:xfrm>
+          <a:prstGeom prst="rect">
+            <a:avLst/>
+          </a:prstGeom>
+        </p:spPr>
+      </p:pic>
+      <p:cxnSp>
+        <p:nvCxnSpPr>
+          <p:cNvPr id="64" name="Elbow Connector 63"/>
+          <p:cNvCxnSpPr>
+            <a:stCxn id="48" idx="3"/>
+            <a:endCxn id="50" idx="1"/>
+          </p:cNvCxnSpPr>
+          <p:nvPr/>
+        </p:nvCxnSpPr>
+        <p:spPr>
+          <a:xfrm flipV="1">
+            <a:off x="17413907" y="16169077"/>
+            <a:ext cx="4396809" cy="1693335"/>
+          </a:xfrm>
+          <a:prstGeom prst="bentConnector3">
+            <a:avLst>
+              <a:gd name="adj1" fmla="val 67083"/>
+            </a:avLst>
+          </a:prstGeom>
+          <a:ln w="63500">
+            <a:solidFill>
+              <a:schemeClr val="accent5">
+                <a:lumMod val="75000"/>
+              </a:schemeClr>
+            </a:solidFill>
+            <a:tailEnd type="triangle"/>
+          </a:ln>
+        </p:spPr>
+        <p:style>
+          <a:lnRef idx="1">
+            <a:schemeClr val="accent1"/>
+          </a:lnRef>
+          <a:fillRef idx="0">
+            <a:schemeClr val="accent1"/>
+          </a:fillRef>
+          <a:effectRef idx="0">
+            <a:schemeClr val="accent1"/>
+          </a:effectRef>
+          <a:fontRef idx="minor">
+            <a:schemeClr val="tx1"/>
+          </a:fontRef>
+        </p:style>
+      </p:cxnSp>
+      <p:cxnSp>
+        <p:nvCxnSpPr>
+          <p:cNvPr id="114" name="Elbow Connector 113"/>
+          <p:cNvCxnSpPr>
+            <a:stCxn id="41" idx="3"/>
+            <a:endCxn id="50" idx="1"/>
+          </p:cNvCxnSpPr>
+          <p:nvPr/>
+        </p:nvCxnSpPr>
+        <p:spPr>
+          <a:xfrm>
+            <a:off x="19144080" y="16042714"/>
+            <a:ext cx="2666636" cy="126363"/>
+          </a:xfrm>
+          <a:prstGeom prst="bentConnector3">
+            <a:avLst>
+              <a:gd name="adj1" fmla="val 45101"/>
+            </a:avLst>
+          </a:prstGeom>
+          <a:ln w="63500">
+            <a:solidFill>
+              <a:schemeClr val="accent5">
+                <a:lumMod val="75000"/>
+              </a:schemeClr>
+            </a:solidFill>
+            <a:tailEnd type="triangle"/>
+          </a:ln>
+        </p:spPr>
+        <p:style>
+          <a:lnRef idx="1">
+            <a:schemeClr val="accent1"/>
+          </a:lnRef>
+          <a:fillRef idx="0">
+            <a:schemeClr val="accent1"/>
+          </a:fillRef>
+          <a:effectRef idx="0">
+            <a:schemeClr val="accent1"/>
+          </a:effectRef>
+          <a:fontRef idx="minor">
+            <a:schemeClr val="tx1"/>
+          </a:fontRef>
+        </p:style>
+      </p:cxnSp>
+      <p:pic>
+        <p:nvPicPr>
+          <p:cNvPr id="97" name="Picture 96"/>
+          <p:cNvPicPr>
+            <a:picLocks noChangeAspect="1"/>
+          </p:cNvPicPr>
+          <p:nvPr/>
+        </p:nvPicPr>
+        <p:blipFill>
+          <a:blip r:embed="rId15">
+            <a:extLst>
+              <a:ext uri="{28A0092B-C50C-407E-A947-70E740481C1C}">
+                <a14:useLocalDpi xmlns:a14="http://schemas.microsoft.com/office/drawing/2010/main" val="0"/>
+              </a:ext>
+            </a:extLst>
+          </a:blip>
+          <a:stretch>
+            <a:fillRect/>
+          </a:stretch>
+        </p:blipFill>
+        <p:spPr>
+          <a:xfrm>
+            <a:off x="32806451" y="8439947"/>
+            <a:ext cx="5372497" cy="5892985"/>
+          </a:xfrm>
+          <a:prstGeom prst="rect">
+            <a:avLst/>
+          </a:prstGeom>
+        </p:spPr>
+      </p:pic>
+      <p:pic>
+        <p:nvPicPr>
+          <p:cNvPr id="98" name="Picture 97"/>
+          <p:cNvPicPr>
+            <a:picLocks noChangeAspect="1"/>
+          </p:cNvPicPr>
+          <p:nvPr/>
+        </p:nvPicPr>
+        <p:blipFill>
+          <a:blip r:embed="rId16">
+            <a:extLst>
+              <a:ext uri="{28A0092B-C50C-407E-A947-70E740481C1C}">
+                <a14:useLocalDpi xmlns:a14="http://schemas.microsoft.com/office/drawing/2010/main" val="0"/>
+              </a:ext>
+            </a:extLst>
+          </a:blip>
+          <a:stretch>
+            <a:fillRect/>
+          </a:stretch>
+        </p:blipFill>
+        <p:spPr>
+          <a:xfrm>
+            <a:off x="38432250" y="8473905"/>
+            <a:ext cx="5265521" cy="5812025"/>
+          </a:xfrm>
+          <a:prstGeom prst="rect">
+            <a:avLst/>
+          </a:prstGeom>
+        </p:spPr>
+      </p:pic>
+      <p:sp>
+        <p:nvSpPr>
+          <p:cNvPr id="130" name="TextBox 129"/>
+          <p:cNvSpPr txBox="1"/>
+          <p:nvPr/>
+        </p:nvSpPr>
+        <p:spPr>
+          <a:xfrm>
+            <a:off x="4351534" y="29371941"/>
+            <a:ext cx="2846473" cy="584775"/>
+          </a:xfrm>
+          <a:prstGeom prst="rect">
+            <a:avLst/>
+          </a:prstGeom>
+          <a:noFill/>
+        </p:spPr>
+        <p:txBody>
+          <a:bodyPr wrap="square" rtlCol="0">
+            <a:spAutoFit/>
+          </a:bodyPr>
+          <a:lstStyle/>
+          <a:p>
+            <a:r>
+              <a:rPr lang="en-US" sz="3200" i="1" smtClean="0">
+                <a:latin typeface="Arial" charset="0"/>
+                <a:ea typeface="Arial" charset="0"/>
+                <a:cs typeface="Arial" charset="0"/>
+              </a:rPr>
+              <a:t>Pareto Front</a:t>
+            </a:r>
+            <a:endParaRPr lang="en-US" sz="3200" i="1" dirty="0">
+              <a:latin typeface="Arial" charset="0"/>
+              <a:ea typeface="Arial" charset="0"/>
+              <a:cs typeface="Arial" charset="0"/>
+            </a:endParaRPr>
+          </a:p>
+        </p:txBody>
+      </p:sp>
+      <p:sp>
+        <p:nvSpPr>
+          <p:cNvPr id="131" name="TextBox 130"/>
+          <p:cNvSpPr txBox="1"/>
+          <p:nvPr/>
+        </p:nvSpPr>
+        <p:spPr>
+          <a:xfrm>
+            <a:off x="3729199" y="18468269"/>
+            <a:ext cx="3906480" cy="584775"/>
+          </a:xfrm>
+          <a:prstGeom prst="rect">
+            <a:avLst/>
+          </a:prstGeom>
+          <a:noFill/>
+        </p:spPr>
+        <p:txBody>
+          <a:bodyPr wrap="square" rtlCol="0">
+            <a:spAutoFit/>
+          </a:bodyPr>
+          <a:lstStyle/>
+          <a:p>
+            <a:r>
+              <a:rPr lang="en-US" sz="3200" i="1" dirty="0" smtClean="0">
+                <a:latin typeface="Arial" charset="0"/>
+                <a:ea typeface="Arial" charset="0"/>
+                <a:cs typeface="Arial" charset="0"/>
+              </a:rPr>
+              <a:t>Black box system</a:t>
+            </a:r>
+            <a:endParaRPr lang="en-US" sz="3200" i="1" dirty="0">
+              <a:latin typeface="Arial" charset="0"/>
+              <a:ea typeface="Arial" charset="0"/>
+              <a:cs typeface="Arial" charset="0"/>
+            </a:endParaRPr>
+          </a:p>
+        </p:txBody>
+      </p:sp>
+      <p:cxnSp>
+        <p:nvCxnSpPr>
+          <p:cNvPr id="100" name="Straight Connector 99"/>
+          <p:cNvCxnSpPr/>
+          <p:nvPr/>
+        </p:nvCxnSpPr>
+        <p:spPr>
+          <a:xfrm>
+            <a:off x="19656140" y="15356312"/>
+            <a:ext cx="3460" cy="7465866"/>
+          </a:xfrm>
+          <a:prstGeom prst="line">
+            <a:avLst/>
+          </a:prstGeom>
+          <a:ln w="63500">
+            <a:solidFill>
+              <a:schemeClr val="accent5">
+                <a:lumMod val="75000"/>
+              </a:schemeClr>
+            </a:solidFill>
+            <a:prstDash val="sysDash"/>
+          </a:ln>
+        </p:spPr>
+        <p:style>
+          <a:lnRef idx="1">
+            <a:schemeClr val="accent1"/>
+          </a:lnRef>
+          <a:fillRef idx="0">
+            <a:schemeClr val="accent1"/>
+          </a:fillRef>
+          <a:effectRef idx="0">
+            <a:schemeClr val="accent1"/>
+          </a:effectRef>
+          <a:fontRef idx="minor">
+            <a:schemeClr val="tx1"/>
+          </a:fontRef>
+        </p:style>
+      </p:cxnSp>
+      <p:sp>
+        <p:nvSpPr>
+          <p:cNvPr id="137" name="TextBox 136"/>
+          <p:cNvSpPr txBox="1"/>
+          <p:nvPr/>
+        </p:nvSpPr>
+        <p:spPr>
+          <a:xfrm>
+            <a:off x="20772919" y="24934969"/>
+            <a:ext cx="10338117" cy="1938992"/>
+          </a:xfrm>
+          <a:prstGeom prst="rect">
+            <a:avLst/>
+          </a:prstGeom>
+          <a:noFill/>
+        </p:spPr>
+        <p:txBody>
+          <a:bodyPr wrap="square" rtlCol="0">
+            <a:spAutoFit/>
+          </a:bodyPr>
+          <a:lstStyle/>
+          <a:p>
+            <a:r>
+              <a:rPr lang="en-US" sz="4000" dirty="0" smtClean="0"/>
+              <a:t>The expected improvement defines a metric to determine the contribution of a point to improving the set </a:t>
+            </a:r>
+            <a:r>
+              <a:rPr lang="en-US" sz="4000" smtClean="0"/>
+              <a:t>of optimal solutions.</a:t>
+            </a:r>
+            <a:endParaRPr lang="en-US" sz="4000" dirty="0"/>
+          </a:p>
+        </p:txBody>
+      </p:sp>
+      <p:sp>
+        <p:nvSpPr>
+          <p:cNvPr id="138" name="TextBox 137"/>
+          <p:cNvSpPr txBox="1"/>
+          <p:nvPr/>
+        </p:nvSpPr>
+        <p:spPr>
+          <a:xfrm>
+            <a:off x="33443776" y="14298674"/>
+            <a:ext cx="10186702" cy="584775"/>
+          </a:xfrm>
+          <a:prstGeom prst="rect">
+            <a:avLst/>
+          </a:prstGeom>
+          <a:noFill/>
+        </p:spPr>
+        <p:txBody>
+          <a:bodyPr wrap="square" rtlCol="0">
+            <a:spAutoFit/>
+          </a:bodyPr>
+          <a:lstStyle/>
+          <a:p>
+            <a:r>
+              <a:rPr lang="en-US" sz="3200" i="1" dirty="0" smtClean="0">
+                <a:latin typeface="Arial" charset="0"/>
+                <a:ea typeface="Arial" charset="0"/>
+                <a:cs typeface="Arial" charset="0"/>
+              </a:rPr>
+              <a:t>SMOOT (</a:t>
+            </a:r>
+            <a:r>
+              <a:rPr lang="en-US" sz="3200" i="1" smtClean="0">
+                <a:latin typeface="Arial" charset="0"/>
+                <a:ea typeface="Arial" charset="0"/>
+                <a:cs typeface="Arial" charset="0"/>
+              </a:rPr>
+              <a:t>Stochastic Multi-Objective Optimization Tool)</a:t>
+            </a:r>
+            <a:endParaRPr lang="en-US" sz="3200" i="1" dirty="0">
+              <a:latin typeface="Arial" charset="0"/>
+              <a:ea typeface="Arial" charset="0"/>
+              <a:cs typeface="Arial" charset="0"/>
+            </a:endParaRPr>
+          </a:p>
+        </p:txBody>
+      </p:sp>
+      <p:sp>
+        <p:nvSpPr>
+          <p:cNvPr id="139" name="TextBox 138"/>
+          <p:cNvSpPr txBox="1"/>
+          <p:nvPr/>
+        </p:nvSpPr>
+        <p:spPr>
+          <a:xfrm>
+            <a:off x="36958963" y="20884338"/>
+            <a:ext cx="3349763" cy="830997"/>
+          </a:xfrm>
+          <a:prstGeom prst="rect">
+            <a:avLst/>
+          </a:prstGeom>
+          <a:noFill/>
+        </p:spPr>
+        <p:txBody>
+          <a:bodyPr wrap="none" rtlCol="0">
+            <a:spAutoFit/>
+          </a:bodyPr>
+          <a:lstStyle/>
+          <a:p>
+            <a:r>
+              <a:rPr lang="en-US" sz="4800" b="1" dirty="0" smtClean="0">
+                <a:solidFill>
+                  <a:schemeClr val="accent5">
+                    <a:lumMod val="50000"/>
+                  </a:schemeClr>
+                </a:solidFill>
+              </a:rPr>
+              <a:t>At the end...</a:t>
+            </a:r>
+            <a:endParaRPr lang="en-US" sz="4800" b="1" dirty="0">
+              <a:solidFill>
+                <a:schemeClr val="accent5">
+                  <a:lumMod val="50000"/>
+                </a:schemeClr>
+              </a:solidFill>
+            </a:endParaRPr>
+          </a:p>
+        </p:txBody>
+      </p:sp>
+      <p:sp>
+        <p:nvSpPr>
+          <p:cNvPr id="141" name="TextBox 140"/>
+          <p:cNvSpPr txBox="1"/>
+          <p:nvPr/>
+        </p:nvSpPr>
+        <p:spPr>
+          <a:xfrm>
+            <a:off x="33109332" y="15234201"/>
+            <a:ext cx="10645836" cy="707886"/>
+          </a:xfrm>
+          <a:prstGeom prst="rect">
+            <a:avLst/>
+          </a:prstGeom>
+          <a:noFill/>
+        </p:spPr>
+        <p:txBody>
+          <a:bodyPr wrap="square" rtlCol="0">
+            <a:spAutoFit/>
+          </a:bodyPr>
+          <a:lstStyle/>
+          <a:p>
+            <a:r>
+              <a:rPr lang="en-US" sz="4000" dirty="0" smtClean="0"/>
+              <a:t>A synthetic 2-dimensional problem </a:t>
+            </a:r>
+            <a:r>
+              <a:rPr lang="en-US" sz="4000" smtClean="0"/>
+              <a:t>was tested:</a:t>
+            </a:r>
+            <a:endParaRPr lang="en-US" sz="4000" dirty="0"/>
+          </a:p>
+        </p:txBody>
+      </p:sp>
     </p:spTree>
     <p:extLst>
       <p:ext uri="{BB962C8B-B14F-4D97-AF65-F5344CB8AC3E}">

--- a/Assignments/Week_8/Poster.pptx
+++ b/Assignments/Week_8/Poster.pptx
@@ -8,14 +8,13 @@
     <p:sldMasterId id="2147483660" r:id="rId4"/>
   </p:sldMasterIdLst>
   <p:notesMasterIdLst>
-    <p:notesMasterId r:id="rId7"/>
+    <p:notesMasterId r:id="rId6"/>
   </p:notesMasterIdLst>
   <p:handoutMasterIdLst>
-    <p:handoutMasterId r:id="rId8"/>
+    <p:handoutMasterId r:id="rId7"/>
   </p:handoutMasterIdLst>
   <p:sldIdLst>
-    <p:sldId id="256" r:id="rId5"/>
-    <p:sldId id="257" r:id="rId6"/>
+    <p:sldId id="257" r:id="rId5"/>
   </p:sldIdLst>
   <p:sldSz cx="43891200" cy="32918400"/>
   <p:notesSz cx="6858000" cy="9144000"/>
@@ -259,7 +258,7 @@
             <a:fld id="{0158C5BC-9A70-462C-B28D-9600239EAC64}" type="datetimeFigureOut">
               <a:rPr lang="en-US" smtClean="0"/>
               <a:pPr/>
-              <a:t>7/14/16</a:t>
+              <a:t>7/15/16</a:t>
             </a:fld>
             <a:endParaRPr lang="en-US" dirty="0"/>
           </a:p>
@@ -426,7 +425,7 @@
             <a:fld id="{E6CC2317-6751-4CD4-9995-8782DD78E936}" type="datetimeFigureOut">
               <a:rPr lang="en-US" smtClean="0"/>
               <a:pPr/>
-              <a:t>7/14/16</a:t>
+              <a:t>7/15/16</a:t>
             </a:fld>
             <a:endParaRPr lang="en-US" dirty="0"/>
           </a:p>
@@ -774,93 +773,6 @@
     </p:spTree>
     <p:extLst>
       <p:ext uri="{BB962C8B-B14F-4D97-AF65-F5344CB8AC3E}">
-        <p14:creationId xmlns:p14="http://schemas.microsoft.com/office/powerpoint/2010/main" val="2410307044"/>
-      </p:ext>
-    </p:extLst>
-  </p:cSld>
-  <p:clrMapOvr>
-    <a:masterClrMapping/>
-  </p:clrMapOvr>
-</p:notes>
-</file>
-
-<file path=ppt/notesSlides/notesSlide2.xml><?xml version="1.0" encoding="utf-8"?>
-<p:notes xmlns:a="http://schemas.openxmlformats.org/drawingml/2006/main" xmlns:r="http://schemas.openxmlformats.org/officeDocument/2006/relationships" xmlns:p="http://schemas.openxmlformats.org/presentationml/2006/main">
-  <p:cSld>
-    <p:spTree>
-      <p:nvGrpSpPr>
-        <p:cNvPr id="1" name=""/>
-        <p:cNvGrpSpPr/>
-        <p:nvPr/>
-      </p:nvGrpSpPr>
-      <p:grpSpPr>
-        <a:xfrm>
-          <a:off x="0" y="0"/>
-          <a:ext cx="0" cy="0"/>
-          <a:chOff x="0" y="0"/>
-          <a:chExt cx="0" cy="0"/>
-        </a:xfrm>
-      </p:grpSpPr>
-      <p:sp>
-        <p:nvSpPr>
-          <p:cNvPr id="2" name="Slide Image Placeholder 1"/>
-          <p:cNvSpPr>
-            <a:spLocks noGrp="1" noRot="1" noChangeAspect="1"/>
-          </p:cNvSpPr>
-          <p:nvPr>
-            <p:ph type="sldImg"/>
-          </p:nvPr>
-        </p:nvSpPr>
-        <p:spPr/>
-      </p:sp>
-      <p:sp>
-        <p:nvSpPr>
-          <p:cNvPr id="3" name="Notes Placeholder 2"/>
-          <p:cNvSpPr>
-            <a:spLocks noGrp="1"/>
-          </p:cNvSpPr>
-          <p:nvPr>
-            <p:ph type="body" idx="1"/>
-          </p:nvPr>
-        </p:nvSpPr>
-        <p:spPr/>
-        <p:txBody>
-          <a:bodyPr>
-            <a:normAutofit/>
-          </a:bodyPr>
-          <a:lstStyle/>
-          <a:p>
-            <a:endParaRPr lang="en-US" dirty="0"/>
-          </a:p>
-        </p:txBody>
-      </p:sp>
-      <p:sp>
-        <p:nvSpPr>
-          <p:cNvPr id="4" name="Slide Number Placeholder 3"/>
-          <p:cNvSpPr>
-            <a:spLocks noGrp="1"/>
-          </p:cNvSpPr>
-          <p:nvPr>
-            <p:ph type="sldNum" sz="quarter" idx="10"/>
-          </p:nvPr>
-        </p:nvSpPr>
-        <p:spPr/>
-        <p:txBody>
-          <a:bodyPr/>
-          <a:lstStyle/>
-          <a:p>
-            <a:fld id="{26A1A87D-CAF7-4BDC-A0D3-C0DBEDE81619}" type="slidenum">
-              <a:rPr lang="en-US" smtClean="0"/>
-              <a:pPr/>
-              <a:t>2</a:t>
-            </a:fld>
-            <a:endParaRPr lang="en-US" dirty="0"/>
-          </a:p>
-        </p:txBody>
-      </p:sp>
-    </p:spTree>
-    <p:extLst>
-      <p:ext uri="{BB962C8B-B14F-4D97-AF65-F5344CB8AC3E}">
         <p14:creationId xmlns:p14="http://schemas.microsoft.com/office/powerpoint/2010/main" val="34992331"/>
       </p:ext>
     </p:extLst>
@@ -6580,7 +6492,7 @@
               <a:graphicData uri="http://schemas.openxmlformats.org/presentationml/2006/ole">
                 <mc:AlternateContent xmlns:mc="http://schemas.openxmlformats.org/markup-compatibility/2006">
                   <mc:Choice xmlns:v="urn:schemas-microsoft-com:vml" Requires="v">
-                    <p:oleObj spid="_x0000_s1324" name="Image" r:id="rId8" imgW="1828440" imgH="1117440" progId="Photoshop.Image.13">
+                    <p:oleObj spid="_x0000_s1370" name="Image" r:id="rId8" imgW="1828440" imgH="1117440" progId="Photoshop.Image.13">
                       <p:embed/>
                     </p:oleObj>
                   </mc:Choice>
@@ -6637,7 +6549,7 @@
               <a:graphicData uri="http://schemas.openxmlformats.org/presentationml/2006/ole">
                 <mc:AlternateContent xmlns:mc="http://schemas.openxmlformats.org/markup-compatibility/2006">
                   <mc:Choice xmlns:v="urn:schemas-microsoft-com:vml" Requires="v">
-                    <p:oleObj spid="_x0000_s1325" name="Image" r:id="rId10" imgW="1828440" imgH="1117440" progId="Photoshop.Image.13">
+                    <p:oleObj spid="_x0000_s1371" name="Image" r:id="rId10" imgW="1828440" imgH="1117440" progId="Photoshop.Image.13">
                       <p:embed/>
                     </p:oleObj>
                   </mc:Choice>
@@ -7765,7 +7677,7 @@
             <a:graphicData uri="http://schemas.openxmlformats.org/presentationml/2006/ole">
               <mc:AlternateContent xmlns:mc="http://schemas.openxmlformats.org/markup-compatibility/2006">
                 <mc:Choice xmlns:v="urn:schemas-microsoft-com:vml" Requires="v">
-                  <p:oleObj spid="_x0000_s1326" name="Image" r:id="rId12" imgW="4571280" imgH="1688760" progId="Photoshop.Image.13">
+                  <p:oleObj spid="_x0000_s1372" name="Image" r:id="rId12" imgW="4571280" imgH="1688760" progId="Photoshop.Image.13">
                     <p:embed/>
                   </p:oleObj>
                 </mc:Choice>
@@ -7849,7 +7761,7 @@
             <a:graphicData uri="http://schemas.openxmlformats.org/presentationml/2006/ole">
               <mc:AlternateContent xmlns:mc="http://schemas.openxmlformats.org/markup-compatibility/2006">
                 <mc:Choice xmlns:v="urn:schemas-microsoft-com:vml" Requires="v">
-                  <p:oleObj spid="_x0000_s1327" name="Image" r:id="rId15" imgW="1574280" imgH="1053720" progId="Photoshop.Image.13">
+                  <p:oleObj spid="_x0000_s1373" name="Image" r:id="rId15" imgW="1574280" imgH="1053720" progId="Photoshop.Image.13">
                     <p:embed/>
                   </p:oleObj>
                 </mc:Choice>
@@ -9934,7 +9846,7 @@
             <a:graphicData uri="http://schemas.openxmlformats.org/presentationml/2006/ole">
               <mc:AlternateContent xmlns:mc="http://schemas.openxmlformats.org/markup-compatibility/2006">
                 <mc:Choice xmlns:v="urn:schemas-microsoft-com:vml" Requires="v">
-                  <p:oleObj spid="_x0000_s2348" name="Image" r:id="rId4" imgW="4571280" imgH="1688760" progId="Photoshop.Image.13">
+                  <p:oleObj spid="_x0000_s2394" name="Image" r:id="rId4" imgW="4571280" imgH="1688760" progId="Photoshop.Image.13">
                     <p:embed/>
                   </p:oleObj>
                 </mc:Choice>
@@ -10018,7 +9930,7 @@
             <a:graphicData uri="http://schemas.openxmlformats.org/presentationml/2006/ole">
               <mc:AlternateContent xmlns:mc="http://schemas.openxmlformats.org/markup-compatibility/2006">
                 <mc:Choice xmlns:v="urn:schemas-microsoft-com:vml" Requires="v">
-                  <p:oleObj spid="_x0000_s2349" name="Image" r:id="rId7" imgW="1574280" imgH="1053720" progId="Photoshop.Image.13">
+                  <p:oleObj spid="_x0000_s2395" name="Image" r:id="rId7" imgW="1574280" imgH="1053720" progId="Photoshop.Image.13">
                     <p:embed/>
                   </p:oleObj>
                 </mc:Choice>
@@ -11540,7 +11452,7 @@
               <a:graphicData uri="http://schemas.openxmlformats.org/presentationml/2006/ole">
                 <mc:AlternateContent xmlns:mc="http://schemas.openxmlformats.org/markup-compatibility/2006">
                   <mc:Choice xmlns:v="urn:schemas-microsoft-com:vml" Requires="v">
-                    <p:oleObj spid="_x0000_s2350" name="Image" r:id="rId15" imgW="1828440" imgH="1117440" progId="Photoshop.Image.13">
+                    <p:oleObj spid="_x0000_s2396" name="Image" r:id="rId15" imgW="1828440" imgH="1117440" progId="Photoshop.Image.13">
                       <p:embed/>
                     </p:oleObj>
                   </mc:Choice>
@@ -11597,7 +11509,7 @@
               <a:graphicData uri="http://schemas.openxmlformats.org/presentationml/2006/ole">
                 <mc:AlternateContent xmlns:mc="http://schemas.openxmlformats.org/markup-compatibility/2006">
                   <mc:Choice xmlns:v="urn:schemas-microsoft-com:vml" Requires="v">
-                    <p:oleObj spid="_x0000_s2351" name="Image" r:id="rId17" imgW="1828440" imgH="1117440" progId="Photoshop.Image.13">
+                    <p:oleObj spid="_x0000_s2397" name="Image" r:id="rId17" imgW="1828440" imgH="1117440" progId="Photoshop.Image.13">
                       <p:embed/>
                     </p:oleObj>
                   </mc:Choice>
@@ -13425,7 +13337,7 @@
             <a:graphicData uri="http://schemas.openxmlformats.org/presentationml/2006/ole">
               <mc:AlternateContent xmlns:mc="http://schemas.openxmlformats.org/markup-compatibility/2006">
                 <mc:Choice xmlns:v="urn:schemas-microsoft-com:vml" Requires="v">
-                  <p:oleObj spid="_x0000_s3372" name="Image" r:id="rId4" imgW="4571280" imgH="1688760" progId="Photoshop.Image.13">
+                  <p:oleObj spid="_x0000_s3418" name="Image" r:id="rId4" imgW="4571280" imgH="1688760" progId="Photoshop.Image.13">
                     <p:embed/>
                   </p:oleObj>
                 </mc:Choice>
@@ -13509,7 +13421,7 @@
             <a:graphicData uri="http://schemas.openxmlformats.org/presentationml/2006/ole">
               <mc:AlternateContent xmlns:mc="http://schemas.openxmlformats.org/markup-compatibility/2006">
                 <mc:Choice xmlns:v="urn:schemas-microsoft-com:vml" Requires="v">
-                  <p:oleObj spid="_x0000_s3373" name="Image" r:id="rId7" imgW="1574280" imgH="1053720" progId="Photoshop.Image.13">
+                  <p:oleObj spid="_x0000_s3419" name="Image" r:id="rId7" imgW="1574280" imgH="1053720" progId="Photoshop.Image.13">
                     <p:embed/>
                   </p:oleObj>
                 </mc:Choice>
@@ -15031,7 +14943,7 @@
               <a:graphicData uri="http://schemas.openxmlformats.org/presentationml/2006/ole">
                 <mc:AlternateContent xmlns:mc="http://schemas.openxmlformats.org/markup-compatibility/2006">
                   <mc:Choice xmlns:v="urn:schemas-microsoft-com:vml" Requires="v">
-                    <p:oleObj spid="_x0000_s3374" name="Image" r:id="rId15" imgW="1828440" imgH="1117440" progId="Photoshop.Image.13">
+                    <p:oleObj spid="_x0000_s3420" name="Image" r:id="rId15" imgW="1828440" imgH="1117440" progId="Photoshop.Image.13">
                       <p:embed/>
                     </p:oleObj>
                   </mc:Choice>
@@ -15088,7 +15000,7 @@
               <a:graphicData uri="http://schemas.openxmlformats.org/presentationml/2006/ole">
                 <mc:AlternateContent xmlns:mc="http://schemas.openxmlformats.org/markup-compatibility/2006">
                   <mc:Choice xmlns:v="urn:schemas-microsoft-com:vml" Requires="v">
-                    <p:oleObj spid="_x0000_s3375" name="Image" r:id="rId17" imgW="1828440" imgH="1117440" progId="Photoshop.Image.13">
+                    <p:oleObj spid="_x0000_s3421" name="Image" r:id="rId17" imgW="1828440" imgH="1117440" progId="Photoshop.Image.13">
                       <p:embed/>
                     </p:oleObj>
                   </mc:Choice>
@@ -16136,341 +16048,6 @@
       </p:grpSpPr>
       <p:sp>
         <p:nvSpPr>
-          <p:cNvPr id="2" name="1 Marcador de texto"/>
-          <p:cNvSpPr>
-            <a:spLocks noGrp="1"/>
-          </p:cNvSpPr>
-          <p:nvPr>
-            <p:ph type="body" sz="quarter" idx="10"/>
-          </p:nvPr>
-        </p:nvSpPr>
-        <p:spPr>
-          <a:xfrm>
-            <a:off x="904188" y="7236353"/>
-            <a:ext cx="10056813" cy="5632289"/>
-          </a:xfrm>
-        </p:spPr>
-        <p:txBody>
-          <a:bodyPr/>
-          <a:lstStyle/>
-          <a:p>
-            <a:pPr marL="457200" indent="-457200">
-              <a:buFont typeface="Arial" panose="020B0604020202020204" pitchFamily="34" charset="0"/>
-              <a:buChar char="•"/>
-            </a:pPr>
-            <a:r>
-              <a:rPr lang="en-US" sz="4000" dirty="0">
-                <a:latin typeface="Arial" panose="020B0604020202020204" pitchFamily="34" charset="0"/>
-                <a:cs typeface="Arial" panose="020B0604020202020204" pitchFamily="34" charset="0"/>
-              </a:rPr>
-              <a:t>A</a:t>
-            </a:r>
-            <a:r>
-              <a:rPr lang="en-US" sz="4000" dirty="0" smtClean="0">
-                <a:latin typeface="Arial" panose="020B0604020202020204" pitchFamily="34" charset="0"/>
-                <a:cs typeface="Arial" panose="020B0604020202020204" pitchFamily="34" charset="0"/>
-              </a:rPr>
-              <a:t>rray of elastic particles in contact with each other.</a:t>
-            </a:r>
-          </a:p>
-          <a:p>
-            <a:pPr marL="457200" indent="-457200">
-              <a:buFont typeface="Arial" panose="020B0604020202020204" pitchFamily="34" charset="0"/>
-              <a:buChar char="•"/>
-            </a:pPr>
-            <a:r>
-              <a:rPr lang="en-US" sz="4000" dirty="0" smtClean="0">
-                <a:latin typeface="Arial" panose="020B0604020202020204" pitchFamily="34" charset="0"/>
-                <a:cs typeface="Arial" panose="020B0604020202020204" pitchFamily="34" charset="0"/>
-              </a:rPr>
-              <a:t>They present strong nonlinear behavior and solitary waves can exist inside them.</a:t>
-            </a:r>
-          </a:p>
-          <a:p>
-            <a:pPr marL="457200" indent="-457200">
-              <a:buFont typeface="Arial" panose="020B0604020202020204" pitchFamily="34" charset="0"/>
-              <a:buChar char="•"/>
-            </a:pPr>
-            <a:r>
-              <a:rPr lang="en-US" sz="4000" dirty="0">
-                <a:latin typeface="Arial" panose="020B0604020202020204" pitchFamily="34" charset="0"/>
-                <a:cs typeface="Arial" panose="020B0604020202020204" pitchFamily="34" charset="0"/>
-              </a:rPr>
-              <a:t>T</a:t>
-            </a:r>
-            <a:r>
-              <a:rPr lang="en-US" sz="4000" dirty="0" smtClean="0">
-                <a:latin typeface="Arial" panose="020B0604020202020204" pitchFamily="34" charset="0"/>
-                <a:cs typeface="Arial" panose="020B0604020202020204" pitchFamily="34" charset="0"/>
-              </a:rPr>
-              <a:t>he particle size and Young modulus can be controlled, changing the properties.</a:t>
-            </a:r>
-          </a:p>
-        </p:txBody>
-      </p:sp>
-      <p:sp>
-        <p:nvSpPr>
-          <p:cNvPr id="3" name="2 Marcador de texto"/>
-          <p:cNvSpPr>
-            <a:spLocks noGrp="1"/>
-          </p:cNvSpPr>
-          <p:nvPr>
-            <p:ph type="body" sz="quarter" idx="11"/>
-          </p:nvPr>
-        </p:nvSpPr>
-        <p:spPr>
-          <a:xfrm>
-            <a:off x="922341" y="6471237"/>
-            <a:ext cx="10048875" cy="923322"/>
-          </a:xfrm>
-        </p:spPr>
-        <p:txBody>
-          <a:bodyPr/>
-          <a:lstStyle/>
-          <a:p>
-            <a:r>
-              <a:rPr lang="en-US" sz="4800" u="none" dirty="0" smtClean="0">
-                <a:latin typeface="Arial" panose="020B0604020202020204" pitchFamily="34" charset="0"/>
-                <a:cs typeface="Arial" panose="020B0604020202020204" pitchFamily="34" charset="0"/>
-              </a:rPr>
-              <a:t>What are Granular Crystals?</a:t>
-            </a:r>
-            <a:endParaRPr lang="en-US" sz="4800" u="none" dirty="0">
-              <a:latin typeface="Arial" panose="020B0604020202020204" pitchFamily="34" charset="0"/>
-              <a:cs typeface="Arial" panose="020B0604020202020204" pitchFamily="34" charset="0"/>
-            </a:endParaRPr>
-          </a:p>
-        </p:txBody>
-      </p:sp>
-      <p:sp>
-        <p:nvSpPr>
-          <p:cNvPr id="8" name="7 Marcador de texto"/>
-          <p:cNvSpPr>
-            <a:spLocks noGrp="1"/>
-          </p:cNvSpPr>
-          <p:nvPr>
-            <p:ph type="body" sz="quarter" idx="23"/>
-          </p:nvPr>
-        </p:nvSpPr>
-        <p:spPr>
-          <a:xfrm>
-            <a:off x="11541297" y="11448880"/>
-            <a:ext cx="20720052" cy="1692749"/>
-          </a:xfrm>
-          <a:noFill/>
-        </p:spPr>
-        <p:txBody>
-          <a:bodyPr/>
-          <a:lstStyle/>
-          <a:p>
-            <a:pPr marL="571500" indent="-571500">
-              <a:buFont typeface="Arial" panose="020B0604020202020204" pitchFamily="34" charset="0"/>
-              <a:buChar char="•"/>
-            </a:pPr>
-            <a:r>
-              <a:rPr lang="en-US" sz="4000" dirty="0" smtClean="0">
-                <a:latin typeface="Arial" panose="020B0604020202020204" pitchFamily="34" charset="0"/>
-                <a:cs typeface="Arial" panose="020B0604020202020204" pitchFamily="34" charset="0"/>
-              </a:rPr>
-              <a:t>The input space is high dimensional and the computational cost of finding functions (surrogates) that fit the data grows exponentially.</a:t>
-            </a:r>
-          </a:p>
-        </p:txBody>
-      </p:sp>
-      <p:sp>
-        <p:nvSpPr>
-          <p:cNvPr id="9" name="8 Marcador de texto"/>
-          <p:cNvSpPr>
-            <a:spLocks noGrp="1"/>
-          </p:cNvSpPr>
-          <p:nvPr>
-            <p:ph type="body" sz="quarter" idx="24"/>
-          </p:nvPr>
-        </p:nvSpPr>
-        <p:spPr>
-          <a:xfrm>
-            <a:off x="11541295" y="10835058"/>
-            <a:ext cx="20720050" cy="923322"/>
-          </a:xfrm>
-          <a:noFill/>
-        </p:spPr>
-        <p:txBody>
-          <a:bodyPr/>
-          <a:lstStyle/>
-          <a:p>
-            <a:r>
-              <a:rPr lang="en-US" sz="4800" u="none" dirty="0" smtClean="0">
-                <a:latin typeface="Arial" panose="020B0604020202020204" pitchFamily="34" charset="0"/>
-                <a:cs typeface="Arial" panose="020B0604020202020204" pitchFamily="34" charset="0"/>
-              </a:rPr>
-              <a:t>The optimization problem</a:t>
-            </a:r>
-            <a:endParaRPr lang="en-US" sz="4800" u="none" dirty="0">
-              <a:latin typeface="Arial" panose="020B0604020202020204" pitchFamily="34" charset="0"/>
-              <a:cs typeface="Arial" panose="020B0604020202020204" pitchFamily="34" charset="0"/>
-            </a:endParaRPr>
-          </a:p>
-        </p:txBody>
-      </p:sp>
-      <p:sp>
-        <p:nvSpPr>
-          <p:cNvPr id="10" name="9 Marcador de texto"/>
-          <p:cNvSpPr>
-            <a:spLocks noGrp="1"/>
-          </p:cNvSpPr>
-          <p:nvPr>
-            <p:ph type="body" sz="quarter" idx="25"/>
-          </p:nvPr>
-        </p:nvSpPr>
-        <p:spPr>
-          <a:xfrm>
-            <a:off x="11587165" y="19646843"/>
-            <a:ext cx="20720047" cy="923322"/>
-          </a:xfrm>
-        </p:spPr>
-        <p:txBody>
-          <a:bodyPr/>
-          <a:lstStyle/>
-          <a:p>
-            <a:r>
-              <a:rPr lang="en-US" sz="4800" u="none" dirty="0" smtClean="0">
-                <a:latin typeface="Arial" panose="020B0604020202020204" pitchFamily="34" charset="0"/>
-                <a:cs typeface="Arial" panose="020B0604020202020204" pitchFamily="34" charset="0"/>
-              </a:rPr>
-              <a:t>A tool for researchers and students</a:t>
-            </a:r>
-            <a:endParaRPr lang="en-US" sz="4800" u="none" dirty="0">
-              <a:latin typeface="Arial" panose="020B0604020202020204" pitchFamily="34" charset="0"/>
-              <a:cs typeface="Arial" panose="020B0604020202020204" pitchFamily="34" charset="0"/>
-            </a:endParaRPr>
-          </a:p>
-        </p:txBody>
-      </p:sp>
-      <p:sp>
-        <p:nvSpPr>
-          <p:cNvPr id="11" name="10 Marcador de texto"/>
-          <p:cNvSpPr>
-            <a:spLocks noGrp="1"/>
-          </p:cNvSpPr>
-          <p:nvPr>
-            <p:ph type="body" sz="quarter" idx="26"/>
-          </p:nvPr>
-        </p:nvSpPr>
-        <p:spPr>
-          <a:xfrm>
-            <a:off x="11587165" y="20320519"/>
-            <a:ext cx="20720047" cy="1692749"/>
-          </a:xfrm>
-        </p:spPr>
-        <p:txBody>
-          <a:bodyPr/>
-          <a:lstStyle/>
-          <a:p>
-            <a:pPr marL="571500" indent="-571500">
-              <a:buFont typeface="Arial" panose="020B0604020202020204" pitchFamily="34" charset="0"/>
-              <a:buChar char="•"/>
-            </a:pPr>
-            <a:r>
-              <a:rPr lang="en-US" sz="4000" dirty="0" smtClean="0">
-                <a:latin typeface="Arial" panose="020B0604020202020204" pitchFamily="34" charset="0"/>
-                <a:cs typeface="Arial" panose="020B0604020202020204" pitchFamily="34" charset="0"/>
-              </a:rPr>
-              <a:t>A graphical user interface gives easy access to the surrogates for simulations, and properties.</a:t>
-            </a:r>
-            <a:endParaRPr lang="en-US" sz="4000" dirty="0">
-              <a:latin typeface="Arial" panose="020B0604020202020204" pitchFamily="34" charset="0"/>
-              <a:cs typeface="Arial" panose="020B0604020202020204" pitchFamily="34" charset="0"/>
-            </a:endParaRPr>
-          </a:p>
-        </p:txBody>
-      </p:sp>
-      <p:sp>
-        <p:nvSpPr>
-          <p:cNvPr id="12" name="11 Marcador de texto"/>
-          <p:cNvSpPr>
-            <a:spLocks noGrp="1"/>
-          </p:cNvSpPr>
-          <p:nvPr>
-            <p:ph type="body" sz="quarter" idx="27"/>
-          </p:nvPr>
-        </p:nvSpPr>
-        <p:spPr>
-          <a:xfrm>
-            <a:off x="32905536" y="15117740"/>
-            <a:ext cx="10047018" cy="923322"/>
-          </a:xfrm>
-        </p:spPr>
-        <p:txBody>
-          <a:bodyPr/>
-          <a:lstStyle/>
-          <a:p>
-            <a:r>
-              <a:rPr lang="en-US" sz="4800" u="none" dirty="0" smtClean="0">
-                <a:latin typeface="Arial" panose="020B0604020202020204" pitchFamily="34" charset="0"/>
-                <a:cs typeface="Arial" panose="020B0604020202020204" pitchFamily="34" charset="0"/>
-              </a:rPr>
-              <a:t>Conclusions</a:t>
-            </a:r>
-            <a:endParaRPr lang="en-US" sz="4800" u="none" dirty="0">
-              <a:latin typeface="Arial" panose="020B0604020202020204" pitchFamily="34" charset="0"/>
-              <a:cs typeface="Arial" panose="020B0604020202020204" pitchFamily="34" charset="0"/>
-            </a:endParaRPr>
-          </a:p>
-        </p:txBody>
-      </p:sp>
-      <p:sp>
-        <p:nvSpPr>
-          <p:cNvPr id="13" name="12 Marcador de texto"/>
-          <p:cNvSpPr>
-            <a:spLocks noGrp="1"/>
-          </p:cNvSpPr>
-          <p:nvPr>
-            <p:ph type="body" sz="quarter" idx="28"/>
-          </p:nvPr>
-        </p:nvSpPr>
-        <p:spPr>
-          <a:xfrm>
-            <a:off x="32905536" y="15849602"/>
-            <a:ext cx="10052050" cy="4278072"/>
-          </a:xfrm>
-        </p:spPr>
-        <p:txBody>
-          <a:bodyPr/>
-          <a:lstStyle/>
-          <a:p>
-            <a:pPr marL="457200" indent="-457200">
-              <a:buFont typeface="Arial" panose="020B0604020202020204" pitchFamily="34" charset="0"/>
-              <a:buChar char="•"/>
-            </a:pPr>
-            <a:r>
-              <a:rPr lang="en-US" sz="4000" dirty="0" smtClean="0">
-                <a:latin typeface="Arial" panose="020B0604020202020204" pitchFamily="34" charset="0"/>
-                <a:cs typeface="Arial" panose="020B0604020202020204" pitchFamily="34" charset="0"/>
-              </a:rPr>
-              <a:t>It is possible to produce error bounds for measurements and have an idea of where the error comes from.</a:t>
-            </a:r>
-          </a:p>
-          <a:p>
-            <a:pPr marL="457200" indent="-457200">
-              <a:buFont typeface="Arial" panose="020B0604020202020204" pitchFamily="34" charset="0"/>
-              <a:buChar char="•"/>
-            </a:pPr>
-            <a:r>
-              <a:rPr lang="en-US" sz="4000" dirty="0" smtClean="0">
-                <a:latin typeface="Arial" panose="020B0604020202020204" pitchFamily="34" charset="0"/>
-                <a:cs typeface="Arial" panose="020B0604020202020204" pitchFamily="34" charset="0"/>
-              </a:rPr>
-              <a:t>The model is applicable to models of various properties, such as particle size and number of particles.</a:t>
-            </a:r>
-            <a:endParaRPr lang="en-US" sz="4000" dirty="0">
-              <a:latin typeface="Arial" panose="020B0604020202020204" pitchFamily="34" charset="0"/>
-              <a:cs typeface="Arial" panose="020B0604020202020204" pitchFamily="34" charset="0"/>
-            </a:endParaRPr>
-          </a:p>
-        </p:txBody>
-      </p:sp>
-      <p:sp>
-        <p:nvSpPr>
           <p:cNvPr id="16" name="15 Marcador de texto"/>
           <p:cNvSpPr>
             <a:spLocks noGrp="1"/>
@@ -16510,20 +16087,17 @@
                 <a:latin typeface="Arial" panose="020B0604020202020204" pitchFamily="34" charset="0"/>
                 <a:cs typeface="Arial" panose="020B0604020202020204" pitchFamily="34" charset="0"/>
               </a:rPr>
-              <a:t>Department of Electric and Electronic Engineering, University of Los Andes, Bogota DC, Bogota, 111711, Colombia</a:t>
+              <a:t>Department of Electric and Electronic Engineering, </a:t>
             </a:r>
-          </a:p>
-          <a:p>
-            <a:pPr algn="r"/>
             <a:r>
-              <a:rPr lang="en-US" baseline="30000" dirty="0" smtClean="0">
+              <a:rPr lang="en-US" dirty="0" smtClean="0">
                 <a:solidFill>
                   <a:schemeClr val="tx1"/>
                 </a:solidFill>
                 <a:latin typeface="Arial" panose="020B0604020202020204" pitchFamily="34" charset="0"/>
                 <a:cs typeface="Arial" panose="020B0604020202020204" pitchFamily="34" charset="0"/>
               </a:rPr>
-              <a:t>†</a:t>
+              <a:t>Universidad de Los </a:t>
             </a:r>
             <a:r>
               <a:rPr lang="en-US" dirty="0" smtClean="0">
@@ -16533,5701 +16107,7 @@
                 <a:latin typeface="Arial" panose="020B0604020202020204" pitchFamily="34" charset="0"/>
                 <a:cs typeface="Arial" panose="020B0604020202020204" pitchFamily="34" charset="0"/>
               </a:rPr>
-              <a:t>Department of Mechanical Engineering, Purdue University, West Lafayette, Indiana, IN 47907, USA</a:t>
-            </a:r>
-            <a:endParaRPr lang="en-US" dirty="0">
-              <a:solidFill>
-                <a:schemeClr val="tx1"/>
-              </a:solidFill>
-              <a:latin typeface="Arial" panose="020B0604020202020204" pitchFamily="34" charset="0"/>
-              <a:cs typeface="Arial" panose="020B0604020202020204" pitchFamily="34" charset="0"/>
-            </a:endParaRPr>
-          </a:p>
-        </p:txBody>
-      </p:sp>
-      <p:sp>
-        <p:nvSpPr>
-          <p:cNvPr id="17" name="16 Marcador de texto"/>
-          <p:cNvSpPr>
-            <a:spLocks noGrp="1"/>
-          </p:cNvSpPr>
-          <p:nvPr>
-            <p:ph type="body" sz="quarter" idx="151"/>
-          </p:nvPr>
-        </p:nvSpPr>
-        <p:spPr>
-          <a:xfrm>
-            <a:off x="19897344" y="2103787"/>
-            <a:ext cx="22679368" cy="1280160"/>
-          </a:xfrm>
-        </p:spPr>
-        <p:txBody>
-          <a:bodyPr>
-            <a:normAutofit fontScale="70000" lnSpcReduction="20000"/>
-          </a:bodyPr>
-          <a:lstStyle/>
-          <a:p>
-            <a:pPr algn="r"/>
-            <a:r>
-              <a:rPr lang="en-US" dirty="0" smtClean="0">
-                <a:solidFill>
-                  <a:schemeClr val="tx1"/>
-                </a:solidFill>
-                <a:latin typeface="Arial" panose="020B0604020202020204" pitchFamily="34" charset="0"/>
-                <a:cs typeface="Arial" panose="020B0604020202020204" pitchFamily="34" charset="0"/>
-              </a:rPr>
-              <a:t>Juan Lopez</a:t>
-            </a:r>
-            <a:r>
-              <a:rPr lang="en-US" baseline="30000" dirty="0" smtClean="0">
-                <a:solidFill>
-                  <a:schemeClr val="tx1"/>
-                </a:solidFill>
-                <a:latin typeface="Arial" panose="020B0604020202020204" pitchFamily="34" charset="0"/>
-                <a:cs typeface="Arial" panose="020B0604020202020204" pitchFamily="34" charset="0"/>
-              </a:rPr>
-              <a:t>*</a:t>
-            </a:r>
-            <a:r>
-              <a:rPr lang="en-US" dirty="0">
-                <a:solidFill>
-                  <a:schemeClr val="tx1"/>
-                </a:solidFill>
-                <a:latin typeface="Arial" panose="020B0604020202020204" pitchFamily="34" charset="0"/>
-                <a:cs typeface="Arial" panose="020B0604020202020204" pitchFamily="34" charset="0"/>
-              </a:rPr>
-              <a:t>, </a:t>
-            </a:r>
-            <a:r>
-              <a:rPr lang="en-US" dirty="0" err="1">
-                <a:solidFill>
-                  <a:schemeClr val="tx1"/>
-                </a:solidFill>
-                <a:latin typeface="Arial" panose="020B0604020202020204" pitchFamily="34" charset="0"/>
-                <a:cs typeface="Arial" panose="020B0604020202020204" pitchFamily="34" charset="0"/>
-              </a:rPr>
-              <a:t>Rohit</a:t>
-            </a:r>
-            <a:r>
-              <a:rPr lang="en-US" dirty="0">
-                <a:solidFill>
-                  <a:schemeClr val="tx1"/>
-                </a:solidFill>
-                <a:latin typeface="Arial" panose="020B0604020202020204" pitchFamily="34" charset="0"/>
-                <a:cs typeface="Arial" panose="020B0604020202020204" pitchFamily="34" charset="0"/>
-              </a:rPr>
-              <a:t> </a:t>
-            </a:r>
-            <a:r>
-              <a:rPr lang="en-US" dirty="0" err="1">
-                <a:solidFill>
-                  <a:schemeClr val="tx1"/>
-                </a:solidFill>
-                <a:latin typeface="Arial" panose="020B0604020202020204" pitchFamily="34" charset="0"/>
-                <a:cs typeface="Arial" panose="020B0604020202020204" pitchFamily="34" charset="0"/>
-              </a:rPr>
-              <a:t>Tripathy</a:t>
-            </a:r>
-            <a:r>
-              <a:rPr lang="en-US" baseline="30000" dirty="0" smtClean="0">
-                <a:solidFill>
-                  <a:schemeClr val="tx1"/>
-                </a:solidFill>
-                <a:latin typeface="Arial" panose="020B0604020202020204" pitchFamily="34" charset="0"/>
-                <a:cs typeface="Arial" panose="020B0604020202020204" pitchFamily="34" charset="0"/>
-              </a:rPr>
-              <a:t>†</a:t>
-            </a:r>
-            <a:r>
-              <a:rPr lang="en-US" dirty="0" smtClean="0">
-                <a:solidFill>
-                  <a:schemeClr val="tx1"/>
-                </a:solidFill>
-                <a:latin typeface="Arial" panose="020B0604020202020204" pitchFamily="34" charset="0"/>
-                <a:cs typeface="Arial" panose="020B0604020202020204" pitchFamily="34" charset="0"/>
-              </a:rPr>
-              <a:t>, </a:t>
-            </a:r>
-            <a:r>
-              <a:rPr lang="en-US" dirty="0" err="1" smtClean="0">
-                <a:solidFill>
-                  <a:schemeClr val="tx1"/>
-                </a:solidFill>
-                <a:latin typeface="Arial" panose="020B0604020202020204" pitchFamily="34" charset="0"/>
-                <a:cs typeface="Arial" panose="020B0604020202020204" pitchFamily="34" charset="0"/>
-              </a:rPr>
-              <a:t>Ilias</a:t>
-            </a:r>
-            <a:r>
-              <a:rPr lang="en-US" dirty="0" smtClean="0">
-                <a:solidFill>
-                  <a:schemeClr val="tx1"/>
-                </a:solidFill>
-                <a:latin typeface="Arial" panose="020B0604020202020204" pitchFamily="34" charset="0"/>
-                <a:cs typeface="Arial" panose="020B0604020202020204" pitchFamily="34" charset="0"/>
-              </a:rPr>
-              <a:t> Bilionis</a:t>
-            </a:r>
-            <a:r>
-              <a:rPr lang="en-US" baseline="30000" dirty="0" smtClean="0">
-                <a:solidFill>
-                  <a:schemeClr val="tx1"/>
-                </a:solidFill>
-                <a:latin typeface="Arial" panose="020B0604020202020204" pitchFamily="34" charset="0"/>
-                <a:cs typeface="Arial" panose="020B0604020202020204" pitchFamily="34" charset="0"/>
-              </a:rPr>
-              <a:t>†</a:t>
-            </a:r>
-            <a:r>
-              <a:rPr lang="en-US" dirty="0" smtClean="0">
-                <a:solidFill>
-                  <a:schemeClr val="tx1"/>
-                </a:solidFill>
-                <a:latin typeface="Arial" panose="020B0604020202020204" pitchFamily="34" charset="0"/>
-                <a:cs typeface="Arial" panose="020B0604020202020204" pitchFamily="34" charset="0"/>
-              </a:rPr>
-              <a:t>, Marcial Gonzalez</a:t>
-            </a:r>
-            <a:r>
-              <a:rPr lang="en-US" baseline="30000" dirty="0" smtClean="0">
-                <a:solidFill>
-                  <a:schemeClr val="tx1"/>
-                </a:solidFill>
-                <a:latin typeface="Arial" panose="020B0604020202020204" pitchFamily="34" charset="0"/>
-                <a:cs typeface="Arial" panose="020B0604020202020204" pitchFamily="34" charset="0"/>
-              </a:rPr>
-              <a:t>†</a:t>
-            </a:r>
-            <a:endParaRPr lang="en-US" dirty="0">
-              <a:solidFill>
-                <a:schemeClr val="tx1"/>
-              </a:solidFill>
-              <a:latin typeface="Arial" panose="020B0604020202020204" pitchFamily="34" charset="0"/>
-              <a:cs typeface="Arial" panose="020B0604020202020204" pitchFamily="34" charset="0"/>
-            </a:endParaRPr>
-          </a:p>
-        </p:txBody>
-      </p:sp>
-      <p:sp>
-        <p:nvSpPr>
-          <p:cNvPr id="18" name="17 Marcador de texto"/>
-          <p:cNvSpPr>
-            <a:spLocks noGrp="1"/>
-          </p:cNvSpPr>
-          <p:nvPr>
-            <p:ph type="body" sz="quarter" idx="153"/>
-          </p:nvPr>
-        </p:nvSpPr>
-        <p:spPr>
-          <a:xfrm>
-            <a:off x="10577745" y="319509"/>
-            <a:ext cx="31998968" cy="1637973"/>
-          </a:xfrm>
-        </p:spPr>
-        <p:txBody>
-          <a:bodyPr>
-            <a:normAutofit fontScale="70000" lnSpcReduction="20000"/>
-          </a:bodyPr>
-          <a:lstStyle/>
-          <a:p>
-            <a:pPr algn="r"/>
-            <a:r>
-              <a:rPr lang="en-US" dirty="0" smtClean="0">
-                <a:solidFill>
-                  <a:schemeClr val="tx1"/>
-                </a:solidFill>
-                <a:latin typeface="Arial" panose="020B0604020202020204" pitchFamily="34" charset="0"/>
-                <a:cs typeface="Arial" panose="020B0604020202020204" pitchFamily="34" charset="0"/>
-              </a:rPr>
-              <a:t>Efficient Exploration of Quantified Uncertainty in Granular Materials</a:t>
-            </a:r>
-            <a:endParaRPr lang="en-US" dirty="0">
-              <a:solidFill>
-                <a:schemeClr val="tx1"/>
-              </a:solidFill>
-              <a:latin typeface="Arial" panose="020B0604020202020204" pitchFamily="34" charset="0"/>
-              <a:cs typeface="Arial" panose="020B0604020202020204" pitchFamily="34" charset="0"/>
-            </a:endParaRPr>
-          </a:p>
-        </p:txBody>
-      </p:sp>
-      <p:pic>
-        <p:nvPicPr>
-          <p:cNvPr id="4102" name="Picture 6" descr="http://www.mechmat.ethz.ch/images/research-acoustic-diodes.jpg"/>
-          <p:cNvPicPr>
-            <a:picLocks noChangeAspect="1" noChangeArrowheads="1"/>
-          </p:cNvPicPr>
-          <p:nvPr/>
-        </p:nvPicPr>
-        <p:blipFill>
-          <a:blip r:embed="rId9">
-            <a:extLst>
-              <a:ext uri="{28A0092B-C50C-407E-A947-70E740481C1C}">
-                <a14:useLocalDpi xmlns:a14="http://schemas.microsoft.com/office/drawing/2010/main" val="0"/>
-              </a:ext>
-            </a:extLst>
-          </a:blip>
-          <a:srcRect/>
-          <a:stretch>
-            <a:fillRect/>
-          </a:stretch>
-        </p:blipFill>
-        <p:spPr bwMode="auto">
-          <a:xfrm>
-            <a:off x="1193740" y="12672587"/>
-            <a:ext cx="7531429" cy="2659645"/>
-          </a:xfrm>
-          <a:prstGeom prst="rect">
-            <a:avLst/>
-          </a:prstGeom>
-          <a:noFill/>
-          <a:extLst>
-            <a:ext uri="{909E8E84-426E-40DD-AFC4-6F175D3DCCD1}">
-              <a14:hiddenFill xmlns:a14="http://schemas.microsoft.com/office/drawing/2010/main">
-                <a:solidFill>
-                  <a:srgbClr val="FFFFFF"/>
-                </a:solidFill>
-              </a14:hiddenFill>
-            </a:ext>
-          </a:extLst>
-        </p:spPr>
-      </p:pic>
-      <p:sp>
-        <p:nvSpPr>
-          <p:cNvPr id="19" name="18 Marcador de texto"/>
-          <p:cNvSpPr>
-            <a:spLocks noGrp="1"/>
-          </p:cNvSpPr>
-          <p:nvPr>
-            <p:ph type="body" sz="quarter" idx="20"/>
-          </p:nvPr>
-        </p:nvSpPr>
-        <p:spPr>
-          <a:xfrm>
-            <a:off x="922339" y="16395587"/>
-            <a:ext cx="10050462" cy="923322"/>
-          </a:xfrm>
-        </p:spPr>
-        <p:txBody>
-          <a:bodyPr/>
-          <a:lstStyle/>
-          <a:p>
-            <a:r>
-              <a:rPr lang="en-US" sz="4800" u="none" dirty="0" smtClean="0">
-                <a:latin typeface="Arial" panose="020B0604020202020204" pitchFamily="34" charset="0"/>
-                <a:cs typeface="Arial" panose="020B0604020202020204" pitchFamily="34" charset="0"/>
-              </a:rPr>
-              <a:t>Chain Motion</a:t>
-            </a:r>
-            <a:endParaRPr lang="en-US" sz="4800" u="none" dirty="0">
-              <a:latin typeface="Arial" panose="020B0604020202020204" pitchFamily="34" charset="0"/>
-              <a:cs typeface="Arial" panose="020B0604020202020204" pitchFamily="34" charset="0"/>
-            </a:endParaRPr>
-          </a:p>
-        </p:txBody>
-      </p:sp>
-      <p:sp>
-        <p:nvSpPr>
-          <p:cNvPr id="20" name="19 Marcador de texto"/>
-          <p:cNvSpPr>
-            <a:spLocks noGrp="1"/>
-          </p:cNvSpPr>
-          <p:nvPr>
-            <p:ph type="body" sz="quarter" idx="19"/>
-          </p:nvPr>
-        </p:nvSpPr>
-        <p:spPr>
-          <a:xfrm>
-            <a:off x="902598" y="16945714"/>
-            <a:ext cx="10058400" cy="1692749"/>
-          </a:xfrm>
-        </p:spPr>
-        <p:txBody>
-          <a:bodyPr/>
-          <a:lstStyle/>
-          <a:p>
-            <a:pPr marL="457200" lvl="0" indent="-457200">
-              <a:buFont typeface="Arial" panose="020B0604020202020204" pitchFamily="34" charset="0"/>
-              <a:buChar char="•"/>
-            </a:pPr>
-            <a:r>
-              <a:rPr lang="en-US" sz="4000" dirty="0" smtClean="0">
-                <a:solidFill>
-                  <a:prstClr val="black"/>
-                </a:solidFill>
-                <a:latin typeface="Arial" panose="020B0604020202020204" pitchFamily="34" charset="0"/>
-                <a:cs typeface="Arial" panose="020B0604020202020204" pitchFamily="34" charset="0"/>
-              </a:rPr>
-              <a:t>The properties can be defined in terms of the motion of the chain.</a:t>
-            </a:r>
-            <a:endParaRPr lang="en-US" sz="4000" dirty="0">
-              <a:solidFill>
-                <a:prstClr val="black"/>
-              </a:solidFill>
-              <a:latin typeface="Arial" panose="020B0604020202020204" pitchFamily="34" charset="0"/>
-              <a:cs typeface="Arial" panose="020B0604020202020204" pitchFamily="34" charset="0"/>
-            </a:endParaRPr>
-          </a:p>
-        </p:txBody>
-      </p:sp>
-      <p:sp>
-        <p:nvSpPr>
-          <p:cNvPr id="28" name="5 Marcador de texto"/>
-          <p:cNvSpPr txBox="1">
-            <a:spLocks/>
-          </p:cNvSpPr>
-          <p:nvPr/>
-        </p:nvSpPr>
-        <p:spPr>
-          <a:xfrm>
-            <a:off x="1193740" y="4520012"/>
-            <a:ext cx="42258548" cy="2185191"/>
-          </a:xfrm>
-          <a:prstGeom prst="rect">
-            <a:avLst/>
-          </a:prstGeom>
-        </p:spPr>
-        <p:txBody>
-          <a:bodyPr vert="horz" wrap="square" lIns="228589" tIns="228589" rIns="228589" bIns="228589" rtlCol="0">
-            <a:spAutoFit/>
-          </a:bodyPr>
-          <a:lstStyle>
-            <a:lvl1pPr marL="0" indent="0" algn="l" defTabSz="4263487" rtl="0" eaLnBrk="1" latinLnBrk="0" hangingPunct="1">
-              <a:spcBef>
-                <a:spcPct val="20000"/>
-              </a:spcBef>
-              <a:buFont typeface="Arial" panose="020B0604020202020204" pitchFamily="34" charset="0"/>
-              <a:buNone/>
-              <a:defRPr sz="2500" kern="1200">
-                <a:solidFill>
-                  <a:schemeClr val="tx1"/>
-                </a:solidFill>
-                <a:latin typeface="Trebuchet MS" pitchFamily="34" charset="0"/>
-                <a:ea typeface="+mn-ea"/>
-                <a:cs typeface="+mn-cs"/>
-              </a:defRPr>
-            </a:lvl1pPr>
-            <a:lvl2pPr marL="1485825" indent="-571471" algn="l" defTabSz="4263487" rtl="0" eaLnBrk="1" latinLnBrk="0" hangingPunct="1">
-              <a:spcBef>
-                <a:spcPct val="20000"/>
-              </a:spcBef>
-              <a:buFont typeface="Arial" panose="020B0604020202020204" pitchFamily="34" charset="0"/>
-              <a:buChar char="–"/>
-              <a:defRPr sz="2500" kern="1200">
-                <a:solidFill>
-                  <a:schemeClr val="tx1"/>
-                </a:solidFill>
-                <a:latin typeface="Trebuchet MS" pitchFamily="34" charset="0"/>
-                <a:ea typeface="+mn-ea"/>
-                <a:cs typeface="+mn-cs"/>
-              </a:defRPr>
-            </a:lvl2pPr>
-            <a:lvl3pPr marL="2057297" indent="-571471" algn="l" defTabSz="4263487" rtl="0" eaLnBrk="1" latinLnBrk="0" hangingPunct="1">
-              <a:spcBef>
-                <a:spcPct val="20000"/>
-              </a:spcBef>
-              <a:buFont typeface="Arial" panose="020B0604020202020204" pitchFamily="34" charset="0"/>
-              <a:buChar char="•"/>
-              <a:defRPr sz="2500" kern="1200">
-                <a:solidFill>
-                  <a:schemeClr val="tx1"/>
-                </a:solidFill>
-                <a:latin typeface="Trebuchet MS" pitchFamily="34" charset="0"/>
-                <a:ea typeface="+mn-ea"/>
-                <a:cs typeface="+mn-cs"/>
-              </a:defRPr>
-            </a:lvl3pPr>
-            <a:lvl4pPr marL="2685916" indent="-628619" algn="l" defTabSz="4263487" rtl="0" eaLnBrk="1" latinLnBrk="0" hangingPunct="1">
-              <a:spcBef>
-                <a:spcPct val="20000"/>
-              </a:spcBef>
-              <a:buFont typeface="Arial" panose="020B0604020202020204" pitchFamily="34" charset="0"/>
-              <a:buChar char="–"/>
-              <a:defRPr sz="2500" kern="1200">
-                <a:solidFill>
-                  <a:schemeClr val="tx1"/>
-                </a:solidFill>
-                <a:latin typeface="Trebuchet MS" pitchFamily="34" charset="0"/>
-                <a:ea typeface="+mn-ea"/>
-                <a:cs typeface="+mn-cs"/>
-              </a:defRPr>
-            </a:lvl4pPr>
-            <a:lvl5pPr marL="3143093" indent="-457177" algn="l" defTabSz="4263487" rtl="0" eaLnBrk="1" latinLnBrk="0" hangingPunct="1">
-              <a:spcBef>
-                <a:spcPct val="20000"/>
-              </a:spcBef>
-              <a:buFont typeface="Arial" panose="020B0604020202020204" pitchFamily="34" charset="0"/>
-              <a:buChar char="»"/>
-              <a:defRPr sz="2500" kern="1200">
-                <a:solidFill>
-                  <a:schemeClr val="tx1"/>
-                </a:solidFill>
-                <a:latin typeface="Trebuchet MS" pitchFamily="34" charset="0"/>
-                <a:ea typeface="+mn-ea"/>
-                <a:cs typeface="+mn-cs"/>
-              </a:defRPr>
-            </a:lvl5pPr>
-            <a:lvl6pPr marL="11724591" indent="-1065872" algn="l" defTabSz="4263487" rtl="0" eaLnBrk="1" latinLnBrk="0" hangingPunct="1">
-              <a:spcBef>
-                <a:spcPct val="20000"/>
-              </a:spcBef>
-              <a:buFont typeface="Arial" panose="020B0604020202020204" pitchFamily="34" charset="0"/>
-              <a:buChar char="•"/>
-              <a:defRPr sz="9400" kern="1200">
-                <a:solidFill>
-                  <a:schemeClr val="tx1"/>
-                </a:solidFill>
-                <a:latin typeface="+mn-lt"/>
-                <a:ea typeface="+mn-ea"/>
-                <a:cs typeface="+mn-cs"/>
-              </a:defRPr>
-            </a:lvl6pPr>
-            <a:lvl7pPr marL="13856335" indent="-1065872" algn="l" defTabSz="4263487" rtl="0" eaLnBrk="1" latinLnBrk="0" hangingPunct="1">
-              <a:spcBef>
-                <a:spcPct val="20000"/>
-              </a:spcBef>
-              <a:buFont typeface="Arial" panose="020B0604020202020204" pitchFamily="34" charset="0"/>
-              <a:buChar char="•"/>
-              <a:defRPr sz="9400" kern="1200">
-                <a:solidFill>
-                  <a:schemeClr val="tx1"/>
-                </a:solidFill>
-                <a:latin typeface="+mn-lt"/>
-                <a:ea typeface="+mn-ea"/>
-                <a:cs typeface="+mn-cs"/>
-              </a:defRPr>
-            </a:lvl7pPr>
-            <a:lvl8pPr marL="15988078" indent="-1065872" algn="l" defTabSz="4263487" rtl="0" eaLnBrk="1" latinLnBrk="0" hangingPunct="1">
-              <a:spcBef>
-                <a:spcPct val="20000"/>
-              </a:spcBef>
-              <a:buFont typeface="Arial" panose="020B0604020202020204" pitchFamily="34" charset="0"/>
-              <a:buChar char="•"/>
-              <a:defRPr sz="9400" kern="1200">
-                <a:solidFill>
-                  <a:schemeClr val="tx1"/>
-                </a:solidFill>
-                <a:latin typeface="+mn-lt"/>
-                <a:ea typeface="+mn-ea"/>
-                <a:cs typeface="+mn-cs"/>
-              </a:defRPr>
-            </a:lvl8pPr>
-            <a:lvl9pPr marL="18119822" indent="-1065872" algn="l" defTabSz="4263487" rtl="0" eaLnBrk="1" latinLnBrk="0" hangingPunct="1">
-              <a:spcBef>
-                <a:spcPct val="20000"/>
-              </a:spcBef>
-              <a:buFont typeface="Arial" panose="020B0604020202020204" pitchFamily="34" charset="0"/>
-              <a:buChar char="•"/>
-              <a:defRPr sz="9400" kern="1200">
-                <a:solidFill>
-                  <a:schemeClr val="tx1"/>
-                </a:solidFill>
-                <a:latin typeface="+mn-lt"/>
-                <a:ea typeface="+mn-ea"/>
-                <a:cs typeface="+mn-cs"/>
-              </a:defRPr>
-            </a:lvl9pPr>
-          </a:lstStyle>
-          <a:p>
-            <a:r>
-              <a:rPr lang="en-US" sz="2800" b="1" dirty="0" smtClean="0">
-                <a:latin typeface="Arial" panose="020B0604020202020204" pitchFamily="34" charset="0"/>
-                <a:cs typeface="Arial" panose="020B0604020202020204" pitchFamily="34" charset="0"/>
-              </a:rPr>
-              <a:t>Abstract:</a:t>
-            </a:r>
-            <a:r>
-              <a:rPr lang="en-US" sz="2800" dirty="0" smtClean="0">
-                <a:latin typeface="Arial" panose="020B0604020202020204" pitchFamily="34" charset="0"/>
-                <a:cs typeface="Arial" panose="020B0604020202020204" pitchFamily="34" charset="0"/>
-              </a:rPr>
-              <a:t> Granular crystals present unique nonlinear behaviors that support standing waves. These can be controlled through precompression and impurities for different applications, such as impact and shock dissipation, and energy harvesting devices. Even though, the study of granular crystals is relatively new, there exist different models that describe them. As many models in other fields, they rely on particular approximations and suppositions, and experimental results show agreement with them. However there are experimental errors that are not easily accounted for and are usually attributed to some of the approximations made or phenomena that is not considered in the models. The errors observed might be the result of not quantifying uncertainty in the models. This work presents a way of doing uncertainty propagation through the method of active subspaces and Gaussian process regression, in a computationally efficient way.</a:t>
-            </a:r>
-            <a:endParaRPr lang="en-US" sz="2800" b="1" dirty="0">
-              <a:latin typeface="Arial" panose="020B0604020202020204" pitchFamily="34" charset="0"/>
-              <a:cs typeface="Arial" panose="020B0604020202020204" pitchFamily="34" charset="0"/>
-            </a:endParaRPr>
-          </a:p>
-        </p:txBody>
-      </p:sp>
-      <p:sp>
-        <p:nvSpPr>
-          <p:cNvPr id="33" name="11 Marcador de texto"/>
-          <p:cNvSpPr txBox="1">
-            <a:spLocks/>
-          </p:cNvSpPr>
-          <p:nvPr/>
-        </p:nvSpPr>
-        <p:spPr>
-          <a:xfrm>
-            <a:off x="32911632" y="19851284"/>
-            <a:ext cx="10047018" cy="923322"/>
-          </a:xfrm>
-          <a:prstGeom prst="rect">
-            <a:avLst/>
-          </a:prstGeom>
-          <a:noFill/>
-        </p:spPr>
-        <p:txBody>
-          <a:bodyPr vert="horz" wrap="square" lIns="91436" tIns="91436" rIns="91436" bIns="91436" rtlCol="0" anchor="ctr" anchorCtr="0">
-            <a:spAutoFit/>
-          </a:bodyPr>
-          <a:lstStyle>
-            <a:lvl1pPr marL="0" indent="0" algn="ctr" defTabSz="4263487" rtl="0" eaLnBrk="1" latinLnBrk="0" hangingPunct="1">
-              <a:spcBef>
-                <a:spcPct val="20000"/>
-              </a:spcBef>
-              <a:buFont typeface="Arial" panose="020B0604020202020204" pitchFamily="34" charset="0"/>
-              <a:buNone/>
-              <a:defRPr sz="3700" b="1" u="sng" kern="1200" baseline="0">
-                <a:solidFill>
-                  <a:schemeClr val="accent5">
-                    <a:lumMod val="50000"/>
-                  </a:schemeClr>
-                </a:solidFill>
-                <a:latin typeface="+mn-lt"/>
-                <a:ea typeface="+mn-ea"/>
-                <a:cs typeface="+mn-cs"/>
-              </a:defRPr>
-            </a:lvl1pPr>
-            <a:lvl2pPr marL="3464084" indent="-1332341" algn="l" defTabSz="4263487" rtl="0" eaLnBrk="1" latinLnBrk="0" hangingPunct="1">
-              <a:spcBef>
-                <a:spcPct val="20000"/>
-              </a:spcBef>
-              <a:buFont typeface="Arial" panose="020B0604020202020204" pitchFamily="34" charset="0"/>
-              <a:buChar char="–"/>
-              <a:defRPr sz="13100" kern="1200">
-                <a:solidFill>
-                  <a:schemeClr val="tx1"/>
-                </a:solidFill>
-                <a:latin typeface="+mn-lt"/>
-                <a:ea typeface="+mn-ea"/>
-                <a:cs typeface="+mn-cs"/>
-              </a:defRPr>
-            </a:lvl2pPr>
-            <a:lvl3pPr marL="5329359" indent="-1065872" algn="l" defTabSz="4263487" rtl="0" eaLnBrk="1" latinLnBrk="0" hangingPunct="1">
-              <a:spcBef>
-                <a:spcPct val="20000"/>
-              </a:spcBef>
-              <a:buFont typeface="Arial" panose="020B0604020202020204" pitchFamily="34" charset="0"/>
-              <a:buChar char="•"/>
-              <a:defRPr sz="11200" kern="1200">
-                <a:solidFill>
-                  <a:schemeClr val="tx1"/>
-                </a:solidFill>
-                <a:latin typeface="+mn-lt"/>
-                <a:ea typeface="+mn-ea"/>
-                <a:cs typeface="+mn-cs"/>
-              </a:defRPr>
-            </a:lvl3pPr>
-            <a:lvl4pPr marL="7461104" indent="-1065872" algn="l" defTabSz="4263487" rtl="0" eaLnBrk="1" latinLnBrk="0" hangingPunct="1">
-              <a:spcBef>
-                <a:spcPct val="20000"/>
-              </a:spcBef>
-              <a:buFont typeface="Arial" panose="020B0604020202020204" pitchFamily="34" charset="0"/>
-              <a:buChar char="–"/>
-              <a:defRPr sz="9400" kern="1200">
-                <a:solidFill>
-                  <a:schemeClr val="tx1"/>
-                </a:solidFill>
-                <a:latin typeface="+mn-lt"/>
-                <a:ea typeface="+mn-ea"/>
-                <a:cs typeface="+mn-cs"/>
-              </a:defRPr>
-            </a:lvl4pPr>
-            <a:lvl5pPr marL="9592848" indent="-1065872" algn="l" defTabSz="4263487" rtl="0" eaLnBrk="1" latinLnBrk="0" hangingPunct="1">
-              <a:spcBef>
-                <a:spcPct val="20000"/>
-              </a:spcBef>
-              <a:buFont typeface="Arial" panose="020B0604020202020204" pitchFamily="34" charset="0"/>
-              <a:buChar char="»"/>
-              <a:defRPr sz="9400" kern="1200">
-                <a:solidFill>
-                  <a:schemeClr val="tx1"/>
-                </a:solidFill>
-                <a:latin typeface="+mn-lt"/>
-                <a:ea typeface="+mn-ea"/>
-                <a:cs typeface="+mn-cs"/>
-              </a:defRPr>
-            </a:lvl5pPr>
-            <a:lvl6pPr marL="11724591" indent="-1065872" algn="l" defTabSz="4263487" rtl="0" eaLnBrk="1" latinLnBrk="0" hangingPunct="1">
-              <a:spcBef>
-                <a:spcPct val="20000"/>
-              </a:spcBef>
-              <a:buFont typeface="Arial" panose="020B0604020202020204" pitchFamily="34" charset="0"/>
-              <a:buChar char="•"/>
-              <a:defRPr sz="9400" kern="1200">
-                <a:solidFill>
-                  <a:schemeClr val="tx1"/>
-                </a:solidFill>
-                <a:latin typeface="+mn-lt"/>
-                <a:ea typeface="+mn-ea"/>
-                <a:cs typeface="+mn-cs"/>
-              </a:defRPr>
-            </a:lvl6pPr>
-            <a:lvl7pPr marL="13856335" indent="-1065872" algn="l" defTabSz="4263487" rtl="0" eaLnBrk="1" latinLnBrk="0" hangingPunct="1">
-              <a:spcBef>
-                <a:spcPct val="20000"/>
-              </a:spcBef>
-              <a:buFont typeface="Arial" panose="020B0604020202020204" pitchFamily="34" charset="0"/>
-              <a:buChar char="•"/>
-              <a:defRPr sz="9400" kern="1200">
-                <a:solidFill>
-                  <a:schemeClr val="tx1"/>
-                </a:solidFill>
-                <a:latin typeface="+mn-lt"/>
-                <a:ea typeface="+mn-ea"/>
-                <a:cs typeface="+mn-cs"/>
-              </a:defRPr>
-            </a:lvl7pPr>
-            <a:lvl8pPr marL="15988078" indent="-1065872" algn="l" defTabSz="4263487" rtl="0" eaLnBrk="1" latinLnBrk="0" hangingPunct="1">
-              <a:spcBef>
-                <a:spcPct val="20000"/>
-              </a:spcBef>
-              <a:buFont typeface="Arial" panose="020B0604020202020204" pitchFamily="34" charset="0"/>
-              <a:buChar char="•"/>
-              <a:defRPr sz="9400" kern="1200">
-                <a:solidFill>
-                  <a:schemeClr val="tx1"/>
-                </a:solidFill>
-                <a:latin typeface="+mn-lt"/>
-                <a:ea typeface="+mn-ea"/>
-                <a:cs typeface="+mn-cs"/>
-              </a:defRPr>
-            </a:lvl8pPr>
-            <a:lvl9pPr marL="18119822" indent="-1065872" algn="l" defTabSz="4263487" rtl="0" eaLnBrk="1" latinLnBrk="0" hangingPunct="1">
-              <a:spcBef>
-                <a:spcPct val="20000"/>
-              </a:spcBef>
-              <a:buFont typeface="Arial" panose="020B0604020202020204" pitchFamily="34" charset="0"/>
-              <a:buChar char="•"/>
-              <a:defRPr sz="9400" kern="1200">
-                <a:solidFill>
-                  <a:schemeClr val="tx1"/>
-                </a:solidFill>
-                <a:latin typeface="+mn-lt"/>
-                <a:ea typeface="+mn-ea"/>
-                <a:cs typeface="+mn-cs"/>
-              </a:defRPr>
-            </a:lvl9pPr>
-          </a:lstStyle>
-          <a:p>
-            <a:r>
-              <a:rPr lang="en-US" sz="4800" u="none" dirty="0" smtClean="0">
-                <a:latin typeface="Arial" panose="020B0604020202020204" pitchFamily="34" charset="0"/>
-                <a:cs typeface="Arial" panose="020B0604020202020204" pitchFamily="34" charset="0"/>
-              </a:rPr>
-              <a:t>Future work</a:t>
-            </a:r>
-            <a:endParaRPr lang="en-US" sz="4800" u="none" dirty="0">
-              <a:latin typeface="Arial" panose="020B0604020202020204" pitchFamily="34" charset="0"/>
-              <a:cs typeface="Arial" panose="020B0604020202020204" pitchFamily="34" charset="0"/>
-            </a:endParaRPr>
-          </a:p>
-        </p:txBody>
-      </p:sp>
-      <p:sp>
-        <p:nvSpPr>
-          <p:cNvPr id="34" name="12 Marcador de texto"/>
-          <p:cNvSpPr txBox="1">
-            <a:spLocks/>
-          </p:cNvSpPr>
-          <p:nvPr/>
-        </p:nvSpPr>
-        <p:spPr>
-          <a:xfrm>
-            <a:off x="32911632" y="20491706"/>
-            <a:ext cx="10052050" cy="4278072"/>
-          </a:xfrm>
-          <a:prstGeom prst="rect">
-            <a:avLst/>
-          </a:prstGeom>
-        </p:spPr>
-        <p:txBody>
-          <a:bodyPr vert="horz" wrap="square" lIns="228589" tIns="228589" rIns="228589" bIns="228589" rtlCol="0">
-            <a:spAutoFit/>
-          </a:bodyPr>
-          <a:lstStyle>
-            <a:lvl1pPr marL="0" indent="0" algn="l" defTabSz="4263487" rtl="0" eaLnBrk="1" latinLnBrk="0" hangingPunct="1">
-              <a:spcBef>
-                <a:spcPct val="20000"/>
-              </a:spcBef>
-              <a:buFont typeface="Arial" panose="020B0604020202020204" pitchFamily="34" charset="0"/>
-              <a:buNone/>
-              <a:defRPr sz="2500" kern="1200">
-                <a:solidFill>
-                  <a:schemeClr val="tx1"/>
-                </a:solidFill>
-                <a:latin typeface="Trebuchet MS" pitchFamily="34" charset="0"/>
-                <a:ea typeface="+mn-ea"/>
-                <a:cs typeface="+mn-cs"/>
-              </a:defRPr>
-            </a:lvl1pPr>
-            <a:lvl2pPr marL="1485825" indent="-571471" algn="l" defTabSz="4263487" rtl="0" eaLnBrk="1" latinLnBrk="0" hangingPunct="1">
-              <a:spcBef>
-                <a:spcPct val="20000"/>
-              </a:spcBef>
-              <a:buFont typeface="Arial" panose="020B0604020202020204" pitchFamily="34" charset="0"/>
-              <a:buChar char="–"/>
-              <a:defRPr sz="2500" kern="1200">
-                <a:solidFill>
-                  <a:schemeClr val="tx1"/>
-                </a:solidFill>
-                <a:latin typeface="Trebuchet MS" pitchFamily="34" charset="0"/>
-                <a:ea typeface="+mn-ea"/>
-                <a:cs typeface="+mn-cs"/>
-              </a:defRPr>
-            </a:lvl2pPr>
-            <a:lvl3pPr marL="2057297" indent="-571471" algn="l" defTabSz="4263487" rtl="0" eaLnBrk="1" latinLnBrk="0" hangingPunct="1">
-              <a:spcBef>
-                <a:spcPct val="20000"/>
-              </a:spcBef>
-              <a:buFont typeface="Arial" panose="020B0604020202020204" pitchFamily="34" charset="0"/>
-              <a:buChar char="•"/>
-              <a:defRPr sz="2500" kern="1200">
-                <a:solidFill>
-                  <a:schemeClr val="tx1"/>
-                </a:solidFill>
-                <a:latin typeface="Trebuchet MS" pitchFamily="34" charset="0"/>
-                <a:ea typeface="+mn-ea"/>
-                <a:cs typeface="+mn-cs"/>
-              </a:defRPr>
-            </a:lvl3pPr>
-            <a:lvl4pPr marL="2685916" indent="-628619" algn="l" defTabSz="4263487" rtl="0" eaLnBrk="1" latinLnBrk="0" hangingPunct="1">
-              <a:spcBef>
-                <a:spcPct val="20000"/>
-              </a:spcBef>
-              <a:buFont typeface="Arial" panose="020B0604020202020204" pitchFamily="34" charset="0"/>
-              <a:buChar char="–"/>
-              <a:defRPr sz="2500" kern="1200">
-                <a:solidFill>
-                  <a:schemeClr val="tx1"/>
-                </a:solidFill>
-                <a:latin typeface="Trebuchet MS" pitchFamily="34" charset="0"/>
-                <a:ea typeface="+mn-ea"/>
-                <a:cs typeface="+mn-cs"/>
-              </a:defRPr>
-            </a:lvl4pPr>
-            <a:lvl5pPr marL="3143093" indent="-457177" algn="l" defTabSz="4263487" rtl="0" eaLnBrk="1" latinLnBrk="0" hangingPunct="1">
-              <a:spcBef>
-                <a:spcPct val="20000"/>
-              </a:spcBef>
-              <a:buFont typeface="Arial" panose="020B0604020202020204" pitchFamily="34" charset="0"/>
-              <a:buChar char="»"/>
-              <a:defRPr sz="2500" kern="1200">
-                <a:solidFill>
-                  <a:schemeClr val="tx1"/>
-                </a:solidFill>
-                <a:latin typeface="Trebuchet MS" pitchFamily="34" charset="0"/>
-                <a:ea typeface="+mn-ea"/>
-                <a:cs typeface="+mn-cs"/>
-              </a:defRPr>
-            </a:lvl5pPr>
-            <a:lvl6pPr marL="11724591" indent="-1065872" algn="l" defTabSz="4263487" rtl="0" eaLnBrk="1" latinLnBrk="0" hangingPunct="1">
-              <a:spcBef>
-                <a:spcPct val="20000"/>
-              </a:spcBef>
-              <a:buFont typeface="Arial" panose="020B0604020202020204" pitchFamily="34" charset="0"/>
-              <a:buChar char="•"/>
-              <a:defRPr sz="9400" kern="1200">
-                <a:solidFill>
-                  <a:schemeClr val="tx1"/>
-                </a:solidFill>
-                <a:latin typeface="+mn-lt"/>
-                <a:ea typeface="+mn-ea"/>
-                <a:cs typeface="+mn-cs"/>
-              </a:defRPr>
-            </a:lvl6pPr>
-            <a:lvl7pPr marL="13856335" indent="-1065872" algn="l" defTabSz="4263487" rtl="0" eaLnBrk="1" latinLnBrk="0" hangingPunct="1">
-              <a:spcBef>
-                <a:spcPct val="20000"/>
-              </a:spcBef>
-              <a:buFont typeface="Arial" panose="020B0604020202020204" pitchFamily="34" charset="0"/>
-              <a:buChar char="•"/>
-              <a:defRPr sz="9400" kern="1200">
-                <a:solidFill>
-                  <a:schemeClr val="tx1"/>
-                </a:solidFill>
-                <a:latin typeface="+mn-lt"/>
-                <a:ea typeface="+mn-ea"/>
-                <a:cs typeface="+mn-cs"/>
-              </a:defRPr>
-            </a:lvl7pPr>
-            <a:lvl8pPr marL="15988078" indent="-1065872" algn="l" defTabSz="4263487" rtl="0" eaLnBrk="1" latinLnBrk="0" hangingPunct="1">
-              <a:spcBef>
-                <a:spcPct val="20000"/>
-              </a:spcBef>
-              <a:buFont typeface="Arial" panose="020B0604020202020204" pitchFamily="34" charset="0"/>
-              <a:buChar char="•"/>
-              <a:defRPr sz="9400" kern="1200">
-                <a:solidFill>
-                  <a:schemeClr val="tx1"/>
-                </a:solidFill>
-                <a:latin typeface="+mn-lt"/>
-                <a:ea typeface="+mn-ea"/>
-                <a:cs typeface="+mn-cs"/>
-              </a:defRPr>
-            </a:lvl8pPr>
-            <a:lvl9pPr marL="18119822" indent="-1065872" algn="l" defTabSz="4263487" rtl="0" eaLnBrk="1" latinLnBrk="0" hangingPunct="1">
-              <a:spcBef>
-                <a:spcPct val="20000"/>
-              </a:spcBef>
-              <a:buFont typeface="Arial" panose="020B0604020202020204" pitchFamily="34" charset="0"/>
-              <a:buChar char="•"/>
-              <a:defRPr sz="9400" kern="1200">
-                <a:solidFill>
-                  <a:schemeClr val="tx1"/>
-                </a:solidFill>
-                <a:latin typeface="+mn-lt"/>
-                <a:ea typeface="+mn-ea"/>
-                <a:cs typeface="+mn-cs"/>
-              </a:defRPr>
-            </a:lvl9pPr>
-          </a:lstStyle>
-          <a:p>
-            <a:pPr marL="571500" indent="-571500">
-              <a:buFont typeface="Arial" panose="020B0604020202020204" pitchFamily="34" charset="0"/>
-              <a:buChar char="•"/>
-            </a:pPr>
-            <a:r>
-              <a:rPr lang="en-US" sz="4000" dirty="0" smtClean="0">
-                <a:latin typeface="Arial" panose="020B0604020202020204" pitchFamily="34" charset="0"/>
-                <a:cs typeface="Arial" panose="020B0604020202020204" pitchFamily="34" charset="0"/>
-              </a:rPr>
-              <a:t>One model is available for simulation. Future versions of the tool will include more models and an option to upload personalized models.</a:t>
-            </a:r>
-          </a:p>
-          <a:p>
-            <a:pPr marL="571500" indent="-571500">
-              <a:buFont typeface="Arial" panose="020B0604020202020204" pitchFamily="34" charset="0"/>
-              <a:buChar char="•"/>
-            </a:pPr>
-            <a:r>
-              <a:rPr lang="en-US" sz="4000" smtClean="0">
-                <a:latin typeface="Arial" panose="020B0604020202020204" pitchFamily="34" charset="0"/>
-                <a:cs typeface="Arial" panose="020B0604020202020204" pitchFamily="34" charset="0"/>
-              </a:rPr>
-              <a:t>These </a:t>
-            </a:r>
-            <a:r>
-              <a:rPr lang="en-US" sz="4000" dirty="0" smtClean="0">
-                <a:latin typeface="Arial" panose="020B0604020202020204" pitchFamily="34" charset="0"/>
-                <a:cs typeface="Arial" panose="020B0604020202020204" pitchFamily="34" charset="0"/>
-              </a:rPr>
-              <a:t>methods can be applied to more complex systems.</a:t>
-            </a:r>
-            <a:endParaRPr lang="en-US" sz="4000" dirty="0">
-              <a:latin typeface="Arial" panose="020B0604020202020204" pitchFamily="34" charset="0"/>
-              <a:cs typeface="Arial" panose="020B0604020202020204" pitchFamily="34" charset="0"/>
-            </a:endParaRPr>
-          </a:p>
-        </p:txBody>
-      </p:sp>
-      <p:sp>
-        <p:nvSpPr>
-          <p:cNvPr id="35" name="11 Marcador de texto"/>
-          <p:cNvSpPr txBox="1">
-            <a:spLocks/>
-          </p:cNvSpPr>
-          <p:nvPr/>
-        </p:nvSpPr>
-        <p:spPr>
-          <a:xfrm>
-            <a:off x="32881152" y="24337940"/>
-            <a:ext cx="10047018" cy="923322"/>
-          </a:xfrm>
-          <a:prstGeom prst="rect">
-            <a:avLst/>
-          </a:prstGeom>
-          <a:noFill/>
-        </p:spPr>
-        <p:txBody>
-          <a:bodyPr vert="horz" wrap="square" lIns="91436" tIns="91436" rIns="91436" bIns="91436" rtlCol="0" anchor="ctr" anchorCtr="0">
-            <a:spAutoFit/>
-          </a:bodyPr>
-          <a:lstStyle>
-            <a:lvl1pPr marL="0" indent="0" algn="ctr" defTabSz="4263487" rtl="0" eaLnBrk="1" latinLnBrk="0" hangingPunct="1">
-              <a:spcBef>
-                <a:spcPct val="20000"/>
-              </a:spcBef>
-              <a:buFont typeface="Arial" panose="020B0604020202020204" pitchFamily="34" charset="0"/>
-              <a:buNone/>
-              <a:defRPr sz="3700" b="1" u="sng" kern="1200" baseline="0">
-                <a:solidFill>
-                  <a:schemeClr val="accent5">
-                    <a:lumMod val="50000"/>
-                  </a:schemeClr>
-                </a:solidFill>
-                <a:latin typeface="+mn-lt"/>
-                <a:ea typeface="+mn-ea"/>
-                <a:cs typeface="+mn-cs"/>
-              </a:defRPr>
-            </a:lvl1pPr>
-            <a:lvl2pPr marL="3464084" indent="-1332341" algn="l" defTabSz="4263487" rtl="0" eaLnBrk="1" latinLnBrk="0" hangingPunct="1">
-              <a:spcBef>
-                <a:spcPct val="20000"/>
-              </a:spcBef>
-              <a:buFont typeface="Arial" panose="020B0604020202020204" pitchFamily="34" charset="0"/>
-              <a:buChar char="–"/>
-              <a:defRPr sz="13100" kern="1200">
-                <a:solidFill>
-                  <a:schemeClr val="tx1"/>
-                </a:solidFill>
-                <a:latin typeface="+mn-lt"/>
-                <a:ea typeface="+mn-ea"/>
-                <a:cs typeface="+mn-cs"/>
-              </a:defRPr>
-            </a:lvl2pPr>
-            <a:lvl3pPr marL="5329359" indent="-1065872" algn="l" defTabSz="4263487" rtl="0" eaLnBrk="1" latinLnBrk="0" hangingPunct="1">
-              <a:spcBef>
-                <a:spcPct val="20000"/>
-              </a:spcBef>
-              <a:buFont typeface="Arial" panose="020B0604020202020204" pitchFamily="34" charset="0"/>
-              <a:buChar char="•"/>
-              <a:defRPr sz="11200" kern="1200">
-                <a:solidFill>
-                  <a:schemeClr val="tx1"/>
-                </a:solidFill>
-                <a:latin typeface="+mn-lt"/>
-                <a:ea typeface="+mn-ea"/>
-                <a:cs typeface="+mn-cs"/>
-              </a:defRPr>
-            </a:lvl3pPr>
-            <a:lvl4pPr marL="7461104" indent="-1065872" algn="l" defTabSz="4263487" rtl="0" eaLnBrk="1" latinLnBrk="0" hangingPunct="1">
-              <a:spcBef>
-                <a:spcPct val="20000"/>
-              </a:spcBef>
-              <a:buFont typeface="Arial" panose="020B0604020202020204" pitchFamily="34" charset="0"/>
-              <a:buChar char="–"/>
-              <a:defRPr sz="9400" kern="1200">
-                <a:solidFill>
-                  <a:schemeClr val="tx1"/>
-                </a:solidFill>
-                <a:latin typeface="+mn-lt"/>
-                <a:ea typeface="+mn-ea"/>
-                <a:cs typeface="+mn-cs"/>
-              </a:defRPr>
-            </a:lvl4pPr>
-            <a:lvl5pPr marL="9592848" indent="-1065872" algn="l" defTabSz="4263487" rtl="0" eaLnBrk="1" latinLnBrk="0" hangingPunct="1">
-              <a:spcBef>
-                <a:spcPct val="20000"/>
-              </a:spcBef>
-              <a:buFont typeface="Arial" panose="020B0604020202020204" pitchFamily="34" charset="0"/>
-              <a:buChar char="»"/>
-              <a:defRPr sz="9400" kern="1200">
-                <a:solidFill>
-                  <a:schemeClr val="tx1"/>
-                </a:solidFill>
-                <a:latin typeface="+mn-lt"/>
-                <a:ea typeface="+mn-ea"/>
-                <a:cs typeface="+mn-cs"/>
-              </a:defRPr>
-            </a:lvl5pPr>
-            <a:lvl6pPr marL="11724591" indent="-1065872" algn="l" defTabSz="4263487" rtl="0" eaLnBrk="1" latinLnBrk="0" hangingPunct="1">
-              <a:spcBef>
-                <a:spcPct val="20000"/>
-              </a:spcBef>
-              <a:buFont typeface="Arial" panose="020B0604020202020204" pitchFamily="34" charset="0"/>
-              <a:buChar char="•"/>
-              <a:defRPr sz="9400" kern="1200">
-                <a:solidFill>
-                  <a:schemeClr val="tx1"/>
-                </a:solidFill>
-                <a:latin typeface="+mn-lt"/>
-                <a:ea typeface="+mn-ea"/>
-                <a:cs typeface="+mn-cs"/>
-              </a:defRPr>
-            </a:lvl6pPr>
-            <a:lvl7pPr marL="13856335" indent="-1065872" algn="l" defTabSz="4263487" rtl="0" eaLnBrk="1" latinLnBrk="0" hangingPunct="1">
-              <a:spcBef>
-                <a:spcPct val="20000"/>
-              </a:spcBef>
-              <a:buFont typeface="Arial" panose="020B0604020202020204" pitchFamily="34" charset="0"/>
-              <a:buChar char="•"/>
-              <a:defRPr sz="9400" kern="1200">
-                <a:solidFill>
-                  <a:schemeClr val="tx1"/>
-                </a:solidFill>
-                <a:latin typeface="+mn-lt"/>
-                <a:ea typeface="+mn-ea"/>
-                <a:cs typeface="+mn-cs"/>
-              </a:defRPr>
-            </a:lvl7pPr>
-            <a:lvl8pPr marL="15988078" indent="-1065872" algn="l" defTabSz="4263487" rtl="0" eaLnBrk="1" latinLnBrk="0" hangingPunct="1">
-              <a:spcBef>
-                <a:spcPct val="20000"/>
-              </a:spcBef>
-              <a:buFont typeface="Arial" panose="020B0604020202020204" pitchFamily="34" charset="0"/>
-              <a:buChar char="•"/>
-              <a:defRPr sz="9400" kern="1200">
-                <a:solidFill>
-                  <a:schemeClr val="tx1"/>
-                </a:solidFill>
-                <a:latin typeface="+mn-lt"/>
-                <a:ea typeface="+mn-ea"/>
-                <a:cs typeface="+mn-cs"/>
-              </a:defRPr>
-            </a:lvl8pPr>
-            <a:lvl9pPr marL="18119822" indent="-1065872" algn="l" defTabSz="4263487" rtl="0" eaLnBrk="1" latinLnBrk="0" hangingPunct="1">
-              <a:spcBef>
-                <a:spcPct val="20000"/>
-              </a:spcBef>
-              <a:buFont typeface="Arial" panose="020B0604020202020204" pitchFamily="34" charset="0"/>
-              <a:buChar char="•"/>
-              <a:defRPr sz="9400" kern="1200">
-                <a:solidFill>
-                  <a:schemeClr val="tx1"/>
-                </a:solidFill>
-                <a:latin typeface="+mn-lt"/>
-                <a:ea typeface="+mn-ea"/>
-                <a:cs typeface="+mn-cs"/>
-              </a:defRPr>
-            </a:lvl9pPr>
-          </a:lstStyle>
-          <a:p>
-            <a:r>
-              <a:rPr lang="en-US" sz="4800" u="none" dirty="0" smtClean="0">
-                <a:latin typeface="Arial" panose="020B0604020202020204" pitchFamily="34" charset="0"/>
-                <a:cs typeface="Arial" panose="020B0604020202020204" pitchFamily="34" charset="0"/>
-              </a:rPr>
-              <a:t>References</a:t>
-            </a:r>
-            <a:endParaRPr lang="en-US" sz="4800" u="none" dirty="0">
-              <a:latin typeface="Arial" panose="020B0604020202020204" pitchFamily="34" charset="0"/>
-              <a:cs typeface="Arial" panose="020B0604020202020204" pitchFamily="34" charset="0"/>
-            </a:endParaRPr>
-          </a:p>
-        </p:txBody>
-      </p:sp>
-      <p:sp>
-        <p:nvSpPr>
-          <p:cNvPr id="36" name="12 Marcador de texto"/>
-          <p:cNvSpPr txBox="1">
-            <a:spLocks/>
-          </p:cNvSpPr>
-          <p:nvPr/>
-        </p:nvSpPr>
-        <p:spPr>
-          <a:xfrm>
-            <a:off x="32881152" y="25155146"/>
-            <a:ext cx="10052050" cy="4062628"/>
-          </a:xfrm>
-          <a:prstGeom prst="rect">
-            <a:avLst/>
-          </a:prstGeom>
-        </p:spPr>
-        <p:txBody>
-          <a:bodyPr vert="horz" wrap="square" lIns="228589" tIns="228589" rIns="228589" bIns="228589" rtlCol="0">
-            <a:spAutoFit/>
-          </a:bodyPr>
-          <a:lstStyle>
-            <a:lvl1pPr marL="0" indent="0" algn="l" defTabSz="4263487" rtl="0" eaLnBrk="1" latinLnBrk="0" hangingPunct="1">
-              <a:spcBef>
-                <a:spcPct val="20000"/>
-              </a:spcBef>
-              <a:buFont typeface="Arial" panose="020B0604020202020204" pitchFamily="34" charset="0"/>
-              <a:buNone/>
-              <a:defRPr sz="2500" kern="1200">
-                <a:solidFill>
-                  <a:schemeClr val="tx1"/>
-                </a:solidFill>
-                <a:latin typeface="Trebuchet MS" pitchFamily="34" charset="0"/>
-                <a:ea typeface="+mn-ea"/>
-                <a:cs typeface="+mn-cs"/>
-              </a:defRPr>
-            </a:lvl1pPr>
-            <a:lvl2pPr marL="1485825" indent="-571471" algn="l" defTabSz="4263487" rtl="0" eaLnBrk="1" latinLnBrk="0" hangingPunct="1">
-              <a:spcBef>
-                <a:spcPct val="20000"/>
-              </a:spcBef>
-              <a:buFont typeface="Arial" panose="020B0604020202020204" pitchFamily="34" charset="0"/>
-              <a:buChar char="–"/>
-              <a:defRPr sz="2500" kern="1200">
-                <a:solidFill>
-                  <a:schemeClr val="tx1"/>
-                </a:solidFill>
-                <a:latin typeface="Trebuchet MS" pitchFamily="34" charset="0"/>
-                <a:ea typeface="+mn-ea"/>
-                <a:cs typeface="+mn-cs"/>
-              </a:defRPr>
-            </a:lvl2pPr>
-            <a:lvl3pPr marL="2057297" indent="-571471" algn="l" defTabSz="4263487" rtl="0" eaLnBrk="1" latinLnBrk="0" hangingPunct="1">
-              <a:spcBef>
-                <a:spcPct val="20000"/>
-              </a:spcBef>
-              <a:buFont typeface="Arial" panose="020B0604020202020204" pitchFamily="34" charset="0"/>
-              <a:buChar char="•"/>
-              <a:defRPr sz="2500" kern="1200">
-                <a:solidFill>
-                  <a:schemeClr val="tx1"/>
-                </a:solidFill>
-                <a:latin typeface="Trebuchet MS" pitchFamily="34" charset="0"/>
-                <a:ea typeface="+mn-ea"/>
-                <a:cs typeface="+mn-cs"/>
-              </a:defRPr>
-            </a:lvl3pPr>
-            <a:lvl4pPr marL="2685916" indent="-628619" algn="l" defTabSz="4263487" rtl="0" eaLnBrk="1" latinLnBrk="0" hangingPunct="1">
-              <a:spcBef>
-                <a:spcPct val="20000"/>
-              </a:spcBef>
-              <a:buFont typeface="Arial" panose="020B0604020202020204" pitchFamily="34" charset="0"/>
-              <a:buChar char="–"/>
-              <a:defRPr sz="2500" kern="1200">
-                <a:solidFill>
-                  <a:schemeClr val="tx1"/>
-                </a:solidFill>
-                <a:latin typeface="Trebuchet MS" pitchFamily="34" charset="0"/>
-                <a:ea typeface="+mn-ea"/>
-                <a:cs typeface="+mn-cs"/>
-              </a:defRPr>
-            </a:lvl4pPr>
-            <a:lvl5pPr marL="3143093" indent="-457177" algn="l" defTabSz="4263487" rtl="0" eaLnBrk="1" latinLnBrk="0" hangingPunct="1">
-              <a:spcBef>
-                <a:spcPct val="20000"/>
-              </a:spcBef>
-              <a:buFont typeface="Arial" panose="020B0604020202020204" pitchFamily="34" charset="0"/>
-              <a:buChar char="»"/>
-              <a:defRPr sz="2500" kern="1200">
-                <a:solidFill>
-                  <a:schemeClr val="tx1"/>
-                </a:solidFill>
-                <a:latin typeface="Trebuchet MS" pitchFamily="34" charset="0"/>
-                <a:ea typeface="+mn-ea"/>
-                <a:cs typeface="+mn-cs"/>
-              </a:defRPr>
-            </a:lvl5pPr>
-            <a:lvl6pPr marL="11724591" indent="-1065872" algn="l" defTabSz="4263487" rtl="0" eaLnBrk="1" latinLnBrk="0" hangingPunct="1">
-              <a:spcBef>
-                <a:spcPct val="20000"/>
-              </a:spcBef>
-              <a:buFont typeface="Arial" panose="020B0604020202020204" pitchFamily="34" charset="0"/>
-              <a:buChar char="•"/>
-              <a:defRPr sz="9400" kern="1200">
-                <a:solidFill>
-                  <a:schemeClr val="tx1"/>
-                </a:solidFill>
-                <a:latin typeface="+mn-lt"/>
-                <a:ea typeface="+mn-ea"/>
-                <a:cs typeface="+mn-cs"/>
-              </a:defRPr>
-            </a:lvl6pPr>
-            <a:lvl7pPr marL="13856335" indent="-1065872" algn="l" defTabSz="4263487" rtl="0" eaLnBrk="1" latinLnBrk="0" hangingPunct="1">
-              <a:spcBef>
-                <a:spcPct val="20000"/>
-              </a:spcBef>
-              <a:buFont typeface="Arial" panose="020B0604020202020204" pitchFamily="34" charset="0"/>
-              <a:buChar char="•"/>
-              <a:defRPr sz="9400" kern="1200">
-                <a:solidFill>
-                  <a:schemeClr val="tx1"/>
-                </a:solidFill>
-                <a:latin typeface="+mn-lt"/>
-                <a:ea typeface="+mn-ea"/>
-                <a:cs typeface="+mn-cs"/>
-              </a:defRPr>
-            </a:lvl7pPr>
-            <a:lvl8pPr marL="15988078" indent="-1065872" algn="l" defTabSz="4263487" rtl="0" eaLnBrk="1" latinLnBrk="0" hangingPunct="1">
-              <a:spcBef>
-                <a:spcPct val="20000"/>
-              </a:spcBef>
-              <a:buFont typeface="Arial" panose="020B0604020202020204" pitchFamily="34" charset="0"/>
-              <a:buChar char="•"/>
-              <a:defRPr sz="9400" kern="1200">
-                <a:solidFill>
-                  <a:schemeClr val="tx1"/>
-                </a:solidFill>
-                <a:latin typeface="+mn-lt"/>
-                <a:ea typeface="+mn-ea"/>
-                <a:cs typeface="+mn-cs"/>
-              </a:defRPr>
-            </a:lvl8pPr>
-            <a:lvl9pPr marL="18119822" indent="-1065872" algn="l" defTabSz="4263487" rtl="0" eaLnBrk="1" latinLnBrk="0" hangingPunct="1">
-              <a:spcBef>
-                <a:spcPct val="20000"/>
-              </a:spcBef>
-              <a:buFont typeface="Arial" panose="020B0604020202020204" pitchFamily="34" charset="0"/>
-              <a:buChar char="•"/>
-              <a:defRPr sz="9400" kern="1200">
-                <a:solidFill>
-                  <a:schemeClr val="tx1"/>
-                </a:solidFill>
-                <a:latin typeface="+mn-lt"/>
-                <a:ea typeface="+mn-ea"/>
-                <a:cs typeface="+mn-cs"/>
-              </a:defRPr>
-            </a:lvl9pPr>
-          </a:lstStyle>
-          <a:p>
-            <a:r>
-              <a:rPr lang="en-US" sz="1800" dirty="0" smtClean="0">
-                <a:latin typeface="Arial" panose="020B0604020202020204" pitchFamily="34" charset="0"/>
-                <a:cs typeface="Arial" panose="020B0604020202020204" pitchFamily="34" charset="0"/>
-              </a:rPr>
-              <a:t>[</a:t>
-            </a:r>
-            <a:r>
-              <a:rPr lang="en-US" sz="1800" dirty="0">
-                <a:latin typeface="Arial" panose="020B0604020202020204" pitchFamily="34" charset="0"/>
-                <a:cs typeface="Arial" panose="020B0604020202020204" pitchFamily="34" charset="0"/>
-              </a:rPr>
-              <a:t>1] Gonzalez M., Yang J., </a:t>
-            </a:r>
-            <a:r>
-              <a:rPr lang="en-US" sz="1800" dirty="0" err="1">
-                <a:latin typeface="Arial" panose="020B0604020202020204" pitchFamily="34" charset="0"/>
-                <a:cs typeface="Arial" panose="020B0604020202020204" pitchFamily="34" charset="0"/>
-              </a:rPr>
-              <a:t>Daraio</a:t>
-            </a:r>
-            <a:r>
-              <a:rPr lang="en-US" sz="1800" dirty="0">
-                <a:latin typeface="Arial" panose="020B0604020202020204" pitchFamily="34" charset="0"/>
-                <a:cs typeface="Arial" panose="020B0604020202020204" pitchFamily="34" charset="0"/>
-              </a:rPr>
-              <a:t> C. and Ortiz M., </a:t>
-            </a:r>
-            <a:r>
-              <a:rPr lang="en-US" sz="1800" dirty="0" smtClean="0">
-                <a:latin typeface="Arial" panose="020B0604020202020204" pitchFamily="34" charset="0"/>
-                <a:cs typeface="Arial" panose="020B0604020202020204" pitchFamily="34" charset="0"/>
-              </a:rPr>
-              <a:t>Mesoscopic </a:t>
-            </a:r>
-            <a:r>
-              <a:rPr lang="en-US" sz="1800" dirty="0">
-                <a:latin typeface="Arial" panose="020B0604020202020204" pitchFamily="34" charset="0"/>
-                <a:cs typeface="Arial" panose="020B0604020202020204" pitchFamily="34" charset="0"/>
-              </a:rPr>
-              <a:t>approach to granular crystal </a:t>
-            </a:r>
-            <a:r>
-              <a:rPr lang="en-US" sz="1800" dirty="0" smtClean="0">
-                <a:latin typeface="Arial" panose="020B0604020202020204" pitchFamily="34" charset="0"/>
-                <a:cs typeface="Arial" panose="020B0604020202020204" pitchFamily="34" charset="0"/>
-              </a:rPr>
-              <a:t>dynamics, </a:t>
-            </a:r>
-            <a:r>
-              <a:rPr lang="en-US" sz="1800" dirty="0">
-                <a:latin typeface="Arial" panose="020B0604020202020204" pitchFamily="34" charset="0"/>
-                <a:cs typeface="Arial" panose="020B0604020202020204" pitchFamily="34" charset="0"/>
-              </a:rPr>
-              <a:t>Physical Review E, 85, 016604, 2012</a:t>
-            </a:r>
-            <a:r>
-              <a:rPr lang="en-US" sz="1800" dirty="0" smtClean="0">
-                <a:latin typeface="Arial" panose="020B0604020202020204" pitchFamily="34" charset="0"/>
-                <a:cs typeface="Arial" panose="020B0604020202020204" pitchFamily="34" charset="0"/>
-              </a:rPr>
-              <a:t>.</a:t>
-            </a:r>
-          </a:p>
-          <a:p>
-            <a:r>
-              <a:rPr lang="en-US" sz="1800" dirty="0" smtClean="0">
-                <a:latin typeface="Arial" panose="020B0604020202020204" pitchFamily="34" charset="0"/>
-                <a:cs typeface="Arial" panose="020B0604020202020204" pitchFamily="34" charset="0"/>
-              </a:rPr>
-              <a:t>[</a:t>
-            </a:r>
-            <a:r>
-              <a:rPr lang="en-US" sz="1800" dirty="0">
-                <a:latin typeface="Arial" panose="020B0604020202020204" pitchFamily="34" charset="0"/>
-                <a:cs typeface="Arial" panose="020B0604020202020204" pitchFamily="34" charset="0"/>
-              </a:rPr>
-              <a:t>2] Yang J., Gonzalez M., Kim E., </a:t>
-            </a:r>
-            <a:r>
-              <a:rPr lang="en-US" sz="1800" dirty="0" err="1">
-                <a:latin typeface="Arial" panose="020B0604020202020204" pitchFamily="34" charset="0"/>
-                <a:cs typeface="Arial" panose="020B0604020202020204" pitchFamily="34" charset="0"/>
-              </a:rPr>
-              <a:t>Agbasi</a:t>
-            </a:r>
-            <a:r>
-              <a:rPr lang="en-US" sz="1800" dirty="0">
-                <a:latin typeface="Arial" panose="020B0604020202020204" pitchFamily="34" charset="0"/>
-                <a:cs typeface="Arial" panose="020B0604020202020204" pitchFamily="34" charset="0"/>
-              </a:rPr>
-              <a:t> C., and Sutton M., </a:t>
-            </a:r>
-            <a:r>
-              <a:rPr lang="en-US" sz="1800" dirty="0" smtClean="0">
-                <a:latin typeface="Arial" panose="020B0604020202020204" pitchFamily="34" charset="0"/>
-                <a:cs typeface="Arial" panose="020B0604020202020204" pitchFamily="34" charset="0"/>
-              </a:rPr>
-              <a:t>Attenuation </a:t>
-            </a:r>
-            <a:r>
-              <a:rPr lang="en-US" sz="1800" dirty="0">
-                <a:latin typeface="Arial" panose="020B0604020202020204" pitchFamily="34" charset="0"/>
-                <a:cs typeface="Arial" panose="020B0604020202020204" pitchFamily="34" charset="0"/>
-              </a:rPr>
-              <a:t>of solitary waves and localization of breathers in 1D granular crystals visualized via high speed </a:t>
-            </a:r>
-            <a:r>
-              <a:rPr lang="en-US" sz="1800" dirty="0" smtClean="0">
-                <a:latin typeface="Arial" panose="020B0604020202020204" pitchFamily="34" charset="0"/>
-                <a:cs typeface="Arial" panose="020B0604020202020204" pitchFamily="34" charset="0"/>
-              </a:rPr>
-              <a:t>photography, </a:t>
-            </a:r>
-            <a:r>
-              <a:rPr lang="en-US" sz="1800" dirty="0">
-                <a:latin typeface="Arial" panose="020B0604020202020204" pitchFamily="34" charset="0"/>
-                <a:cs typeface="Arial" panose="020B0604020202020204" pitchFamily="34" charset="0"/>
-              </a:rPr>
-              <a:t>Experimental Mechanics, 54, 1043–1057, 2014.</a:t>
-            </a:r>
-            <a:endParaRPr lang="en-US" sz="1800" dirty="0" smtClean="0">
-              <a:latin typeface="Arial" panose="020B0604020202020204" pitchFamily="34" charset="0"/>
-              <a:cs typeface="Arial" panose="020B0604020202020204" pitchFamily="34" charset="0"/>
-            </a:endParaRPr>
-          </a:p>
-          <a:p>
-            <a:r>
-              <a:rPr lang="en-US" sz="1800" dirty="0" smtClean="0">
-                <a:latin typeface="Arial" panose="020B0604020202020204" pitchFamily="34" charset="0"/>
-                <a:cs typeface="Arial" panose="020B0604020202020204" pitchFamily="34" charset="0"/>
-              </a:rPr>
-              <a:t>[3] </a:t>
-            </a:r>
-            <a:r>
-              <a:rPr lang="en-US" sz="1800" dirty="0">
-                <a:latin typeface="Arial" panose="020B0604020202020204" pitchFamily="34" charset="0"/>
-                <a:cs typeface="Arial" panose="020B0604020202020204" pitchFamily="34" charset="0"/>
-              </a:rPr>
-              <a:t>Marcial Gonzalez and Alberto M. </a:t>
-            </a:r>
-            <a:r>
-              <a:rPr lang="en-US" sz="1800" dirty="0" smtClean="0">
-                <a:latin typeface="Arial" panose="020B0604020202020204" pitchFamily="34" charset="0"/>
-                <a:cs typeface="Arial" panose="020B0604020202020204" pitchFamily="34" charset="0"/>
-              </a:rPr>
-              <a:t>Cuitiño. </a:t>
-            </a:r>
-            <a:r>
-              <a:rPr lang="en-US" sz="1800" dirty="0">
-                <a:latin typeface="Arial" panose="020B0604020202020204" pitchFamily="34" charset="0"/>
-                <a:cs typeface="Arial" panose="020B0604020202020204" pitchFamily="34" charset="0"/>
-              </a:rPr>
-              <a:t>A nonlocal contact formulation for confined˜</a:t>
-            </a:r>
-            <a:br>
-              <a:rPr lang="en-US" sz="1800" dirty="0">
-                <a:latin typeface="Arial" panose="020B0604020202020204" pitchFamily="34" charset="0"/>
-                <a:cs typeface="Arial" panose="020B0604020202020204" pitchFamily="34" charset="0"/>
-              </a:rPr>
-            </a:br>
-            <a:r>
-              <a:rPr lang="en-US" sz="1800" dirty="0">
-                <a:latin typeface="Arial" panose="020B0604020202020204" pitchFamily="34" charset="0"/>
-                <a:cs typeface="Arial" panose="020B0604020202020204" pitchFamily="34" charset="0"/>
-              </a:rPr>
-              <a:t>granular systems. </a:t>
-            </a:r>
-            <a:r>
-              <a:rPr lang="en-US" sz="1800" i="1" dirty="0">
-                <a:latin typeface="Arial" panose="020B0604020202020204" pitchFamily="34" charset="0"/>
-                <a:cs typeface="Arial" panose="020B0604020202020204" pitchFamily="34" charset="0"/>
-              </a:rPr>
-              <a:t>Journal of the Mechanics and Physics of Solids</a:t>
-            </a:r>
-            <a:r>
-              <a:rPr lang="en-US" sz="1800" dirty="0">
-                <a:latin typeface="Arial" panose="020B0604020202020204" pitchFamily="34" charset="0"/>
-                <a:cs typeface="Arial" panose="020B0604020202020204" pitchFamily="34" charset="0"/>
-              </a:rPr>
-              <a:t>, 60(2):333–350, </a:t>
-            </a:r>
-            <a:r>
-              <a:rPr lang="en-US" sz="1800" dirty="0" smtClean="0">
-                <a:latin typeface="Arial" panose="020B0604020202020204" pitchFamily="34" charset="0"/>
-                <a:cs typeface="Arial" panose="020B0604020202020204" pitchFamily="34" charset="0"/>
-              </a:rPr>
-              <a:t>2012</a:t>
-            </a:r>
-          </a:p>
-          <a:p>
-            <a:r>
-              <a:rPr lang="en-US" sz="1800" dirty="0" smtClean="0">
-                <a:latin typeface="Arial" panose="020B0604020202020204" pitchFamily="34" charset="0"/>
-                <a:cs typeface="Arial" panose="020B0604020202020204" pitchFamily="34" charset="0"/>
-              </a:rPr>
-              <a:t>[4] </a:t>
-            </a:r>
-            <a:r>
-              <a:rPr lang="en-US" sz="1800" dirty="0">
-                <a:latin typeface="Arial" panose="020B0604020202020204" pitchFamily="34" charset="0"/>
-                <a:cs typeface="Arial" panose="020B0604020202020204" pitchFamily="34" charset="0"/>
-              </a:rPr>
-              <a:t>Caishan Liu, Zhen Zhao, and Bernard Brogliato. </a:t>
-            </a:r>
-            <a:r>
-              <a:rPr lang="en-US" sz="1800" i="1" dirty="0">
-                <a:latin typeface="Arial" panose="020B0604020202020204" pitchFamily="34" charset="0"/>
-                <a:cs typeface="Arial" panose="020B0604020202020204" pitchFamily="34" charset="0"/>
-              </a:rPr>
-              <a:t>Theoretical Analysis and Numerical</a:t>
-            </a:r>
-            <a:r>
-              <a:rPr lang="en-US" sz="1800" dirty="0">
-                <a:latin typeface="Arial" panose="020B0604020202020204" pitchFamily="34" charset="0"/>
-                <a:cs typeface="Arial" panose="020B0604020202020204" pitchFamily="34" charset="0"/>
-              </a:rPr>
-              <a:t/>
-            </a:r>
-            <a:br>
-              <a:rPr lang="en-US" sz="1800" dirty="0">
-                <a:latin typeface="Arial" panose="020B0604020202020204" pitchFamily="34" charset="0"/>
-                <a:cs typeface="Arial" panose="020B0604020202020204" pitchFamily="34" charset="0"/>
-              </a:rPr>
-            </a:br>
-            <a:r>
-              <a:rPr lang="en-US" sz="1800" i="1" dirty="0">
-                <a:latin typeface="Arial" panose="020B0604020202020204" pitchFamily="34" charset="0"/>
-                <a:cs typeface="Arial" panose="020B0604020202020204" pitchFamily="34" charset="0"/>
-              </a:rPr>
-              <a:t>Algorithm for Frictionless Multiple Impacts in Multibody Systems</a:t>
-            </a:r>
-            <a:r>
-              <a:rPr lang="en-US" sz="1800" dirty="0">
-                <a:latin typeface="Arial" panose="020B0604020202020204" pitchFamily="34" charset="0"/>
-                <a:cs typeface="Arial" panose="020B0604020202020204" pitchFamily="34" charset="0"/>
-              </a:rPr>
-              <a:t>. Inria, </a:t>
-            </a:r>
-            <a:r>
-              <a:rPr lang="en-US" sz="1800" dirty="0" smtClean="0">
-                <a:latin typeface="Arial" panose="020B0604020202020204" pitchFamily="34" charset="0"/>
-                <a:cs typeface="Arial" panose="020B0604020202020204" pitchFamily="34" charset="0"/>
-              </a:rPr>
-              <a:t>2008</a:t>
-            </a:r>
-          </a:p>
-          <a:p>
-            <a:r>
-              <a:rPr lang="en-US" sz="1800" dirty="0" smtClean="0">
-                <a:latin typeface="Arial" panose="020B0604020202020204" pitchFamily="34" charset="0"/>
-                <a:cs typeface="Arial" panose="020B0604020202020204" pitchFamily="34" charset="0"/>
-              </a:rPr>
-              <a:t>[5]C. E. Rasmussen and C-K. Williams, Gaussian processes for machine learning, USA: MIT Press, 2006</a:t>
-            </a:r>
-          </a:p>
-          <a:p>
-            <a:r>
-              <a:rPr lang="en-US" sz="1800" dirty="0" smtClean="0">
-                <a:latin typeface="Arial" panose="020B0604020202020204" pitchFamily="34" charset="0"/>
-                <a:cs typeface="Arial" panose="020B0604020202020204" pitchFamily="34" charset="0"/>
-              </a:rPr>
-              <a:t>[6]</a:t>
-            </a:r>
-            <a:r>
-              <a:rPr lang="en-US" sz="1800" dirty="0"/>
-              <a:t> [1] </a:t>
-            </a:r>
-            <a:r>
-              <a:rPr lang="en-US" sz="1800" dirty="0" err="1"/>
-              <a:t>Ilias</a:t>
-            </a:r>
-            <a:r>
-              <a:rPr lang="en-US" sz="1800" dirty="0"/>
-              <a:t> </a:t>
-            </a:r>
-            <a:r>
-              <a:rPr lang="en-US" sz="1800" dirty="0" err="1"/>
-              <a:t>Bilionis</a:t>
-            </a:r>
-            <a:r>
-              <a:rPr lang="en-US" sz="1800" dirty="0"/>
-              <a:t> and Nicholas </a:t>
-            </a:r>
-            <a:r>
-              <a:rPr lang="en-US" sz="1800" dirty="0" err="1"/>
-              <a:t>Zabaras</a:t>
-            </a:r>
-            <a:r>
-              <a:rPr lang="en-US" sz="1800" dirty="0"/>
-              <a:t>. Bayesian uncertainty propagation.</a:t>
-            </a:r>
-            <a:endParaRPr lang="en-US" sz="1800" dirty="0">
-              <a:latin typeface="Arial" panose="020B0604020202020204" pitchFamily="34" charset="0"/>
-              <a:cs typeface="Arial" panose="020B0604020202020204" pitchFamily="34" charset="0"/>
-            </a:endParaRPr>
-          </a:p>
-        </p:txBody>
-      </p:sp>
-      <p:sp>
-        <p:nvSpPr>
-          <p:cNvPr id="41" name="14 Marcador de texto"/>
-          <p:cNvSpPr txBox="1">
-            <a:spLocks/>
-          </p:cNvSpPr>
-          <p:nvPr/>
-        </p:nvSpPr>
-        <p:spPr>
-          <a:xfrm>
-            <a:off x="1193740" y="15332233"/>
-            <a:ext cx="10052050" cy="1323417"/>
-          </a:xfrm>
-          <a:prstGeom prst="rect">
-            <a:avLst/>
-          </a:prstGeom>
-        </p:spPr>
-        <p:txBody>
-          <a:bodyPr vert="horz" wrap="square" lIns="228589" tIns="228589" rIns="228589" bIns="228589" rtlCol="0">
-            <a:spAutoFit/>
-          </a:bodyPr>
-          <a:lstStyle>
-            <a:lvl1pPr marL="0" indent="0" algn="l" defTabSz="4263487" rtl="0" eaLnBrk="1" latinLnBrk="0" hangingPunct="1">
-              <a:spcBef>
-                <a:spcPct val="20000"/>
-              </a:spcBef>
-              <a:buFont typeface="Arial" panose="020B0604020202020204" pitchFamily="34" charset="0"/>
-              <a:buNone/>
-              <a:defRPr sz="2500" kern="1200">
-                <a:solidFill>
-                  <a:schemeClr val="tx1"/>
-                </a:solidFill>
-                <a:latin typeface="Trebuchet MS" pitchFamily="34" charset="0"/>
-                <a:ea typeface="+mn-ea"/>
-                <a:cs typeface="+mn-cs"/>
-              </a:defRPr>
-            </a:lvl1pPr>
-            <a:lvl2pPr marL="1485825" indent="-571471" algn="l" defTabSz="4263487" rtl="0" eaLnBrk="1" latinLnBrk="0" hangingPunct="1">
-              <a:spcBef>
-                <a:spcPct val="20000"/>
-              </a:spcBef>
-              <a:buFont typeface="Arial" panose="020B0604020202020204" pitchFamily="34" charset="0"/>
-              <a:buChar char="–"/>
-              <a:defRPr sz="2500" kern="1200">
-                <a:solidFill>
-                  <a:schemeClr val="tx1"/>
-                </a:solidFill>
-                <a:latin typeface="Trebuchet MS" pitchFamily="34" charset="0"/>
-                <a:ea typeface="+mn-ea"/>
-                <a:cs typeface="+mn-cs"/>
-              </a:defRPr>
-            </a:lvl2pPr>
-            <a:lvl3pPr marL="2057297" indent="-571471" algn="l" defTabSz="4263487" rtl="0" eaLnBrk="1" latinLnBrk="0" hangingPunct="1">
-              <a:spcBef>
-                <a:spcPct val="20000"/>
-              </a:spcBef>
-              <a:buFont typeface="Arial" panose="020B0604020202020204" pitchFamily="34" charset="0"/>
-              <a:buChar char="•"/>
-              <a:defRPr sz="2500" kern="1200">
-                <a:solidFill>
-                  <a:schemeClr val="tx1"/>
-                </a:solidFill>
-                <a:latin typeface="Trebuchet MS" pitchFamily="34" charset="0"/>
-                <a:ea typeface="+mn-ea"/>
-                <a:cs typeface="+mn-cs"/>
-              </a:defRPr>
-            </a:lvl3pPr>
-            <a:lvl4pPr marL="2685916" indent="-628619" algn="l" defTabSz="4263487" rtl="0" eaLnBrk="1" latinLnBrk="0" hangingPunct="1">
-              <a:spcBef>
-                <a:spcPct val="20000"/>
-              </a:spcBef>
-              <a:buFont typeface="Arial" panose="020B0604020202020204" pitchFamily="34" charset="0"/>
-              <a:buChar char="–"/>
-              <a:defRPr sz="2500" kern="1200">
-                <a:solidFill>
-                  <a:schemeClr val="tx1"/>
-                </a:solidFill>
-                <a:latin typeface="Trebuchet MS" pitchFamily="34" charset="0"/>
-                <a:ea typeface="+mn-ea"/>
-                <a:cs typeface="+mn-cs"/>
-              </a:defRPr>
-            </a:lvl4pPr>
-            <a:lvl5pPr marL="3143093" indent="-457177" algn="l" defTabSz="4263487" rtl="0" eaLnBrk="1" latinLnBrk="0" hangingPunct="1">
-              <a:spcBef>
-                <a:spcPct val="20000"/>
-              </a:spcBef>
-              <a:buFont typeface="Arial" panose="020B0604020202020204" pitchFamily="34" charset="0"/>
-              <a:buChar char="»"/>
-              <a:defRPr sz="2500" kern="1200">
-                <a:solidFill>
-                  <a:schemeClr val="tx1"/>
-                </a:solidFill>
-                <a:latin typeface="Trebuchet MS" pitchFamily="34" charset="0"/>
-                <a:ea typeface="+mn-ea"/>
-                <a:cs typeface="+mn-cs"/>
-              </a:defRPr>
-            </a:lvl5pPr>
-            <a:lvl6pPr marL="11724591" indent="-1065872" algn="l" defTabSz="4263487" rtl="0" eaLnBrk="1" latinLnBrk="0" hangingPunct="1">
-              <a:spcBef>
-                <a:spcPct val="20000"/>
-              </a:spcBef>
-              <a:buFont typeface="Arial" panose="020B0604020202020204" pitchFamily="34" charset="0"/>
-              <a:buChar char="•"/>
-              <a:defRPr sz="9400" kern="1200">
-                <a:solidFill>
-                  <a:schemeClr val="tx1"/>
-                </a:solidFill>
-                <a:latin typeface="+mn-lt"/>
-                <a:ea typeface="+mn-ea"/>
-                <a:cs typeface="+mn-cs"/>
-              </a:defRPr>
-            </a:lvl6pPr>
-            <a:lvl7pPr marL="13856335" indent="-1065872" algn="l" defTabSz="4263487" rtl="0" eaLnBrk="1" latinLnBrk="0" hangingPunct="1">
-              <a:spcBef>
-                <a:spcPct val="20000"/>
-              </a:spcBef>
-              <a:buFont typeface="Arial" panose="020B0604020202020204" pitchFamily="34" charset="0"/>
-              <a:buChar char="•"/>
-              <a:defRPr sz="9400" kern="1200">
-                <a:solidFill>
-                  <a:schemeClr val="tx1"/>
-                </a:solidFill>
-                <a:latin typeface="+mn-lt"/>
-                <a:ea typeface="+mn-ea"/>
-                <a:cs typeface="+mn-cs"/>
-              </a:defRPr>
-            </a:lvl7pPr>
-            <a:lvl8pPr marL="15988078" indent="-1065872" algn="l" defTabSz="4263487" rtl="0" eaLnBrk="1" latinLnBrk="0" hangingPunct="1">
-              <a:spcBef>
-                <a:spcPct val="20000"/>
-              </a:spcBef>
-              <a:buFont typeface="Arial" panose="020B0604020202020204" pitchFamily="34" charset="0"/>
-              <a:buChar char="•"/>
-              <a:defRPr sz="9400" kern="1200">
-                <a:solidFill>
-                  <a:schemeClr val="tx1"/>
-                </a:solidFill>
-                <a:latin typeface="+mn-lt"/>
-                <a:ea typeface="+mn-ea"/>
-                <a:cs typeface="+mn-cs"/>
-              </a:defRPr>
-            </a:lvl8pPr>
-            <a:lvl9pPr marL="18119822" indent="-1065872" algn="l" defTabSz="4263487" rtl="0" eaLnBrk="1" latinLnBrk="0" hangingPunct="1">
-              <a:spcBef>
-                <a:spcPct val="20000"/>
-              </a:spcBef>
-              <a:buFont typeface="Arial" panose="020B0604020202020204" pitchFamily="34" charset="0"/>
-              <a:buChar char="•"/>
-              <a:defRPr sz="9400" kern="1200">
-                <a:solidFill>
-                  <a:schemeClr val="tx1"/>
-                </a:solidFill>
-                <a:latin typeface="+mn-lt"/>
-                <a:ea typeface="+mn-ea"/>
-                <a:cs typeface="+mn-cs"/>
-              </a:defRPr>
-            </a:lvl9pPr>
-          </a:lstStyle>
-          <a:p>
-            <a:r>
-              <a:rPr lang="en-US" sz="2800" dirty="0" smtClean="0">
-                <a:latin typeface="Arial" panose="020B0604020202020204" pitchFamily="34" charset="0"/>
-                <a:cs typeface="Arial" panose="020B0604020202020204" pitchFamily="34" charset="0"/>
-              </a:rPr>
-              <a:t>Granular chain with beads of different materials and size</a:t>
-            </a:r>
-            <a:r>
-              <a:rPr lang="en-US" sz="2800" dirty="0">
-                <a:latin typeface="Arial" panose="020B0604020202020204" pitchFamily="34" charset="0"/>
-                <a:cs typeface="Arial" panose="020B0604020202020204" pitchFamily="34" charset="0"/>
-              </a:rPr>
-              <a:t>. (http://</a:t>
-            </a:r>
-            <a:r>
-              <a:rPr lang="en-US" sz="2800" dirty="0" smtClean="0">
-                <a:latin typeface="Arial" panose="020B0604020202020204" pitchFamily="34" charset="0"/>
-                <a:cs typeface="Arial" panose="020B0604020202020204" pitchFamily="34" charset="0"/>
-              </a:rPr>
-              <a:t>www.mechmat.ethz.ch/research.html)</a:t>
-            </a:r>
-            <a:endParaRPr lang="en-US" sz="2800" dirty="0">
-              <a:latin typeface="Arial" panose="020B0604020202020204" pitchFamily="34" charset="0"/>
-              <a:cs typeface="Arial" panose="020B0604020202020204" pitchFamily="34" charset="0"/>
-            </a:endParaRPr>
-          </a:p>
-        </p:txBody>
-      </p:sp>
-      <p:grpSp>
-        <p:nvGrpSpPr>
-          <p:cNvPr id="51" name="50 Grupo"/>
-          <p:cNvGrpSpPr/>
-          <p:nvPr/>
-        </p:nvGrpSpPr>
-        <p:grpSpPr>
-          <a:xfrm>
-            <a:off x="502921" y="18652675"/>
-            <a:ext cx="9989819" cy="5355793"/>
-            <a:chOff x="2051720" y="1196779"/>
-            <a:chExt cx="6488637" cy="2427447"/>
-          </a:xfrm>
-          <a:gradFill flip="none" rotWithShape="1">
-            <a:gsLst>
-              <a:gs pos="0">
-                <a:schemeClr val="accent1">
-                  <a:tint val="66000"/>
-                  <a:satMod val="160000"/>
-                </a:schemeClr>
-              </a:gs>
-              <a:gs pos="50000">
-                <a:schemeClr val="accent1">
-                  <a:tint val="44500"/>
-                  <a:satMod val="160000"/>
-                </a:schemeClr>
-              </a:gs>
-              <a:gs pos="100000">
-                <a:schemeClr val="accent1">
-                  <a:tint val="23500"/>
-                  <a:satMod val="160000"/>
-                </a:schemeClr>
-              </a:gs>
-            </a:gsLst>
-            <a:lin ang="5400000" scaled="1"/>
-            <a:tileRect/>
-          </a:gradFill>
-        </p:grpSpPr>
-        <p:grpSp>
-          <p:nvGrpSpPr>
-            <p:cNvPr id="52" name="51 Grupo"/>
-            <p:cNvGrpSpPr/>
-            <p:nvPr/>
-          </p:nvGrpSpPr>
-          <p:grpSpPr>
-            <a:xfrm>
-              <a:off x="3696293" y="1196779"/>
-              <a:ext cx="1708394" cy="2427447"/>
-              <a:chOff x="3696293" y="1196779"/>
-              <a:chExt cx="1708394" cy="2427447"/>
-            </a:xfrm>
-            <a:grpFill/>
-          </p:grpSpPr>
-          <p:sp>
-            <p:nvSpPr>
-              <p:cNvPr id="59" name="58 Forma libre"/>
-              <p:cNvSpPr/>
-              <p:nvPr/>
-            </p:nvSpPr>
-            <p:spPr>
-              <a:xfrm>
-                <a:off x="3696293" y="1196779"/>
-                <a:ext cx="1708394" cy="825887"/>
-              </a:xfrm>
-              <a:custGeom>
-                <a:avLst/>
-                <a:gdLst>
-                  <a:gd name="connsiteX0" fmla="*/ 0 w 1708394"/>
-                  <a:gd name="connsiteY0" fmla="*/ 82589 h 825887"/>
-                  <a:gd name="connsiteX1" fmla="*/ 82589 w 1708394"/>
-                  <a:gd name="connsiteY1" fmla="*/ 0 h 825887"/>
-                  <a:gd name="connsiteX2" fmla="*/ 1625805 w 1708394"/>
-                  <a:gd name="connsiteY2" fmla="*/ 0 h 825887"/>
-                  <a:gd name="connsiteX3" fmla="*/ 1708394 w 1708394"/>
-                  <a:gd name="connsiteY3" fmla="*/ 82589 h 825887"/>
-                  <a:gd name="connsiteX4" fmla="*/ 1708394 w 1708394"/>
-                  <a:gd name="connsiteY4" fmla="*/ 743298 h 825887"/>
-                  <a:gd name="connsiteX5" fmla="*/ 1625805 w 1708394"/>
-                  <a:gd name="connsiteY5" fmla="*/ 825887 h 825887"/>
-                  <a:gd name="connsiteX6" fmla="*/ 82589 w 1708394"/>
-                  <a:gd name="connsiteY6" fmla="*/ 825887 h 825887"/>
-                  <a:gd name="connsiteX7" fmla="*/ 0 w 1708394"/>
-                  <a:gd name="connsiteY7" fmla="*/ 743298 h 825887"/>
-                  <a:gd name="connsiteX8" fmla="*/ 0 w 1708394"/>
-                  <a:gd name="connsiteY8" fmla="*/ 82589 h 825887"/>
-                </a:gdLst>
-                <a:ahLst/>
-                <a:cxnLst>
-                  <a:cxn ang="0">
-                    <a:pos x="connsiteX0" y="connsiteY0"/>
-                  </a:cxn>
-                  <a:cxn ang="0">
-                    <a:pos x="connsiteX1" y="connsiteY1"/>
-                  </a:cxn>
-                  <a:cxn ang="0">
-                    <a:pos x="connsiteX2" y="connsiteY2"/>
-                  </a:cxn>
-                  <a:cxn ang="0">
-                    <a:pos x="connsiteX3" y="connsiteY3"/>
-                  </a:cxn>
-                  <a:cxn ang="0">
-                    <a:pos x="connsiteX4" y="connsiteY4"/>
-                  </a:cxn>
-                  <a:cxn ang="0">
-                    <a:pos x="connsiteX5" y="connsiteY5"/>
-                  </a:cxn>
-                  <a:cxn ang="0">
-                    <a:pos x="connsiteX6" y="connsiteY6"/>
-                  </a:cxn>
-                  <a:cxn ang="0">
-                    <a:pos x="connsiteX7" y="connsiteY7"/>
-                  </a:cxn>
-                  <a:cxn ang="0">
-                    <a:pos x="connsiteX8" y="connsiteY8"/>
-                  </a:cxn>
-                </a:cxnLst>
-                <a:rect l="l" t="t" r="r" b="b"/>
-                <a:pathLst>
-                  <a:path w="1708394" h="825887">
-                    <a:moveTo>
-                      <a:pt x="0" y="82589"/>
-                    </a:moveTo>
-                    <a:cubicBezTo>
-                      <a:pt x="0" y="36976"/>
-                      <a:pt x="36976" y="0"/>
-                      <a:pt x="82589" y="0"/>
-                    </a:cubicBezTo>
-                    <a:lnTo>
-                      <a:pt x="1625805" y="0"/>
-                    </a:lnTo>
-                    <a:cubicBezTo>
-                      <a:pt x="1671418" y="0"/>
-                      <a:pt x="1708394" y="36976"/>
-                      <a:pt x="1708394" y="82589"/>
-                    </a:cubicBezTo>
-                    <a:lnTo>
-                      <a:pt x="1708394" y="743298"/>
-                    </a:lnTo>
-                    <a:cubicBezTo>
-                      <a:pt x="1708394" y="788911"/>
-                      <a:pt x="1671418" y="825887"/>
-                      <a:pt x="1625805" y="825887"/>
-                    </a:cubicBezTo>
-                    <a:lnTo>
-                      <a:pt x="82589" y="825887"/>
-                    </a:lnTo>
-                    <a:cubicBezTo>
-                      <a:pt x="36976" y="825887"/>
-                      <a:pt x="0" y="788911"/>
-                      <a:pt x="0" y="743298"/>
-                    </a:cubicBezTo>
-                    <a:lnTo>
-                      <a:pt x="0" y="82589"/>
-                    </a:lnTo>
-                    <a:close/>
-                  </a:path>
-                </a:pathLst>
-              </a:custGeom>
-              <a:noFill/>
-              <a:ln w="76200">
-                <a:solidFill>
-                  <a:schemeClr val="tx2">
-                    <a:lumMod val="75000"/>
-                  </a:schemeClr>
-                </a:solidFill>
-              </a:ln>
-            </p:spPr>
-            <p:style>
-              <a:lnRef idx="2">
-                <a:schemeClr val="lt1">
-                  <a:hueOff val="0"/>
-                  <a:satOff val="0"/>
-                  <a:lumOff val="0"/>
-                  <a:alphaOff val="0"/>
-                </a:schemeClr>
-              </a:lnRef>
-              <a:fillRef idx="1">
-                <a:schemeClr val="accent1">
-                  <a:hueOff val="0"/>
-                  <a:satOff val="0"/>
-                  <a:lumOff val="0"/>
-                  <a:alphaOff val="0"/>
-                </a:schemeClr>
-              </a:fillRef>
-              <a:effectRef idx="0">
-                <a:schemeClr val="accent1">
-                  <a:hueOff val="0"/>
-                  <a:satOff val="0"/>
-                  <a:lumOff val="0"/>
-                  <a:alphaOff val="0"/>
-                </a:schemeClr>
-              </a:effectRef>
-              <a:fontRef idx="minor">
-                <a:schemeClr val="lt1"/>
-              </a:fontRef>
-            </p:style>
-            <p:txBody>
-              <a:bodyPr spcFirstLastPara="0" vert="horz" wrap="square" lIns="92769" tIns="92769" rIns="92769" bIns="92769" numCol="1" spcCol="1270" anchor="ctr" anchorCtr="0">
-                <a:noAutofit/>
-              </a:bodyPr>
-              <a:lstStyle/>
-              <a:p>
-                <a:pPr lvl="0" algn="ctr" defTabSz="800100">
-                  <a:lnSpc>
-                    <a:spcPct val="90000"/>
-                  </a:lnSpc>
-                  <a:spcBef>
-                    <a:spcPct val="0"/>
-                  </a:spcBef>
-                  <a:spcAft>
-                    <a:spcPct val="35000"/>
-                  </a:spcAft>
-                </a:pPr>
-                <a:r>
-                  <a:rPr lang="en-US" sz="3600" kern="1200" dirty="0" smtClean="0">
-                    <a:solidFill>
-                      <a:schemeClr val="tx1"/>
-                    </a:solidFill>
-                    <a:latin typeface="Arial" panose="020B0604020202020204" pitchFamily="34" charset="0"/>
-                    <a:cs typeface="Arial" panose="020B0604020202020204" pitchFamily="34" charset="0"/>
-                  </a:rPr>
-                  <a:t>Check condition for collision</a:t>
-                </a:r>
-                <a:endParaRPr lang="en-US" sz="3600" kern="1200" dirty="0">
-                  <a:solidFill>
-                    <a:schemeClr val="tx1"/>
-                  </a:solidFill>
-                  <a:latin typeface="Arial" panose="020B0604020202020204" pitchFamily="34" charset="0"/>
-                  <a:cs typeface="Arial" panose="020B0604020202020204" pitchFamily="34" charset="0"/>
-                </a:endParaRPr>
-              </a:p>
-            </p:txBody>
-          </p:sp>
-          <p:sp>
-            <p:nvSpPr>
-              <p:cNvPr id="60" name="59 Forma libre"/>
-              <p:cNvSpPr/>
-              <p:nvPr/>
-            </p:nvSpPr>
-            <p:spPr>
-              <a:xfrm rot="21536025">
-                <a:off x="4137869" y="2685043"/>
-                <a:ext cx="863946" cy="247961"/>
-              </a:xfrm>
-              <a:custGeom>
-                <a:avLst/>
-                <a:gdLst>
-                  <a:gd name="connsiteX0" fmla="*/ 0 w 311406"/>
-                  <a:gd name="connsiteY0" fmla="*/ 74330 h 371649"/>
-                  <a:gd name="connsiteX1" fmla="*/ 155703 w 311406"/>
-                  <a:gd name="connsiteY1" fmla="*/ 74330 h 371649"/>
-                  <a:gd name="connsiteX2" fmla="*/ 155703 w 311406"/>
-                  <a:gd name="connsiteY2" fmla="*/ 0 h 371649"/>
-                  <a:gd name="connsiteX3" fmla="*/ 311406 w 311406"/>
-                  <a:gd name="connsiteY3" fmla="*/ 185825 h 371649"/>
-                  <a:gd name="connsiteX4" fmla="*/ 155703 w 311406"/>
-                  <a:gd name="connsiteY4" fmla="*/ 371649 h 371649"/>
-                  <a:gd name="connsiteX5" fmla="*/ 155703 w 311406"/>
-                  <a:gd name="connsiteY5" fmla="*/ 297319 h 371649"/>
-                  <a:gd name="connsiteX6" fmla="*/ 0 w 311406"/>
-                  <a:gd name="connsiteY6" fmla="*/ 297319 h 371649"/>
-                  <a:gd name="connsiteX7" fmla="*/ 0 w 311406"/>
-                  <a:gd name="connsiteY7" fmla="*/ 74330 h 371649"/>
-                </a:gdLst>
-                <a:ahLst/>
-                <a:cxnLst>
-                  <a:cxn ang="0">
-                    <a:pos x="connsiteX0" y="connsiteY0"/>
-                  </a:cxn>
-                  <a:cxn ang="0">
-                    <a:pos x="connsiteX1" y="connsiteY1"/>
-                  </a:cxn>
-                  <a:cxn ang="0">
-                    <a:pos x="connsiteX2" y="connsiteY2"/>
-                  </a:cxn>
-                  <a:cxn ang="0">
-                    <a:pos x="connsiteX3" y="connsiteY3"/>
-                  </a:cxn>
-                  <a:cxn ang="0">
-                    <a:pos x="connsiteX4" y="connsiteY4"/>
-                  </a:cxn>
-                  <a:cxn ang="0">
-                    <a:pos x="connsiteX5" y="connsiteY5"/>
-                  </a:cxn>
-                  <a:cxn ang="0">
-                    <a:pos x="connsiteX6" y="connsiteY6"/>
-                  </a:cxn>
-                  <a:cxn ang="0">
-                    <a:pos x="connsiteX7" y="connsiteY7"/>
-                  </a:cxn>
-                </a:cxnLst>
-                <a:rect l="l" t="t" r="r" b="b"/>
-                <a:pathLst>
-                  <a:path w="311406" h="371649">
-                    <a:moveTo>
-                      <a:pt x="249124" y="1"/>
-                    </a:moveTo>
-                    <a:lnTo>
-                      <a:pt x="249124" y="185825"/>
-                    </a:lnTo>
-                    <a:lnTo>
-                      <a:pt x="311406" y="185825"/>
-                    </a:lnTo>
-                    <a:lnTo>
-                      <a:pt x="155703" y="371648"/>
-                    </a:lnTo>
-                    <a:lnTo>
-                      <a:pt x="0" y="185825"/>
-                    </a:lnTo>
-                    <a:lnTo>
-                      <a:pt x="62282" y="185825"/>
-                    </a:lnTo>
-                    <a:lnTo>
-                      <a:pt x="62282" y="1"/>
-                    </a:lnTo>
-                    <a:lnTo>
-                      <a:pt x="249124" y="1"/>
-                    </a:lnTo>
-                    <a:close/>
-                  </a:path>
-                </a:pathLst>
-              </a:custGeom>
-              <a:noFill/>
-              <a:ln w="76200">
-                <a:solidFill>
-                  <a:srgbClr val="00B050"/>
-                </a:solidFill>
-              </a:ln>
-            </p:spPr>
-            <p:style>
-              <a:lnRef idx="0">
-                <a:schemeClr val="accent1">
-                  <a:tint val="60000"/>
-                  <a:hueOff val="0"/>
-                  <a:satOff val="0"/>
-                  <a:lumOff val="0"/>
-                  <a:alphaOff val="0"/>
-                </a:schemeClr>
-              </a:lnRef>
-              <a:fillRef idx="1">
-                <a:schemeClr val="accent1">
-                  <a:tint val="60000"/>
-                  <a:hueOff val="0"/>
-                  <a:satOff val="0"/>
-                  <a:lumOff val="0"/>
-                  <a:alphaOff val="0"/>
-                </a:schemeClr>
-              </a:fillRef>
-              <a:effectRef idx="0">
-                <a:schemeClr val="accent1">
-                  <a:tint val="60000"/>
-                  <a:hueOff val="0"/>
-                  <a:satOff val="0"/>
-                  <a:lumOff val="0"/>
-                  <a:alphaOff val="0"/>
-                </a:schemeClr>
-              </a:effectRef>
-              <a:fontRef idx="minor">
-                <a:schemeClr val="lt1"/>
-              </a:fontRef>
-            </p:style>
-            <p:txBody>
-              <a:bodyPr spcFirstLastPara="0" vert="horz" wrap="square" lIns="74331" tIns="-1" rIns="74329" bIns="93423" numCol="1" spcCol="1270" anchor="ctr" anchorCtr="0">
-                <a:noAutofit/>
-              </a:bodyPr>
-              <a:lstStyle/>
-              <a:p>
-                <a:pPr lvl="0" algn="ctr" defTabSz="622300">
-                  <a:lnSpc>
-                    <a:spcPct val="90000"/>
-                  </a:lnSpc>
-                  <a:spcBef>
-                    <a:spcPct val="0"/>
-                  </a:spcBef>
-                  <a:spcAft>
-                    <a:spcPct val="35000"/>
-                  </a:spcAft>
-                </a:pPr>
-                <a:r>
-                  <a:rPr lang="en-US" sz="3600" kern="1200" dirty="0" smtClean="0">
-                    <a:solidFill>
-                      <a:schemeClr val="tx1"/>
-                    </a:solidFill>
-                    <a:latin typeface="Arial" panose="020B0604020202020204" pitchFamily="34" charset="0"/>
-                    <a:cs typeface="Arial" panose="020B0604020202020204" pitchFamily="34" charset="0"/>
-                  </a:rPr>
-                  <a:t>Yes</a:t>
-                </a:r>
-                <a:endParaRPr lang="en-US" sz="3600" kern="1200" dirty="0">
-                  <a:solidFill>
-                    <a:schemeClr val="tx1"/>
-                  </a:solidFill>
-                  <a:latin typeface="Arial" panose="020B0604020202020204" pitchFamily="34" charset="0"/>
-                  <a:cs typeface="Arial" panose="020B0604020202020204" pitchFamily="34" charset="0"/>
-                </a:endParaRPr>
-              </a:p>
-            </p:txBody>
-          </p:sp>
-          <p:sp>
-            <p:nvSpPr>
-              <p:cNvPr id="65" name="64 Forma libre"/>
-              <p:cNvSpPr/>
-              <p:nvPr/>
-            </p:nvSpPr>
-            <p:spPr>
-              <a:xfrm>
-                <a:off x="3696293" y="2997448"/>
-                <a:ext cx="1708394" cy="626778"/>
-              </a:xfrm>
-              <a:custGeom>
-                <a:avLst/>
-                <a:gdLst>
-                  <a:gd name="connsiteX0" fmla="*/ 0 w 1708394"/>
-                  <a:gd name="connsiteY0" fmla="*/ 82589 h 825887"/>
-                  <a:gd name="connsiteX1" fmla="*/ 82589 w 1708394"/>
-                  <a:gd name="connsiteY1" fmla="*/ 0 h 825887"/>
-                  <a:gd name="connsiteX2" fmla="*/ 1625805 w 1708394"/>
-                  <a:gd name="connsiteY2" fmla="*/ 0 h 825887"/>
-                  <a:gd name="connsiteX3" fmla="*/ 1708394 w 1708394"/>
-                  <a:gd name="connsiteY3" fmla="*/ 82589 h 825887"/>
-                  <a:gd name="connsiteX4" fmla="*/ 1708394 w 1708394"/>
-                  <a:gd name="connsiteY4" fmla="*/ 743298 h 825887"/>
-                  <a:gd name="connsiteX5" fmla="*/ 1625805 w 1708394"/>
-                  <a:gd name="connsiteY5" fmla="*/ 825887 h 825887"/>
-                  <a:gd name="connsiteX6" fmla="*/ 82589 w 1708394"/>
-                  <a:gd name="connsiteY6" fmla="*/ 825887 h 825887"/>
-                  <a:gd name="connsiteX7" fmla="*/ 0 w 1708394"/>
-                  <a:gd name="connsiteY7" fmla="*/ 743298 h 825887"/>
-                  <a:gd name="connsiteX8" fmla="*/ 0 w 1708394"/>
-                  <a:gd name="connsiteY8" fmla="*/ 82589 h 825887"/>
-                </a:gdLst>
-                <a:ahLst/>
-                <a:cxnLst>
-                  <a:cxn ang="0">
-                    <a:pos x="connsiteX0" y="connsiteY0"/>
-                  </a:cxn>
-                  <a:cxn ang="0">
-                    <a:pos x="connsiteX1" y="connsiteY1"/>
-                  </a:cxn>
-                  <a:cxn ang="0">
-                    <a:pos x="connsiteX2" y="connsiteY2"/>
-                  </a:cxn>
-                  <a:cxn ang="0">
-                    <a:pos x="connsiteX3" y="connsiteY3"/>
-                  </a:cxn>
-                  <a:cxn ang="0">
-                    <a:pos x="connsiteX4" y="connsiteY4"/>
-                  </a:cxn>
-                  <a:cxn ang="0">
-                    <a:pos x="connsiteX5" y="connsiteY5"/>
-                  </a:cxn>
-                  <a:cxn ang="0">
-                    <a:pos x="connsiteX6" y="connsiteY6"/>
-                  </a:cxn>
-                  <a:cxn ang="0">
-                    <a:pos x="connsiteX7" y="connsiteY7"/>
-                  </a:cxn>
-                  <a:cxn ang="0">
-                    <a:pos x="connsiteX8" y="connsiteY8"/>
-                  </a:cxn>
-                </a:cxnLst>
-                <a:rect l="l" t="t" r="r" b="b"/>
-                <a:pathLst>
-                  <a:path w="1708394" h="825887">
-                    <a:moveTo>
-                      <a:pt x="0" y="82589"/>
-                    </a:moveTo>
-                    <a:cubicBezTo>
-                      <a:pt x="0" y="36976"/>
-                      <a:pt x="36976" y="0"/>
-                      <a:pt x="82589" y="0"/>
-                    </a:cubicBezTo>
-                    <a:lnTo>
-                      <a:pt x="1625805" y="0"/>
-                    </a:lnTo>
-                    <a:cubicBezTo>
-                      <a:pt x="1671418" y="0"/>
-                      <a:pt x="1708394" y="36976"/>
-                      <a:pt x="1708394" y="82589"/>
-                    </a:cubicBezTo>
-                    <a:lnTo>
-                      <a:pt x="1708394" y="743298"/>
-                    </a:lnTo>
-                    <a:cubicBezTo>
-                      <a:pt x="1708394" y="788911"/>
-                      <a:pt x="1671418" y="825887"/>
-                      <a:pt x="1625805" y="825887"/>
-                    </a:cubicBezTo>
-                    <a:lnTo>
-                      <a:pt x="82589" y="825887"/>
-                    </a:lnTo>
-                    <a:cubicBezTo>
-                      <a:pt x="36976" y="825887"/>
-                      <a:pt x="0" y="788911"/>
-                      <a:pt x="0" y="743298"/>
-                    </a:cubicBezTo>
-                    <a:lnTo>
-                      <a:pt x="0" y="82589"/>
-                    </a:lnTo>
-                    <a:close/>
-                  </a:path>
-                </a:pathLst>
-              </a:custGeom>
-              <a:noFill/>
-              <a:ln w="76200">
-                <a:solidFill>
-                  <a:schemeClr val="tx2">
-                    <a:lumMod val="75000"/>
-                  </a:schemeClr>
-                </a:solidFill>
-              </a:ln>
-            </p:spPr>
-            <p:style>
-              <a:lnRef idx="2">
-                <a:schemeClr val="lt1">
-                  <a:hueOff val="0"/>
-                  <a:satOff val="0"/>
-                  <a:lumOff val="0"/>
-                  <a:alphaOff val="0"/>
-                </a:schemeClr>
-              </a:lnRef>
-              <a:fillRef idx="1">
-                <a:schemeClr val="accent1">
-                  <a:hueOff val="0"/>
-                  <a:satOff val="0"/>
-                  <a:lumOff val="0"/>
-                  <a:alphaOff val="0"/>
-                </a:schemeClr>
-              </a:fillRef>
-              <a:effectRef idx="0">
-                <a:schemeClr val="accent1">
-                  <a:hueOff val="0"/>
-                  <a:satOff val="0"/>
-                  <a:lumOff val="0"/>
-                  <a:alphaOff val="0"/>
-                </a:schemeClr>
-              </a:effectRef>
-              <a:fontRef idx="minor">
-                <a:schemeClr val="lt1"/>
-              </a:fontRef>
-            </p:style>
-            <p:txBody>
-              <a:bodyPr spcFirstLastPara="0" vert="horz" wrap="square" lIns="92769" tIns="92769" rIns="92769" bIns="92769" numCol="1" spcCol="1270" anchor="ctr" anchorCtr="0">
-                <a:noAutofit/>
-              </a:bodyPr>
-              <a:lstStyle/>
-              <a:p>
-                <a:pPr lvl="0" algn="ctr" defTabSz="800100">
-                  <a:lnSpc>
-                    <a:spcPct val="90000"/>
-                  </a:lnSpc>
-                  <a:spcBef>
-                    <a:spcPct val="0"/>
-                  </a:spcBef>
-                  <a:spcAft>
-                    <a:spcPct val="35000"/>
-                  </a:spcAft>
-                </a:pPr>
-                <a:r>
-                  <a:rPr lang="en-US" sz="3600" kern="1200" dirty="0" smtClean="0">
-                    <a:solidFill>
-                      <a:schemeClr val="tx1"/>
-                    </a:solidFill>
-                    <a:latin typeface="Arial" panose="020B0604020202020204" pitchFamily="34" charset="0"/>
-                    <a:cs typeface="Arial" panose="020B0604020202020204" pitchFamily="34" charset="0"/>
-                  </a:rPr>
-                  <a:t>Update variables</a:t>
-                </a:r>
-                <a:endParaRPr lang="en-US" sz="3600" kern="1200" dirty="0">
-                  <a:solidFill>
-                    <a:schemeClr val="tx1"/>
-                  </a:solidFill>
-                  <a:latin typeface="Arial" panose="020B0604020202020204" pitchFamily="34" charset="0"/>
-                  <a:cs typeface="Arial" panose="020B0604020202020204" pitchFamily="34" charset="0"/>
-                </a:endParaRPr>
-              </a:p>
-            </p:txBody>
-          </p:sp>
-        </p:grpSp>
-        <p:sp>
-          <p:nvSpPr>
-            <p:cNvPr id="54" name="53 Forma libre"/>
-            <p:cNvSpPr/>
-            <p:nvPr/>
-          </p:nvSpPr>
-          <p:spPr>
-            <a:xfrm rot="21536025">
-              <a:off x="4133290" y="2108673"/>
-              <a:ext cx="868484" cy="244123"/>
-            </a:xfrm>
-            <a:custGeom>
-              <a:avLst/>
-              <a:gdLst>
-                <a:gd name="connsiteX0" fmla="*/ 0 w 311406"/>
-                <a:gd name="connsiteY0" fmla="*/ 74330 h 371649"/>
-                <a:gd name="connsiteX1" fmla="*/ 155703 w 311406"/>
-                <a:gd name="connsiteY1" fmla="*/ 74330 h 371649"/>
-                <a:gd name="connsiteX2" fmla="*/ 155703 w 311406"/>
-                <a:gd name="connsiteY2" fmla="*/ 0 h 371649"/>
-                <a:gd name="connsiteX3" fmla="*/ 311406 w 311406"/>
-                <a:gd name="connsiteY3" fmla="*/ 185825 h 371649"/>
-                <a:gd name="connsiteX4" fmla="*/ 155703 w 311406"/>
-                <a:gd name="connsiteY4" fmla="*/ 371649 h 371649"/>
-                <a:gd name="connsiteX5" fmla="*/ 155703 w 311406"/>
-                <a:gd name="connsiteY5" fmla="*/ 297319 h 371649"/>
-                <a:gd name="connsiteX6" fmla="*/ 0 w 311406"/>
-                <a:gd name="connsiteY6" fmla="*/ 297319 h 371649"/>
-                <a:gd name="connsiteX7" fmla="*/ 0 w 311406"/>
-                <a:gd name="connsiteY7" fmla="*/ 74330 h 371649"/>
-              </a:gdLst>
-              <a:ahLst/>
-              <a:cxnLst>
-                <a:cxn ang="0">
-                  <a:pos x="connsiteX0" y="connsiteY0"/>
-                </a:cxn>
-                <a:cxn ang="0">
-                  <a:pos x="connsiteX1" y="connsiteY1"/>
-                </a:cxn>
-                <a:cxn ang="0">
-                  <a:pos x="connsiteX2" y="connsiteY2"/>
-                </a:cxn>
-                <a:cxn ang="0">
-                  <a:pos x="connsiteX3" y="connsiteY3"/>
-                </a:cxn>
-                <a:cxn ang="0">
-                  <a:pos x="connsiteX4" y="connsiteY4"/>
-                </a:cxn>
-                <a:cxn ang="0">
-                  <a:pos x="connsiteX5" y="connsiteY5"/>
-                </a:cxn>
-                <a:cxn ang="0">
-                  <a:pos x="connsiteX6" y="connsiteY6"/>
-                </a:cxn>
-                <a:cxn ang="0">
-                  <a:pos x="connsiteX7" y="connsiteY7"/>
-                </a:cxn>
-              </a:cxnLst>
-              <a:rect l="l" t="t" r="r" b="b"/>
-              <a:pathLst>
-                <a:path w="311406" h="371649">
-                  <a:moveTo>
-                    <a:pt x="249124" y="1"/>
-                  </a:moveTo>
-                  <a:lnTo>
-                    <a:pt x="249124" y="185825"/>
-                  </a:lnTo>
-                  <a:lnTo>
-                    <a:pt x="311406" y="185825"/>
-                  </a:lnTo>
-                  <a:lnTo>
-                    <a:pt x="155703" y="371648"/>
-                  </a:lnTo>
-                  <a:lnTo>
-                    <a:pt x="0" y="185825"/>
-                  </a:lnTo>
-                  <a:lnTo>
-                    <a:pt x="62282" y="185825"/>
-                  </a:lnTo>
-                  <a:lnTo>
-                    <a:pt x="62282" y="1"/>
-                  </a:lnTo>
-                  <a:lnTo>
-                    <a:pt x="249124" y="1"/>
-                  </a:lnTo>
-                  <a:close/>
-                </a:path>
-              </a:pathLst>
-            </a:custGeom>
-            <a:noFill/>
-            <a:ln w="76200">
-              <a:solidFill>
-                <a:schemeClr val="tx2">
-                  <a:lumMod val="75000"/>
-                </a:schemeClr>
-              </a:solidFill>
-            </a:ln>
-          </p:spPr>
-          <p:style>
-            <a:lnRef idx="0">
-              <a:schemeClr val="accent1">
-                <a:tint val="60000"/>
-                <a:hueOff val="0"/>
-                <a:satOff val="0"/>
-                <a:lumOff val="0"/>
-                <a:alphaOff val="0"/>
-              </a:schemeClr>
-            </a:lnRef>
-            <a:fillRef idx="1">
-              <a:schemeClr val="accent1">
-                <a:tint val="60000"/>
-                <a:hueOff val="0"/>
-                <a:satOff val="0"/>
-                <a:lumOff val="0"/>
-                <a:alphaOff val="0"/>
-              </a:schemeClr>
-            </a:fillRef>
-            <a:effectRef idx="0">
-              <a:schemeClr val="accent1">
-                <a:tint val="60000"/>
-                <a:hueOff val="0"/>
-                <a:satOff val="0"/>
-                <a:lumOff val="0"/>
-                <a:alphaOff val="0"/>
-              </a:schemeClr>
-            </a:effectRef>
-            <a:fontRef idx="minor">
-              <a:schemeClr val="lt1"/>
-            </a:fontRef>
-          </p:style>
-          <p:txBody>
-            <a:bodyPr spcFirstLastPara="0" vert="horz" wrap="square" lIns="74331" tIns="-1" rIns="74329" bIns="93423" numCol="1" spcCol="1270" anchor="ctr" anchorCtr="0">
-              <a:noAutofit/>
-            </a:bodyPr>
-            <a:lstStyle/>
-            <a:p>
-              <a:pPr lvl="0" algn="ctr" defTabSz="622300">
-                <a:lnSpc>
-                  <a:spcPct val="90000"/>
-                </a:lnSpc>
-                <a:spcBef>
-                  <a:spcPct val="0"/>
-                </a:spcBef>
-                <a:spcAft>
-                  <a:spcPct val="35000"/>
-                </a:spcAft>
-              </a:pPr>
-              <a:endParaRPr lang="en-US" sz="1400" kern="1200">
-                <a:solidFill>
-                  <a:schemeClr val="tx1"/>
-                </a:solidFill>
-                <a:latin typeface="Arial" panose="020B0604020202020204" pitchFamily="34" charset="0"/>
-                <a:cs typeface="Arial" panose="020B0604020202020204" pitchFamily="34" charset="0"/>
-              </a:endParaRPr>
-            </a:p>
-          </p:txBody>
-        </p:sp>
-        <p:sp>
-          <p:nvSpPr>
-            <p:cNvPr id="55" name="54 CuadroTexto"/>
-            <p:cNvSpPr txBox="1"/>
-            <p:nvPr/>
-          </p:nvSpPr>
-          <p:spPr>
-            <a:xfrm>
-              <a:off x="2430567" y="2340744"/>
-              <a:ext cx="3735734" cy="275793"/>
-            </a:xfrm>
-            <a:prstGeom prst="rect">
-              <a:avLst/>
-            </a:prstGeom>
-            <a:noFill/>
-          </p:spPr>
-          <p:txBody>
-            <a:bodyPr wrap="square" rtlCol="0">
-              <a:spAutoFit/>
-            </a:bodyPr>
-            <a:lstStyle/>
-            <a:p>
-              <a:r>
-                <a:rPr lang="en-US" sz="3600" dirty="0" smtClean="0">
-                  <a:latin typeface="Arial" panose="020B0604020202020204" pitchFamily="34" charset="0"/>
-                  <a:cs typeface="Arial" panose="020B0604020202020204" pitchFamily="34" charset="0"/>
-                </a:rPr>
-                <a:t>Is it in a collision process?</a:t>
-              </a:r>
-              <a:endParaRPr lang="en-US" sz="3600" dirty="0">
-                <a:latin typeface="Arial" panose="020B0604020202020204" pitchFamily="34" charset="0"/>
-                <a:cs typeface="Arial" panose="020B0604020202020204" pitchFamily="34" charset="0"/>
-              </a:endParaRPr>
-            </a:p>
-          </p:txBody>
-        </p:sp>
-        <p:sp>
-          <p:nvSpPr>
-            <p:cNvPr id="56" name="55 Flecha derecha"/>
-            <p:cNvSpPr/>
-            <p:nvPr/>
-          </p:nvSpPr>
-          <p:spPr>
-            <a:xfrm>
-              <a:off x="6039875" y="2204864"/>
-              <a:ext cx="720080" cy="607422"/>
-            </a:xfrm>
-            <a:prstGeom prst="rightArrow">
-              <a:avLst/>
-            </a:prstGeom>
-            <a:noFill/>
-            <a:ln w="76200">
-              <a:solidFill>
-                <a:srgbClr val="C00000"/>
-              </a:solidFill>
-            </a:ln>
-          </p:spPr>
-          <p:style>
-            <a:lnRef idx="2">
-              <a:schemeClr val="accent1">
-                <a:shade val="50000"/>
-              </a:schemeClr>
-            </a:lnRef>
-            <a:fillRef idx="1">
-              <a:schemeClr val="accent1"/>
-            </a:fillRef>
-            <a:effectRef idx="0">
-              <a:schemeClr val="accent1"/>
-            </a:effectRef>
-            <a:fontRef idx="minor">
-              <a:schemeClr val="lt1"/>
-            </a:fontRef>
-          </p:style>
-          <p:txBody>
-            <a:bodyPr rtlCol="0" anchor="ctr"/>
-            <a:lstStyle/>
-            <a:p>
-              <a:pPr algn="ctr"/>
-              <a:r>
-                <a:rPr lang="en-US" sz="3600" dirty="0" smtClean="0">
-                  <a:solidFill>
-                    <a:schemeClr val="tx1"/>
-                  </a:solidFill>
-                  <a:latin typeface="Arial" panose="020B0604020202020204" pitchFamily="34" charset="0"/>
-                  <a:cs typeface="Arial" panose="020B0604020202020204" pitchFamily="34" charset="0"/>
-                </a:rPr>
-                <a:t>No</a:t>
-              </a:r>
-              <a:endParaRPr lang="en-US" sz="3600" dirty="0">
-                <a:solidFill>
-                  <a:schemeClr val="tx1"/>
-                </a:solidFill>
-                <a:latin typeface="Arial" panose="020B0604020202020204" pitchFamily="34" charset="0"/>
-                <a:cs typeface="Arial" panose="020B0604020202020204" pitchFamily="34" charset="0"/>
-              </a:endParaRPr>
-            </a:p>
-          </p:txBody>
-        </p:sp>
-        <p:sp>
-          <p:nvSpPr>
-            <p:cNvPr id="57" name="56 Forma libre"/>
-            <p:cNvSpPr/>
-            <p:nvPr/>
-          </p:nvSpPr>
-          <p:spPr>
-            <a:xfrm>
-              <a:off x="6831963" y="2195186"/>
-              <a:ext cx="1708394" cy="626778"/>
-            </a:xfrm>
-            <a:custGeom>
-              <a:avLst/>
-              <a:gdLst>
-                <a:gd name="connsiteX0" fmla="*/ 0 w 1708394"/>
-                <a:gd name="connsiteY0" fmla="*/ 82589 h 825887"/>
-                <a:gd name="connsiteX1" fmla="*/ 82589 w 1708394"/>
-                <a:gd name="connsiteY1" fmla="*/ 0 h 825887"/>
-                <a:gd name="connsiteX2" fmla="*/ 1625805 w 1708394"/>
-                <a:gd name="connsiteY2" fmla="*/ 0 h 825887"/>
-                <a:gd name="connsiteX3" fmla="*/ 1708394 w 1708394"/>
-                <a:gd name="connsiteY3" fmla="*/ 82589 h 825887"/>
-                <a:gd name="connsiteX4" fmla="*/ 1708394 w 1708394"/>
-                <a:gd name="connsiteY4" fmla="*/ 743298 h 825887"/>
-                <a:gd name="connsiteX5" fmla="*/ 1625805 w 1708394"/>
-                <a:gd name="connsiteY5" fmla="*/ 825887 h 825887"/>
-                <a:gd name="connsiteX6" fmla="*/ 82589 w 1708394"/>
-                <a:gd name="connsiteY6" fmla="*/ 825887 h 825887"/>
-                <a:gd name="connsiteX7" fmla="*/ 0 w 1708394"/>
-                <a:gd name="connsiteY7" fmla="*/ 743298 h 825887"/>
-                <a:gd name="connsiteX8" fmla="*/ 0 w 1708394"/>
-                <a:gd name="connsiteY8" fmla="*/ 82589 h 825887"/>
-              </a:gdLst>
-              <a:ahLst/>
-              <a:cxnLst>
-                <a:cxn ang="0">
-                  <a:pos x="connsiteX0" y="connsiteY0"/>
-                </a:cxn>
-                <a:cxn ang="0">
-                  <a:pos x="connsiteX1" y="connsiteY1"/>
-                </a:cxn>
-                <a:cxn ang="0">
-                  <a:pos x="connsiteX2" y="connsiteY2"/>
-                </a:cxn>
-                <a:cxn ang="0">
-                  <a:pos x="connsiteX3" y="connsiteY3"/>
-                </a:cxn>
-                <a:cxn ang="0">
-                  <a:pos x="connsiteX4" y="connsiteY4"/>
-                </a:cxn>
-                <a:cxn ang="0">
-                  <a:pos x="connsiteX5" y="connsiteY5"/>
-                </a:cxn>
-                <a:cxn ang="0">
-                  <a:pos x="connsiteX6" y="connsiteY6"/>
-                </a:cxn>
-                <a:cxn ang="0">
-                  <a:pos x="connsiteX7" y="connsiteY7"/>
-                </a:cxn>
-                <a:cxn ang="0">
-                  <a:pos x="connsiteX8" y="connsiteY8"/>
-                </a:cxn>
-              </a:cxnLst>
-              <a:rect l="l" t="t" r="r" b="b"/>
-              <a:pathLst>
-                <a:path w="1708394" h="825887">
-                  <a:moveTo>
-                    <a:pt x="0" y="82589"/>
-                  </a:moveTo>
-                  <a:cubicBezTo>
-                    <a:pt x="0" y="36976"/>
-                    <a:pt x="36976" y="0"/>
-                    <a:pt x="82589" y="0"/>
-                  </a:cubicBezTo>
-                  <a:lnTo>
-                    <a:pt x="1625805" y="0"/>
-                  </a:lnTo>
-                  <a:cubicBezTo>
-                    <a:pt x="1671418" y="0"/>
-                    <a:pt x="1708394" y="36976"/>
-                    <a:pt x="1708394" y="82589"/>
-                  </a:cubicBezTo>
-                  <a:lnTo>
-                    <a:pt x="1708394" y="743298"/>
-                  </a:lnTo>
-                  <a:cubicBezTo>
-                    <a:pt x="1708394" y="788911"/>
-                    <a:pt x="1671418" y="825887"/>
-                    <a:pt x="1625805" y="825887"/>
-                  </a:cubicBezTo>
-                  <a:lnTo>
-                    <a:pt x="82589" y="825887"/>
-                  </a:lnTo>
-                  <a:cubicBezTo>
-                    <a:pt x="36976" y="825887"/>
-                    <a:pt x="0" y="788911"/>
-                    <a:pt x="0" y="743298"/>
-                  </a:cubicBezTo>
-                  <a:lnTo>
-                    <a:pt x="0" y="82589"/>
-                  </a:lnTo>
-                  <a:close/>
-                </a:path>
-              </a:pathLst>
-            </a:custGeom>
-            <a:noFill/>
-            <a:ln w="76200">
-              <a:solidFill>
-                <a:schemeClr val="tx2">
-                  <a:lumMod val="75000"/>
-                </a:schemeClr>
-              </a:solidFill>
-            </a:ln>
-          </p:spPr>
-          <p:style>
-            <a:lnRef idx="2">
-              <a:schemeClr val="lt1">
-                <a:hueOff val="0"/>
-                <a:satOff val="0"/>
-                <a:lumOff val="0"/>
-                <a:alphaOff val="0"/>
-              </a:schemeClr>
-            </a:lnRef>
-            <a:fillRef idx="1">
-              <a:schemeClr val="accent1">
-                <a:hueOff val="0"/>
-                <a:satOff val="0"/>
-                <a:lumOff val="0"/>
-                <a:alphaOff val="0"/>
-              </a:schemeClr>
-            </a:fillRef>
-            <a:effectRef idx="0">
-              <a:schemeClr val="accent1">
-                <a:hueOff val="0"/>
-                <a:satOff val="0"/>
-                <a:lumOff val="0"/>
-                <a:alphaOff val="0"/>
-              </a:schemeClr>
-            </a:effectRef>
-            <a:fontRef idx="minor">
-              <a:schemeClr val="lt1"/>
-            </a:fontRef>
-          </p:style>
-          <p:txBody>
-            <a:bodyPr spcFirstLastPara="0" vert="horz" wrap="square" lIns="92769" tIns="92769" rIns="92769" bIns="92769" numCol="1" spcCol="1270" anchor="ctr" anchorCtr="0">
-              <a:noAutofit/>
-            </a:bodyPr>
-            <a:lstStyle/>
-            <a:p>
-              <a:pPr lvl="0" algn="ctr" defTabSz="800100">
-                <a:lnSpc>
-                  <a:spcPct val="90000"/>
-                </a:lnSpc>
-                <a:spcBef>
-                  <a:spcPct val="0"/>
-                </a:spcBef>
-                <a:spcAft>
-                  <a:spcPct val="35000"/>
-                </a:spcAft>
-              </a:pPr>
-              <a:r>
-                <a:rPr lang="en-US" sz="3600" dirty="0" smtClean="0">
-                  <a:solidFill>
-                    <a:schemeClr val="tx1"/>
-                  </a:solidFill>
-                  <a:latin typeface="Arial" panose="020B0604020202020204" pitchFamily="34" charset="0"/>
-                  <a:cs typeface="Arial" panose="020B0604020202020204" pitchFamily="34" charset="0"/>
-                </a:rPr>
-                <a:t>Finish</a:t>
-              </a:r>
-              <a:endParaRPr lang="en-US" sz="700" kern="1200" dirty="0">
-                <a:solidFill>
-                  <a:schemeClr val="tx1"/>
-                </a:solidFill>
-                <a:latin typeface="Arial" panose="020B0604020202020204" pitchFamily="34" charset="0"/>
-                <a:cs typeface="Arial" panose="020B0604020202020204" pitchFamily="34" charset="0"/>
-              </a:endParaRPr>
-            </a:p>
-          </p:txBody>
-        </p:sp>
-        <p:sp>
-          <p:nvSpPr>
-            <p:cNvPr id="58" name="57 Flecha en U"/>
-            <p:cNvSpPr/>
-            <p:nvPr/>
-          </p:nvSpPr>
-          <p:spPr>
-            <a:xfrm rot="16200000">
-              <a:off x="1520264" y="1872224"/>
-              <a:ext cx="2080408" cy="1017496"/>
-            </a:xfrm>
-            <a:prstGeom prst="uturnArrow">
-              <a:avLst>
-                <a:gd name="adj1" fmla="val 25000"/>
-                <a:gd name="adj2" fmla="val 25000"/>
-                <a:gd name="adj3" fmla="val 25000"/>
-                <a:gd name="adj4" fmla="val 43750"/>
-                <a:gd name="adj5" fmla="val 100000"/>
-              </a:avLst>
-            </a:prstGeom>
-            <a:noFill/>
-            <a:ln w="76200">
-              <a:solidFill>
-                <a:schemeClr val="tx2">
-                  <a:lumMod val="75000"/>
-                </a:schemeClr>
-              </a:solidFill>
-            </a:ln>
-          </p:spPr>
-          <p:style>
-            <a:lnRef idx="2">
-              <a:schemeClr val="accent1">
-                <a:shade val="50000"/>
-              </a:schemeClr>
-            </a:lnRef>
-            <a:fillRef idx="1">
-              <a:schemeClr val="accent1"/>
-            </a:fillRef>
-            <a:effectRef idx="0">
-              <a:schemeClr val="accent1"/>
-            </a:effectRef>
-            <a:fontRef idx="minor">
-              <a:schemeClr val="lt1"/>
-            </a:fontRef>
-          </p:style>
-          <p:txBody>
-            <a:bodyPr rtlCol="0" anchor="ctr"/>
-            <a:lstStyle/>
-            <a:p>
-              <a:pPr algn="ctr"/>
-              <a:endParaRPr lang="en-US" sz="8000" dirty="0">
-                <a:solidFill>
-                  <a:schemeClr val="tx1"/>
-                </a:solidFill>
-                <a:latin typeface="Arial" panose="020B0604020202020204" pitchFamily="34" charset="0"/>
-                <a:cs typeface="Arial" panose="020B0604020202020204" pitchFamily="34" charset="0"/>
-              </a:endParaRPr>
-            </a:p>
-          </p:txBody>
-        </p:sp>
-      </p:grpSp>
-      <mc:AlternateContent xmlns:mc="http://schemas.openxmlformats.org/markup-compatibility/2006" xmlns:a14="http://schemas.microsoft.com/office/drawing/2010/main">
-        <mc:Choice Requires="a14">
-          <p:sp>
-            <p:nvSpPr>
-              <p:cNvPr id="4" name="3 CuadroTexto"/>
-              <p:cNvSpPr txBox="1"/>
-              <p:nvPr/>
-            </p:nvSpPr>
-            <p:spPr>
-              <a:xfrm>
-                <a:off x="1230996" y="26301151"/>
-                <a:ext cx="9346749" cy="2677784"/>
-              </a:xfrm>
-              <a:prstGeom prst="rect">
-                <a:avLst/>
-              </a:prstGeom>
-              <a:noFill/>
-            </p:spPr>
-            <p:txBody>
-              <a:bodyPr wrap="square" rtlCol="0">
-                <a:spAutoFit/>
-              </a:bodyPr>
-              <a:lstStyle/>
-              <a:p>
-                <a14:m>
-                  <m:oMath xmlns:m="http://schemas.openxmlformats.org/officeDocument/2006/math">
-                    <m:sSub>
-                      <m:sSubPr>
-                        <m:ctrlPr>
-                          <a:rPr lang="en-US" sz="4800" i="1" smtClean="0">
-                            <a:latin typeface="Cambria Math" charset="0"/>
-                          </a:rPr>
-                        </m:ctrlPr>
-                      </m:sSubPr>
-                      <m:e>
-                        <m:r>
-                          <a:rPr lang="es-CO" sz="4800" b="0" i="1" smtClean="0">
-                            <a:latin typeface="Cambria Math"/>
-                          </a:rPr>
-                          <m:t>𝑞</m:t>
-                        </m:r>
-                      </m:e>
-                      <m:sub>
-                        <m:r>
-                          <a:rPr lang="es-CO" sz="4800" b="0" i="1" smtClean="0">
-                            <a:latin typeface="Cambria Math"/>
-                          </a:rPr>
-                          <m:t>𝑘</m:t>
-                        </m:r>
-                        <m:r>
-                          <a:rPr lang="es-CO" sz="4800" b="0" i="1" smtClean="0">
-                            <a:latin typeface="Cambria Math"/>
-                          </a:rPr>
-                          <m:t>+1</m:t>
-                        </m:r>
-                      </m:sub>
-                    </m:sSub>
-                    <m:r>
-                      <a:rPr lang="es-CO" sz="4800" b="0" i="1" smtClean="0">
-                        <a:latin typeface="Cambria Math"/>
-                      </a:rPr>
-                      <m:t>=</m:t>
-                    </m:r>
-                  </m:oMath>
-                </a14:m>
-                <a:r>
-                  <a:rPr lang="en-US" sz="4800" dirty="0">
-                    <a:latin typeface="Arial" panose="020B0604020202020204" pitchFamily="34" charset="0"/>
-                    <a:cs typeface="Arial" panose="020B0604020202020204" pitchFamily="34" charset="0"/>
-                  </a:rPr>
-                  <a:t> </a:t>
-                </a:r>
-                <a14:m>
-                  <m:oMath xmlns:m="http://schemas.openxmlformats.org/officeDocument/2006/math">
-                    <m:sSub>
-                      <m:sSubPr>
-                        <m:ctrlPr>
-                          <a:rPr lang="en-US" sz="4800" i="1">
-                            <a:latin typeface="Cambria Math" charset="0"/>
-                          </a:rPr>
-                        </m:ctrlPr>
-                      </m:sSubPr>
-                      <m:e>
-                        <m:r>
-                          <a:rPr lang="es-CO" sz="4800" i="1">
-                            <a:latin typeface="Cambria Math"/>
-                          </a:rPr>
-                          <m:t>𝑞</m:t>
-                        </m:r>
-                      </m:e>
-                      <m:sub>
-                        <m:r>
-                          <a:rPr lang="es-CO" sz="4800" i="1">
-                            <a:latin typeface="Cambria Math"/>
-                          </a:rPr>
-                          <m:t>𝑘</m:t>
-                        </m:r>
-                      </m:sub>
-                    </m:sSub>
-                    <m:r>
-                      <a:rPr lang="es-CO" sz="4800" b="0" i="1" smtClean="0">
-                        <a:latin typeface="Cambria Math"/>
-                      </a:rPr>
-                      <m:t>+</m:t>
-                    </m:r>
-                    <m:r>
-                      <a:rPr lang="es-CO" sz="4800" b="0" i="1" smtClean="0">
-                        <a:latin typeface="Cambria Math"/>
-                        <a:ea typeface="Cambria Math"/>
-                      </a:rPr>
-                      <m:t>∆</m:t>
-                    </m:r>
-                    <m:r>
-                      <a:rPr lang="es-CO" sz="4800" b="0" i="1" smtClean="0">
-                        <a:latin typeface="Cambria Math"/>
-                        <a:ea typeface="Cambria Math"/>
-                      </a:rPr>
-                      <m:t>𝑡</m:t>
-                    </m:r>
-                    <m:sSub>
-                      <m:sSubPr>
-                        <m:ctrlPr>
-                          <a:rPr lang="es-CO" sz="4800" b="0" i="1" smtClean="0">
-                            <a:latin typeface="Cambria Math" charset="0"/>
-                            <a:ea typeface="Cambria Math"/>
-                          </a:rPr>
-                        </m:ctrlPr>
-                      </m:sSubPr>
-                      <m:e>
-                        <m:acc>
-                          <m:accPr>
-                            <m:chr m:val="̇"/>
-                            <m:ctrlPr>
-                              <a:rPr lang="es-CO" sz="4800" b="0" i="1" smtClean="0">
-                                <a:latin typeface="Cambria Math" charset="0"/>
-                                <a:ea typeface="Cambria Math"/>
-                              </a:rPr>
-                            </m:ctrlPr>
-                          </m:accPr>
-                          <m:e>
-                            <m:r>
-                              <a:rPr lang="es-CO" sz="4800" b="0" i="1" smtClean="0">
-                                <a:latin typeface="Cambria Math"/>
-                                <a:ea typeface="Cambria Math"/>
-                              </a:rPr>
-                              <m:t>𝑞</m:t>
-                            </m:r>
-                          </m:e>
-                        </m:acc>
-                      </m:e>
-                      <m:sub>
-                        <m:r>
-                          <a:rPr lang="es-CO" sz="4800" b="0" i="1" smtClean="0">
-                            <a:latin typeface="Cambria Math"/>
-                            <a:ea typeface="Cambria Math"/>
-                          </a:rPr>
-                          <m:t>𝑘</m:t>
-                        </m:r>
-                      </m:sub>
-                    </m:sSub>
-                    <m:r>
-                      <a:rPr lang="es-CO" sz="4800" b="0" i="1" smtClean="0">
-                        <a:latin typeface="Cambria Math"/>
-                        <a:ea typeface="Cambria Math"/>
-                      </a:rPr>
-                      <m:t>+</m:t>
-                    </m:r>
-                    <m:f>
-                      <m:fPr>
-                        <m:ctrlPr>
-                          <a:rPr lang="es-CO" sz="4800" b="0" i="1" smtClean="0">
-                            <a:latin typeface="Cambria Math" charset="0"/>
-                            <a:ea typeface="Cambria Math"/>
-                          </a:rPr>
-                        </m:ctrlPr>
-                      </m:fPr>
-                      <m:num>
-                        <m:r>
-                          <a:rPr lang="es-CO" sz="4800" i="1">
-                            <a:latin typeface="Cambria Math"/>
-                            <a:ea typeface="Cambria Math"/>
-                          </a:rPr>
-                          <m:t>∆</m:t>
-                        </m:r>
-                        <m:sSup>
-                          <m:sSupPr>
-                            <m:ctrlPr>
-                              <a:rPr lang="es-CO" sz="4800" i="1">
-                                <a:latin typeface="Cambria Math" charset="0"/>
-                                <a:ea typeface="Cambria Math"/>
-                              </a:rPr>
-                            </m:ctrlPr>
-                          </m:sSupPr>
-                          <m:e>
-                            <m:r>
-                              <a:rPr lang="es-CO" sz="4800" i="1">
-                                <a:latin typeface="Cambria Math"/>
-                                <a:ea typeface="Cambria Math"/>
-                              </a:rPr>
-                              <m:t>𝑡</m:t>
-                            </m:r>
-                          </m:e>
-                          <m:sup>
-                            <m:r>
-                              <a:rPr lang="es-CO" sz="4800" i="1">
-                                <a:latin typeface="Cambria Math"/>
-                                <a:ea typeface="Cambria Math"/>
-                              </a:rPr>
-                              <m:t>2</m:t>
-                            </m:r>
-                          </m:sup>
-                        </m:sSup>
-                      </m:num>
-                      <m:den>
-                        <m:r>
-                          <a:rPr lang="es-CO" sz="4800" b="0" i="1" smtClean="0">
-                            <a:latin typeface="Cambria Math"/>
-                            <a:ea typeface="Cambria Math"/>
-                          </a:rPr>
-                          <m:t>2</m:t>
-                        </m:r>
-                        <m:r>
-                          <a:rPr lang="es-CO" sz="4800" b="0" i="1" smtClean="0">
-                            <a:latin typeface="Cambria Math"/>
-                            <a:ea typeface="Cambria Math"/>
-                          </a:rPr>
-                          <m:t>𝑚</m:t>
-                        </m:r>
-                      </m:den>
-                    </m:f>
-                    <m:r>
-                      <a:rPr lang="es-CO" sz="4800" b="0" i="1" smtClean="0">
-                        <a:latin typeface="Cambria Math"/>
-                        <a:ea typeface="Cambria Math"/>
-                      </a:rPr>
-                      <m:t>𝐹</m:t>
-                    </m:r>
-                    <m:r>
-                      <a:rPr lang="es-CO" sz="4800" b="0" i="1" smtClean="0">
-                        <a:latin typeface="Cambria Math"/>
-                        <a:ea typeface="Cambria Math"/>
-                      </a:rPr>
-                      <m:t>(</m:t>
-                    </m:r>
-                    <m:sSub>
-                      <m:sSubPr>
-                        <m:ctrlPr>
-                          <a:rPr lang="es-CO" sz="4800" b="0" i="1" smtClean="0">
-                            <a:latin typeface="Cambria Math" charset="0"/>
-                            <a:ea typeface="Cambria Math"/>
-                          </a:rPr>
-                        </m:ctrlPr>
-                      </m:sSubPr>
-                      <m:e>
-                        <m:r>
-                          <a:rPr lang="es-CO" sz="4800" b="0" i="1" smtClean="0">
-                            <a:latin typeface="Cambria Math"/>
-                            <a:ea typeface="Cambria Math"/>
-                          </a:rPr>
-                          <m:t>𝑞</m:t>
-                        </m:r>
-                      </m:e>
-                      <m:sub>
-                        <m:r>
-                          <a:rPr lang="es-CO" sz="4800" b="0" i="1" smtClean="0">
-                            <a:latin typeface="Cambria Math"/>
-                            <a:ea typeface="Cambria Math"/>
-                          </a:rPr>
-                          <m:t>𝑘</m:t>
-                        </m:r>
-                      </m:sub>
-                    </m:sSub>
-                    <m:r>
-                      <a:rPr lang="es-CO" sz="4800" b="0" i="1" smtClean="0">
-                        <a:latin typeface="Cambria Math"/>
-                        <a:ea typeface="Cambria Math"/>
-                      </a:rPr>
-                      <m:t>)</m:t>
-                    </m:r>
-                  </m:oMath>
-                </a14:m>
-                <a:endParaRPr lang="en-US" sz="4800" dirty="0" smtClean="0">
-                  <a:latin typeface="Arial" panose="020B0604020202020204" pitchFamily="34" charset="0"/>
-                  <a:cs typeface="Arial" panose="020B0604020202020204" pitchFamily="34" charset="0"/>
-                </a:endParaRPr>
-              </a:p>
-              <a:p>
-                <a:pPr/>
-                <a14:m>
-                  <m:oMathPara xmlns:m="http://schemas.openxmlformats.org/officeDocument/2006/math">
-                    <m:oMathParaPr>
-                      <m:jc m:val="centerGroup"/>
-                    </m:oMathParaPr>
-                    <m:oMath xmlns:m="http://schemas.openxmlformats.org/officeDocument/2006/math">
-                      <m:sSub>
-                        <m:sSubPr>
-                          <m:ctrlPr>
-                            <a:rPr lang="en-US" sz="4800" i="1">
-                              <a:latin typeface="Cambria Math" charset="0"/>
-                            </a:rPr>
-                          </m:ctrlPr>
-                        </m:sSubPr>
-                        <m:e>
-                          <m:r>
-                            <a:rPr lang="es-CO" sz="4800" i="1">
-                              <a:latin typeface="Cambria Math"/>
-                            </a:rPr>
-                            <m:t>𝑞</m:t>
-                          </m:r>
-                        </m:e>
-                        <m:sub>
-                          <m:r>
-                            <a:rPr lang="es-CO" sz="4800" i="1">
-                              <a:latin typeface="Cambria Math"/>
-                            </a:rPr>
-                            <m:t>𝑘</m:t>
-                          </m:r>
-                          <m:r>
-                            <a:rPr lang="es-CO" sz="4800" i="1">
-                              <a:latin typeface="Cambria Math"/>
-                            </a:rPr>
-                            <m:t>+1</m:t>
-                          </m:r>
-                        </m:sub>
-                      </m:sSub>
-                      <m:r>
-                        <a:rPr lang="es-CO" sz="4800" i="1">
-                          <a:latin typeface="Cambria Math"/>
-                        </a:rPr>
-                        <m:t>=</m:t>
-                      </m:r>
-                      <m:r>
-                        <m:rPr>
-                          <m:nor/>
-                        </m:rPr>
-                        <a:rPr lang="en-US" sz="4800" dirty="0">
-                          <a:latin typeface="Arial" panose="020B0604020202020204" pitchFamily="34" charset="0"/>
-                          <a:cs typeface="Arial" panose="020B0604020202020204" pitchFamily="34" charset="0"/>
-                        </a:rPr>
-                        <m:t> </m:t>
-                      </m:r>
-                      <m:sSub>
-                        <m:sSubPr>
-                          <m:ctrlPr>
-                            <a:rPr lang="es-CO" sz="4800" i="1">
-                              <a:latin typeface="Cambria Math" charset="0"/>
-                              <a:ea typeface="Cambria Math"/>
-                            </a:rPr>
-                          </m:ctrlPr>
-                        </m:sSubPr>
-                        <m:e>
-                          <m:acc>
-                            <m:accPr>
-                              <m:chr m:val="̇"/>
-                              <m:ctrlPr>
-                                <a:rPr lang="es-CO" sz="4800" i="1">
-                                  <a:latin typeface="Cambria Math" charset="0"/>
-                                  <a:ea typeface="Cambria Math"/>
-                                </a:rPr>
-                              </m:ctrlPr>
-                            </m:accPr>
-                            <m:e>
-                              <m:r>
-                                <a:rPr lang="es-CO" sz="4800" i="1">
-                                  <a:latin typeface="Cambria Math"/>
-                                  <a:ea typeface="Cambria Math"/>
-                                </a:rPr>
-                                <m:t>𝑞</m:t>
-                              </m:r>
-                            </m:e>
-                          </m:acc>
-                        </m:e>
-                        <m:sub>
-                          <m:r>
-                            <a:rPr lang="es-CO" sz="4800" i="1">
-                              <a:latin typeface="Cambria Math"/>
-                              <a:ea typeface="Cambria Math"/>
-                            </a:rPr>
-                            <m:t>𝑘</m:t>
-                          </m:r>
-                        </m:sub>
-                      </m:sSub>
-                      <m:r>
-                        <a:rPr lang="es-CO" sz="4800" i="1">
-                          <a:latin typeface="Cambria Math"/>
-                          <a:ea typeface="Cambria Math"/>
-                        </a:rPr>
-                        <m:t>+</m:t>
-                      </m:r>
-                      <m:r>
-                        <a:rPr lang="es-CO" sz="4800" i="1" smtClean="0">
-                          <a:latin typeface="Cambria Math"/>
-                          <a:ea typeface="Cambria Math"/>
-                        </a:rPr>
-                        <m:t>∆</m:t>
-                      </m:r>
-                      <m:r>
-                        <a:rPr lang="es-CO" sz="4800" b="0" i="1" smtClean="0">
-                          <a:latin typeface="Cambria Math"/>
-                          <a:ea typeface="Cambria Math"/>
-                        </a:rPr>
-                        <m:t>𝑡</m:t>
-                      </m:r>
-                      <m:f>
-                        <m:fPr>
-                          <m:ctrlPr>
-                            <a:rPr lang="es-CO" sz="4800" i="1">
-                              <a:latin typeface="Cambria Math" charset="0"/>
-                              <a:ea typeface="Cambria Math"/>
-                            </a:rPr>
-                          </m:ctrlPr>
-                        </m:fPr>
-                        <m:num>
-                          <m:r>
-                            <a:rPr lang="es-CO" sz="4800" i="1">
-                              <a:latin typeface="Cambria Math"/>
-                              <a:ea typeface="Cambria Math"/>
-                            </a:rPr>
-                            <m:t>𝐹</m:t>
-                          </m:r>
-                          <m:d>
-                            <m:dPr>
-                              <m:ctrlPr>
-                                <a:rPr lang="es-CO" sz="4800" i="1">
-                                  <a:latin typeface="Cambria Math" charset="0"/>
-                                  <a:ea typeface="Cambria Math"/>
-                                </a:rPr>
-                              </m:ctrlPr>
-                            </m:dPr>
-                            <m:e>
-                              <m:sSub>
-                                <m:sSubPr>
-                                  <m:ctrlPr>
-                                    <a:rPr lang="es-CO" sz="4800" i="1">
-                                      <a:latin typeface="Cambria Math" charset="0"/>
-                                      <a:ea typeface="Cambria Math"/>
-                                    </a:rPr>
-                                  </m:ctrlPr>
-                                </m:sSubPr>
-                                <m:e>
-                                  <m:r>
-                                    <a:rPr lang="es-CO" sz="4800" i="1">
-                                      <a:latin typeface="Cambria Math"/>
-                                      <a:ea typeface="Cambria Math"/>
-                                    </a:rPr>
-                                    <m:t>𝑞</m:t>
-                                  </m:r>
-                                </m:e>
-                                <m:sub>
-                                  <m:r>
-                                    <a:rPr lang="es-CO" sz="4800" i="1">
-                                      <a:latin typeface="Cambria Math"/>
-                                      <a:ea typeface="Cambria Math"/>
-                                    </a:rPr>
-                                    <m:t>𝑘</m:t>
-                                  </m:r>
-                                </m:sub>
-                              </m:sSub>
-                            </m:e>
-                          </m:d>
-                          <m:r>
-                            <a:rPr lang="es-CO" sz="4800" b="0" i="1" smtClean="0">
-                              <a:latin typeface="Cambria Math"/>
-                              <a:ea typeface="Cambria Math"/>
-                            </a:rPr>
-                            <m:t>+</m:t>
-                          </m:r>
-                          <m:r>
-                            <a:rPr lang="es-CO" sz="4800" i="1">
-                              <a:latin typeface="Cambria Math"/>
-                              <a:ea typeface="Cambria Math"/>
-                            </a:rPr>
-                            <m:t>𝐹</m:t>
-                          </m:r>
-                          <m:r>
-                            <a:rPr lang="es-CO" sz="4800" i="1">
-                              <a:latin typeface="Cambria Math"/>
-                              <a:ea typeface="Cambria Math"/>
-                            </a:rPr>
-                            <m:t>(</m:t>
-                          </m:r>
-                          <m:sSub>
-                            <m:sSubPr>
-                              <m:ctrlPr>
-                                <a:rPr lang="es-CO" sz="4800" i="1">
-                                  <a:latin typeface="Cambria Math" charset="0"/>
-                                  <a:ea typeface="Cambria Math"/>
-                                </a:rPr>
-                              </m:ctrlPr>
-                            </m:sSubPr>
-                            <m:e>
-                              <m:r>
-                                <a:rPr lang="es-CO" sz="4800" i="1">
-                                  <a:latin typeface="Cambria Math"/>
-                                  <a:ea typeface="Cambria Math"/>
-                                </a:rPr>
-                                <m:t>𝑞</m:t>
-                              </m:r>
-                            </m:e>
-                            <m:sub>
-                              <m:r>
-                                <a:rPr lang="es-CO" sz="4800" i="1">
-                                  <a:latin typeface="Cambria Math"/>
-                                  <a:ea typeface="Cambria Math"/>
-                                </a:rPr>
-                                <m:t>𝑘</m:t>
-                              </m:r>
-                              <m:r>
-                                <a:rPr lang="es-CO" sz="4800" b="0" i="1" smtClean="0">
-                                  <a:latin typeface="Cambria Math"/>
-                                  <a:ea typeface="Cambria Math"/>
-                                </a:rPr>
-                                <m:t>+1</m:t>
-                              </m:r>
-                            </m:sub>
-                          </m:sSub>
-                          <m:r>
-                            <a:rPr lang="es-CO" sz="4800" i="1">
-                              <a:latin typeface="Cambria Math"/>
-                              <a:ea typeface="Cambria Math"/>
-                            </a:rPr>
-                            <m:t>)</m:t>
-                          </m:r>
-                        </m:num>
-                        <m:den>
-                          <m:r>
-                            <a:rPr lang="es-CO" sz="4800" i="1">
-                              <a:latin typeface="Cambria Math"/>
-                              <a:ea typeface="Cambria Math"/>
-                            </a:rPr>
-                            <m:t>2</m:t>
-                          </m:r>
-                          <m:r>
-                            <a:rPr lang="es-CO" sz="4800" i="1">
-                              <a:latin typeface="Cambria Math"/>
-                              <a:ea typeface="Cambria Math"/>
-                            </a:rPr>
-                            <m:t>𝑚</m:t>
-                          </m:r>
-                        </m:den>
-                      </m:f>
-                    </m:oMath>
-                  </m:oMathPara>
-                </a14:m>
-                <a:endParaRPr lang="en-US" sz="4800" dirty="0">
-                  <a:latin typeface="Arial" panose="020B0604020202020204" pitchFamily="34" charset="0"/>
-                  <a:cs typeface="Arial" panose="020B0604020202020204" pitchFamily="34" charset="0"/>
-                </a:endParaRPr>
-              </a:p>
-            </p:txBody>
-          </p:sp>
-        </mc:Choice>
-        <mc:Fallback xmlns="">
-          <p:sp>
-            <p:nvSpPr>
-              <p:cNvPr id="4" name="3 CuadroTexto"/>
-              <p:cNvSpPr txBox="1">
-                <a:spLocks noRot="1" noChangeAspect="1" noMove="1" noResize="1" noEditPoints="1" noAdjustHandles="1" noChangeArrowheads="1" noChangeShapeType="1" noTextEdit="1"/>
-              </p:cNvSpPr>
-              <p:nvPr/>
-            </p:nvSpPr>
-            <p:spPr>
-              <a:xfrm>
-                <a:off x="1230996" y="26301151"/>
-                <a:ext cx="9346749" cy="2677784"/>
-              </a:xfrm>
-              <a:prstGeom prst="rect">
-                <a:avLst/>
-              </a:prstGeom>
-              <a:blipFill rotWithShape="1">
-                <a:blip r:embed="rId10"/>
-                <a:stretch>
-                  <a:fillRect/>
-                </a:stretch>
-              </a:blipFill>
-            </p:spPr>
-            <p:txBody>
-              <a:bodyPr/>
-              <a:lstStyle/>
-              <a:p>
-                <a:r>
-                  <a:rPr lang="en-US">
-                    <a:noFill/>
-                  </a:rPr>
-                  <a:t> </a:t>
-                </a:r>
-              </a:p>
-            </p:txBody>
-          </p:sp>
-        </mc:Fallback>
-      </mc:AlternateContent>
-      <p:sp>
-        <p:nvSpPr>
-          <p:cNvPr id="66" name="6 Marcador de texto"/>
-          <p:cNvSpPr txBox="1">
-            <a:spLocks/>
-          </p:cNvSpPr>
-          <p:nvPr/>
-        </p:nvSpPr>
-        <p:spPr>
-          <a:xfrm>
-            <a:off x="1557220" y="24742096"/>
-            <a:ext cx="8052072" cy="1661985"/>
-          </a:xfrm>
-          <a:prstGeom prst="rect">
-            <a:avLst/>
-          </a:prstGeom>
-          <a:noFill/>
-        </p:spPr>
-        <p:txBody>
-          <a:bodyPr vert="horz" wrap="square" lIns="91436" tIns="91436" rIns="91436" bIns="91436" rtlCol="0" anchor="ctr" anchorCtr="0">
-            <a:spAutoFit/>
-          </a:bodyPr>
-          <a:lstStyle>
-            <a:lvl1pPr marL="0" indent="0" algn="ctr" defTabSz="4263487" rtl="0" eaLnBrk="1" latinLnBrk="0" hangingPunct="1">
-              <a:spcBef>
-                <a:spcPct val="20000"/>
-              </a:spcBef>
-              <a:buFont typeface="Arial" panose="020B0604020202020204" pitchFamily="34" charset="0"/>
-              <a:buNone/>
-              <a:defRPr sz="3700" b="1" u="sng" kern="1200" baseline="0">
-                <a:solidFill>
-                  <a:schemeClr val="accent5">
-                    <a:lumMod val="50000"/>
-                  </a:schemeClr>
-                </a:solidFill>
-                <a:latin typeface="+mn-lt"/>
-                <a:ea typeface="+mn-ea"/>
-                <a:cs typeface="+mn-cs"/>
-              </a:defRPr>
-            </a:lvl1pPr>
-            <a:lvl2pPr marL="3464084" indent="-1332341" algn="l" defTabSz="4263487" rtl="0" eaLnBrk="1" latinLnBrk="0" hangingPunct="1">
-              <a:spcBef>
-                <a:spcPct val="20000"/>
-              </a:spcBef>
-              <a:buFont typeface="Arial" panose="020B0604020202020204" pitchFamily="34" charset="0"/>
-              <a:buChar char="–"/>
-              <a:defRPr sz="13100" kern="1200">
-                <a:solidFill>
-                  <a:schemeClr val="tx1"/>
-                </a:solidFill>
-                <a:latin typeface="+mn-lt"/>
-                <a:ea typeface="+mn-ea"/>
-                <a:cs typeface="+mn-cs"/>
-              </a:defRPr>
-            </a:lvl2pPr>
-            <a:lvl3pPr marL="5329359" indent="-1065872" algn="l" defTabSz="4263487" rtl="0" eaLnBrk="1" latinLnBrk="0" hangingPunct="1">
-              <a:spcBef>
-                <a:spcPct val="20000"/>
-              </a:spcBef>
-              <a:buFont typeface="Arial" panose="020B0604020202020204" pitchFamily="34" charset="0"/>
-              <a:buChar char="•"/>
-              <a:defRPr sz="11200" kern="1200">
-                <a:solidFill>
-                  <a:schemeClr val="tx1"/>
-                </a:solidFill>
-                <a:latin typeface="+mn-lt"/>
-                <a:ea typeface="+mn-ea"/>
-                <a:cs typeface="+mn-cs"/>
-              </a:defRPr>
-            </a:lvl3pPr>
-            <a:lvl4pPr marL="7461104" indent="-1065872" algn="l" defTabSz="4263487" rtl="0" eaLnBrk="1" latinLnBrk="0" hangingPunct="1">
-              <a:spcBef>
-                <a:spcPct val="20000"/>
-              </a:spcBef>
-              <a:buFont typeface="Arial" panose="020B0604020202020204" pitchFamily="34" charset="0"/>
-              <a:buChar char="–"/>
-              <a:defRPr sz="9400" kern="1200">
-                <a:solidFill>
-                  <a:schemeClr val="tx1"/>
-                </a:solidFill>
-                <a:latin typeface="+mn-lt"/>
-                <a:ea typeface="+mn-ea"/>
-                <a:cs typeface="+mn-cs"/>
-              </a:defRPr>
-            </a:lvl4pPr>
-            <a:lvl5pPr marL="9592848" indent="-1065872" algn="l" defTabSz="4263487" rtl="0" eaLnBrk="1" latinLnBrk="0" hangingPunct="1">
-              <a:spcBef>
-                <a:spcPct val="20000"/>
-              </a:spcBef>
-              <a:buFont typeface="Arial" panose="020B0604020202020204" pitchFamily="34" charset="0"/>
-              <a:buChar char="»"/>
-              <a:defRPr sz="9400" kern="1200">
-                <a:solidFill>
-                  <a:schemeClr val="tx1"/>
-                </a:solidFill>
-                <a:latin typeface="+mn-lt"/>
-                <a:ea typeface="+mn-ea"/>
-                <a:cs typeface="+mn-cs"/>
-              </a:defRPr>
-            </a:lvl5pPr>
-            <a:lvl6pPr marL="11724591" indent="-1065872" algn="l" defTabSz="4263487" rtl="0" eaLnBrk="1" latinLnBrk="0" hangingPunct="1">
-              <a:spcBef>
-                <a:spcPct val="20000"/>
-              </a:spcBef>
-              <a:buFont typeface="Arial" panose="020B0604020202020204" pitchFamily="34" charset="0"/>
-              <a:buChar char="•"/>
-              <a:defRPr sz="9400" kern="1200">
-                <a:solidFill>
-                  <a:schemeClr val="tx1"/>
-                </a:solidFill>
-                <a:latin typeface="+mn-lt"/>
-                <a:ea typeface="+mn-ea"/>
-                <a:cs typeface="+mn-cs"/>
-              </a:defRPr>
-            </a:lvl6pPr>
-            <a:lvl7pPr marL="13856335" indent="-1065872" algn="l" defTabSz="4263487" rtl="0" eaLnBrk="1" latinLnBrk="0" hangingPunct="1">
-              <a:spcBef>
-                <a:spcPct val="20000"/>
-              </a:spcBef>
-              <a:buFont typeface="Arial" panose="020B0604020202020204" pitchFamily="34" charset="0"/>
-              <a:buChar char="•"/>
-              <a:defRPr sz="9400" kern="1200">
-                <a:solidFill>
-                  <a:schemeClr val="tx1"/>
-                </a:solidFill>
-                <a:latin typeface="+mn-lt"/>
-                <a:ea typeface="+mn-ea"/>
-                <a:cs typeface="+mn-cs"/>
-              </a:defRPr>
-            </a:lvl7pPr>
-            <a:lvl8pPr marL="15988078" indent="-1065872" algn="l" defTabSz="4263487" rtl="0" eaLnBrk="1" latinLnBrk="0" hangingPunct="1">
-              <a:spcBef>
-                <a:spcPct val="20000"/>
-              </a:spcBef>
-              <a:buFont typeface="Arial" panose="020B0604020202020204" pitchFamily="34" charset="0"/>
-              <a:buChar char="•"/>
-              <a:defRPr sz="9400" kern="1200">
-                <a:solidFill>
-                  <a:schemeClr val="tx1"/>
-                </a:solidFill>
-                <a:latin typeface="+mn-lt"/>
-                <a:ea typeface="+mn-ea"/>
-                <a:cs typeface="+mn-cs"/>
-              </a:defRPr>
-            </a:lvl8pPr>
-            <a:lvl9pPr marL="18119822" indent="-1065872" algn="l" defTabSz="4263487" rtl="0" eaLnBrk="1" latinLnBrk="0" hangingPunct="1">
-              <a:spcBef>
-                <a:spcPct val="20000"/>
-              </a:spcBef>
-              <a:buFont typeface="Arial" panose="020B0604020202020204" pitchFamily="34" charset="0"/>
-              <a:buChar char="•"/>
-              <a:defRPr sz="9400" kern="1200">
-                <a:solidFill>
-                  <a:schemeClr val="tx1"/>
-                </a:solidFill>
-                <a:latin typeface="+mn-lt"/>
-                <a:ea typeface="+mn-ea"/>
-                <a:cs typeface="+mn-cs"/>
-              </a:defRPr>
-            </a:lvl9pPr>
-          </a:lstStyle>
-          <a:p>
-            <a:r>
-              <a:rPr lang="en-US" sz="4800" u="none" dirty="0" smtClean="0">
-                <a:solidFill>
-                  <a:schemeClr val="tx2">
-                    <a:lumMod val="60000"/>
-                    <a:lumOff val="40000"/>
-                  </a:schemeClr>
-                </a:solidFill>
-                <a:latin typeface="Arial" panose="020B0604020202020204" pitchFamily="34" charset="0"/>
-                <a:cs typeface="Arial" panose="020B0604020202020204" pitchFamily="34" charset="0"/>
-              </a:rPr>
-              <a:t>Time-stepping integration of the equations of motion</a:t>
-            </a:r>
-            <a:endParaRPr lang="en-US" sz="4800" u="none" dirty="0">
-              <a:solidFill>
-                <a:schemeClr val="tx2">
-                  <a:lumMod val="60000"/>
-                  <a:lumOff val="40000"/>
-                </a:schemeClr>
-              </a:solidFill>
-              <a:latin typeface="Arial" panose="020B0604020202020204" pitchFamily="34" charset="0"/>
-              <a:cs typeface="Arial" panose="020B0604020202020204" pitchFamily="34" charset="0"/>
-            </a:endParaRPr>
-          </a:p>
-        </p:txBody>
-      </p:sp>
-      <p:grpSp>
-        <p:nvGrpSpPr>
-          <p:cNvPr id="26" name="25 Grupo"/>
-          <p:cNvGrpSpPr/>
-          <p:nvPr/>
-        </p:nvGrpSpPr>
-        <p:grpSpPr>
-          <a:xfrm>
-            <a:off x="12279317" y="13090193"/>
-            <a:ext cx="19556309" cy="6426422"/>
-            <a:chOff x="583769" y="2514600"/>
-            <a:chExt cx="8115973" cy="2667000"/>
-          </a:xfrm>
-          <a:noFill/>
-        </p:grpSpPr>
-        <p:sp>
-          <p:nvSpPr>
-            <p:cNvPr id="86" name="Rounded Rectangle 36"/>
-            <p:cNvSpPr/>
-            <p:nvPr/>
-          </p:nvSpPr>
-          <p:spPr bwMode="auto">
-            <a:xfrm>
-              <a:off x="609600" y="3451884"/>
-              <a:ext cx="1994142" cy="762000"/>
-            </a:xfrm>
-            <a:prstGeom prst="roundRect">
-              <a:avLst/>
-            </a:prstGeom>
-            <a:grpFill/>
-            <a:ln w="76200">
-              <a:solidFill>
-                <a:schemeClr val="tx1">
-                  <a:lumMod val="75000"/>
-                  <a:lumOff val="25000"/>
-                </a:schemeClr>
-              </a:solidFill>
-            </a:ln>
-            <a:effectLst/>
-          </p:spPr>
-          <p:style>
-            <a:lnRef idx="1">
-              <a:schemeClr val="accent1"/>
-            </a:lnRef>
-            <a:fillRef idx="3">
-              <a:schemeClr val="accent1"/>
-            </a:fillRef>
-            <a:effectRef idx="2">
-              <a:schemeClr val="accent1"/>
-            </a:effectRef>
-            <a:fontRef idx="minor">
-              <a:schemeClr val="lt1"/>
-            </a:fontRef>
-          </p:style>
-          <p:txBody>
-            <a:bodyPr rtlCol="0" anchor="t" anchorCtr="0"/>
-            <a:lstStyle/>
-            <a:p>
-              <a:pPr algn="ctr"/>
-              <a:r>
-                <a:rPr lang="en-US" sz="2800" b="1" dirty="0" smtClean="0">
-                  <a:solidFill>
-                    <a:srgbClr val="0072B2"/>
-                  </a:solidFill>
-                  <a:latin typeface="Arial" panose="020B0604020202020204" pitchFamily="34" charset="0"/>
-                  <a:cs typeface="Arial" panose="020B0604020202020204" pitchFamily="34" charset="0"/>
-                </a:rPr>
-                <a:t>Reduced inputs</a:t>
-              </a:r>
-              <a:endParaRPr lang="en-US" sz="2000" b="1" dirty="0">
-                <a:solidFill>
-                  <a:srgbClr val="0072B2"/>
-                </a:solidFill>
-                <a:latin typeface="Arial" panose="020B0604020202020204" pitchFamily="34" charset="0"/>
-                <a:cs typeface="Arial" panose="020B0604020202020204" pitchFamily="34" charset="0"/>
-              </a:endParaRPr>
-            </a:p>
-          </p:txBody>
-        </p:sp>
-        <p:pic>
-          <p:nvPicPr>
-            <p:cNvPr id="87" name="Picture 9" descr="txp_fig.png"/>
-            <p:cNvPicPr>
-              <a:picLocks noChangeAspect="1"/>
-            </p:cNvPicPr>
-            <p:nvPr>
-              <p:custDataLst>
-                <p:tags r:id="rId1"/>
-              </p:custDataLst>
-            </p:nvPr>
-          </p:nvPicPr>
-          <p:blipFill>
-            <a:blip r:embed="rId11" cstate="print">
-              <a:clrChange>
-                <a:clrFrom>
-                  <a:srgbClr val="FFFFFF"/>
-                </a:clrFrom>
-                <a:clrTo>
-                  <a:srgbClr val="FFFFFF">
-                    <a:alpha val="0"/>
-                  </a:srgbClr>
-                </a:clrTo>
-              </a:clrChange>
-              <a:extLst>
-                <a:ext uri="{28A0092B-C50C-407E-A947-70E740481C1C}">
-                  <a14:useLocalDpi xmlns:a14="http://schemas.microsoft.com/office/drawing/2010/main" val="0"/>
-                </a:ext>
-              </a:extLst>
-            </a:blip>
-            <a:stretch>
-              <a:fillRect/>
-            </a:stretch>
-          </p:blipFill>
-          <p:spPr bwMode="auto">
-            <a:xfrm>
-              <a:off x="700817" y="3834474"/>
-              <a:ext cx="1824338" cy="242475"/>
-            </a:xfrm>
-            <a:prstGeom prst="rect">
-              <a:avLst/>
-            </a:prstGeom>
-            <a:grpFill/>
-            <a:ln w="76200">
-              <a:noFill/>
-            </a:ln>
-            <a:effectLst/>
-            <a:extLst>
-              <a:ext uri="{AF507438-7753-43E0-B8FC-AC1667EBCBE1}">
-                <a14:hiddenEffects xmlns:a14="http://schemas.microsoft.com/office/drawing/2010/main">
-                  <a:effectLst>
-                    <a:outerShdw blurRad="63500" dist="37357" dir="2700000" rotWithShape="0">
-                      <a:scrgbClr r="0" g="0" b="0"/>
-                    </a:outerShdw>
-                  </a:effectLst>
-                </a14:hiddenEffects>
-              </a:ext>
-              <a:ext uri="{31F19639-BCED-4A60-ADC4-E9642A236FB7}">
-                <a14:hiddenScene3d xmlns:a14="http://schemas.microsoft.com/office/drawing/2010/main">
-                  <a:camera prst="orthographicFront">
-                    <a:rot lat="0" lon="0" rev="0"/>
-                  </a:camera>
-                  <a:lightRig rig="threePt" dir="t">
-                    <a:rot lat="0" lon="0" rev="0"/>
-                  </a:lightRig>
-                </a14:hiddenScene3d>
-              </a:ext>
-              <a:ext uri="{E45631CC-5BF2-4C18-A39C-3461C7D3F71A}">
-                <a14:hiddenSp3d xmlns:a14="http://schemas.microsoft.com/office/drawing/2010/main" extrusionH="457200">
-                  <a:contourClr>
-                    <a:srgbClr val="000000"/>
-                  </a:contourClr>
-                </a14:hiddenSp3d>
-              </a:ext>
-              <a:ext uri="{53640926-AAD7-44D8-BBD7-CCE9431645EC}">
-                <a14:shadowObscured xmlns:a14="http://schemas.microsoft.com/office/drawing/2010/main"/>
-              </a:ext>
-            </a:extLst>
-          </p:spPr>
-        </p:pic>
-        <p:cxnSp>
-          <p:nvCxnSpPr>
-            <p:cNvPr id="88" name="Straight Arrow Connector 31"/>
-            <p:cNvCxnSpPr/>
-            <p:nvPr/>
-          </p:nvCxnSpPr>
-          <p:spPr>
-            <a:xfrm>
-              <a:off x="2667000" y="4070519"/>
-              <a:ext cx="3962400" cy="707572"/>
-            </a:xfrm>
-            <a:prstGeom prst="straightConnector1">
-              <a:avLst/>
-            </a:prstGeom>
-            <a:grpFill/>
-            <a:ln w="76200">
-              <a:solidFill>
-                <a:schemeClr val="tx1">
-                  <a:lumMod val="75000"/>
-                  <a:lumOff val="25000"/>
-                </a:schemeClr>
-              </a:solidFill>
-              <a:headEnd type="none"/>
-              <a:tailEnd type="arrow"/>
-            </a:ln>
-            <a:effectLst/>
-          </p:spPr>
-          <p:style>
-            <a:lnRef idx="1">
-              <a:schemeClr val="accent1"/>
-            </a:lnRef>
-            <a:fillRef idx="3">
-              <a:schemeClr val="accent1"/>
-            </a:fillRef>
-            <a:effectRef idx="2">
-              <a:schemeClr val="accent1"/>
-            </a:effectRef>
-            <a:fontRef idx="minor">
-              <a:schemeClr val="lt1"/>
-            </a:fontRef>
-          </p:style>
-        </p:cxnSp>
-        <p:cxnSp>
-          <p:nvCxnSpPr>
-            <p:cNvPr id="89" name="Straight Arrow Connector 41"/>
-            <p:cNvCxnSpPr/>
-            <p:nvPr/>
-          </p:nvCxnSpPr>
-          <p:spPr>
-            <a:xfrm flipH="1">
-              <a:off x="2667000" y="2941368"/>
-              <a:ext cx="3962400" cy="698504"/>
-            </a:xfrm>
-            <a:prstGeom prst="straightConnector1">
-              <a:avLst/>
-            </a:prstGeom>
-            <a:grpFill/>
-            <a:ln w="76200">
-              <a:solidFill>
-                <a:schemeClr val="tx1">
-                  <a:lumMod val="75000"/>
-                  <a:lumOff val="25000"/>
-                </a:schemeClr>
-              </a:solidFill>
-              <a:headEnd type="none"/>
-              <a:tailEnd type="arrow"/>
-            </a:ln>
-            <a:effectLst/>
-          </p:spPr>
-          <p:style>
-            <a:lnRef idx="1">
-              <a:schemeClr val="accent1"/>
-            </a:lnRef>
-            <a:fillRef idx="3">
-              <a:schemeClr val="accent1"/>
-            </a:fillRef>
-            <a:effectRef idx="2">
-              <a:schemeClr val="accent1"/>
-            </a:effectRef>
-            <a:fontRef idx="minor">
-              <a:schemeClr val="lt1"/>
-            </a:fontRef>
-          </p:style>
-        </p:cxnSp>
-        <p:cxnSp>
-          <p:nvCxnSpPr>
-            <p:cNvPr id="90" name="Straight Arrow Connector 23"/>
-            <p:cNvCxnSpPr/>
-            <p:nvPr/>
-          </p:nvCxnSpPr>
-          <p:spPr>
-            <a:xfrm>
-              <a:off x="7698434" y="3376359"/>
-              <a:ext cx="0" cy="967041"/>
-            </a:xfrm>
-            <a:prstGeom prst="straightConnector1">
-              <a:avLst/>
-            </a:prstGeom>
-            <a:grpFill/>
-            <a:ln w="76200">
-              <a:solidFill>
-                <a:schemeClr val="tx1">
-                  <a:lumMod val="75000"/>
-                  <a:lumOff val="25000"/>
-                </a:schemeClr>
-              </a:solidFill>
-              <a:headEnd type="none"/>
-              <a:tailEnd type="arrow"/>
-            </a:ln>
-            <a:effectLst/>
-          </p:spPr>
-          <p:style>
-            <a:lnRef idx="1">
-              <a:schemeClr val="accent1"/>
-            </a:lnRef>
-            <a:fillRef idx="3">
-              <a:schemeClr val="accent1"/>
-            </a:fillRef>
-            <a:effectRef idx="2">
-              <a:schemeClr val="accent1"/>
-            </a:effectRef>
-            <a:fontRef idx="minor">
-              <a:schemeClr val="lt1"/>
-            </a:fontRef>
-          </p:style>
-        </p:cxnSp>
-        <p:pic>
-          <p:nvPicPr>
-            <p:cNvPr id="91" name="Picture 24" descr="txp_fig.png"/>
-            <p:cNvPicPr>
-              <a:picLocks noChangeAspect="1"/>
-            </p:cNvPicPr>
-            <p:nvPr>
-              <p:custDataLst>
-                <p:tags r:id="rId2"/>
-              </p:custDataLst>
-            </p:nvPr>
-          </p:nvPicPr>
-          <p:blipFill>
-            <a:blip r:embed="rId12" cstate="print">
-              <a:extLst>
-                <a:ext uri="{28A0092B-C50C-407E-A947-70E740481C1C}">
-                  <a14:useLocalDpi xmlns:a14="http://schemas.microsoft.com/office/drawing/2010/main" val="0"/>
-                </a:ext>
-              </a:extLst>
-            </a:blip>
-            <a:stretch>
-              <a:fillRect/>
-            </a:stretch>
-          </p:blipFill>
-          <p:spPr bwMode="auto">
-            <a:xfrm>
-              <a:off x="7823946" y="3746482"/>
-              <a:ext cx="774766" cy="215918"/>
-            </a:xfrm>
-            <a:prstGeom prst="rect">
-              <a:avLst/>
-            </a:prstGeom>
-            <a:grpFill/>
-            <a:ln w="76200">
-              <a:noFill/>
-            </a:ln>
-            <a:effectLst/>
-            <a:extLst>
-              <a:ext uri="{AF507438-7753-43E0-B8FC-AC1667EBCBE1}">
-                <a14:hiddenEffects xmlns:a14="http://schemas.microsoft.com/office/drawing/2010/main">
-                  <a:effectLst>
-                    <a:outerShdw blurRad="63500" dist="37357" dir="2700000" rotWithShape="0">
-                      <a:scrgbClr r="0" g="0" b="0"/>
-                    </a:outerShdw>
-                  </a:effectLst>
-                </a14:hiddenEffects>
-              </a:ext>
-              <a:ext uri="{31F19639-BCED-4A60-ADC4-E9642A236FB7}">
-                <a14:hiddenScene3d xmlns:a14="http://schemas.microsoft.com/office/drawing/2010/main">
-                  <a:camera prst="orthographicFront">
-                    <a:rot lat="0" lon="0" rev="0"/>
-                  </a:camera>
-                  <a:lightRig rig="threePt" dir="t">
-                    <a:rot lat="0" lon="0" rev="0"/>
-                  </a:lightRig>
-                </a14:hiddenScene3d>
-              </a:ext>
-              <a:ext uri="{E45631CC-5BF2-4C18-A39C-3461C7D3F71A}">
-                <a14:hiddenSp3d xmlns:a14="http://schemas.microsoft.com/office/drawing/2010/main" extrusionH="457200">
-                  <a:contourClr>
-                    <a:srgbClr val="000000"/>
-                  </a:contourClr>
-                </a14:hiddenSp3d>
-              </a:ext>
-              <a:ext uri="{53640926-AAD7-44D8-BBD7-CCE9431645EC}">
-                <a14:shadowObscured xmlns:a14="http://schemas.microsoft.com/office/drawing/2010/main"/>
-              </a:ext>
-            </a:extLst>
-          </p:spPr>
-        </p:pic>
-        <p:sp>
-          <p:nvSpPr>
-            <p:cNvPr id="92" name="Rounded Rectangle 25"/>
-            <p:cNvSpPr/>
-            <p:nvPr/>
-          </p:nvSpPr>
-          <p:spPr bwMode="auto">
-            <a:xfrm>
-              <a:off x="6705600" y="2514600"/>
-              <a:ext cx="1994142" cy="762000"/>
-            </a:xfrm>
-            <a:prstGeom prst="roundRect">
-              <a:avLst/>
-            </a:prstGeom>
-            <a:grpFill/>
-            <a:ln w="76200">
-              <a:solidFill>
-                <a:schemeClr val="tx1">
-                  <a:lumMod val="75000"/>
-                  <a:lumOff val="25000"/>
-                </a:schemeClr>
-              </a:solidFill>
-            </a:ln>
-            <a:effectLst/>
-          </p:spPr>
-          <p:style>
-            <a:lnRef idx="1">
-              <a:schemeClr val="accent1"/>
-            </a:lnRef>
-            <a:fillRef idx="3">
-              <a:schemeClr val="accent1"/>
-            </a:fillRef>
-            <a:effectRef idx="2">
-              <a:schemeClr val="accent1"/>
-            </a:effectRef>
-            <a:fontRef idx="minor">
-              <a:schemeClr val="lt1"/>
-            </a:fontRef>
-          </p:style>
-          <p:txBody>
-            <a:bodyPr rtlCol="0" anchor="t" anchorCtr="0"/>
-            <a:lstStyle/>
-            <a:p>
-              <a:pPr algn="ctr"/>
-              <a:r>
-                <a:rPr lang="en-US" sz="2800" b="1" dirty="0">
-                  <a:solidFill>
-                    <a:srgbClr val="0072B2"/>
-                  </a:solidFill>
-                  <a:latin typeface="Arial" panose="020B0604020202020204" pitchFamily="34" charset="0"/>
-                  <a:cs typeface="Arial" panose="020B0604020202020204" pitchFamily="34" charset="0"/>
-                </a:rPr>
-                <a:t>Inputs</a:t>
-              </a:r>
-              <a:r>
-                <a:rPr lang="en-US" sz="2800" dirty="0">
-                  <a:solidFill>
-                    <a:srgbClr val="0072B2"/>
-                  </a:solidFill>
-                  <a:latin typeface="Arial" panose="020B0604020202020204" pitchFamily="34" charset="0"/>
-                  <a:cs typeface="Arial" panose="020B0604020202020204" pitchFamily="34" charset="0"/>
-                </a:rPr>
-                <a:t> </a:t>
-              </a:r>
-              <a:r>
-                <a:rPr lang="en-US" sz="2800" dirty="0" smtClean="0">
-                  <a:solidFill>
-                    <a:schemeClr val="tx1">
-                      <a:lumMod val="75000"/>
-                      <a:lumOff val="25000"/>
-                    </a:schemeClr>
-                  </a:solidFill>
-                  <a:latin typeface="Arial" panose="020B0604020202020204" pitchFamily="34" charset="0"/>
-                  <a:cs typeface="Arial" panose="020B0604020202020204" pitchFamily="34" charset="0"/>
-                </a:rPr>
-                <a:t/>
-              </a:r>
-              <a:br>
-                <a:rPr lang="en-US" sz="2800" dirty="0" smtClean="0">
-                  <a:solidFill>
-                    <a:schemeClr val="tx1">
-                      <a:lumMod val="75000"/>
-                      <a:lumOff val="25000"/>
-                    </a:schemeClr>
-                  </a:solidFill>
-                  <a:latin typeface="Arial" panose="020B0604020202020204" pitchFamily="34" charset="0"/>
-                  <a:cs typeface="Arial" panose="020B0604020202020204" pitchFamily="34" charset="0"/>
-                </a:rPr>
-              </a:br>
-              <a:r>
-                <a:rPr lang="en-US" sz="2800" dirty="0" smtClean="0">
-                  <a:solidFill>
-                    <a:schemeClr val="tx1">
-                      <a:lumMod val="75000"/>
-                      <a:lumOff val="25000"/>
-                    </a:schemeClr>
-                  </a:solidFill>
-                  <a:latin typeface="Arial" panose="020B0604020202020204" pitchFamily="34" charset="0"/>
-                  <a:cs typeface="Arial" panose="020B0604020202020204" pitchFamily="34" charset="0"/>
-                </a:rPr>
-                <a:t>(</a:t>
-              </a:r>
-              <a:r>
-                <a:rPr lang="en-US" sz="2800" dirty="0">
-                  <a:solidFill>
-                    <a:schemeClr val="tx1">
-                      <a:lumMod val="75000"/>
-                      <a:lumOff val="25000"/>
-                    </a:schemeClr>
-                  </a:solidFill>
-                  <a:latin typeface="Arial" panose="020B0604020202020204" pitchFamily="34" charset="0"/>
-                  <a:cs typeface="Arial" panose="020B0604020202020204" pitchFamily="34" charset="0"/>
-                </a:rPr>
-                <a:t>sources </a:t>
-              </a:r>
-              <a:r>
-                <a:rPr lang="en-US" sz="2800" dirty="0" smtClean="0">
-                  <a:solidFill>
-                    <a:schemeClr val="tx1">
-                      <a:lumMod val="75000"/>
-                      <a:lumOff val="25000"/>
-                    </a:schemeClr>
-                  </a:solidFill>
-                  <a:latin typeface="Arial" panose="020B0604020202020204" pitchFamily="34" charset="0"/>
-                  <a:cs typeface="Arial" panose="020B0604020202020204" pitchFamily="34" charset="0"/>
-                </a:rPr>
-                <a:t>of uncertainty)</a:t>
-              </a:r>
-            </a:p>
-            <a:p>
-              <a:pPr algn="ctr"/>
-              <a:endParaRPr lang="en-US" sz="2000" dirty="0">
-                <a:solidFill>
-                  <a:schemeClr val="tx1">
-                    <a:lumMod val="75000"/>
-                    <a:lumOff val="25000"/>
-                  </a:schemeClr>
-                </a:solidFill>
-                <a:latin typeface="Arial" panose="020B0604020202020204" pitchFamily="34" charset="0"/>
-                <a:cs typeface="Arial" panose="020B0604020202020204" pitchFamily="34" charset="0"/>
-              </a:endParaRPr>
-            </a:p>
-          </p:txBody>
-        </p:sp>
-        <p:pic>
-          <p:nvPicPr>
-            <p:cNvPr id="93" name="Picture 27" descr="txp_fig.png"/>
-            <p:cNvPicPr>
-              <a:picLocks noChangeAspect="1"/>
-            </p:cNvPicPr>
-            <p:nvPr>
-              <p:custDataLst>
-                <p:tags r:id="rId3"/>
-              </p:custDataLst>
-            </p:nvPr>
-          </p:nvPicPr>
-          <p:blipFill>
-            <a:blip r:embed="rId13" cstate="print">
-              <a:clrChange>
-                <a:clrFrom>
-                  <a:srgbClr val="FFFFFF"/>
-                </a:clrFrom>
-                <a:clrTo>
-                  <a:srgbClr val="FFFFFF">
-                    <a:alpha val="0"/>
-                  </a:srgbClr>
-                </a:clrTo>
-              </a:clrChange>
-              <a:extLst>
-                <a:ext uri="{28A0092B-C50C-407E-A947-70E740481C1C}">
-                  <a14:useLocalDpi xmlns:a14="http://schemas.microsoft.com/office/drawing/2010/main" val="0"/>
-                </a:ext>
-              </a:extLst>
-            </a:blip>
-            <a:stretch>
-              <a:fillRect/>
-            </a:stretch>
-          </p:blipFill>
-          <p:spPr bwMode="auto">
-            <a:xfrm>
-              <a:off x="7315865" y="2980809"/>
-              <a:ext cx="773612" cy="230929"/>
-            </a:xfrm>
-            <a:prstGeom prst="rect">
-              <a:avLst/>
-            </a:prstGeom>
-            <a:grpFill/>
-            <a:ln w="76200">
-              <a:noFill/>
-            </a:ln>
-            <a:effectLst/>
-            <a:extLst>
-              <a:ext uri="{AF507438-7753-43E0-B8FC-AC1667EBCBE1}">
-                <a14:hiddenEffects xmlns:a14="http://schemas.microsoft.com/office/drawing/2010/main">
-                  <a:effectLst>
-                    <a:outerShdw blurRad="63500" dist="37357" dir="2700000" rotWithShape="0">
-                      <a:scrgbClr r="0" g="0" b="0"/>
-                    </a:outerShdw>
-                  </a:effectLst>
-                </a14:hiddenEffects>
-              </a:ext>
-              <a:ext uri="{31F19639-BCED-4A60-ADC4-E9642A236FB7}">
-                <a14:hiddenScene3d xmlns:a14="http://schemas.microsoft.com/office/drawing/2010/main">
-                  <a:camera prst="orthographicFront">
-                    <a:rot lat="0" lon="0" rev="0"/>
-                  </a:camera>
-                  <a:lightRig rig="threePt" dir="t">
-                    <a:rot lat="0" lon="0" rev="0"/>
-                  </a:lightRig>
-                </a14:hiddenScene3d>
-              </a:ext>
-              <a:ext uri="{E45631CC-5BF2-4C18-A39C-3461C7D3F71A}">
-                <a14:hiddenSp3d xmlns:a14="http://schemas.microsoft.com/office/drawing/2010/main" extrusionH="457200">
-                  <a:contourClr>
-                    <a:srgbClr val="000000"/>
-                  </a:contourClr>
-                </a14:hiddenSp3d>
-              </a:ext>
-              <a:ext uri="{53640926-AAD7-44D8-BBD7-CCE9431645EC}">
-                <a14:shadowObscured xmlns:a14="http://schemas.microsoft.com/office/drawing/2010/main"/>
-              </a:ext>
-            </a:extLst>
-          </p:spPr>
-        </p:pic>
-        <p:sp>
-          <p:nvSpPr>
-            <p:cNvPr id="94" name="Rounded Rectangle 29"/>
-            <p:cNvSpPr/>
-            <p:nvPr/>
-          </p:nvSpPr>
-          <p:spPr bwMode="auto">
-            <a:xfrm>
-              <a:off x="6705600" y="4419600"/>
-              <a:ext cx="1994142" cy="762000"/>
-            </a:xfrm>
-            <a:prstGeom prst="roundRect">
-              <a:avLst/>
-            </a:prstGeom>
-            <a:grpFill/>
-            <a:ln w="76200">
-              <a:solidFill>
-                <a:schemeClr val="tx1">
-                  <a:lumMod val="75000"/>
-                  <a:lumOff val="25000"/>
-                </a:schemeClr>
-              </a:solidFill>
-            </a:ln>
-            <a:effectLst/>
-          </p:spPr>
-          <p:style>
-            <a:lnRef idx="1">
-              <a:schemeClr val="accent1"/>
-            </a:lnRef>
-            <a:fillRef idx="3">
-              <a:schemeClr val="accent1"/>
-            </a:fillRef>
-            <a:effectRef idx="2">
-              <a:schemeClr val="accent1"/>
-            </a:effectRef>
-            <a:fontRef idx="minor">
-              <a:schemeClr val="lt1"/>
-            </a:fontRef>
-          </p:style>
-          <p:txBody>
-            <a:bodyPr rtlCol="0" anchor="t" anchorCtr="0"/>
-            <a:lstStyle/>
-            <a:p>
-              <a:pPr algn="ctr"/>
-              <a:r>
-                <a:rPr lang="en-US" sz="2800" b="1" dirty="0" smtClean="0">
-                  <a:solidFill>
-                    <a:srgbClr val="0072B2"/>
-                  </a:solidFill>
-                  <a:latin typeface="Arial" panose="020B0604020202020204" pitchFamily="34" charset="0"/>
-                  <a:cs typeface="Arial" panose="020B0604020202020204" pitchFamily="34" charset="0"/>
-                </a:rPr>
-                <a:t>Output</a:t>
-              </a:r>
-              <a:r>
-                <a:rPr lang="en-US" sz="2800" dirty="0" smtClean="0">
-                  <a:solidFill>
-                    <a:srgbClr val="0072B2"/>
-                  </a:solidFill>
-                  <a:latin typeface="Arial" panose="020B0604020202020204" pitchFamily="34" charset="0"/>
-                  <a:cs typeface="Arial" panose="020B0604020202020204" pitchFamily="34" charset="0"/>
-                </a:rPr>
-                <a:t> </a:t>
-              </a:r>
-              <a:r>
-                <a:rPr lang="en-US" sz="2800" dirty="0" smtClean="0">
-                  <a:solidFill>
-                    <a:schemeClr val="tx1">
-                      <a:lumMod val="75000"/>
-                      <a:lumOff val="25000"/>
-                    </a:schemeClr>
-                  </a:solidFill>
-                  <a:latin typeface="Arial" panose="020B0604020202020204" pitchFamily="34" charset="0"/>
-                  <a:cs typeface="Arial" panose="020B0604020202020204" pitchFamily="34" charset="0"/>
-                </a:rPr>
-                <a:t/>
-              </a:r>
-              <a:br>
-                <a:rPr lang="en-US" sz="2800" dirty="0" smtClean="0">
-                  <a:solidFill>
-                    <a:schemeClr val="tx1">
-                      <a:lumMod val="75000"/>
-                      <a:lumOff val="25000"/>
-                    </a:schemeClr>
-                  </a:solidFill>
-                  <a:latin typeface="Arial" panose="020B0604020202020204" pitchFamily="34" charset="0"/>
-                  <a:cs typeface="Arial" panose="020B0604020202020204" pitchFamily="34" charset="0"/>
-                </a:rPr>
-              </a:br>
-              <a:r>
-                <a:rPr lang="en-US" sz="2800" dirty="0" smtClean="0">
-                  <a:solidFill>
-                    <a:schemeClr val="tx1">
-                      <a:lumMod val="75000"/>
-                      <a:lumOff val="25000"/>
-                    </a:schemeClr>
-                  </a:solidFill>
-                  <a:latin typeface="Arial" panose="020B0604020202020204" pitchFamily="34" charset="0"/>
-                  <a:cs typeface="Arial" panose="020B0604020202020204" pitchFamily="34" charset="0"/>
-                </a:rPr>
-                <a:t>(quantities of </a:t>
-              </a:r>
-              <a:r>
-                <a:rPr lang="en-US" sz="2800" dirty="0">
-                  <a:solidFill>
-                    <a:schemeClr val="tx1">
-                      <a:lumMod val="75000"/>
-                      <a:lumOff val="25000"/>
-                    </a:schemeClr>
-                  </a:solidFill>
-                  <a:latin typeface="Arial" panose="020B0604020202020204" pitchFamily="34" charset="0"/>
-                  <a:cs typeface="Arial" panose="020B0604020202020204" pitchFamily="34" charset="0"/>
-                </a:rPr>
-                <a:t>interest</a:t>
-              </a:r>
-              <a:r>
-                <a:rPr lang="en-US" sz="2800" dirty="0" smtClean="0">
-                  <a:solidFill>
-                    <a:schemeClr val="tx1">
-                      <a:lumMod val="75000"/>
-                      <a:lumOff val="25000"/>
-                    </a:schemeClr>
-                  </a:solidFill>
-                  <a:latin typeface="Arial" panose="020B0604020202020204" pitchFamily="34" charset="0"/>
-                  <a:cs typeface="Arial" panose="020B0604020202020204" pitchFamily="34" charset="0"/>
-                </a:rPr>
-                <a:t>)</a:t>
-              </a:r>
-            </a:p>
-            <a:p>
-              <a:pPr algn="ctr"/>
-              <a:endParaRPr lang="en-US" sz="2000" dirty="0">
-                <a:solidFill>
-                  <a:schemeClr val="tx1">
-                    <a:lumMod val="75000"/>
-                    <a:lumOff val="25000"/>
-                  </a:schemeClr>
-                </a:solidFill>
-                <a:latin typeface="Arial" panose="020B0604020202020204" pitchFamily="34" charset="0"/>
-                <a:cs typeface="Arial" panose="020B0604020202020204" pitchFamily="34" charset="0"/>
-              </a:endParaRPr>
-            </a:p>
-          </p:txBody>
-        </p:sp>
-        <p:pic>
-          <p:nvPicPr>
-            <p:cNvPr id="95" name="Picture 3" descr="txp_fig.png"/>
-            <p:cNvPicPr>
-              <a:picLocks noChangeAspect="1"/>
-            </p:cNvPicPr>
-            <p:nvPr>
-              <p:custDataLst>
-                <p:tags r:id="rId4"/>
-              </p:custDataLst>
-            </p:nvPr>
-          </p:nvPicPr>
-          <p:blipFill>
-            <a:blip r:embed="rId14" cstate="print">
-              <a:clrChange>
-                <a:clrFrom>
-                  <a:srgbClr val="FFFFFF"/>
-                </a:clrFrom>
-                <a:clrTo>
-                  <a:srgbClr val="FFFFFF">
-                    <a:alpha val="0"/>
-                  </a:srgbClr>
-                </a:clrTo>
-              </a:clrChange>
-              <a:extLst>
-                <a:ext uri="{28A0092B-C50C-407E-A947-70E740481C1C}">
-                  <a14:useLocalDpi xmlns:a14="http://schemas.microsoft.com/office/drawing/2010/main" val="0"/>
-                </a:ext>
-              </a:extLst>
-            </a:blip>
-            <a:stretch>
-              <a:fillRect/>
-            </a:stretch>
-          </p:blipFill>
-          <p:spPr bwMode="auto">
-            <a:xfrm>
-              <a:off x="6965232" y="4882852"/>
-              <a:ext cx="1466398" cy="230929"/>
-            </a:xfrm>
-            <a:prstGeom prst="rect">
-              <a:avLst/>
-            </a:prstGeom>
-            <a:grpFill/>
-            <a:ln w="76200">
-              <a:noFill/>
-            </a:ln>
-            <a:effectLst/>
-            <a:extLst>
-              <a:ext uri="{AF507438-7753-43E0-B8FC-AC1667EBCBE1}">
-                <a14:hiddenEffects xmlns:a14="http://schemas.microsoft.com/office/drawing/2010/main">
-                  <a:effectLst>
-                    <a:outerShdw blurRad="63500" dist="37357" dir="2700000" rotWithShape="0">
-                      <a:scrgbClr r="0" g="0" b="0"/>
-                    </a:outerShdw>
-                  </a:effectLst>
-                </a14:hiddenEffects>
-              </a:ext>
-              <a:ext uri="{31F19639-BCED-4A60-ADC4-E9642A236FB7}">
-                <a14:hiddenScene3d xmlns:a14="http://schemas.microsoft.com/office/drawing/2010/main">
-                  <a:camera prst="orthographicFront">
-                    <a:rot lat="0" lon="0" rev="0"/>
-                  </a:camera>
-                  <a:lightRig rig="threePt" dir="t">
-                    <a:rot lat="0" lon="0" rev="0"/>
-                  </a:lightRig>
-                </a14:hiddenScene3d>
-              </a:ext>
-              <a:ext uri="{E45631CC-5BF2-4C18-A39C-3461C7D3F71A}">
-                <a14:hiddenSp3d xmlns:a14="http://schemas.microsoft.com/office/drawing/2010/main" extrusionH="457200">
-                  <a:contourClr>
-                    <a:srgbClr val="000000"/>
-                  </a:contourClr>
-                </a14:hiddenSp3d>
-              </a:ext>
-              <a:ext uri="{53640926-AAD7-44D8-BBD7-CCE9431645EC}">
-                <a14:shadowObscured xmlns:a14="http://schemas.microsoft.com/office/drawing/2010/main"/>
-              </a:ext>
-            </a:extLst>
-          </p:spPr>
-        </p:pic>
-        <p:sp>
-          <p:nvSpPr>
-            <p:cNvPr id="96" name="Rounded Rectangle 32"/>
-            <p:cNvSpPr/>
-            <p:nvPr/>
-          </p:nvSpPr>
-          <p:spPr bwMode="auto">
-            <a:xfrm>
-              <a:off x="3570841" y="2842284"/>
-              <a:ext cx="1994142" cy="762000"/>
-            </a:xfrm>
-            <a:prstGeom prst="roundRect">
-              <a:avLst/>
-            </a:prstGeom>
-            <a:solidFill>
-              <a:schemeClr val="bg1"/>
-            </a:solidFill>
-            <a:ln w="76200">
-              <a:solidFill>
-                <a:schemeClr val="tx1">
-                  <a:lumMod val="75000"/>
-                  <a:lumOff val="25000"/>
-                </a:schemeClr>
-              </a:solidFill>
-            </a:ln>
-            <a:effectLst/>
-          </p:spPr>
-          <p:style>
-            <a:lnRef idx="1">
-              <a:schemeClr val="accent1"/>
-            </a:lnRef>
-            <a:fillRef idx="3">
-              <a:schemeClr val="accent1"/>
-            </a:fillRef>
-            <a:effectRef idx="2">
-              <a:schemeClr val="accent1"/>
-            </a:effectRef>
-            <a:fontRef idx="minor">
-              <a:schemeClr val="lt1"/>
-            </a:fontRef>
-          </p:style>
-          <p:txBody>
-            <a:bodyPr lIns="0" tIns="0" rIns="0" rtlCol="0" anchor="t" anchorCtr="0"/>
-            <a:lstStyle/>
-            <a:p>
-              <a:pPr algn="ctr"/>
-              <a:r>
-                <a:rPr lang="en-US" sz="2800" dirty="0" smtClean="0">
-                  <a:solidFill>
-                    <a:schemeClr val="tx1">
-                      <a:lumMod val="75000"/>
-                      <a:lumOff val="25000"/>
-                    </a:schemeClr>
-                  </a:solidFill>
-                  <a:latin typeface="Arial" panose="020B0604020202020204" pitchFamily="34" charset="0"/>
-                  <a:cs typeface="Arial" panose="020B0604020202020204" pitchFamily="34" charset="0"/>
-                </a:rPr>
-                <a:t>Discover and exploit</a:t>
-              </a:r>
-            </a:p>
-            <a:p>
-              <a:pPr algn="ctr"/>
-              <a:r>
-                <a:rPr lang="en-US" sz="2800" b="1" dirty="0" smtClean="0">
-                  <a:solidFill>
-                    <a:srgbClr val="0072B2"/>
-                  </a:solidFill>
-                  <a:latin typeface="Arial" panose="020B0604020202020204" pitchFamily="34" charset="0"/>
-                  <a:cs typeface="Arial" panose="020B0604020202020204" pitchFamily="34" charset="0"/>
-                </a:rPr>
-                <a:t>Active Subspaces</a:t>
-              </a:r>
-            </a:p>
-            <a:p>
-              <a:pPr algn="ctr"/>
-              <a:r>
-                <a:rPr lang="en-US" sz="2800" dirty="0" smtClean="0">
-                  <a:solidFill>
-                    <a:schemeClr val="tx1">
-                      <a:lumMod val="75000"/>
-                      <a:lumOff val="25000"/>
-                    </a:schemeClr>
-                  </a:solidFill>
-                  <a:latin typeface="Arial" panose="020B0604020202020204" pitchFamily="34" charset="0"/>
-                  <a:cs typeface="Arial" panose="020B0604020202020204" pitchFamily="34" charset="0"/>
-                </a:rPr>
-                <a:t>(where response </a:t>
-              </a:r>
-              <a:r>
-                <a:rPr lang="en-US" sz="2800" dirty="0">
-                  <a:solidFill>
-                    <a:schemeClr val="tx1">
-                      <a:lumMod val="75000"/>
-                      <a:lumOff val="25000"/>
-                    </a:schemeClr>
-                  </a:solidFill>
-                  <a:latin typeface="Arial" panose="020B0604020202020204" pitchFamily="34" charset="0"/>
-                  <a:cs typeface="Arial" panose="020B0604020202020204" pitchFamily="34" charset="0"/>
-                </a:rPr>
-                <a:t>exhibits maximal </a:t>
-              </a:r>
-              <a:r>
-                <a:rPr lang="en-US" sz="2800" dirty="0" smtClean="0">
-                  <a:solidFill>
-                    <a:schemeClr val="tx1">
-                      <a:lumMod val="75000"/>
-                      <a:lumOff val="25000"/>
-                    </a:schemeClr>
-                  </a:solidFill>
-                  <a:latin typeface="Arial" panose="020B0604020202020204" pitchFamily="34" charset="0"/>
-                  <a:cs typeface="Arial" panose="020B0604020202020204" pitchFamily="34" charset="0"/>
-                </a:rPr>
-                <a:t>variability)</a:t>
-              </a:r>
-            </a:p>
-            <a:p>
-              <a:pPr algn="ctr"/>
-              <a:endParaRPr lang="en-US" sz="2000" dirty="0">
-                <a:solidFill>
-                  <a:schemeClr val="tx1">
-                    <a:lumMod val="75000"/>
-                    <a:lumOff val="25000"/>
-                  </a:schemeClr>
-                </a:solidFill>
-                <a:latin typeface="Arial" panose="020B0604020202020204" pitchFamily="34" charset="0"/>
-                <a:cs typeface="Arial" panose="020B0604020202020204" pitchFamily="34" charset="0"/>
-              </a:endParaRPr>
-            </a:p>
-          </p:txBody>
-        </p:sp>
-        <p:sp>
-          <p:nvSpPr>
-            <p:cNvPr id="97" name="Rounded Rectangle 34"/>
-            <p:cNvSpPr/>
-            <p:nvPr/>
-          </p:nvSpPr>
-          <p:spPr bwMode="auto">
-            <a:xfrm>
-              <a:off x="3570841" y="4061484"/>
-              <a:ext cx="1994142" cy="762000"/>
-            </a:xfrm>
-            <a:prstGeom prst="roundRect">
-              <a:avLst/>
-            </a:prstGeom>
-            <a:solidFill>
-              <a:schemeClr val="bg1"/>
-            </a:solidFill>
-            <a:ln w="76200">
-              <a:solidFill>
-                <a:schemeClr val="tx1">
-                  <a:lumMod val="75000"/>
-                  <a:lumOff val="25000"/>
-                </a:schemeClr>
-              </a:solidFill>
-            </a:ln>
-            <a:effectLst/>
-          </p:spPr>
-          <p:style>
-            <a:lnRef idx="1">
-              <a:schemeClr val="accent1"/>
-            </a:lnRef>
-            <a:fillRef idx="3">
-              <a:schemeClr val="accent1"/>
-            </a:fillRef>
-            <a:effectRef idx="2">
-              <a:schemeClr val="accent1"/>
-            </a:effectRef>
-            <a:fontRef idx="minor">
-              <a:schemeClr val="lt1"/>
-            </a:fontRef>
-          </p:style>
-          <p:txBody>
-            <a:bodyPr lIns="0" rIns="0" rtlCol="0" anchor="t" anchorCtr="0"/>
-            <a:lstStyle/>
-            <a:p>
-              <a:pPr algn="ctr"/>
-              <a:r>
-                <a:rPr lang="en-US" sz="2800" dirty="0">
-                  <a:solidFill>
-                    <a:schemeClr val="tx1">
-                      <a:lumMod val="75000"/>
-                      <a:lumOff val="25000"/>
-                    </a:schemeClr>
-                  </a:solidFill>
-                  <a:latin typeface="Arial" panose="020B0604020202020204" pitchFamily="34" charset="0"/>
-                  <a:cs typeface="Arial" panose="020B0604020202020204" pitchFamily="34" charset="0"/>
-                </a:rPr>
-                <a:t>Use a </a:t>
-              </a:r>
-              <a:r>
-                <a:rPr lang="en-US" sz="2800" b="1" dirty="0" smtClean="0">
-                  <a:solidFill>
-                    <a:srgbClr val="0072B2"/>
-                  </a:solidFill>
-                  <a:latin typeface="Arial" panose="020B0604020202020204" pitchFamily="34" charset="0"/>
-                  <a:cs typeface="Arial" panose="020B0604020202020204" pitchFamily="34" charset="0"/>
-                </a:rPr>
-                <a:t>Gaussian Process </a:t>
-              </a:r>
-              <a:r>
-                <a:rPr lang="en-US" sz="2800" dirty="0" smtClean="0">
-                  <a:solidFill>
-                    <a:schemeClr val="tx1">
-                      <a:lumMod val="75000"/>
-                      <a:lumOff val="25000"/>
-                    </a:schemeClr>
-                  </a:solidFill>
-                  <a:latin typeface="Arial" panose="020B0604020202020204" pitchFamily="34" charset="0"/>
-                  <a:cs typeface="Arial" panose="020B0604020202020204" pitchFamily="34" charset="0"/>
-                </a:rPr>
-                <a:t>regression as surrogate</a:t>
-              </a:r>
-              <a:endParaRPr lang="en-US" sz="2000" dirty="0">
-                <a:solidFill>
-                  <a:schemeClr val="tx1">
-                    <a:lumMod val="75000"/>
-                    <a:lumOff val="25000"/>
-                  </a:schemeClr>
-                </a:solidFill>
-                <a:latin typeface="Arial" panose="020B0604020202020204" pitchFamily="34" charset="0"/>
-                <a:cs typeface="Arial" panose="020B0604020202020204" pitchFamily="34" charset="0"/>
-              </a:endParaRPr>
-            </a:p>
-          </p:txBody>
-        </p:sp>
-        <p:pic>
-          <p:nvPicPr>
-            <p:cNvPr id="98" name="Picture 39" descr="txp_fig.png"/>
-            <p:cNvPicPr>
-              <a:picLocks noChangeAspect="1"/>
-            </p:cNvPicPr>
-            <p:nvPr>
-              <p:custDataLst>
-                <p:tags r:id="rId5"/>
-              </p:custDataLst>
-            </p:nvPr>
-          </p:nvPicPr>
-          <p:blipFill>
-            <a:blip r:embed="rId15" cstate="print">
-              <a:extLst>
-                <a:ext uri="{28A0092B-C50C-407E-A947-70E740481C1C}">
-                  <a14:useLocalDpi xmlns:a14="http://schemas.microsoft.com/office/drawing/2010/main" val="0"/>
-                </a:ext>
-              </a:extLst>
-            </a:blip>
-            <a:stretch>
-              <a:fillRect/>
-            </a:stretch>
-          </p:blipFill>
-          <p:spPr bwMode="auto">
-            <a:xfrm>
-              <a:off x="3185346" y="4876800"/>
-              <a:ext cx="2844623" cy="230929"/>
-            </a:xfrm>
-            <a:prstGeom prst="rect">
-              <a:avLst/>
-            </a:prstGeom>
-            <a:grpFill/>
-            <a:ln w="76200">
-              <a:noFill/>
-            </a:ln>
-            <a:effectLst/>
-            <a:extLst>
-              <a:ext uri="{AF507438-7753-43E0-B8FC-AC1667EBCBE1}">
-                <a14:hiddenEffects xmlns:a14="http://schemas.microsoft.com/office/drawing/2010/main">
-                  <a:effectLst>
-                    <a:outerShdw blurRad="63500" dist="37357" dir="2700000" rotWithShape="0">
-                      <a:scrgbClr r="0" g="0" b="0"/>
-                    </a:outerShdw>
-                  </a:effectLst>
-                </a14:hiddenEffects>
-              </a:ext>
-              <a:ext uri="{31F19639-BCED-4A60-ADC4-E9642A236FB7}">
-                <a14:hiddenScene3d xmlns:a14="http://schemas.microsoft.com/office/drawing/2010/main">
-                  <a:camera prst="orthographicFront">
-                    <a:rot lat="0" lon="0" rev="0"/>
-                  </a:camera>
-                  <a:lightRig rig="threePt" dir="t">
-                    <a:rot lat="0" lon="0" rev="0"/>
-                  </a:lightRig>
-                </a14:hiddenScene3d>
-              </a:ext>
-              <a:ext uri="{E45631CC-5BF2-4C18-A39C-3461C7D3F71A}">
-                <a14:hiddenSp3d xmlns:a14="http://schemas.microsoft.com/office/drawing/2010/main" extrusionH="457200">
-                  <a:contourClr>
-                    <a:srgbClr val="000000"/>
-                  </a:contourClr>
-                </a14:hiddenSp3d>
-              </a:ext>
-              <a:ext uri="{53640926-AAD7-44D8-BBD7-CCE9431645EC}">
-                <a14:shadowObscured xmlns:a14="http://schemas.microsoft.com/office/drawing/2010/main"/>
-              </a:ext>
-            </a:extLst>
-          </p:spPr>
-        </p:pic>
-        <p:pic>
-          <p:nvPicPr>
-            <p:cNvPr id="99" name="Picture 8" descr="txp_fig.png"/>
-            <p:cNvPicPr>
-              <a:picLocks noChangeAspect="1"/>
-            </p:cNvPicPr>
-            <p:nvPr>
-              <p:custDataLst>
-                <p:tags r:id="rId6"/>
-              </p:custDataLst>
-            </p:nvPr>
-          </p:nvPicPr>
-          <p:blipFill>
-            <a:blip r:embed="rId16" cstate="print">
-              <a:clrChange>
-                <a:clrFrom>
-                  <a:srgbClr val="FFFFFF"/>
-                </a:clrFrom>
-                <a:clrTo>
-                  <a:srgbClr val="FFFFFF">
-                    <a:alpha val="0"/>
-                  </a:srgbClr>
-                </a:clrTo>
-              </a:clrChange>
-              <a:extLst>
-                <a:ext uri="{28A0092B-C50C-407E-A947-70E740481C1C}">
-                  <a14:useLocalDpi xmlns:a14="http://schemas.microsoft.com/office/drawing/2010/main" val="0"/>
-                </a:ext>
-              </a:extLst>
-            </a:blip>
-            <a:stretch>
-              <a:fillRect/>
-            </a:stretch>
-          </p:blipFill>
-          <p:spPr bwMode="auto">
-            <a:xfrm>
-              <a:off x="4140027" y="4541702"/>
-              <a:ext cx="935262" cy="230929"/>
-            </a:xfrm>
-            <a:prstGeom prst="rect">
-              <a:avLst/>
-            </a:prstGeom>
-            <a:grpFill/>
-            <a:ln w="76200">
-              <a:noFill/>
-            </a:ln>
-            <a:effectLst/>
-            <a:extLst>
-              <a:ext uri="{AF507438-7753-43E0-B8FC-AC1667EBCBE1}">
-                <a14:hiddenEffects xmlns:a14="http://schemas.microsoft.com/office/drawing/2010/main">
-                  <a:effectLst>
-                    <a:outerShdw blurRad="63500" dist="37357" dir="2700000" rotWithShape="0">
-                      <a:scrgbClr r="0" g="0" b="0"/>
-                    </a:outerShdw>
-                  </a:effectLst>
-                </a14:hiddenEffects>
-              </a:ext>
-              <a:ext uri="{31F19639-BCED-4A60-ADC4-E9642A236FB7}">
-                <a14:hiddenScene3d xmlns:a14="http://schemas.microsoft.com/office/drawing/2010/main">
-                  <a:camera prst="orthographicFront">
-                    <a:rot lat="0" lon="0" rev="0"/>
-                  </a:camera>
-                  <a:lightRig rig="threePt" dir="t">
-                    <a:rot lat="0" lon="0" rev="0"/>
-                  </a:lightRig>
-                </a14:hiddenScene3d>
-              </a:ext>
-              <a:ext uri="{E45631CC-5BF2-4C18-A39C-3461C7D3F71A}">
-                <a14:hiddenSp3d xmlns:a14="http://schemas.microsoft.com/office/drawing/2010/main" extrusionH="457200">
-                  <a:contourClr>
-                    <a:srgbClr val="000000"/>
-                  </a:contourClr>
-                </a14:hiddenSp3d>
-              </a:ext>
-              <a:ext uri="{53640926-AAD7-44D8-BBD7-CCE9431645EC}">
-                <a14:shadowObscured xmlns:a14="http://schemas.microsoft.com/office/drawing/2010/main"/>
-              </a:ext>
-            </a:extLst>
-          </p:spPr>
-        </p:pic>
-        <p:sp>
-          <p:nvSpPr>
-            <p:cNvPr id="100" name="TextBox 15"/>
-            <p:cNvSpPr txBox="1"/>
-            <p:nvPr/>
-          </p:nvSpPr>
-          <p:spPr>
-            <a:xfrm>
-              <a:off x="4269798" y="3558516"/>
-              <a:ext cx="1418456" cy="447051"/>
-            </a:xfrm>
-            <a:prstGeom prst="rect">
-              <a:avLst/>
-            </a:prstGeom>
-            <a:grpFill/>
-            <a:ln w="76200">
-              <a:noFill/>
-            </a:ln>
-          </p:spPr>
-          <p:txBody>
-            <a:bodyPr wrap="none" rtlCol="0">
-              <a:spAutoFit/>
-            </a:bodyPr>
-            <a:lstStyle/>
-            <a:p>
-              <a:r>
-                <a:rPr lang="en-US" sz="3200" dirty="0" smtClean="0">
-                  <a:latin typeface="Arial" panose="020B0604020202020204" pitchFamily="34" charset="0"/>
-                  <a:cs typeface="Arial" panose="020B0604020202020204" pitchFamily="34" charset="0"/>
-                </a:rPr>
-                <a:t>Constantine-2013</a:t>
-              </a:r>
-              <a:br>
-                <a:rPr lang="en-US" sz="3200" dirty="0" smtClean="0">
-                  <a:latin typeface="Arial" panose="020B0604020202020204" pitchFamily="34" charset="0"/>
-                  <a:cs typeface="Arial" panose="020B0604020202020204" pitchFamily="34" charset="0"/>
-                </a:rPr>
-              </a:br>
-              <a:r>
-                <a:rPr lang="en-US" sz="3200" dirty="0" smtClean="0">
-                  <a:latin typeface="Arial" panose="020B0604020202020204" pitchFamily="34" charset="0"/>
-                  <a:cs typeface="Arial" panose="020B0604020202020204" pitchFamily="34" charset="0"/>
-                </a:rPr>
-                <a:t>(</a:t>
-              </a:r>
-              <a:r>
-                <a:rPr lang="en-US" sz="3200" dirty="0" err="1" smtClean="0">
-                  <a:latin typeface="Arial" panose="020B0604020202020204" pitchFamily="34" charset="0"/>
-                  <a:cs typeface="Arial" panose="020B0604020202020204" pitchFamily="34" charset="0"/>
-                </a:rPr>
-                <a:t>math@C.Mines</a:t>
-              </a:r>
-              <a:r>
-                <a:rPr lang="en-US" sz="3200" dirty="0" smtClean="0">
-                  <a:latin typeface="Arial" panose="020B0604020202020204" pitchFamily="34" charset="0"/>
-                  <a:cs typeface="Arial" panose="020B0604020202020204" pitchFamily="34" charset="0"/>
-                </a:rPr>
-                <a:t>)</a:t>
-              </a:r>
-              <a:endParaRPr lang="en-US" sz="3200" dirty="0">
-                <a:latin typeface="Arial" panose="020B0604020202020204" pitchFamily="34" charset="0"/>
-                <a:cs typeface="Arial" panose="020B0604020202020204" pitchFamily="34" charset="0"/>
-              </a:endParaRPr>
-            </a:p>
-          </p:txBody>
-        </p:sp>
-        <p:sp>
-          <p:nvSpPr>
-            <p:cNvPr id="101" name="TextBox 43"/>
-            <p:cNvSpPr txBox="1"/>
-            <p:nvPr/>
-          </p:nvSpPr>
-          <p:spPr>
-            <a:xfrm>
-              <a:off x="583769" y="4179558"/>
-              <a:ext cx="2022508" cy="651417"/>
-            </a:xfrm>
-            <a:prstGeom prst="rect">
-              <a:avLst/>
-            </a:prstGeom>
-            <a:grpFill/>
-            <a:ln w="76200">
-              <a:noFill/>
-            </a:ln>
-          </p:spPr>
-          <p:txBody>
-            <a:bodyPr wrap="none" rtlCol="0">
-              <a:spAutoFit/>
-            </a:bodyPr>
-            <a:lstStyle/>
-            <a:p>
-              <a:pPr algn="r"/>
-              <a:r>
-                <a:rPr lang="en-US" sz="3200" dirty="0" smtClean="0">
-                  <a:latin typeface="Arial" panose="020B0604020202020204" pitchFamily="34" charset="0"/>
-                  <a:cs typeface="Arial" panose="020B0604020202020204" pitchFamily="34" charset="0"/>
-                </a:rPr>
-                <a:t>Bilionis-2015 </a:t>
-              </a:r>
-              <a:br>
-                <a:rPr lang="en-US" sz="3200" dirty="0" smtClean="0">
-                  <a:latin typeface="Arial" panose="020B0604020202020204" pitchFamily="34" charset="0"/>
-                  <a:cs typeface="Arial" panose="020B0604020202020204" pitchFamily="34" charset="0"/>
-                </a:rPr>
-              </a:br>
-              <a:r>
-                <a:rPr lang="en-US" sz="3200" dirty="0" smtClean="0">
-                  <a:latin typeface="Arial" panose="020B0604020202020204" pitchFamily="34" charset="0"/>
-                  <a:cs typeface="Arial" panose="020B0604020202020204" pitchFamily="34" charset="0"/>
-                </a:rPr>
-                <a:t>(gradient free, reduces to </a:t>
-              </a:r>
-              <a:br>
-                <a:rPr lang="en-US" sz="3200" dirty="0" smtClean="0">
-                  <a:latin typeface="Arial" panose="020B0604020202020204" pitchFamily="34" charset="0"/>
-                  <a:cs typeface="Arial" panose="020B0604020202020204" pitchFamily="34" charset="0"/>
-                </a:rPr>
-              </a:br>
-              <a:r>
-                <a:rPr lang="en-US" sz="3200" dirty="0" smtClean="0">
-                  <a:latin typeface="Arial" panose="020B0604020202020204" pitchFamily="34" charset="0"/>
-                  <a:cs typeface="Arial" panose="020B0604020202020204" pitchFamily="34" charset="0"/>
-                </a:rPr>
-                <a:t>an optimization process)</a:t>
-              </a:r>
-              <a:endParaRPr lang="en-US" sz="3200" dirty="0">
-                <a:latin typeface="Arial" panose="020B0604020202020204" pitchFamily="34" charset="0"/>
-                <a:cs typeface="Arial" panose="020B0604020202020204" pitchFamily="34" charset="0"/>
-              </a:endParaRPr>
-            </a:p>
-          </p:txBody>
-        </p:sp>
-      </p:grpSp>
-      <p:pic>
-        <p:nvPicPr>
-          <p:cNvPr id="4098" name="Picture 2"/>
-          <p:cNvPicPr>
-            <a:picLocks noChangeAspect="1" noChangeArrowheads="1"/>
-          </p:cNvPicPr>
-          <p:nvPr/>
-        </p:nvPicPr>
-        <p:blipFill>
-          <a:blip r:embed="rId17">
-            <a:extLst>
-              <a:ext uri="{28A0092B-C50C-407E-A947-70E740481C1C}">
-                <a14:useLocalDpi xmlns:a14="http://schemas.microsoft.com/office/drawing/2010/main" val="0"/>
-              </a:ext>
-            </a:extLst>
-          </a:blip>
-          <a:srcRect/>
-          <a:stretch>
-            <a:fillRect/>
-          </a:stretch>
-        </p:blipFill>
-        <p:spPr bwMode="auto">
-          <a:xfrm>
-            <a:off x="12341560" y="21784090"/>
-            <a:ext cx="5544104" cy="5894258"/>
-          </a:xfrm>
-          <a:prstGeom prst="rect">
-            <a:avLst/>
-          </a:prstGeom>
-          <a:noFill/>
-          <a:ln>
-            <a:noFill/>
-          </a:ln>
-          <a:extLst>
-            <a:ext uri="{909E8E84-426E-40DD-AFC4-6F175D3DCCD1}">
-              <a14:hiddenFill xmlns:a14="http://schemas.microsoft.com/office/drawing/2010/main">
-                <a:solidFill>
-                  <a:schemeClr val="accent1"/>
-                </a:solidFill>
-              </a14:hiddenFill>
-            </a:ext>
-            <a:ext uri="{91240B29-F687-4F45-9708-019B960494DF}">
-              <a14:hiddenLine xmlns:a14="http://schemas.microsoft.com/office/drawing/2010/main" w="9525">
-                <a:solidFill>
-                  <a:schemeClr val="tx1"/>
-                </a:solidFill>
-                <a:miter lim="800000"/>
-                <a:headEnd/>
-                <a:tailEnd/>
-              </a14:hiddenLine>
-            </a:ext>
-          </a:extLst>
-        </p:spPr>
-      </p:pic>
-      <p:grpSp>
-        <p:nvGrpSpPr>
-          <p:cNvPr id="27" name="26 Grupo"/>
-          <p:cNvGrpSpPr/>
-          <p:nvPr/>
-        </p:nvGrpSpPr>
-        <p:grpSpPr>
-          <a:xfrm>
-            <a:off x="11587164" y="6705203"/>
-            <a:ext cx="15564497" cy="3686252"/>
-            <a:chOff x="11587164" y="6705203"/>
-            <a:chExt cx="15564497" cy="3686252"/>
-          </a:xfrm>
-        </p:grpSpPr>
-        <p:grpSp>
-          <p:nvGrpSpPr>
-            <p:cNvPr id="77" name="76 Grupo"/>
-            <p:cNvGrpSpPr/>
-            <p:nvPr/>
-          </p:nvGrpSpPr>
-          <p:grpSpPr>
-            <a:xfrm>
-              <a:off x="11587164" y="7085645"/>
-              <a:ext cx="8452634" cy="2270592"/>
-              <a:chOff x="690799" y="1700990"/>
-              <a:chExt cx="7148474" cy="1664510"/>
-            </a:xfrm>
-          </p:grpSpPr>
-          <p:sp>
-            <p:nvSpPr>
-              <p:cNvPr id="78" name="object 16"/>
-              <p:cNvSpPr/>
-              <p:nvPr/>
-            </p:nvSpPr>
-            <p:spPr>
-              <a:xfrm>
-                <a:off x="1992731" y="2133600"/>
-                <a:ext cx="2510282" cy="1231900"/>
-              </a:xfrm>
-              <a:prstGeom prst="rect">
-                <a:avLst/>
-              </a:prstGeom>
-              <a:blipFill>
-                <a:blip r:embed="rId18" cstate="print"/>
-                <a:stretch>
-                  <a:fillRect/>
-                </a:stretch>
-              </a:blipFill>
-            </p:spPr>
-            <p:txBody>
-              <a:bodyPr wrap="square" lIns="0" tIns="0" rIns="0" bIns="0" rtlCol="0"/>
-              <a:lstStyle/>
-              <a:p>
-                <a:endParaRPr sz="8800">
-                  <a:latin typeface="Arial" panose="020B0604020202020204" pitchFamily="34" charset="0"/>
-                  <a:cs typeface="Arial" panose="020B0604020202020204" pitchFamily="34" charset="0"/>
-                </a:endParaRPr>
-              </a:p>
-            </p:txBody>
-          </p:sp>
-          <p:sp>
-            <p:nvSpPr>
-              <p:cNvPr id="79" name="object 18"/>
-              <p:cNvSpPr/>
-              <p:nvPr/>
-            </p:nvSpPr>
-            <p:spPr>
-              <a:xfrm>
-                <a:off x="2061556" y="1845425"/>
-                <a:ext cx="756458" cy="648392"/>
-              </a:xfrm>
-              <a:prstGeom prst="rect">
-                <a:avLst/>
-              </a:prstGeom>
-              <a:blipFill>
-                <a:blip r:embed="rId19" cstate="print"/>
-                <a:stretch>
-                  <a:fillRect/>
-                </a:stretch>
-              </a:blipFill>
-            </p:spPr>
-            <p:txBody>
-              <a:bodyPr wrap="square" lIns="0" tIns="0" rIns="0" bIns="0" rtlCol="0"/>
-              <a:lstStyle/>
-              <a:p>
-                <a:endParaRPr sz="8800">
-                  <a:latin typeface="Arial" panose="020B0604020202020204" pitchFamily="34" charset="0"/>
-                  <a:cs typeface="Arial" panose="020B0604020202020204" pitchFamily="34" charset="0"/>
-                </a:endParaRPr>
-              </a:p>
-            </p:txBody>
-          </p:sp>
-          <p:grpSp>
-            <p:nvGrpSpPr>
-              <p:cNvPr id="80" name="79 Grupo"/>
-              <p:cNvGrpSpPr/>
-              <p:nvPr/>
-            </p:nvGrpSpPr>
-            <p:grpSpPr>
-              <a:xfrm>
-                <a:off x="690799" y="1700990"/>
-                <a:ext cx="7148474" cy="1664510"/>
-                <a:chOff x="690799" y="1700990"/>
-                <a:chExt cx="7148474" cy="1664510"/>
-              </a:xfrm>
-            </p:grpSpPr>
-            <p:sp>
-              <p:nvSpPr>
-                <p:cNvPr id="82" name="object 15"/>
-                <p:cNvSpPr/>
-                <p:nvPr/>
-              </p:nvSpPr>
-              <p:spPr>
-                <a:xfrm>
-                  <a:off x="690799" y="1700990"/>
-                  <a:ext cx="7148474" cy="144436"/>
-                </a:xfrm>
-                <a:prstGeom prst="rect">
-                  <a:avLst/>
-                </a:prstGeom>
-                <a:blipFill>
-                  <a:blip r:embed="rId20" cstate="print"/>
-                  <a:stretch>
-                    <a:fillRect/>
-                  </a:stretch>
-                </a:blipFill>
-              </p:spPr>
-              <p:txBody>
-                <a:bodyPr wrap="square" lIns="0" tIns="0" rIns="0" bIns="0" rtlCol="0"/>
-                <a:lstStyle/>
-                <a:p>
-                  <a:endParaRPr sz="8800">
-                    <a:latin typeface="Arial" panose="020B0604020202020204" pitchFamily="34" charset="0"/>
-                    <a:cs typeface="Arial" panose="020B0604020202020204" pitchFamily="34" charset="0"/>
-                  </a:endParaRPr>
-                </a:p>
-              </p:txBody>
-            </p:sp>
-            <p:sp>
-              <p:nvSpPr>
-                <p:cNvPr id="83" name="object 17"/>
-                <p:cNvSpPr/>
-                <p:nvPr/>
-              </p:nvSpPr>
-              <p:spPr>
-                <a:xfrm>
-                  <a:off x="2098979" y="2133600"/>
-                  <a:ext cx="2404033" cy="1231900"/>
-                </a:xfrm>
-                <a:prstGeom prst="rect">
-                  <a:avLst/>
-                </a:prstGeom>
-                <a:blipFill>
-                  <a:blip r:embed="rId21" cstate="print"/>
-                  <a:stretch>
-                    <a:fillRect/>
-                  </a:stretch>
-                </a:blipFill>
-              </p:spPr>
-              <p:txBody>
-                <a:bodyPr wrap="square" lIns="0" tIns="0" rIns="0" bIns="0" rtlCol="0"/>
-                <a:lstStyle/>
-                <a:p>
-                  <a:endParaRPr sz="8800">
-                    <a:latin typeface="Arial" panose="020B0604020202020204" pitchFamily="34" charset="0"/>
-                    <a:cs typeface="Arial" panose="020B0604020202020204" pitchFamily="34" charset="0"/>
-                  </a:endParaRPr>
-                </a:p>
-              </p:txBody>
-            </p:sp>
-            <p:sp>
-              <p:nvSpPr>
-                <p:cNvPr id="84" name="object 19"/>
-                <p:cNvSpPr/>
-                <p:nvPr/>
-              </p:nvSpPr>
-              <p:spPr>
-                <a:xfrm>
-                  <a:off x="2108535" y="1875007"/>
-                  <a:ext cx="660400" cy="550545"/>
-                </a:xfrm>
-                <a:custGeom>
-                  <a:avLst/>
-                  <a:gdLst/>
-                  <a:ahLst/>
-                  <a:cxnLst/>
-                  <a:rect l="l" t="t" r="r" b="b"/>
-                  <a:pathLst>
-                    <a:path w="660400" h="550544">
-                      <a:moveTo>
-                        <a:pt x="660064" y="0"/>
-                      </a:moveTo>
-                      <a:lnTo>
-                        <a:pt x="0" y="550411"/>
-                      </a:lnTo>
-                    </a:path>
-                  </a:pathLst>
-                </a:custGeom>
-                <a:ln w="6346">
-                  <a:solidFill>
-                    <a:srgbClr val="000000"/>
-                  </a:solidFill>
-                </a:ln>
-              </p:spPr>
-              <p:txBody>
-                <a:bodyPr wrap="square" lIns="0" tIns="0" rIns="0" bIns="0" rtlCol="0"/>
-                <a:lstStyle/>
-                <a:p>
-                  <a:endParaRPr sz="8800">
-                    <a:latin typeface="Arial" panose="020B0604020202020204" pitchFamily="34" charset="0"/>
-                    <a:cs typeface="Arial" panose="020B0604020202020204" pitchFamily="34" charset="0"/>
-                  </a:endParaRPr>
-                </a:p>
-              </p:txBody>
-            </p:sp>
-            <p:sp>
-              <p:nvSpPr>
-                <p:cNvPr id="85" name="object 20"/>
-                <p:cNvSpPr/>
-                <p:nvPr/>
-              </p:nvSpPr>
-              <p:spPr>
-                <a:xfrm>
-                  <a:off x="3217025" y="1845425"/>
-                  <a:ext cx="1238596" cy="482138"/>
-                </a:xfrm>
-                <a:prstGeom prst="rect">
-                  <a:avLst/>
-                </a:prstGeom>
-                <a:blipFill>
-                  <a:blip r:embed="rId22" cstate="print"/>
-                  <a:stretch>
-                    <a:fillRect/>
-                  </a:stretch>
-                </a:blipFill>
-              </p:spPr>
-              <p:txBody>
-                <a:bodyPr wrap="square" lIns="0" tIns="0" rIns="0" bIns="0" rtlCol="0"/>
-                <a:lstStyle/>
-                <a:p>
-                  <a:endParaRPr sz="8800">
-                    <a:latin typeface="Arial" panose="020B0604020202020204" pitchFamily="34" charset="0"/>
-                    <a:cs typeface="Arial" panose="020B0604020202020204" pitchFamily="34" charset="0"/>
-                  </a:endParaRPr>
-                </a:p>
-              </p:txBody>
-            </p:sp>
-          </p:grpSp>
-          <p:sp>
-            <p:nvSpPr>
-              <p:cNvPr id="81" name="object 21"/>
-              <p:cNvSpPr/>
-              <p:nvPr/>
-            </p:nvSpPr>
-            <p:spPr>
-              <a:xfrm>
-                <a:off x="3263900" y="1875007"/>
-                <a:ext cx="1143000" cy="385445"/>
-              </a:xfrm>
-              <a:custGeom>
-                <a:avLst/>
-                <a:gdLst/>
-                <a:ahLst/>
-                <a:cxnLst/>
-                <a:rect l="l" t="t" r="r" b="b"/>
-                <a:pathLst>
-                  <a:path w="1143000" h="385444">
-                    <a:moveTo>
-                      <a:pt x="0" y="0"/>
-                    </a:moveTo>
-                    <a:lnTo>
-                      <a:pt x="1142417" y="385396"/>
-                    </a:lnTo>
-                  </a:path>
-                </a:pathLst>
-              </a:custGeom>
-              <a:ln w="6346">
-                <a:solidFill>
-                  <a:srgbClr val="000000"/>
-                </a:solidFill>
-              </a:ln>
-            </p:spPr>
-            <p:txBody>
-              <a:bodyPr wrap="square" lIns="0" tIns="0" rIns="0" bIns="0" rtlCol="0"/>
-              <a:lstStyle/>
-              <a:p>
-                <a:endParaRPr sz="8800">
-                  <a:latin typeface="Arial" panose="020B0604020202020204" pitchFamily="34" charset="0"/>
-                  <a:cs typeface="Arial" panose="020B0604020202020204" pitchFamily="34" charset="0"/>
-                </a:endParaRPr>
-              </a:p>
-            </p:txBody>
-          </p:sp>
-        </p:grpSp>
-        <p:pic>
-          <p:nvPicPr>
-            <p:cNvPr id="25" name="Picture 3"/>
-            <p:cNvPicPr>
-              <a:picLocks noChangeAspect="1" noChangeArrowheads="1"/>
-            </p:cNvPicPr>
-            <p:nvPr/>
-          </p:nvPicPr>
-          <p:blipFill>
-            <a:blip r:embed="rId23">
-              <a:extLst>
-                <a:ext uri="{28A0092B-C50C-407E-A947-70E740481C1C}">
-                  <a14:useLocalDpi xmlns:a14="http://schemas.microsoft.com/office/drawing/2010/main" val="0"/>
-                </a:ext>
-              </a:extLst>
-            </a:blip>
-            <a:srcRect/>
-            <a:stretch>
-              <a:fillRect/>
-            </a:stretch>
-          </p:blipFill>
-          <p:spPr bwMode="auto">
-            <a:xfrm>
-              <a:off x="20605499" y="6705203"/>
-              <a:ext cx="6546162" cy="3523434"/>
-            </a:xfrm>
-            <a:prstGeom prst="rect">
-              <a:avLst/>
-            </a:prstGeom>
-            <a:noFill/>
-            <a:ln>
-              <a:noFill/>
-            </a:ln>
-            <a:extLst>
-              <a:ext uri="{909E8E84-426E-40DD-AFC4-6F175D3DCCD1}">
-                <a14:hiddenFill xmlns:a14="http://schemas.microsoft.com/office/drawing/2010/main">
-                  <a:solidFill>
-                    <a:schemeClr val="accent1"/>
-                  </a:solidFill>
-                </a14:hiddenFill>
-              </a:ext>
-              <a:ext uri="{91240B29-F687-4F45-9708-019B960494DF}">
-                <a14:hiddenLine xmlns:a14="http://schemas.microsoft.com/office/drawing/2010/main" w="9525">
-                  <a:solidFill>
-                    <a:schemeClr val="tx1"/>
-                  </a:solidFill>
-                  <a:miter lim="800000"/>
-                  <a:headEnd/>
-                  <a:tailEnd/>
-                </a14:hiddenLine>
-              </a:ext>
-            </a:extLst>
-          </p:spPr>
-        </p:pic>
-        <p:sp>
-          <p:nvSpPr>
-            <p:cNvPr id="23" name="22 CuadroTexto"/>
-            <p:cNvSpPr txBox="1"/>
-            <p:nvPr/>
-          </p:nvSpPr>
-          <p:spPr>
-            <a:xfrm>
-              <a:off x="11587165" y="9314237"/>
-              <a:ext cx="7143933" cy="1077218"/>
-            </a:xfrm>
-            <a:prstGeom prst="rect">
-              <a:avLst/>
-            </a:prstGeom>
-            <a:noFill/>
-          </p:spPr>
-          <p:txBody>
-            <a:bodyPr wrap="square" rtlCol="0">
-              <a:spAutoFit/>
-            </a:bodyPr>
-            <a:lstStyle/>
-            <a:p>
-              <a:r>
-                <a:rPr lang="en-US" sz="3200" dirty="0" smtClean="0">
-                  <a:latin typeface="Arial" panose="020B0604020202020204" pitchFamily="34" charset="0"/>
-                  <a:cs typeface="Arial" panose="020B0604020202020204" pitchFamily="34" charset="0"/>
-                </a:rPr>
-                <a:t>1D granular chain. There are  multiple contacts.</a:t>
-              </a:r>
-              <a:endParaRPr lang="en-US" sz="3200" dirty="0">
-                <a:latin typeface="Arial" panose="020B0604020202020204" pitchFamily="34" charset="0"/>
-                <a:cs typeface="Arial" panose="020B0604020202020204" pitchFamily="34" charset="0"/>
-              </a:endParaRPr>
-            </a:p>
-          </p:txBody>
-        </p:sp>
-      </p:grpSp>
-      <p:sp>
-        <p:nvSpPr>
-          <p:cNvPr id="1083" name="1082 CuadroTexto"/>
-          <p:cNvSpPr txBox="1"/>
-          <p:nvPr/>
-        </p:nvSpPr>
-        <p:spPr>
-          <a:xfrm>
-            <a:off x="12341560" y="27848541"/>
-            <a:ext cx="5544104" cy="523220"/>
-          </a:xfrm>
-          <a:prstGeom prst="rect">
-            <a:avLst/>
-          </a:prstGeom>
-          <a:noFill/>
-        </p:spPr>
-        <p:txBody>
-          <a:bodyPr wrap="square" rtlCol="0">
-            <a:spAutoFit/>
-          </a:bodyPr>
-          <a:lstStyle/>
-          <a:p>
-            <a:r>
-              <a:rPr lang="en-US" sz="2800" dirty="0" smtClean="0">
-                <a:latin typeface="Arial" panose="020B0604020202020204" pitchFamily="34" charset="0"/>
-                <a:cs typeface="Arial" panose="020B0604020202020204" pitchFamily="34" charset="0"/>
-              </a:rPr>
-              <a:t>Graphical user interface</a:t>
-            </a:r>
-            <a:endParaRPr lang="en-US" sz="2800" dirty="0">
-              <a:latin typeface="Arial" panose="020B0604020202020204" pitchFamily="34" charset="0"/>
-              <a:cs typeface="Arial" panose="020B0604020202020204" pitchFamily="34" charset="0"/>
-            </a:endParaRPr>
-          </a:p>
-        </p:txBody>
-      </p:sp>
-      <p:sp>
-        <p:nvSpPr>
-          <p:cNvPr id="1084" name="1083 CuadroTexto"/>
-          <p:cNvSpPr txBox="1"/>
-          <p:nvPr/>
-        </p:nvSpPr>
-        <p:spPr>
-          <a:xfrm>
-            <a:off x="20818451" y="28320981"/>
-            <a:ext cx="9687093" cy="1077218"/>
-          </a:xfrm>
-          <a:prstGeom prst="rect">
-            <a:avLst/>
-          </a:prstGeom>
-          <a:noFill/>
-        </p:spPr>
-        <p:txBody>
-          <a:bodyPr wrap="square" rtlCol="0">
-            <a:spAutoFit/>
-          </a:bodyPr>
-          <a:lstStyle/>
-          <a:p>
-            <a:r>
-              <a:rPr lang="en-US" sz="3200" dirty="0" smtClean="0">
-                <a:latin typeface="Arial" panose="020B0604020202020204" pitchFamily="34" charset="0"/>
-                <a:cs typeface="Arial" panose="020B0604020202020204" pitchFamily="34" charset="0"/>
-              </a:rPr>
-              <a:t>Joint plots for different properties in different particles.</a:t>
-            </a:r>
-            <a:endParaRPr lang="en-US" sz="3200" dirty="0">
-              <a:latin typeface="Arial" panose="020B0604020202020204" pitchFamily="34" charset="0"/>
-              <a:cs typeface="Arial" panose="020B0604020202020204" pitchFamily="34" charset="0"/>
-            </a:endParaRPr>
-          </a:p>
-        </p:txBody>
-      </p:sp>
-      <p:sp>
-        <p:nvSpPr>
-          <p:cNvPr id="1085" name="1084 CuadroTexto"/>
-          <p:cNvSpPr txBox="1"/>
-          <p:nvPr/>
-        </p:nvSpPr>
-        <p:spPr>
-          <a:xfrm>
-            <a:off x="33503239" y="12396443"/>
-            <a:ext cx="9424931" cy="1077218"/>
-          </a:xfrm>
-          <a:prstGeom prst="rect">
-            <a:avLst/>
-          </a:prstGeom>
-          <a:noFill/>
-        </p:spPr>
-        <p:txBody>
-          <a:bodyPr wrap="square" rtlCol="0">
-            <a:spAutoFit/>
-          </a:bodyPr>
-          <a:lstStyle/>
-          <a:p>
-            <a:r>
-              <a:rPr lang="en-US" sz="3200" dirty="0" smtClean="0">
-                <a:latin typeface="Arial" panose="020B0604020202020204" pitchFamily="34" charset="0"/>
-                <a:cs typeface="Arial" panose="020B0604020202020204" pitchFamily="34" charset="0"/>
-              </a:rPr>
-              <a:t>Surrogate functions with a confidence interval of 97.5%</a:t>
-            </a:r>
-            <a:endParaRPr lang="en-US" sz="3200" dirty="0">
-              <a:latin typeface="Arial" panose="020B0604020202020204" pitchFamily="34" charset="0"/>
-              <a:cs typeface="Arial" panose="020B0604020202020204" pitchFamily="34" charset="0"/>
-            </a:endParaRPr>
-          </a:p>
-        </p:txBody>
-      </p:sp>
-      <p:sp>
-        <p:nvSpPr>
-          <p:cNvPr id="24" name="23 CuadroTexto"/>
-          <p:cNvSpPr txBox="1"/>
-          <p:nvPr/>
-        </p:nvSpPr>
-        <p:spPr>
-          <a:xfrm>
-            <a:off x="33503239" y="13364037"/>
-            <a:ext cx="9424931" cy="1323439"/>
-          </a:xfrm>
-          <a:prstGeom prst="rect">
-            <a:avLst/>
-          </a:prstGeom>
-          <a:noFill/>
-        </p:spPr>
-        <p:txBody>
-          <a:bodyPr wrap="square" rtlCol="0">
-            <a:spAutoFit/>
-          </a:bodyPr>
-          <a:lstStyle/>
-          <a:p>
-            <a:r>
-              <a:rPr lang="en-US" sz="4000" dirty="0">
-                <a:latin typeface="Arial" panose="020B0604020202020204" pitchFamily="34" charset="0"/>
-                <a:cs typeface="Arial" panose="020B0604020202020204" pitchFamily="34" charset="0"/>
-              </a:rPr>
-              <a:t>Tool available at: https://</a:t>
-            </a:r>
-            <a:r>
-              <a:rPr lang="en-US" sz="4000" dirty="0" smtClean="0">
-                <a:latin typeface="Arial" panose="020B0604020202020204" pitchFamily="34" charset="0"/>
-                <a:cs typeface="Arial" panose="020B0604020202020204" pitchFamily="34" charset="0"/>
-              </a:rPr>
-              <a:t>nanohub.org/tools/gransurrogate</a:t>
-            </a:r>
-            <a:endParaRPr lang="en-US" sz="4000" dirty="0">
-              <a:latin typeface="Arial" panose="020B0604020202020204" pitchFamily="34" charset="0"/>
-              <a:cs typeface="Arial" panose="020B0604020202020204" pitchFamily="34" charset="0"/>
-            </a:endParaRPr>
-          </a:p>
-        </p:txBody>
-      </p:sp>
-      <p:sp>
-        <p:nvSpPr>
-          <p:cNvPr id="29" name="28 CuadroTexto"/>
-          <p:cNvSpPr txBox="1"/>
-          <p:nvPr/>
-        </p:nvSpPr>
-        <p:spPr>
-          <a:xfrm>
-            <a:off x="27171883" y="9646920"/>
-            <a:ext cx="1909774" cy="646331"/>
-          </a:xfrm>
-          <a:prstGeom prst="rect">
-            <a:avLst/>
-          </a:prstGeom>
-          <a:noFill/>
-        </p:spPr>
-        <p:txBody>
-          <a:bodyPr wrap="square" rtlCol="0">
-            <a:spAutoFit/>
-          </a:bodyPr>
-          <a:lstStyle/>
-          <a:p>
-            <a:r>
-              <a:rPr lang="en-US" sz="3600" dirty="0" smtClean="0"/>
-              <a:t>[1][2]</a:t>
-            </a:r>
-            <a:endParaRPr lang="en-US" dirty="0"/>
-          </a:p>
-        </p:txBody>
-      </p:sp>
-      <p:pic>
-        <p:nvPicPr>
-          <p:cNvPr id="14" name="13 Imagen"/>
-          <p:cNvPicPr>
-            <a:picLocks noChangeAspect="1"/>
-          </p:cNvPicPr>
-          <p:nvPr/>
-        </p:nvPicPr>
-        <p:blipFill>
-          <a:blip r:embed="rId24" cstate="print">
-            <a:extLst>
-              <a:ext uri="{28A0092B-C50C-407E-A947-70E740481C1C}">
-                <a14:useLocalDpi xmlns:a14="http://schemas.microsoft.com/office/drawing/2010/main" val="0"/>
-              </a:ext>
-            </a:extLst>
-          </a:blip>
-          <a:stretch>
-            <a:fillRect/>
-          </a:stretch>
-        </p:blipFill>
-        <p:spPr>
-          <a:xfrm>
-            <a:off x="18089110" y="21670309"/>
-            <a:ext cx="6490012" cy="6490012"/>
-          </a:xfrm>
-          <a:prstGeom prst="rect">
-            <a:avLst/>
-          </a:prstGeom>
-        </p:spPr>
-      </p:pic>
-      <p:pic>
-        <p:nvPicPr>
-          <p:cNvPr id="15" name="14 Imagen"/>
-          <p:cNvPicPr>
-            <a:picLocks noChangeAspect="1"/>
-          </p:cNvPicPr>
-          <p:nvPr/>
-        </p:nvPicPr>
-        <p:blipFill>
-          <a:blip r:embed="rId25" cstate="print">
-            <a:extLst>
-              <a:ext uri="{28A0092B-C50C-407E-A947-70E740481C1C}">
-                <a14:useLocalDpi xmlns:a14="http://schemas.microsoft.com/office/drawing/2010/main" val="0"/>
-              </a:ext>
-            </a:extLst>
-          </a:blip>
-          <a:stretch>
-            <a:fillRect/>
-          </a:stretch>
-        </p:blipFill>
-        <p:spPr>
-          <a:xfrm>
-            <a:off x="25053223" y="21621361"/>
-            <a:ext cx="6538960" cy="6538960"/>
-          </a:xfrm>
-          <a:prstGeom prst="rect">
-            <a:avLst/>
-          </a:prstGeom>
-        </p:spPr>
-      </p:pic>
-      <p:pic>
-        <p:nvPicPr>
-          <p:cNvPr id="21" name="20 Imagen"/>
-          <p:cNvPicPr>
-            <a:picLocks noChangeAspect="1"/>
-          </p:cNvPicPr>
-          <p:nvPr/>
-        </p:nvPicPr>
-        <p:blipFill>
-          <a:blip r:embed="rId26" cstate="print">
-            <a:extLst>
-              <a:ext uri="{28A0092B-C50C-407E-A947-70E740481C1C}">
-                <a14:useLocalDpi xmlns:a14="http://schemas.microsoft.com/office/drawing/2010/main" val="0"/>
-              </a:ext>
-            </a:extLst>
-          </a:blip>
-          <a:stretch>
-            <a:fillRect/>
-          </a:stretch>
-        </p:blipFill>
-        <p:spPr>
-          <a:xfrm>
-            <a:off x="33503238" y="8757396"/>
-            <a:ext cx="5002213" cy="3439021"/>
-          </a:xfrm>
-          <a:prstGeom prst="rect">
-            <a:avLst/>
-          </a:prstGeom>
-        </p:spPr>
-      </p:pic>
-      <p:pic>
-        <p:nvPicPr>
-          <p:cNvPr id="22" name="21 Imagen"/>
-          <p:cNvPicPr>
-            <a:picLocks noChangeAspect="1"/>
-          </p:cNvPicPr>
-          <p:nvPr/>
-        </p:nvPicPr>
-        <p:blipFill>
-          <a:blip r:embed="rId27" cstate="print">
-            <a:extLst>
-              <a:ext uri="{28A0092B-C50C-407E-A947-70E740481C1C}">
-                <a14:useLocalDpi xmlns:a14="http://schemas.microsoft.com/office/drawing/2010/main" val="0"/>
-              </a:ext>
-            </a:extLst>
-          </a:blip>
-          <a:stretch>
-            <a:fillRect/>
-          </a:stretch>
-        </p:blipFill>
-        <p:spPr>
-          <a:xfrm>
-            <a:off x="38334002" y="8757397"/>
-            <a:ext cx="5002212" cy="3439020"/>
-          </a:xfrm>
-          <a:prstGeom prst="rect">
-            <a:avLst/>
-          </a:prstGeom>
-        </p:spPr>
-      </p:pic>
-    </p:spTree>
-    <p:extLst>
-      <p:ext uri="{BB962C8B-B14F-4D97-AF65-F5344CB8AC3E}">
-        <p14:creationId xmlns:p14="http://schemas.microsoft.com/office/powerpoint/2010/main" val="3425218134"/>
-      </p:ext>
-    </p:extLst>
-  </p:cSld>
-  <p:clrMapOvr>
-    <a:masterClrMapping/>
-  </p:clrMapOvr>
-  <p:timing>
-    <p:tnLst>
-      <p:par>
-        <p:cTn id="1" dur="indefinite" restart="never" nodeType="tmRoot"/>
-      </p:par>
-    </p:tnLst>
-  </p:timing>
-</p:sld>
-</file>
-
-<file path=ppt/slides/slide2.xml><?xml version="1.0" encoding="utf-8"?>
-<p:sld xmlns:a="http://schemas.openxmlformats.org/drawingml/2006/main" xmlns:r="http://schemas.openxmlformats.org/officeDocument/2006/relationships" xmlns:p="http://schemas.openxmlformats.org/presentationml/2006/main">
-  <p:cSld>
-    <p:spTree>
-      <p:nvGrpSpPr>
-        <p:cNvPr id="1" name=""/>
-        <p:cNvGrpSpPr/>
-        <p:nvPr/>
-      </p:nvGrpSpPr>
-      <p:grpSpPr>
-        <a:xfrm>
-          <a:off x="0" y="0"/>
-          <a:ext cx="0" cy="0"/>
-          <a:chOff x="0" y="0"/>
-          <a:chExt cx="0" cy="0"/>
-        </a:xfrm>
-      </p:grpSpPr>
-      <p:sp>
-        <p:nvSpPr>
-          <p:cNvPr id="16" name="15 Marcador de texto"/>
-          <p:cNvSpPr>
-            <a:spLocks noGrp="1"/>
-          </p:cNvSpPr>
-          <p:nvPr>
-            <p:ph type="body" sz="quarter" idx="150"/>
-          </p:nvPr>
-        </p:nvSpPr>
-        <p:spPr>
-          <a:xfrm>
-            <a:off x="10577745" y="3383947"/>
-            <a:ext cx="30606831" cy="1280160"/>
-          </a:xfrm>
-        </p:spPr>
-        <p:txBody>
-          <a:bodyPr>
-            <a:normAutofit fontScale="40000" lnSpcReduction="20000"/>
-          </a:bodyPr>
-          <a:lstStyle/>
-          <a:p>
-            <a:pPr algn="r"/>
-            <a:r>
-              <a:rPr lang="en-US" baseline="30000" dirty="0" smtClean="0">
-                <a:solidFill>
-                  <a:schemeClr val="tx1"/>
-                </a:solidFill>
-                <a:latin typeface="Arial" panose="020B0604020202020204" pitchFamily="34" charset="0"/>
-                <a:cs typeface="Arial" panose="020B0604020202020204" pitchFamily="34" charset="0"/>
-              </a:rPr>
-              <a:t>*</a:t>
-            </a:r>
-            <a:r>
-              <a:rPr lang="en-US" dirty="0" smtClean="0">
-                <a:solidFill>
-                  <a:schemeClr val="tx1"/>
-                </a:solidFill>
-                <a:latin typeface="Arial" panose="020B0604020202020204" pitchFamily="34" charset="0"/>
-                <a:cs typeface="Arial" panose="020B0604020202020204" pitchFamily="34" charset="0"/>
-              </a:rPr>
-              <a:t>Department of Electric and Electronic Engineering, University of Los Andes, Bogota DC, Bogota, 111711, Colombia</a:t>
+              <a:t>Andes, Bogota DC, Bogota, 111711, Colombia</a:t>
             </a:r>
           </a:p>
           <a:p>
@@ -22720,7 +16600,7 @@
         </p:nvSpPr>
         <p:spPr>
           <a:xfrm>
-            <a:off x="3676416" y="7759437"/>
+            <a:off x="3676416" y="7651861"/>
             <a:ext cx="3865802" cy="830997"/>
           </a:xfrm>
           <a:prstGeom prst="rect">
@@ -22797,15 +16677,7 @@
             </a:r>
             <a:r>
               <a:rPr lang="en-US" sz="4000" dirty="0" smtClean="0"/>
-              <a:t>engineering. Unfortunately</a:t>
-            </a:r>
-            <a:r>
-              <a:rPr lang="en-US" sz="4000" dirty="0" smtClean="0"/>
-              <a:t>, real life optimization problems in science and engineering share similar issues</a:t>
-            </a:r>
-            <a:r>
-              <a:rPr lang="en-US" sz="4000" dirty="0" smtClean="0"/>
-              <a:t>:</a:t>
+              <a:t>engineering. Unfortunately, real life optimization problems in science and engineering share similar issues:</a:t>
             </a:r>
             <a:endParaRPr lang="en-US" sz="4000" dirty="0"/>
           </a:p>
@@ -22836,15 +16708,7 @@
             </a:pPr>
             <a:r>
               <a:rPr lang="en-US" sz="4000" dirty="0" smtClean="0"/>
-              <a:t>Expensive experiments or </a:t>
-            </a:r>
-            <a:r>
-              <a:rPr lang="en-US" sz="4000" dirty="0" smtClean="0"/>
-              <a:t>evaluations </a:t>
-            </a:r>
-            <a:r>
-              <a:rPr lang="en-US" sz="4000" dirty="0" smtClean="0"/>
-              <a:t>of computer code</a:t>
+              <a:t>Expensive experiments or evaluations of computer code</a:t>
             </a:r>
           </a:p>
           <a:p>
@@ -23150,8 +17014,8 @@
             </a:fontRef>
           </p:style>
         </p:cxnSp>
-        <mc:AlternateContent xmlns:mc="http://schemas.openxmlformats.org/markup-compatibility/2006">
-          <mc:Choice xmlns:a14="http://schemas.microsoft.com/office/drawing/2010/main" Requires="a14">
+        <mc:AlternateContent xmlns:mc="http://schemas.openxmlformats.org/markup-compatibility/2006" xmlns:a14="http://schemas.microsoft.com/office/drawing/2010/main">
+          <mc:Choice Requires="a14">
             <p:sp>
               <p:nvSpPr>
                 <p:cNvPr id="62" name="TextBox 61"/>
@@ -23207,7 +17071,7 @@
               </p:txBody>
             </p:sp>
           </mc:Choice>
-          <mc:Fallback>
+          <mc:Fallback xmlns="">
             <p:sp>
               <p:nvSpPr>
                 <p:cNvPr id="62" name="TextBox 61"/>
@@ -23246,8 +17110,8 @@
             </p:sp>
           </mc:Fallback>
         </mc:AlternateContent>
-        <mc:AlternateContent xmlns:mc="http://schemas.openxmlformats.org/markup-compatibility/2006">
-          <mc:Choice xmlns:a14="http://schemas.microsoft.com/office/drawing/2010/main" Requires="a14">
+        <mc:AlternateContent xmlns:mc="http://schemas.openxmlformats.org/markup-compatibility/2006" xmlns:a14="http://schemas.microsoft.com/office/drawing/2010/main">
+          <mc:Choice Requires="a14">
             <p:sp>
               <p:nvSpPr>
                 <p:cNvPr id="107" name="TextBox 106"/>
@@ -23333,7 +17197,7 @@
               </p:txBody>
             </p:sp>
           </mc:Choice>
-          <mc:Fallback>
+          <mc:Fallback xmlns="">
             <p:sp>
               <p:nvSpPr>
                 <p:cNvPr id="107" name="TextBox 106"/>
@@ -23479,13 +17343,8 @@
             <a:pPr algn="just"/>
             <a:r>
               <a:rPr lang="en-US" sz="4000" dirty="0" smtClean="0"/>
-              <a:t>Different approaches have been taken through evolutionary algorithms</a:t>
+              <a:t>Different approaches have been taken through evolutionary algorithms:</a:t>
             </a:r>
-            <a:r>
-              <a:rPr lang="en-US" sz="4000" dirty="0" smtClean="0"/>
-              <a:t>:</a:t>
-            </a:r>
-            <a:endParaRPr lang="en-US" sz="4000" dirty="0" smtClean="0"/>
           </a:p>
           <a:p>
             <a:pPr marL="571500" indent="-571500" algn="just">
@@ -23504,13 +17363,8 @@
             </a:pPr>
             <a:r>
               <a:rPr lang="en-US" sz="4000" dirty="0" smtClean="0"/>
-              <a:t>Uncertainty is not </a:t>
+              <a:t>Uncertainty is not considered</a:t>
             </a:r>
-            <a:r>
-              <a:rPr lang="en-US" sz="4000" dirty="0" smtClean="0"/>
-              <a:t>considered</a:t>
-            </a:r>
-            <a:endParaRPr lang="en-US" sz="4000" dirty="0" smtClean="0"/>
           </a:p>
         </p:txBody>
       </p:sp>
@@ -23522,7 +17376,7 @@
         </p:nvSpPr>
         <p:spPr>
           <a:xfrm>
-            <a:off x="20380183" y="7762337"/>
+            <a:off x="20558286" y="7652069"/>
             <a:ext cx="3999300" cy="830997"/>
           </a:xfrm>
           <a:prstGeom prst="rect">
@@ -24396,8 +18250,12 @@
               <a:t>A Gaussian process (GP) is a collection of random variables, any finite number of which have a joint Gaussian </a:t>
             </a:r>
             <a:r>
-              <a:rPr lang="en-US" sz="4000" dirty="0" smtClean="0"/>
-              <a:t>distribution (Seeger-2004)</a:t>
+              <a:rPr lang="en-US" sz="4000" smtClean="0"/>
+              <a:t>distribution </a:t>
+            </a:r>
+            <a:r>
+              <a:rPr lang="en-US" sz="4000" smtClean="0"/>
+              <a:t>[1]</a:t>
             </a:r>
             <a:endParaRPr lang="en-US" sz="4000" dirty="0"/>
           </a:p>
@@ -24411,8 +18269,8 @@
         </p:nvSpPr>
         <p:spPr>
           <a:xfrm>
-            <a:off x="32806451" y="26897759"/>
-            <a:ext cx="10891320" cy="923330"/>
+            <a:off x="32739158" y="28163542"/>
+            <a:ext cx="10891320" cy="1477328"/>
           </a:xfrm>
           <a:prstGeom prst="rect">
             <a:avLst/>
@@ -24427,11 +18285,7 @@
           <a:p>
             <a:r>
               <a:rPr lang="en-US" sz="1800" dirty="0" smtClean="0"/>
-              <a:t>[</a:t>
-            </a:r>
-            <a:r>
-              <a:rPr lang="en-US" sz="1800" dirty="0" smtClean="0"/>
-              <a:t>1] M</a:t>
+              <a:t>[1] M</a:t>
             </a:r>
             <a:r>
               <a:rPr lang="en-US" sz="1800" dirty="0"/>
@@ -24566,7 +18420,35 @@
             </a:r>
             <a:r>
               <a:rPr lang="es-ES" sz="1800" dirty="0"/>
-              <a:t> (2008).</a:t>
+              <a:t> (2008</a:t>
+            </a:r>
+            <a:r>
+              <a:rPr lang="es-ES" sz="1800" dirty="0" smtClean="0"/>
+              <a:t>).</a:t>
+            </a:r>
+          </a:p>
+          <a:p>
+            <a:r>
+              <a:rPr lang="es-ES" sz="1800" dirty="0" smtClean="0"/>
+              <a:t>[3] </a:t>
+            </a:r>
+            <a:r>
+              <a:rPr lang="en-US" sz="1800" dirty="0"/>
+              <a:t>J. Parr, Improvement criteria for constraint handling and </a:t>
+            </a:r>
+            <a:r>
+              <a:rPr lang="en-US" sz="1800" dirty="0" err="1"/>
+              <a:t>multiobjective</a:t>
+            </a:r>
+            <a:r>
+              <a:rPr lang="en-US" sz="1800" dirty="0"/>
+              <a:t> optimization . PhD</a:t>
+            </a:r>
+          </a:p>
+          <a:p>
+            <a:r>
+              <a:rPr lang="en-US" sz="1800" dirty="0"/>
+              <a:t>thesis, University of Southampton, 2013.</a:t>
             </a:r>
             <a:endParaRPr lang="en-US" sz="1800" dirty="0" smtClean="0"/>
           </a:p>
@@ -24582,7 +18464,7 @@
         </p:nvSpPr>
         <p:spPr>
           <a:xfrm>
-            <a:off x="33391950" y="25927435"/>
+            <a:off x="33408741" y="27329814"/>
             <a:ext cx="10047018" cy="923322"/>
           </a:xfrm>
           <a:prstGeom prst="rect">
@@ -24748,8 +18630,8 @@
           </a:p>
         </p:txBody>
       </p:sp>
-      <mc:AlternateContent xmlns:mc="http://schemas.openxmlformats.org/markup-compatibility/2006">
-        <mc:Choice xmlns:a14="http://schemas.microsoft.com/office/drawing/2010/main" Requires="a14">
+      <mc:AlternateContent xmlns:mc="http://schemas.openxmlformats.org/markup-compatibility/2006" xmlns:a14="http://schemas.microsoft.com/office/drawing/2010/main">
+        <mc:Choice Requires="a14">
           <p:sp>
             <p:nvSpPr>
               <p:cNvPr id="41" name="Rounded Rectangle 40"/>
@@ -25029,7 +18911,7 @@
             </p:txBody>
           </p:sp>
         </mc:Choice>
-        <mc:Fallback>
+        <mc:Fallback xmlns="">
           <p:sp>
             <p:nvSpPr>
               <p:cNvPr id="41" name="Rounded Rectangle 40"/>
@@ -25075,8 +18957,8 @@
           </p:sp>
         </mc:Fallback>
       </mc:AlternateContent>
-      <mc:AlternateContent xmlns:mc="http://schemas.openxmlformats.org/markup-compatibility/2006">
-        <mc:Choice xmlns:a14="http://schemas.microsoft.com/office/drawing/2010/main" Requires="a14">
+      <mc:AlternateContent xmlns:mc="http://schemas.openxmlformats.org/markup-compatibility/2006" xmlns:a14="http://schemas.microsoft.com/office/drawing/2010/main">
+        <mc:Choice Requires="a14">
           <p:sp>
             <p:nvSpPr>
               <p:cNvPr id="48" name="Rounded Rectangle 47"/>
@@ -25278,7 +19160,7 @@
             </p:txBody>
           </p:sp>
         </mc:Choice>
-        <mc:Fallback>
+        <mc:Fallback xmlns="">
           <p:sp>
             <p:nvSpPr>
               <p:cNvPr id="48" name="Rounded Rectangle 47"/>
@@ -25324,8 +19206,8 @@
           </p:sp>
         </mc:Fallback>
       </mc:AlternateContent>
-      <mc:AlternateContent xmlns:mc="http://schemas.openxmlformats.org/markup-compatibility/2006">
-        <mc:Choice xmlns:a14="http://schemas.microsoft.com/office/drawing/2010/main" Requires="a14">
+      <mc:AlternateContent xmlns:mc="http://schemas.openxmlformats.org/markup-compatibility/2006" xmlns:a14="http://schemas.microsoft.com/office/drawing/2010/main">
+        <mc:Choice Requires="a14">
           <p:sp>
             <p:nvSpPr>
               <p:cNvPr id="50" name="Rounded Rectangle 49"/>
@@ -25381,14 +19263,6 @@
                   </a:rPr>
                   <a:t>Likelihood and Bayes rule</a:t>
                 </a:r>
-                <a:endParaRPr lang="en-US" sz="3600" dirty="0" smtClean="0">
-                  <a:solidFill>
-                    <a:schemeClr val="tx1"/>
-                  </a:solidFill>
-                  <a:latin typeface="Arial" charset="0"/>
-                  <a:ea typeface="Arial" charset="0"/>
-                  <a:cs typeface="Arial" charset="0"/>
-                </a:endParaRPr>
               </a:p>
               <a:p>
                 <a:pPr algn="ctr"/>
@@ -25740,7 +19614,7 @@
                       <m:sSub>
                         <m:sSubPr>
                           <m:ctrlPr>
-                            <a:rPr lang="es-ES" sz="3600" b="1" i="0" smtClean="0">
+                            <a:rPr lang="es-ES" sz="3600" b="1" i="1" smtClean="0">
                               <a:solidFill>
                                 <a:schemeClr val="tx1"/>
                               </a:solidFill>
@@ -25774,7 +19648,7 @@
                       <m:d>
                         <m:dPr>
                           <m:ctrlPr>
-                            <a:rPr lang="es-ES" sz="3600" b="1" i="0" smtClean="0">
+                            <a:rPr lang="es-ES" sz="3600" b="1" i="1" smtClean="0">
                               <a:solidFill>
                                 <a:schemeClr val="tx1"/>
                               </a:solidFill>
@@ -25918,7 +19792,7 @@
             </p:txBody>
           </p:sp>
         </mc:Choice>
-        <mc:Fallback>
+        <mc:Fallback xmlns="">
           <p:sp>
             <p:nvSpPr>
               <p:cNvPr id="50" name="Rounded Rectangle 49"/>
@@ -25964,8 +19838,8 @@
           </p:sp>
         </mc:Fallback>
       </mc:AlternateContent>
-      <mc:AlternateContent xmlns:mc="http://schemas.openxmlformats.org/markup-compatibility/2006">
-        <mc:Choice xmlns:a14="http://schemas.microsoft.com/office/drawing/2010/main" Requires="a14">
+      <mc:AlternateContent xmlns:mc="http://schemas.openxmlformats.org/markup-compatibility/2006" xmlns:a14="http://schemas.microsoft.com/office/drawing/2010/main">
+        <mc:Choice Requires="a14">
           <p:sp>
             <p:nvSpPr>
               <p:cNvPr id="51" name="Rounded Rectangle 50"/>
@@ -26567,7 +20441,7 @@
             </p:txBody>
           </p:sp>
         </mc:Choice>
-        <mc:Fallback>
+        <mc:Fallback xmlns="">
           <p:sp>
             <p:nvSpPr>
               <p:cNvPr id="51" name="Rounded Rectangle 50"/>
@@ -26662,8 +20536,8 @@
         </p:nvSpPr>
         <p:spPr>
           <a:xfrm>
-            <a:off x="4209286" y="21735178"/>
-            <a:ext cx="2800062" cy="830997"/>
+            <a:off x="3811073" y="21544257"/>
+            <a:ext cx="4072846" cy="830997"/>
           </a:xfrm>
           <a:prstGeom prst="rect">
             <a:avLst/>
@@ -26677,14 +20551,24 @@
           <a:lstStyle/>
           <a:p>
             <a:r>
-              <a:rPr lang="en-US" sz="4800" b="1" dirty="0" smtClean="0">
+              <a:rPr lang="en-US" sz="4800" b="1" smtClean="0">
                 <a:solidFill>
                   <a:schemeClr val="accent5">
                     <a:lumMod val="50000"/>
                   </a:schemeClr>
                 </a:solidFill>
               </a:rPr>
-              <a:t>Our goal</a:t>
+              <a:t>Our </a:t>
+            </a:r>
+            <a:r>
+              <a:rPr lang="en-US" sz="4800" b="1" smtClean="0">
+                <a:solidFill>
+                  <a:schemeClr val="accent5">
+                    <a:lumMod val="50000"/>
+                  </a:schemeClr>
+                </a:solidFill>
+              </a:rPr>
+              <a:t>objective</a:t>
             </a:r>
             <a:r>
               <a:rPr lang="is-IS" sz="4800" b="1" dirty="0" smtClean="0">
@@ -26706,35 +20590,6 @@
           </a:p>
         </p:txBody>
       </p:sp>
-      <p:pic>
-        <p:nvPicPr>
-          <p:cNvPr id="24" name="Picture 23"/>
-          <p:cNvPicPr>
-            <a:picLocks noChangeAspect="1"/>
-          </p:cNvPicPr>
-          <p:nvPr/>
-        </p:nvPicPr>
-        <p:blipFill rotWithShape="1">
-          <a:blip r:embed="rId11">
-            <a:extLst>
-              <a:ext uri="{28A0092B-C50C-407E-A947-70E740481C1C}">
-                <a14:useLocalDpi xmlns:a14="http://schemas.microsoft.com/office/drawing/2010/main" val="0"/>
-              </a:ext>
-            </a:extLst>
-          </a:blip>
-          <a:srcRect l="3940" t="6441" r="5403"/>
-          <a:stretch/>
-        </p:blipFill>
-        <p:spPr>
-          <a:xfrm>
-            <a:off x="665644" y="22550849"/>
-            <a:ext cx="9613874" cy="6821092"/>
-          </a:xfrm>
-          <a:prstGeom prst="rect">
-            <a:avLst/>
-          </a:prstGeom>
-        </p:spPr>
-      </p:pic>
       <p:sp>
         <p:nvSpPr>
           <p:cNvPr id="85" name="TextBox 84"/>
@@ -26781,7 +20636,7 @@
         </p:nvSpPr>
         <p:spPr>
           <a:xfrm>
-            <a:off x="37217448" y="7567924"/>
+            <a:off x="37174024" y="7648329"/>
             <a:ext cx="3617722" cy="830997"/>
           </a:xfrm>
           <a:prstGeom prst="rect">
@@ -26862,7 +20717,7 @@
           <p:nvPr/>
         </p:nvPicPr>
         <p:blipFill>
-          <a:blip r:embed="rId12"/>
+          <a:blip r:embed="rId11"/>
           <a:stretch>
             <a:fillRect/>
           </a:stretch>
@@ -26886,14 +20741,14 @@
           <p:nvPr/>
         </p:nvPicPr>
         <p:blipFill>
-          <a:blip r:embed="rId13"/>
+          <a:blip r:embed="rId12"/>
           <a:stretch>
             <a:fillRect/>
           </a:stretch>
         </p:blipFill>
         <p:spPr>
           <a:xfrm>
-            <a:off x="33023777" y="16394834"/>
+            <a:off x="33033263" y="18015430"/>
             <a:ext cx="5218848" cy="4146869"/>
           </a:xfrm>
           <a:prstGeom prst="rect">
@@ -26910,14 +20765,14 @@
           <p:nvPr/>
         </p:nvPicPr>
         <p:blipFill>
-          <a:blip r:embed="rId14"/>
+          <a:blip r:embed="rId13"/>
           <a:stretch>
             <a:fillRect/>
           </a:stretch>
         </p:blipFill>
         <p:spPr>
           <a:xfrm>
-            <a:off x="38432250" y="16404397"/>
+            <a:off x="38415459" y="18022636"/>
             <a:ext cx="5181623" cy="4050069"/>
           </a:xfrm>
           <a:prstGeom prst="rect">
@@ -27020,7 +20875,7 @@
           <p:nvPr/>
         </p:nvPicPr>
         <p:blipFill>
-          <a:blip r:embed="rId15">
+          <a:blip r:embed="rId14">
             <a:extLst>
               <a:ext uri="{28A0092B-C50C-407E-A947-70E740481C1C}">
                 <a14:useLocalDpi xmlns:a14="http://schemas.microsoft.com/office/drawing/2010/main" val="0"/>
@@ -27050,7 +20905,7 @@
           <p:nvPr/>
         </p:nvPicPr>
         <p:blipFill>
-          <a:blip r:embed="rId16">
+          <a:blip r:embed="rId15">
             <a:extLst>
               <a:ext uri="{28A0092B-C50C-407E-A947-70E740481C1C}">
                 <a14:useLocalDpi xmlns:a14="http://schemas.microsoft.com/office/drawing/2010/main" val="0"/>
@@ -27209,11 +21064,7 @@
           <a:p>
             <a:r>
               <a:rPr lang="en-US" sz="4000" dirty="0" smtClean="0"/>
-              <a:t>The expected improvement defines a metric to determine the contribution of a point to improving the set </a:t>
-            </a:r>
-            <a:r>
-              <a:rPr lang="en-US" sz="4000" smtClean="0"/>
-              <a:t>of optimal solutions.</a:t>
+              <a:t>The expected improvement defines a metric to determine the contribution of a point to improving the set of optimal solutions.</a:t>
             </a:r>
             <a:endParaRPr lang="en-US" sz="4000" dirty="0"/>
           </a:p>
@@ -27227,8 +21078,8 @@
         </p:nvSpPr>
         <p:spPr>
           <a:xfrm>
-            <a:off x="33443776" y="14298674"/>
-            <a:ext cx="10186702" cy="584775"/>
+            <a:off x="32806451" y="14298674"/>
+            <a:ext cx="10824027" cy="1077218"/>
           </a:xfrm>
           <a:prstGeom prst="rect">
             <a:avLst/>
@@ -27242,22 +21093,69 @@
           <a:lstStyle/>
           <a:p>
             <a:r>
-              <a:rPr lang="en-US" sz="3200" i="1" dirty="0" smtClean="0">
+              <a:rPr lang="en-US" sz="3200" b="1" i="1" dirty="0" smtClean="0">
                 <a:latin typeface="Arial" charset="0"/>
                 <a:ea typeface="Arial" charset="0"/>
                 <a:cs typeface="Arial" charset="0"/>
               </a:rPr>
-              <a:t>SMOOT (</a:t>
+              <a:t>SMOOT (Stochastic Multi-Objective Optimization Tool</a:t>
             </a:r>
             <a:r>
-              <a:rPr lang="en-US" sz="3200" i="1" smtClean="0">
+              <a:rPr lang="en-US" sz="3200" b="1" i="1" dirty="0" smtClean="0">
                 <a:latin typeface="Arial" charset="0"/>
                 <a:ea typeface="Arial" charset="0"/>
                 <a:cs typeface="Arial" charset="0"/>
               </a:rPr>
-              <a:t>Stochastic Multi-Objective Optimization Tool)</a:t>
+              <a:t>):</a:t>
             </a:r>
-            <a:endParaRPr lang="en-US" sz="3200" i="1" dirty="0">
+          </a:p>
+          <a:p>
+            <a:pPr algn="ctr"/>
+            <a:r>
+              <a:rPr lang="en-US" sz="3200" b="1" u="sng" dirty="0">
+                <a:solidFill>
+                  <a:schemeClr val="accent1">
+                    <a:lumMod val="75000"/>
+                  </a:schemeClr>
+                </a:solidFill>
+                <a:latin typeface="Arial" charset="0"/>
+                <a:ea typeface="Arial" charset="0"/>
+                <a:cs typeface="Arial" charset="0"/>
+              </a:rPr>
+              <a:t>https://</a:t>
+            </a:r>
+            <a:r>
+              <a:rPr lang="en-US" sz="3200" b="1" u="sng" dirty="0" err="1">
+                <a:solidFill>
+                  <a:schemeClr val="accent1">
+                    <a:lumMod val="75000"/>
+                  </a:schemeClr>
+                </a:solidFill>
+                <a:latin typeface="Arial" charset="0"/>
+                <a:ea typeface="Arial" charset="0"/>
+                <a:cs typeface="Arial" charset="0"/>
+              </a:rPr>
+              <a:t>nanohub.org</a:t>
+            </a:r>
+            <a:r>
+              <a:rPr lang="en-US" sz="3200" b="1" u="sng" dirty="0">
+                <a:solidFill>
+                  <a:schemeClr val="accent1">
+                    <a:lumMod val="75000"/>
+                  </a:schemeClr>
+                </a:solidFill>
+                <a:latin typeface="Arial" charset="0"/>
+                <a:ea typeface="Arial" charset="0"/>
+                <a:cs typeface="Arial" charset="0"/>
+              </a:rPr>
+              <a:t>/tools/smoot/</a:t>
+            </a:r>
+            <a:endParaRPr lang="en-US" sz="3200" b="1" u="sng" dirty="0">
+              <a:solidFill>
+                <a:schemeClr val="accent1">
+                  <a:lumMod val="75000"/>
+                </a:schemeClr>
+              </a:solidFill>
               <a:latin typeface="Arial" charset="0"/>
               <a:ea typeface="Arial" charset="0"/>
               <a:cs typeface="Arial" charset="0"/>
@@ -27273,7 +21171,7 @@
         </p:nvSpPr>
         <p:spPr>
           <a:xfrm>
-            <a:off x="36958963" y="20884338"/>
+            <a:off x="36862245" y="22234455"/>
             <a:ext cx="3349763" cy="830997"/>
           </a:xfrm>
           <a:prstGeom prst="rect">
@@ -27307,16 +21205,1078 @@
           </a:p>
         </p:txBody>
       </p:sp>
+      <mc:AlternateContent xmlns:mc="http://schemas.openxmlformats.org/markup-compatibility/2006">
+        <mc:Choice xmlns:a14="http://schemas.microsoft.com/office/drawing/2010/main" Requires="a14">
+          <p:sp>
+            <p:nvSpPr>
+              <p:cNvPr id="141" name="TextBox 140"/>
+              <p:cNvSpPr txBox="1"/>
+              <p:nvPr/>
+            </p:nvSpPr>
+            <p:spPr>
+              <a:xfrm>
+                <a:off x="32806451" y="15722528"/>
+                <a:ext cx="10948717" cy="2261132"/>
+              </a:xfrm>
+              <a:prstGeom prst="rect">
+                <a:avLst/>
+              </a:prstGeom>
+              <a:noFill/>
+            </p:spPr>
+            <p:txBody>
+              <a:bodyPr wrap="square" rtlCol="0">
+                <a:spAutoFit/>
+              </a:bodyPr>
+              <a:lstStyle/>
+              <a:p>
+                <a:r>
+                  <a:rPr lang="en-US" sz="3600" dirty="0" smtClean="0"/>
+                  <a:t>A synthetic 2-dimensional problem was tested[3]:</a:t>
+                </a:r>
+              </a:p>
+              <a:p>
+                <a:pPr/>
+                <a14:m>
+                  <m:oMathPara xmlns:m="http://schemas.openxmlformats.org/officeDocument/2006/math">
+                    <m:oMathParaPr>
+                      <m:jc m:val="centerGroup"/>
+                    </m:oMathParaPr>
+                    <m:oMath xmlns:m="http://schemas.openxmlformats.org/officeDocument/2006/math">
+                      <m:sSub>
+                        <m:sSubPr>
+                          <m:ctrlPr>
+                            <a:rPr lang="es-ES" sz="2000" b="0" i="1" smtClean="0">
+                              <a:latin typeface="Cambria Math" charset="0"/>
+                            </a:rPr>
+                          </m:ctrlPr>
+                        </m:sSubPr>
+                        <m:e>
+                          <m:r>
+                            <a:rPr lang="es-ES" sz="2000" b="0" i="1" smtClean="0">
+                              <a:latin typeface="Cambria Math" charset="0"/>
+                            </a:rPr>
+                            <m:t>𝑓</m:t>
+                          </m:r>
+                        </m:e>
+                        <m:sub>
+                          <m:r>
+                            <a:rPr lang="es-ES" sz="2000" b="0" i="1" smtClean="0">
+                              <a:latin typeface="Cambria Math" charset="0"/>
+                            </a:rPr>
+                            <m:t>1</m:t>
+                          </m:r>
+                        </m:sub>
+                      </m:sSub>
+                      <m:d>
+                        <m:dPr>
+                          <m:ctrlPr>
+                            <a:rPr lang="es-ES" sz="2000" b="0" i="1" smtClean="0">
+                              <a:latin typeface="Cambria Math" charset="0"/>
+                            </a:rPr>
+                          </m:ctrlPr>
+                        </m:dPr>
+                        <m:e>
+                          <m:acc>
+                            <m:accPr>
+                              <m:chr m:val="⃗"/>
+                              <m:ctrlPr>
+                                <a:rPr lang="es-ES" sz="2000" b="0" i="1" smtClean="0">
+                                  <a:latin typeface="Cambria Math" charset="0"/>
+                                </a:rPr>
+                              </m:ctrlPr>
+                            </m:accPr>
+                            <m:e>
+                              <m:r>
+                                <a:rPr lang="es-ES" sz="2000" b="0" i="1" smtClean="0">
+                                  <a:latin typeface="Cambria Math" charset="0"/>
+                                </a:rPr>
+                                <m:t>𝑥</m:t>
+                              </m:r>
+                            </m:e>
+                          </m:acc>
+                        </m:e>
+                      </m:d>
+                      <m:r>
+                        <a:rPr lang="es-ES" sz="2000" b="0" i="1" smtClean="0">
+                          <a:latin typeface="Cambria Math" charset="0"/>
+                        </a:rPr>
+                        <m:t>=</m:t>
+                      </m:r>
+                      <m:sSup>
+                        <m:sSupPr>
+                          <m:ctrlPr>
+                            <a:rPr lang="es-ES" sz="2000" b="0" i="1" smtClean="0">
+                              <a:latin typeface="Cambria Math" charset="0"/>
+                            </a:rPr>
+                          </m:ctrlPr>
+                        </m:sSupPr>
+                        <m:e>
+                          <m:d>
+                            <m:dPr>
+                              <m:ctrlPr>
+                                <a:rPr lang="is-IS" sz="2000" b="0" i="1" smtClean="0">
+                                  <a:latin typeface="Cambria Math" charset="0"/>
+                                </a:rPr>
+                              </m:ctrlPr>
+                            </m:dPr>
+                            <m:e>
+                              <m:sSub>
+                                <m:sSubPr>
+                                  <m:ctrlPr>
+                                    <a:rPr lang="es-ES" sz="2000" b="0" i="1" smtClean="0">
+                                      <a:latin typeface="Cambria Math" charset="0"/>
+                                    </a:rPr>
+                                  </m:ctrlPr>
+                                </m:sSubPr>
+                                <m:e>
+                                  <m:r>
+                                    <a:rPr lang="es-ES" sz="2000" b="0" i="1" smtClean="0">
+                                      <a:latin typeface="Cambria Math" charset="0"/>
+                                    </a:rPr>
+                                    <m:t>𝑏</m:t>
+                                  </m:r>
+                                </m:e>
+                                <m:sub>
+                                  <m:r>
+                                    <a:rPr lang="es-ES" sz="2000" b="0" i="1" smtClean="0">
+                                      <a:latin typeface="Cambria Math" charset="0"/>
+                                    </a:rPr>
+                                    <m:t>2</m:t>
+                                  </m:r>
+                                </m:sub>
+                              </m:sSub>
+                              <m:r>
+                                <a:rPr lang="es-ES" sz="2000" b="0" i="1" smtClean="0">
+                                  <a:latin typeface="Cambria Math" charset="0"/>
+                                </a:rPr>
+                                <m:t>−</m:t>
+                              </m:r>
+                              <m:f>
+                                <m:fPr>
+                                  <m:ctrlPr>
+                                    <a:rPr lang="es-ES" sz="2000" b="0" i="1" smtClean="0">
+                                      <a:latin typeface="Cambria Math" charset="0"/>
+                                    </a:rPr>
+                                  </m:ctrlPr>
+                                </m:fPr>
+                                <m:num>
+                                  <m:r>
+                                    <a:rPr lang="es-ES" sz="2000" b="0" i="1" smtClean="0">
+                                      <a:latin typeface="Cambria Math" charset="0"/>
+                                    </a:rPr>
+                                    <m:t>5.1</m:t>
+                                  </m:r>
+                                </m:num>
+                                <m:den>
+                                  <m:r>
+                                    <a:rPr lang="es-ES" sz="2000" b="0" i="1" smtClean="0">
+                                      <a:latin typeface="Cambria Math" charset="0"/>
+                                    </a:rPr>
+                                    <m:t>4</m:t>
+                                  </m:r>
+                                  <m:sSup>
+                                    <m:sSupPr>
+                                      <m:ctrlPr>
+                                        <a:rPr lang="es-ES" sz="2000" b="0" i="1" smtClean="0">
+                                          <a:latin typeface="Cambria Math" charset="0"/>
+                                        </a:rPr>
+                                      </m:ctrlPr>
+                                    </m:sSupPr>
+                                    <m:e>
+                                      <m:r>
+                                        <a:rPr lang="es-ES" sz="2000" b="0" i="1" smtClean="0">
+                                          <a:latin typeface="Cambria Math" charset="0"/>
+                                        </a:rPr>
+                                        <m:t>𝜋</m:t>
+                                      </m:r>
+                                    </m:e>
+                                    <m:sup>
+                                      <m:r>
+                                        <a:rPr lang="es-ES" sz="2000" b="0" i="1" smtClean="0">
+                                          <a:latin typeface="Cambria Math" charset="0"/>
+                                        </a:rPr>
+                                        <m:t>2</m:t>
+                                      </m:r>
+                                    </m:sup>
+                                  </m:sSup>
+                                </m:den>
+                              </m:f>
+                              <m:sSubSup>
+                                <m:sSubSupPr>
+                                  <m:ctrlPr>
+                                    <a:rPr lang="es-ES" sz="2000" b="0" i="1" smtClean="0">
+                                      <a:latin typeface="Cambria Math" charset="0"/>
+                                    </a:rPr>
+                                  </m:ctrlPr>
+                                </m:sSubSupPr>
+                                <m:e>
+                                  <m:r>
+                                    <a:rPr lang="es-ES" sz="2000" b="0" i="1" smtClean="0">
+                                      <a:latin typeface="Cambria Math" charset="0"/>
+                                    </a:rPr>
+                                    <m:t>𝑏</m:t>
+                                  </m:r>
+                                </m:e>
+                                <m:sub>
+                                  <m:r>
+                                    <a:rPr lang="es-ES" sz="2000" b="0" i="1" smtClean="0">
+                                      <a:latin typeface="Cambria Math" charset="0"/>
+                                    </a:rPr>
+                                    <m:t>1</m:t>
+                                  </m:r>
+                                </m:sub>
+                                <m:sup>
+                                  <m:r>
+                                    <a:rPr lang="es-ES" sz="2000" b="0" i="1" smtClean="0">
+                                      <a:latin typeface="Cambria Math" charset="0"/>
+                                    </a:rPr>
+                                    <m:t>2</m:t>
+                                  </m:r>
+                                </m:sup>
+                              </m:sSubSup>
+                              <m:r>
+                                <a:rPr lang="es-ES" sz="2000" b="0" i="1" smtClean="0">
+                                  <a:latin typeface="Cambria Math" charset="0"/>
+                                </a:rPr>
+                                <m:t>+</m:t>
+                              </m:r>
+                              <m:f>
+                                <m:fPr>
+                                  <m:ctrlPr>
+                                    <a:rPr lang="es-ES" sz="2000" b="0" i="1" smtClean="0">
+                                      <a:latin typeface="Cambria Math" charset="0"/>
+                                    </a:rPr>
+                                  </m:ctrlPr>
+                                </m:fPr>
+                                <m:num>
+                                  <m:r>
+                                    <a:rPr lang="es-ES" sz="2000" b="0" i="1" smtClean="0">
+                                      <a:latin typeface="Cambria Math" charset="0"/>
+                                    </a:rPr>
+                                    <m:t>5</m:t>
+                                  </m:r>
+                                </m:num>
+                                <m:den>
+                                  <m:r>
+                                    <a:rPr lang="es-ES" sz="2000" b="0" i="1" smtClean="0">
+                                      <a:latin typeface="Cambria Math" charset="0"/>
+                                    </a:rPr>
+                                    <m:t>𝜋</m:t>
+                                  </m:r>
+                                </m:den>
+                              </m:f>
+                              <m:sSub>
+                                <m:sSubPr>
+                                  <m:ctrlPr>
+                                    <a:rPr lang="es-ES" sz="2000" b="0" i="1" smtClean="0">
+                                      <a:latin typeface="Cambria Math" charset="0"/>
+                                    </a:rPr>
+                                  </m:ctrlPr>
+                                </m:sSubPr>
+                                <m:e>
+                                  <m:r>
+                                    <a:rPr lang="es-ES" sz="2000" b="0" i="1" smtClean="0">
+                                      <a:latin typeface="Cambria Math" charset="0"/>
+                                    </a:rPr>
+                                    <m:t>𝑏</m:t>
+                                  </m:r>
+                                </m:e>
+                                <m:sub>
+                                  <m:r>
+                                    <a:rPr lang="es-ES" sz="2000" b="0" i="1" smtClean="0">
+                                      <a:latin typeface="Cambria Math" charset="0"/>
+                                    </a:rPr>
+                                    <m:t>1</m:t>
+                                  </m:r>
+                                </m:sub>
+                              </m:sSub>
+                              <m:r>
+                                <a:rPr lang="es-ES" sz="2000" b="0" i="1" smtClean="0">
+                                  <a:latin typeface="Cambria Math" charset="0"/>
+                                </a:rPr>
+                                <m:t>−6</m:t>
+                              </m:r>
+                            </m:e>
+                          </m:d>
+                        </m:e>
+                        <m:sup>
+                          <m:r>
+                            <a:rPr lang="es-ES" sz="2000" b="0" i="1" smtClean="0">
+                              <a:latin typeface="Cambria Math" charset="0"/>
+                            </a:rPr>
+                            <m:t>2</m:t>
+                          </m:r>
+                        </m:sup>
+                      </m:sSup>
+                      <m:r>
+                        <a:rPr lang="es-ES" sz="2000" b="0" i="1" smtClean="0">
+                          <a:latin typeface="Cambria Math" charset="0"/>
+                        </a:rPr>
+                        <m:t>+10</m:t>
+                      </m:r>
+                      <m:d>
+                        <m:dPr>
+                          <m:begChr m:val="["/>
+                          <m:endChr m:val="]"/>
+                          <m:ctrlPr>
+                            <a:rPr lang="pt-BR" sz="2000" b="0" i="1" smtClean="0">
+                              <a:latin typeface="Cambria Math" charset="0"/>
+                            </a:rPr>
+                          </m:ctrlPr>
+                        </m:dPr>
+                        <m:e>
+                          <m:d>
+                            <m:dPr>
+                              <m:ctrlPr>
+                                <a:rPr lang="is-IS" sz="2000" b="0" i="1" smtClean="0">
+                                  <a:latin typeface="Cambria Math" charset="0"/>
+                                </a:rPr>
+                              </m:ctrlPr>
+                            </m:dPr>
+                            <m:e>
+                              <m:r>
+                                <a:rPr lang="es-ES" sz="2000" b="0" i="1" smtClean="0">
+                                  <a:latin typeface="Cambria Math" charset="0"/>
+                                </a:rPr>
+                                <m:t>1−</m:t>
+                              </m:r>
+                              <m:f>
+                                <m:fPr>
+                                  <m:ctrlPr>
+                                    <a:rPr lang="es-ES" sz="2000" b="0" i="1" smtClean="0">
+                                      <a:latin typeface="Cambria Math" charset="0"/>
+                                    </a:rPr>
+                                  </m:ctrlPr>
+                                </m:fPr>
+                                <m:num>
+                                  <m:r>
+                                    <a:rPr lang="es-ES" sz="2000" b="0" i="1" smtClean="0">
+                                      <a:latin typeface="Cambria Math" charset="0"/>
+                                    </a:rPr>
+                                    <m:t>1</m:t>
+                                  </m:r>
+                                </m:num>
+                                <m:den>
+                                  <m:r>
+                                    <a:rPr lang="es-ES" sz="2000" b="0" i="1" smtClean="0">
+                                      <a:latin typeface="Cambria Math" charset="0"/>
+                                    </a:rPr>
+                                    <m:t>8</m:t>
+                                  </m:r>
+                                  <m:r>
+                                    <a:rPr lang="es-ES" sz="2000" b="0" i="1" smtClean="0">
+                                      <a:latin typeface="Cambria Math" charset="0"/>
+                                    </a:rPr>
+                                    <m:t>𝜋</m:t>
+                                  </m:r>
+                                </m:den>
+                              </m:f>
+                            </m:e>
+                          </m:d>
+                          <m:func>
+                            <m:funcPr>
+                              <m:ctrlPr>
+                                <a:rPr lang="es-ES" sz="2000" b="0" i="1" smtClean="0">
+                                  <a:latin typeface="Cambria Math" charset="0"/>
+                                </a:rPr>
+                              </m:ctrlPr>
+                            </m:funcPr>
+                            <m:fName>
+                              <m:r>
+                                <m:rPr>
+                                  <m:sty m:val="p"/>
+                                </m:rPr>
+                                <a:rPr lang="es-ES" sz="2000" b="0" i="0" smtClean="0">
+                                  <a:latin typeface="Cambria Math" charset="0"/>
+                                </a:rPr>
+                                <m:t>cos</m:t>
+                              </m:r>
+                            </m:fName>
+                            <m:e>
+                              <m:d>
+                                <m:dPr>
+                                  <m:ctrlPr>
+                                    <a:rPr lang="es-ES" sz="2000" b="0" i="1" smtClean="0">
+                                      <a:latin typeface="Cambria Math" charset="0"/>
+                                    </a:rPr>
+                                  </m:ctrlPr>
+                                </m:dPr>
+                                <m:e>
+                                  <m:sSub>
+                                    <m:sSubPr>
+                                      <m:ctrlPr>
+                                        <a:rPr lang="es-ES" sz="2000" b="0" i="1" smtClean="0">
+                                          <a:latin typeface="Cambria Math" charset="0"/>
+                                        </a:rPr>
+                                      </m:ctrlPr>
+                                    </m:sSubPr>
+                                    <m:e>
+                                      <m:r>
+                                        <a:rPr lang="es-ES" sz="2000" b="0" i="1" smtClean="0">
+                                          <a:latin typeface="Cambria Math" charset="0"/>
+                                        </a:rPr>
+                                        <m:t>𝑏</m:t>
+                                      </m:r>
+                                    </m:e>
+                                    <m:sub>
+                                      <m:r>
+                                        <a:rPr lang="es-ES" sz="2000" b="0" i="1" smtClean="0">
+                                          <a:latin typeface="Cambria Math" charset="0"/>
+                                        </a:rPr>
+                                        <m:t>1</m:t>
+                                      </m:r>
+                                    </m:sub>
+                                  </m:sSub>
+                                </m:e>
+                              </m:d>
+                            </m:e>
+                          </m:func>
+                          <m:r>
+                            <a:rPr lang="es-ES" sz="2000" b="0" i="1" smtClean="0">
+                              <a:latin typeface="Cambria Math" charset="0"/>
+                            </a:rPr>
+                            <m:t>+1</m:t>
+                          </m:r>
+                        </m:e>
+                      </m:d>
+                    </m:oMath>
+                  </m:oMathPara>
+                </a14:m>
+                <a:endParaRPr lang="en-US" sz="2000" dirty="0" smtClean="0"/>
+              </a:p>
+              <a:p>
+                <a:endParaRPr lang="en-US" sz="2000" dirty="0" smtClean="0"/>
+              </a:p>
+              <a:p>
+                <a:pPr/>
+                <a14:m>
+                  <m:oMathPara xmlns:m="http://schemas.openxmlformats.org/officeDocument/2006/math">
+                    <m:oMathParaPr>
+                      <m:jc m:val="centerGroup"/>
+                    </m:oMathParaPr>
+                    <m:oMath xmlns:m="http://schemas.openxmlformats.org/officeDocument/2006/math">
+                      <m:sSub>
+                        <m:sSubPr>
+                          <m:ctrlPr>
+                            <a:rPr lang="es-ES" sz="2000" i="1">
+                              <a:latin typeface="Cambria Math" charset="0"/>
+                            </a:rPr>
+                          </m:ctrlPr>
+                        </m:sSubPr>
+                        <m:e>
+                          <m:r>
+                            <a:rPr lang="es-ES" sz="2000" i="1">
+                              <a:latin typeface="Cambria Math" charset="0"/>
+                            </a:rPr>
+                            <m:t>𝑓</m:t>
+                          </m:r>
+                        </m:e>
+                        <m:sub>
+                          <m:r>
+                            <a:rPr lang="es-ES" sz="2000" b="0" i="1" smtClean="0">
+                              <a:latin typeface="Cambria Math" charset="0"/>
+                            </a:rPr>
+                            <m:t>2</m:t>
+                          </m:r>
+                        </m:sub>
+                      </m:sSub>
+                      <m:d>
+                        <m:dPr>
+                          <m:ctrlPr>
+                            <a:rPr lang="es-ES" sz="2000" i="1">
+                              <a:latin typeface="Cambria Math" charset="0"/>
+                            </a:rPr>
+                          </m:ctrlPr>
+                        </m:dPr>
+                        <m:e>
+                          <m:acc>
+                            <m:accPr>
+                              <m:chr m:val="⃗"/>
+                              <m:ctrlPr>
+                                <a:rPr lang="es-ES" sz="2000" i="1">
+                                  <a:latin typeface="Cambria Math" charset="0"/>
+                                </a:rPr>
+                              </m:ctrlPr>
+                            </m:accPr>
+                            <m:e>
+                              <m:r>
+                                <a:rPr lang="es-ES" sz="2000" i="1">
+                                  <a:latin typeface="Cambria Math" charset="0"/>
+                                </a:rPr>
+                                <m:t>𝑥</m:t>
+                              </m:r>
+                            </m:e>
+                          </m:acc>
+                        </m:e>
+                      </m:d>
+                      <m:r>
+                        <a:rPr lang="es-ES" sz="2000" b="0" i="1" smtClean="0">
+                          <a:latin typeface="Cambria Math" charset="0"/>
+                        </a:rPr>
+                        <m:t>=−</m:t>
+                      </m:r>
+                      <m:rad>
+                        <m:radPr>
+                          <m:degHide m:val="on"/>
+                          <m:ctrlPr>
+                            <a:rPr lang="es-ES" sz="2000" b="0" i="1" smtClean="0">
+                              <a:latin typeface="Cambria Math" charset="0"/>
+                            </a:rPr>
+                          </m:ctrlPr>
+                        </m:radPr>
+                        <m:deg/>
+                        <m:e>
+                          <m:d>
+                            <m:dPr>
+                              <m:ctrlPr>
+                                <a:rPr lang="es-ES" sz="2000" b="0" i="1" smtClean="0">
+                                  <a:latin typeface="Cambria Math" charset="0"/>
+                                </a:rPr>
+                              </m:ctrlPr>
+                            </m:dPr>
+                            <m:e>
+                              <m:r>
+                                <a:rPr lang="es-ES" sz="2000" b="0" i="1" smtClean="0">
+                                  <a:latin typeface="Cambria Math" charset="0"/>
+                                </a:rPr>
+                                <m:t>10.5−</m:t>
+                              </m:r>
+                              <m:sSub>
+                                <m:sSubPr>
+                                  <m:ctrlPr>
+                                    <a:rPr lang="es-ES" sz="2000" b="0" i="1" smtClean="0">
+                                      <a:latin typeface="Cambria Math" charset="0"/>
+                                    </a:rPr>
+                                  </m:ctrlPr>
+                                </m:sSubPr>
+                                <m:e>
+                                  <m:r>
+                                    <a:rPr lang="es-ES" sz="2000" b="0" i="1" smtClean="0">
+                                      <a:latin typeface="Cambria Math" charset="0"/>
+                                    </a:rPr>
+                                    <m:t>𝑏</m:t>
+                                  </m:r>
+                                </m:e>
+                                <m:sub>
+                                  <m:r>
+                                    <a:rPr lang="es-ES" sz="2000" b="0" i="1" smtClean="0">
+                                      <a:latin typeface="Cambria Math" charset="0"/>
+                                    </a:rPr>
+                                    <m:t>1</m:t>
+                                  </m:r>
+                                </m:sub>
+                              </m:sSub>
+                            </m:e>
+                          </m:d>
+                          <m:d>
+                            <m:dPr>
+                              <m:ctrlPr>
+                                <a:rPr lang="es-ES" sz="2000" b="0" i="1" smtClean="0">
+                                  <a:latin typeface="Cambria Math" charset="0"/>
+                                </a:rPr>
+                              </m:ctrlPr>
+                            </m:dPr>
+                            <m:e>
+                              <m:sSub>
+                                <m:sSubPr>
+                                  <m:ctrlPr>
+                                    <a:rPr lang="es-ES" sz="2000" b="0" i="1" smtClean="0">
+                                      <a:latin typeface="Cambria Math" charset="0"/>
+                                    </a:rPr>
+                                  </m:ctrlPr>
+                                </m:sSubPr>
+                                <m:e>
+                                  <m:r>
+                                    <a:rPr lang="es-ES" sz="2000" b="0" i="1" smtClean="0">
+                                      <a:latin typeface="Cambria Math" charset="0"/>
+                                    </a:rPr>
+                                    <m:t>𝑏</m:t>
+                                  </m:r>
+                                </m:e>
+                                <m:sub>
+                                  <m:r>
+                                    <a:rPr lang="es-ES" sz="2000" b="0" i="1" smtClean="0">
+                                      <a:latin typeface="Cambria Math" charset="0"/>
+                                    </a:rPr>
+                                    <m:t>1</m:t>
+                                  </m:r>
+                                </m:sub>
+                              </m:sSub>
+                              <m:r>
+                                <a:rPr lang="es-ES" sz="2000" b="0" i="1" smtClean="0">
+                                  <a:latin typeface="Cambria Math" charset="0"/>
+                                </a:rPr>
+                                <m:t>+5.5</m:t>
+                              </m:r>
+                            </m:e>
+                          </m:d>
+                          <m:d>
+                            <m:dPr>
+                              <m:ctrlPr>
+                                <a:rPr lang="es-ES" sz="2000" b="0" i="1" smtClean="0">
+                                  <a:latin typeface="Cambria Math" charset="0"/>
+                                </a:rPr>
+                              </m:ctrlPr>
+                            </m:dPr>
+                            <m:e>
+                              <m:sSub>
+                                <m:sSubPr>
+                                  <m:ctrlPr>
+                                    <a:rPr lang="es-ES" sz="2000" b="0" i="1" smtClean="0">
+                                      <a:latin typeface="Cambria Math" charset="0"/>
+                                    </a:rPr>
+                                  </m:ctrlPr>
+                                </m:sSubPr>
+                                <m:e>
+                                  <m:r>
+                                    <a:rPr lang="es-ES" sz="2000" b="0" i="1" smtClean="0">
+                                      <a:latin typeface="Cambria Math" charset="0"/>
+                                    </a:rPr>
+                                    <m:t>𝑏</m:t>
+                                  </m:r>
+                                </m:e>
+                                <m:sub>
+                                  <m:r>
+                                    <a:rPr lang="es-ES" sz="2000" b="0" i="1" smtClean="0">
+                                      <a:latin typeface="Cambria Math" charset="0"/>
+                                    </a:rPr>
+                                    <m:t>2</m:t>
+                                  </m:r>
+                                </m:sub>
+                              </m:sSub>
+                              <m:r>
+                                <a:rPr lang="es-ES" sz="2000" b="0" i="1" smtClean="0">
+                                  <a:latin typeface="Cambria Math" charset="0"/>
+                                </a:rPr>
+                                <m:t>+0.5</m:t>
+                              </m:r>
+                            </m:e>
+                          </m:d>
+                        </m:e>
+                      </m:rad>
+                      <m:r>
+                        <a:rPr lang="es-ES" sz="2000" b="0" i="1" smtClean="0">
+                          <a:latin typeface="Cambria Math" charset="0"/>
+                        </a:rPr>
+                        <m:t>−</m:t>
+                      </m:r>
+                      <m:f>
+                        <m:fPr>
+                          <m:ctrlPr>
+                            <a:rPr lang="es-ES" sz="2000" b="0" i="1" smtClean="0">
+                              <a:latin typeface="Cambria Math" charset="0"/>
+                            </a:rPr>
+                          </m:ctrlPr>
+                        </m:fPr>
+                        <m:num>
+                          <m:r>
+                            <a:rPr lang="es-ES" sz="2000" b="0" i="1" smtClean="0">
+                              <a:latin typeface="Cambria Math" charset="0"/>
+                            </a:rPr>
+                            <m:t>1</m:t>
+                          </m:r>
+                        </m:num>
+                        <m:den>
+                          <m:r>
+                            <a:rPr lang="es-ES" sz="2000" b="0" i="1" smtClean="0">
+                              <a:latin typeface="Cambria Math" charset="0"/>
+                            </a:rPr>
+                            <m:t>30</m:t>
+                          </m:r>
+                        </m:den>
+                      </m:f>
+                      <m:sSup>
+                        <m:sSupPr>
+                          <m:ctrlPr>
+                            <a:rPr lang="es-ES" sz="2000" b="0" i="1" smtClean="0">
+                              <a:latin typeface="Cambria Math" charset="0"/>
+                            </a:rPr>
+                          </m:ctrlPr>
+                        </m:sSupPr>
+                        <m:e>
+                          <m:d>
+                            <m:dPr>
+                              <m:ctrlPr>
+                                <a:rPr lang="is-IS" sz="2000" b="0" i="1" smtClean="0">
+                                  <a:latin typeface="Cambria Math" charset="0"/>
+                                </a:rPr>
+                              </m:ctrlPr>
+                            </m:dPr>
+                            <m:e>
+                              <m:sSub>
+                                <m:sSubPr>
+                                  <m:ctrlPr>
+                                    <a:rPr lang="es-ES" sz="2000" b="0" i="1" smtClean="0">
+                                      <a:latin typeface="Cambria Math" charset="0"/>
+                                    </a:rPr>
+                                  </m:ctrlPr>
+                                </m:sSubPr>
+                                <m:e>
+                                  <m:r>
+                                    <a:rPr lang="es-ES" sz="2000" b="0" i="1" smtClean="0">
+                                      <a:latin typeface="Cambria Math" charset="0"/>
+                                    </a:rPr>
+                                    <m:t>𝑏</m:t>
+                                  </m:r>
+                                </m:e>
+                                <m:sub>
+                                  <m:r>
+                                    <a:rPr lang="es-ES" sz="2000" b="0" i="1" smtClean="0">
+                                      <a:latin typeface="Cambria Math" charset="0"/>
+                                    </a:rPr>
+                                    <m:t>2</m:t>
+                                  </m:r>
+                                </m:sub>
+                              </m:sSub>
+                              <m:r>
+                                <a:rPr lang="es-ES" sz="2000" b="0" i="1" smtClean="0">
+                                  <a:latin typeface="Cambria Math" charset="0"/>
+                                </a:rPr>
+                                <m:t>−</m:t>
+                              </m:r>
+                              <m:f>
+                                <m:fPr>
+                                  <m:ctrlPr>
+                                    <a:rPr lang="es-ES" sz="2000" i="1">
+                                      <a:latin typeface="Cambria Math" charset="0"/>
+                                    </a:rPr>
+                                  </m:ctrlPr>
+                                </m:fPr>
+                                <m:num>
+                                  <m:r>
+                                    <a:rPr lang="es-ES" sz="2000" i="1">
+                                      <a:latin typeface="Cambria Math" charset="0"/>
+                                    </a:rPr>
+                                    <m:t>5.1</m:t>
+                                  </m:r>
+                                </m:num>
+                                <m:den>
+                                  <m:r>
+                                    <a:rPr lang="es-ES" sz="2000" i="1">
+                                      <a:latin typeface="Cambria Math" charset="0"/>
+                                    </a:rPr>
+                                    <m:t>4</m:t>
+                                  </m:r>
+                                  <m:sSup>
+                                    <m:sSupPr>
+                                      <m:ctrlPr>
+                                        <a:rPr lang="es-ES" sz="2000" i="1">
+                                          <a:latin typeface="Cambria Math" charset="0"/>
+                                        </a:rPr>
+                                      </m:ctrlPr>
+                                    </m:sSupPr>
+                                    <m:e>
+                                      <m:r>
+                                        <a:rPr lang="es-ES" sz="2000" i="1">
+                                          <a:latin typeface="Cambria Math" charset="0"/>
+                                        </a:rPr>
+                                        <m:t>𝜋</m:t>
+                                      </m:r>
+                                    </m:e>
+                                    <m:sup>
+                                      <m:r>
+                                        <a:rPr lang="es-ES" sz="2000" i="1">
+                                          <a:latin typeface="Cambria Math" charset="0"/>
+                                        </a:rPr>
+                                        <m:t>2</m:t>
+                                      </m:r>
+                                    </m:sup>
+                                  </m:sSup>
+                                </m:den>
+                              </m:f>
+                              <m:sSubSup>
+                                <m:sSubSupPr>
+                                  <m:ctrlPr>
+                                    <a:rPr lang="es-ES" sz="2000" i="1">
+                                      <a:latin typeface="Cambria Math" charset="0"/>
+                                    </a:rPr>
+                                  </m:ctrlPr>
+                                </m:sSubSupPr>
+                                <m:e>
+                                  <m:r>
+                                    <a:rPr lang="es-ES" sz="2000" i="1">
+                                      <a:latin typeface="Cambria Math" charset="0"/>
+                                    </a:rPr>
+                                    <m:t>𝑏</m:t>
+                                  </m:r>
+                                </m:e>
+                                <m:sub>
+                                  <m:r>
+                                    <a:rPr lang="es-ES" sz="2000" i="1">
+                                      <a:latin typeface="Cambria Math" charset="0"/>
+                                    </a:rPr>
+                                    <m:t>1</m:t>
+                                  </m:r>
+                                </m:sub>
+                                <m:sup>
+                                  <m:r>
+                                    <a:rPr lang="es-ES" sz="2000" i="1">
+                                      <a:latin typeface="Cambria Math" charset="0"/>
+                                    </a:rPr>
+                                    <m:t>2</m:t>
+                                  </m:r>
+                                </m:sup>
+                              </m:sSubSup>
+                              <m:r>
+                                <a:rPr lang="es-ES" sz="2000" b="0" i="1" smtClean="0">
+                                  <a:latin typeface="Cambria Math" charset="0"/>
+                                </a:rPr>
+                                <m:t>−6</m:t>
+                              </m:r>
+                            </m:e>
+                          </m:d>
+                        </m:e>
+                        <m:sup>
+                          <m:r>
+                            <a:rPr lang="es-ES" sz="2000" b="0" i="1" smtClean="0">
+                              <a:latin typeface="Cambria Math" charset="0"/>
+                            </a:rPr>
+                            <m:t>2</m:t>
+                          </m:r>
+                        </m:sup>
+                      </m:sSup>
+                      <m:r>
+                        <a:rPr lang="es-ES" sz="2000" b="0" i="1" smtClean="0">
+                          <a:latin typeface="Cambria Math" charset="0"/>
+                        </a:rPr>
+                        <m:t>−</m:t>
+                      </m:r>
+                      <m:f>
+                        <m:fPr>
+                          <m:ctrlPr>
+                            <a:rPr lang="es-ES" sz="2000" b="0" i="1" smtClean="0">
+                              <a:latin typeface="Cambria Math" charset="0"/>
+                            </a:rPr>
+                          </m:ctrlPr>
+                        </m:fPr>
+                        <m:num>
+                          <m:r>
+                            <a:rPr lang="es-ES" sz="2000" b="0" i="1" smtClean="0">
+                              <a:latin typeface="Cambria Math" charset="0"/>
+                            </a:rPr>
+                            <m:t>1</m:t>
+                          </m:r>
+                        </m:num>
+                        <m:den>
+                          <m:r>
+                            <a:rPr lang="es-ES" sz="2000" b="0" i="1" smtClean="0">
+                              <a:latin typeface="Cambria Math" charset="0"/>
+                            </a:rPr>
+                            <m:t>3</m:t>
+                          </m:r>
+                        </m:den>
+                      </m:f>
+                      <m:d>
+                        <m:dPr>
+                          <m:begChr m:val="["/>
+                          <m:endChr m:val="]"/>
+                          <m:ctrlPr>
+                            <a:rPr lang="pt-BR" sz="2000" i="1">
+                              <a:latin typeface="Cambria Math" charset="0"/>
+                            </a:rPr>
+                          </m:ctrlPr>
+                        </m:dPr>
+                        <m:e>
+                          <m:d>
+                            <m:dPr>
+                              <m:ctrlPr>
+                                <a:rPr lang="is-IS" sz="2000" i="1">
+                                  <a:latin typeface="Cambria Math" charset="0"/>
+                                </a:rPr>
+                              </m:ctrlPr>
+                            </m:dPr>
+                            <m:e>
+                              <m:r>
+                                <a:rPr lang="es-ES" sz="2000" i="1">
+                                  <a:latin typeface="Cambria Math" charset="0"/>
+                                </a:rPr>
+                                <m:t>1−</m:t>
+                              </m:r>
+                              <m:f>
+                                <m:fPr>
+                                  <m:ctrlPr>
+                                    <a:rPr lang="es-ES" sz="2000" i="1">
+                                      <a:latin typeface="Cambria Math" charset="0"/>
+                                    </a:rPr>
+                                  </m:ctrlPr>
+                                </m:fPr>
+                                <m:num>
+                                  <m:r>
+                                    <a:rPr lang="es-ES" sz="2000" i="1">
+                                      <a:latin typeface="Cambria Math" charset="0"/>
+                                    </a:rPr>
+                                    <m:t>1</m:t>
+                                  </m:r>
+                                </m:num>
+                                <m:den>
+                                  <m:r>
+                                    <a:rPr lang="es-ES" sz="2000" i="1">
+                                      <a:latin typeface="Cambria Math" charset="0"/>
+                                    </a:rPr>
+                                    <m:t>8</m:t>
+                                  </m:r>
+                                  <m:r>
+                                    <a:rPr lang="es-ES" sz="2000" i="1">
+                                      <a:latin typeface="Cambria Math" charset="0"/>
+                                    </a:rPr>
+                                    <m:t>𝜋</m:t>
+                                  </m:r>
+                                </m:den>
+                              </m:f>
+                            </m:e>
+                          </m:d>
+                          <m:func>
+                            <m:funcPr>
+                              <m:ctrlPr>
+                                <a:rPr lang="es-ES" sz="2000" i="1">
+                                  <a:latin typeface="Cambria Math" charset="0"/>
+                                </a:rPr>
+                              </m:ctrlPr>
+                            </m:funcPr>
+                            <m:fName>
+                              <m:r>
+                                <m:rPr>
+                                  <m:sty m:val="p"/>
+                                </m:rPr>
+                                <a:rPr lang="es-ES" sz="2000">
+                                  <a:latin typeface="Cambria Math" charset="0"/>
+                                </a:rPr>
+                                <m:t>cos</m:t>
+                              </m:r>
+                            </m:fName>
+                            <m:e>
+                              <m:d>
+                                <m:dPr>
+                                  <m:ctrlPr>
+                                    <a:rPr lang="es-ES" sz="2000" i="1">
+                                      <a:latin typeface="Cambria Math" charset="0"/>
+                                    </a:rPr>
+                                  </m:ctrlPr>
+                                </m:dPr>
+                                <m:e>
+                                  <m:sSub>
+                                    <m:sSubPr>
+                                      <m:ctrlPr>
+                                        <a:rPr lang="es-ES" sz="2000" i="1">
+                                          <a:latin typeface="Cambria Math" charset="0"/>
+                                        </a:rPr>
+                                      </m:ctrlPr>
+                                    </m:sSubPr>
+                                    <m:e>
+                                      <m:r>
+                                        <a:rPr lang="es-ES" sz="2000" i="1">
+                                          <a:latin typeface="Cambria Math" charset="0"/>
+                                        </a:rPr>
+                                        <m:t>𝑏</m:t>
+                                      </m:r>
+                                    </m:e>
+                                    <m:sub>
+                                      <m:r>
+                                        <a:rPr lang="es-ES" sz="2000" i="1">
+                                          <a:latin typeface="Cambria Math" charset="0"/>
+                                        </a:rPr>
+                                        <m:t>1</m:t>
+                                      </m:r>
+                                    </m:sub>
+                                  </m:sSub>
+                                </m:e>
+                              </m:d>
+                            </m:e>
+                          </m:func>
+                          <m:r>
+                            <a:rPr lang="es-ES" sz="2000" i="1">
+                              <a:latin typeface="Cambria Math" charset="0"/>
+                            </a:rPr>
+                            <m:t>+1</m:t>
+                          </m:r>
+                        </m:e>
+                      </m:d>
+                    </m:oMath>
+                  </m:oMathPara>
+                </a14:m>
+                <a:endParaRPr lang="en-US" sz="2000" dirty="0"/>
+              </a:p>
+            </p:txBody>
+          </p:sp>
+        </mc:Choice>
+        <mc:Fallback>
+          <p:sp>
+            <p:nvSpPr>
+              <p:cNvPr id="141" name="TextBox 140"/>
+              <p:cNvSpPr txBox="1">
+                <a:spLocks noRot="1" noChangeAspect="1" noMove="1" noResize="1" noEditPoints="1" noAdjustHandles="1" noChangeArrowheads="1" noChangeShapeType="1" noTextEdit="1"/>
+              </p:cNvSpPr>
+              <p:nvPr/>
+            </p:nvSpPr>
+            <p:spPr>
+              <a:xfrm>
+                <a:off x="32806451" y="15722528"/>
+                <a:ext cx="10948717" cy="2261132"/>
+              </a:xfrm>
+              <a:prstGeom prst="rect">
+                <a:avLst/>
+              </a:prstGeom>
+              <a:blipFill rotWithShape="0">
+                <a:blip r:embed="rId16"/>
+                <a:stretch>
+                  <a:fillRect l="-1726" t="-4043"/>
+                </a:stretch>
+              </a:blipFill>
+            </p:spPr>
+            <p:txBody>
+              <a:bodyPr/>
+              <a:lstStyle/>
+              <a:p>
+                <a:r>
+                  <a:rPr lang="en-US">
+                    <a:noFill/>
+                  </a:rPr>
+                  <a:t> </a:t>
+                </a:r>
+              </a:p>
+            </p:txBody>
+          </p:sp>
+        </mc:Fallback>
+      </mc:AlternateContent>
+      <p:pic>
+        <p:nvPicPr>
+          <p:cNvPr id="3" name="Picture 2"/>
+          <p:cNvPicPr>
+            <a:picLocks noChangeAspect="1"/>
+          </p:cNvPicPr>
+          <p:nvPr/>
+        </p:nvPicPr>
+        <p:blipFill rotWithShape="1">
+          <a:blip r:embed="rId17">
+            <a:extLst>
+              <a:ext uri="{28A0092B-C50C-407E-A947-70E740481C1C}">
+                <a14:useLocalDpi xmlns:a14="http://schemas.microsoft.com/office/drawing/2010/main" val="0"/>
+              </a:ext>
+            </a:extLst>
+          </a:blip>
+          <a:srcRect l="4930" t="6497" r="8135"/>
+          <a:stretch/>
+        </p:blipFill>
+        <p:spPr>
+          <a:xfrm>
+            <a:off x="1006643" y="22402498"/>
+            <a:ext cx="9351592" cy="6914955"/>
+          </a:xfrm>
+          <a:prstGeom prst="rect">
+            <a:avLst/>
+          </a:prstGeom>
+        </p:spPr>
+      </p:pic>
       <p:sp>
         <p:nvSpPr>
-          <p:cNvPr id="141" name="TextBox 140"/>
+          <p:cNvPr id="68" name="TextBox 67"/>
           <p:cNvSpPr txBox="1"/>
           <p:nvPr/>
         </p:nvSpPr>
         <p:spPr>
           <a:xfrm>
-            <a:off x="33109332" y="15234201"/>
-            <a:ext cx="10645836" cy="707886"/>
+            <a:off x="33055124" y="22854501"/>
+            <a:ext cx="10451370" cy="4401205"/>
           </a:xfrm>
           <a:prstGeom prst="rect">
             <a:avLst/>
@@ -27329,15 +22289,36 @@
           </a:bodyPr>
           <a:lstStyle/>
           <a:p>
+            <a:pPr marL="571500" indent="-571500">
+              <a:buFont typeface="Arial" charset="0"/>
+              <a:buChar char="•"/>
+            </a:pPr>
             <a:r>
               <a:rPr lang="en-US" sz="4000" dirty="0" smtClean="0"/>
-              <a:t>A synthetic 2-dimensional problem </a:t>
+              <a:t>Using Gaussian process regressions is an effective method for building objective surrogates under uncertainty</a:t>
+            </a:r>
+          </a:p>
+          <a:p>
+            <a:pPr marL="571500" indent="-571500">
+              <a:buFont typeface="Arial" charset="0"/>
+              <a:buChar char="•"/>
+            </a:pPr>
+            <a:r>
+              <a:rPr lang="en-US" sz="4000" dirty="0" smtClean="0"/>
+              <a:t>The method </a:t>
             </a:r>
             <a:r>
-              <a:rPr lang="en-US" sz="4000" smtClean="0"/>
-              <a:t>was tested:</a:t>
+              <a:rPr lang="en-US" sz="4000" dirty="0"/>
+              <a:t> allows experimentalists to obtain an optimal </a:t>
             </a:r>
-            <a:endParaRPr lang="en-US" sz="4000" dirty="0"/>
+            <a:r>
+              <a:rPr lang="en-US" sz="4000" dirty="0" smtClean="0"/>
+              <a:t>set of </a:t>
+            </a:r>
+            <a:r>
+              <a:rPr lang="en-US" sz="4000" dirty="0"/>
+              <a:t>designs to apply in their experiments, with no extra costs or inefficient use of resources</a:t>
+            </a:r>
           </a:p>
         </p:txBody>
       </p:sp>
@@ -27359,102 +22340,6 @@
     </p:tnLst>
   </p:timing>
 </p:sld>
-</file>
-
-<file path=ppt/tags/tag1.xml><?xml version="1.0" encoding="utf-8"?>
-<p:tagLst xmlns:a="http://schemas.openxmlformats.org/drawingml/2006/main" xmlns:r="http://schemas.openxmlformats.org/officeDocument/2006/relationships" xmlns:p="http://schemas.openxmlformats.org/presentationml/2006/main">
-  <p:tag name="TEXPOINT" val="latex"/>
-  <p:tag name="SOURCE" val="\documentclass{slides}\pagestyle{empty}&#10;\usepackage{amsmath}&#10;\usepackage{amsfonts}&#10;\renewcommand{\textwidth}{10in}&#10;\begin{document}&#10;$\mathbf{z} = \mathbf{W} \mathbf{x} \in \mathbb{R}^{d \ll D}$&#10;\end{document}&#10;"/>
-  <p:tag name="FILENAME" val="txp_fig"/>
-  <p:tag name="FORMAT" val="pngmono"/>
-  <p:tag name="RES" val="1200"/>
-  <p:tag name="BLEND" val="0"/>
-  <p:tag name="TRANSPARENT" val="1"/>
-  <p:tag name="TBUG" val="0"/>
-  <p:tag name="ALLOWFS" val="0"/>
-  <p:tag name="ORIGWIDTH" val="158"/>
-  <p:tag name="PICTUREFILESIZE" val="7974"/>
-</p:tagLst>
-</file>
-
-<file path=ppt/tags/tag2.xml><?xml version="1.0" encoding="utf-8"?>
-<p:tagLst xmlns:a="http://schemas.openxmlformats.org/drawingml/2006/main" xmlns:r="http://schemas.openxmlformats.org/officeDocument/2006/relationships" xmlns:p="http://schemas.openxmlformats.org/presentationml/2006/main">
-  <p:tag name="TEXPOINT" val="latex"/>
-  <p:tag name="SOURCE" val="\documentclass{slides}\pagestyle{empty}&#10;\usepackage{amsmath}&#10;\usepackage{amsfonts}&#10;\renewcommand{\textwidth}{10in}&#10;\begin{document}&#10;$D\gg1$&#10;\end{document}&#10;"/>
-  <p:tag name="FILENAME" val="txp_fig"/>
-  <p:tag name="FORMAT" val="pngmono"/>
-  <p:tag name="RES" val="1200"/>
-  <p:tag name="BLEND" val="0"/>
-  <p:tag name="TRANSPARENT" val="0"/>
-  <p:tag name="TBUG" val="0"/>
-  <p:tag name="ALLOWFS" val="0"/>
-  <p:tag name="ORIGWIDTH" val="61"/>
-  <p:tag name="PICTUREFILESIZE" val="2384"/>
-</p:tagLst>
-</file>
-
-<file path=ppt/tags/tag3.xml><?xml version="1.0" encoding="utf-8"?>
-<p:tagLst xmlns:a="http://schemas.openxmlformats.org/drawingml/2006/main" xmlns:r="http://schemas.openxmlformats.org/officeDocument/2006/relationships" xmlns:p="http://schemas.openxmlformats.org/presentationml/2006/main">
-  <p:tag name="TEXPOINT" val="latex"/>
-  <p:tag name="SOURCE" val="\documentclass{slides}\pagestyle{empty}&#10;\usepackage{amsmath}&#10;\usepackage{amsfonts}&#10;\renewcommand{\textwidth}{10in}&#10;\begin{document}&#10;$\mathbf{x} \in \mathbb{R}^D$&#10;\end{document}&#10;"/>
-  <p:tag name="FILENAME" val="txp_fig"/>
-  <p:tag name="FORMAT" val="pngmono"/>
-  <p:tag name="RES" val="1200"/>
-  <p:tag name="BLEND" val="0"/>
-  <p:tag name="TRANSPARENT" val="1"/>
-  <p:tag name="TBUG" val="0"/>
-  <p:tag name="ALLOWFS" val="0"/>
-  <p:tag name="ORIGWIDTH" val="67"/>
-  <p:tag name="PICTUREFILESIZE" val="3527"/>
-</p:tagLst>
-</file>
-
-<file path=ppt/tags/tag4.xml><?xml version="1.0" encoding="utf-8"?>
-<p:tagLst xmlns:a="http://schemas.openxmlformats.org/drawingml/2006/main" xmlns:r="http://schemas.openxmlformats.org/officeDocument/2006/relationships" xmlns:p="http://schemas.openxmlformats.org/presentationml/2006/main">
-  <p:tag name="TEXPOINT" val="latex"/>
-  <p:tag name="SOURCE" val="\documentclass{slides}\pagestyle{empty}&#10;\usepackage{amsmath}&#10;\usepackage{amsfonts}&#10;\renewcommand{\textwidth}{10in}&#10;\begin{document}&#10;${y}=f(\mathbf{x}) \in \mathbb{R}$&#10;\end{document}&#10;"/>
-  <p:tag name="FILENAME" val="txp_fig"/>
-  <p:tag name="FORMAT" val="pngmono"/>
-  <p:tag name="RES" val="1200"/>
-  <p:tag name="BLEND" val="0"/>
-  <p:tag name="TRANSPARENT" val="1"/>
-  <p:tag name="TBUG" val="0"/>
-  <p:tag name="ALLOWFS" val="0"/>
-  <p:tag name="ORIGWIDTH" val="127"/>
-  <p:tag name="PICTUREFILESIZE" val="6415"/>
-</p:tagLst>
-</file>
-
-<file path=ppt/tags/tag5.xml><?xml version="1.0" encoding="utf-8"?>
-<p:tagLst xmlns:a="http://schemas.openxmlformats.org/drawingml/2006/main" xmlns:r="http://schemas.openxmlformats.org/officeDocument/2006/relationships" xmlns:p="http://schemas.openxmlformats.org/presentationml/2006/main">
-  <p:tag name="TEXPOINT" val="latex"/>
-  <p:tag name="SOURCE" val="\documentclass{slides}\pagestyle{empty}&#10;\usepackage{amsmath}&#10;\usepackage{amsfonts}&#10;\renewcommand{\textwidth}{10in}&#10;\begin{document}&#10;$g(\cdot) \sim \mathrm{GP}(g(\cdot)|m(\cdot),k_0(\cdot,\cdot))$&#10;\end{document}&#10;"/>
-  <p:tag name="FILENAME" val="txp_fig"/>
-  <p:tag name="FORMAT" val="pngmono"/>
-  <p:tag name="RES" val="1200"/>
-  <p:tag name="BLEND" val="0"/>
-  <p:tag name="TRANSPARENT" val="0"/>
-  <p:tag name="TBUG" val="0"/>
-  <p:tag name="ALLOWFS" val="0"/>
-  <p:tag name="ORIGWIDTH" val="271"/>
-  <p:tag name="PICTUREFILESIZE" val="14517"/>
-</p:tagLst>
-</file>
-
-<file path=ppt/tags/tag6.xml><?xml version="1.0" encoding="utf-8"?>
-<p:tagLst xmlns:a="http://schemas.openxmlformats.org/drawingml/2006/main" xmlns:r="http://schemas.openxmlformats.org/officeDocument/2006/relationships" xmlns:p="http://schemas.openxmlformats.org/presentationml/2006/main">
-  <p:tag name="TEXPOINT" val="latex"/>
-  <p:tag name="SOURCE" val="\documentclass{slides}\pagestyle{empty}&#10;\usepackage{amsmath}&#10;\usepackage{amsfonts}&#10;\renewcommand{\textwidth}{10in}&#10;\begin{document}&#10;${y}=g(\mathbf{z})$&#10;\end{document}&#10;"/>
-  <p:tag name="FILENAME" val="txp_fig"/>
-  <p:tag name="FORMAT" val="pngmono"/>
-  <p:tag name="RES" val="1200"/>
-  <p:tag name="BLEND" val="0"/>
-  <p:tag name="TRANSPARENT" val="1"/>
-  <p:tag name="TBUG" val="0"/>
-  <p:tag name="ALLOWFS" val="0"/>
-  <p:tag name="ORIGWIDTH" val="81"/>
-  <p:tag name="PICTUREFILESIZE" val="4222"/>
-</p:tagLst>
 </file>
 
 <file path=ppt/theme/theme1.xml><?xml version="1.0" encoding="utf-8"?>
